--- a/main_matlab_figures/New Microsoft PowerPoint Presentation (4).pptx
+++ b/main_matlab_figures/New Microsoft PowerPoint Presentation (4).pptx
@@ -259,7 +259,7 @@
           <a:p>
             <a:fld id="{D665B2A5-0536-4469-8519-ACEA26E5B44D}" type="datetimeFigureOut">
               <a:rPr lang="en-US" smtClean="0"/>
-              <a:t>1/22/2022</a:t>
+              <a:t>1/24/2022</a:t>
             </a:fld>
             <a:endParaRPr lang="en-US"/>
           </a:p>
@@ -457,7 +457,7 @@
           <a:p>
             <a:fld id="{D665B2A5-0536-4469-8519-ACEA26E5B44D}" type="datetimeFigureOut">
               <a:rPr lang="en-US" smtClean="0"/>
-              <a:t>1/22/2022</a:t>
+              <a:t>1/24/2022</a:t>
             </a:fld>
             <a:endParaRPr lang="en-US"/>
           </a:p>
@@ -665,7 +665,7 @@
           <a:p>
             <a:fld id="{D665B2A5-0536-4469-8519-ACEA26E5B44D}" type="datetimeFigureOut">
               <a:rPr lang="en-US" smtClean="0"/>
-              <a:t>1/22/2022</a:t>
+              <a:t>1/24/2022</a:t>
             </a:fld>
             <a:endParaRPr lang="en-US"/>
           </a:p>
@@ -863,7 +863,7 @@
           <a:p>
             <a:fld id="{D665B2A5-0536-4469-8519-ACEA26E5B44D}" type="datetimeFigureOut">
               <a:rPr lang="en-US" smtClean="0"/>
-              <a:t>1/22/2022</a:t>
+              <a:t>1/24/2022</a:t>
             </a:fld>
             <a:endParaRPr lang="en-US"/>
           </a:p>
@@ -1138,7 +1138,7 @@
           <a:p>
             <a:fld id="{D665B2A5-0536-4469-8519-ACEA26E5B44D}" type="datetimeFigureOut">
               <a:rPr lang="en-US" smtClean="0"/>
-              <a:t>1/22/2022</a:t>
+              <a:t>1/24/2022</a:t>
             </a:fld>
             <a:endParaRPr lang="en-US"/>
           </a:p>
@@ -1403,7 +1403,7 @@
           <a:p>
             <a:fld id="{D665B2A5-0536-4469-8519-ACEA26E5B44D}" type="datetimeFigureOut">
               <a:rPr lang="en-US" smtClean="0"/>
-              <a:t>1/22/2022</a:t>
+              <a:t>1/24/2022</a:t>
             </a:fld>
             <a:endParaRPr lang="en-US"/>
           </a:p>
@@ -1815,7 +1815,7 @@
           <a:p>
             <a:fld id="{D665B2A5-0536-4469-8519-ACEA26E5B44D}" type="datetimeFigureOut">
               <a:rPr lang="en-US" smtClean="0"/>
-              <a:t>1/22/2022</a:t>
+              <a:t>1/24/2022</a:t>
             </a:fld>
             <a:endParaRPr lang="en-US"/>
           </a:p>
@@ -1956,7 +1956,7 @@
           <a:p>
             <a:fld id="{D665B2A5-0536-4469-8519-ACEA26E5B44D}" type="datetimeFigureOut">
               <a:rPr lang="en-US" smtClean="0"/>
-              <a:t>1/22/2022</a:t>
+              <a:t>1/24/2022</a:t>
             </a:fld>
             <a:endParaRPr lang="en-US"/>
           </a:p>
@@ -2069,7 +2069,7 @@
           <a:p>
             <a:fld id="{D665B2A5-0536-4469-8519-ACEA26E5B44D}" type="datetimeFigureOut">
               <a:rPr lang="en-US" smtClean="0"/>
-              <a:t>1/22/2022</a:t>
+              <a:t>1/24/2022</a:t>
             </a:fld>
             <a:endParaRPr lang="en-US"/>
           </a:p>
@@ -2380,7 +2380,7 @@
           <a:p>
             <a:fld id="{D665B2A5-0536-4469-8519-ACEA26E5B44D}" type="datetimeFigureOut">
               <a:rPr lang="en-US" smtClean="0"/>
-              <a:t>1/22/2022</a:t>
+              <a:t>1/24/2022</a:t>
             </a:fld>
             <a:endParaRPr lang="en-US"/>
           </a:p>
@@ -2668,7 +2668,7 @@
           <a:p>
             <a:fld id="{D665B2A5-0536-4469-8519-ACEA26E5B44D}" type="datetimeFigureOut">
               <a:rPr lang="en-US" smtClean="0"/>
-              <a:t>1/22/2022</a:t>
+              <a:t>1/24/2022</a:t>
             </a:fld>
             <a:endParaRPr lang="en-US"/>
           </a:p>
@@ -2909,7 +2909,7 @@
           <a:p>
             <a:fld id="{D665B2A5-0536-4469-8519-ACEA26E5B44D}" type="datetimeFigureOut">
               <a:rPr lang="en-US" smtClean="0"/>
-              <a:t>1/22/2022</a:t>
+              <a:t>1/24/2022</a:t>
             </a:fld>
             <a:endParaRPr lang="en-US"/>
           </a:p>
@@ -3464,7 +3464,7 @@
                           <m:ctrlPr>
                             <a:rPr lang="en-US" b="0" i="1" smtClean="0">
                               <a:solidFill>
-                                <a:schemeClr val="accent1"/>
+                                <a:schemeClr val="tx1"/>
                               </a:solidFill>
                               <a:latin typeface="Cambria Math" panose="02040503050406030204" pitchFamily="18" charset="0"/>
                             </a:rPr>
@@ -3474,7 +3474,7 @@
                           <m:r>
                             <a:rPr lang="en-US" i="1" smtClean="0">
                               <a:solidFill>
-                                <a:schemeClr val="accent1"/>
+                                <a:schemeClr val="tx1"/>
                               </a:solidFill>
                               <a:latin typeface="Cambria Math" panose="02040503050406030204" pitchFamily="18" charset="0"/>
                             </a:rPr>
@@ -3485,7 +3485,7 @@
                           <m:r>
                             <a:rPr lang="en-US" b="0" i="1" smtClean="0">
                               <a:solidFill>
-                                <a:schemeClr val="accent1"/>
+                                <a:schemeClr val="tx1"/>
                               </a:solidFill>
                               <a:latin typeface="Cambria Math" panose="02040503050406030204" pitchFamily="18" charset="0"/>
                             </a:rPr>
@@ -5240,8 +5240,8 @@
           </p:sp>
         </mc:Fallback>
       </mc:AlternateContent>
-      <mc:AlternateContent xmlns:mc="http://schemas.openxmlformats.org/markup-compatibility/2006">
-        <mc:Choice xmlns:a14="http://schemas.microsoft.com/office/drawing/2010/main" Requires="a14">
+      <mc:AlternateContent xmlns:mc="http://schemas.openxmlformats.org/markup-compatibility/2006" xmlns:a14="http://schemas.microsoft.com/office/drawing/2010/main">
+        <mc:Choice Requires="a14">
           <p:sp>
             <p:nvSpPr>
               <p:cNvPr id="17" name="TextBox 16">
@@ -5319,7 +5319,7 @@
             </p:txBody>
           </p:sp>
         </mc:Choice>
-        <mc:Fallback>
+        <mc:Fallback xmlns="">
           <p:sp>
             <p:nvSpPr>
               <p:cNvPr id="17" name="TextBox 16">
@@ -5380,8 +5380,8 @@
             </p:nvSpPr>
             <p:spPr>
               <a:xfrm>
-                <a:off x="5610445" y="4025547"/>
-                <a:ext cx="826959" cy="362984"/>
+                <a:off x="5820342" y="4025307"/>
+                <a:ext cx="868045" cy="369332"/>
               </a:xfrm>
               <a:prstGeom prst="rect">
                 <a:avLst/>
@@ -5401,9 +5401,8 @@
                         <m:ctrlPr>
                           <a:rPr lang="en-US" b="0" i="1" smtClean="0">
                             <a:solidFill>
-                              <a:schemeClr val="accent1"/>
+                              <a:schemeClr val="tx1"/>
                             </a:solidFill>
-                            <a:latin typeface="Cambria Math" panose="02040503050406030204" pitchFamily="18" charset="0"/>
                           </a:rPr>
                         </m:ctrlPr>
                       </m:sSubPr>
@@ -5411,9 +5410,8 @@
                         <m:r>
                           <a:rPr lang="en-US" i="1" smtClean="0">
                             <a:solidFill>
-                              <a:schemeClr val="accent1"/>
+                              <a:schemeClr val="tx1"/>
                             </a:solidFill>
-                            <a:latin typeface="Cambria Math" panose="02040503050406030204" pitchFamily="18" charset="0"/>
                           </a:rPr>
                           <m:t>𝑝</m:t>
                         </m:r>
@@ -5422,9 +5420,8 @@
                         <m:r>
                           <a:rPr lang="en-US" b="0" i="1" smtClean="0">
                             <a:solidFill>
-                              <a:schemeClr val="accent1"/>
+                              <a:schemeClr val="tx1"/>
                             </a:solidFill>
-                            <a:latin typeface="Cambria Math" panose="02040503050406030204" pitchFamily="18" charset="0"/>
                           </a:rPr>
                           <m:t>𝑐</m:t>
                         </m:r>
@@ -5433,30 +5430,30 @@
                   </m:oMath>
                 </a14:m>
                 <a:r>
-                  <a:rPr lang="en-US" sz="1600" dirty="0">
+                  <a:rPr lang="en-US" dirty="0">
                     <a:solidFill>
-                      <a:schemeClr val="accent1"/>
+                      <a:schemeClr val="tx1"/>
                     </a:solidFill>
                   </a:rPr>
                   <a:t>-</a:t>
                 </a:r>
                 <a:r>
-                  <a:rPr lang="en-US" sz="1600" i="1" dirty="0">
+                  <a:rPr lang="en-US" i="1" dirty="0">
                     <a:solidFill>
-                      <a:schemeClr val="accent1"/>
+                      <a:schemeClr val="tx1"/>
                     </a:solidFill>
                   </a:rPr>
                   <a:t>N</a:t>
                 </a:r>
                 <a:r>
-                  <a:rPr lang="en-US" sz="1600" dirty="0">
+                  <a:rPr lang="en-US" dirty="0">
                     <a:solidFill>
-                      <a:schemeClr val="accent1"/>
+                      <a:schemeClr val="tx1"/>
                     </a:solidFill>
                   </a:rPr>
                   <a:t>+1</a:t>
                 </a:r>
-                <a:endParaRPr lang="en-US" sz="1600" dirty="0">
+                <a:endParaRPr lang="en-US" dirty="0">
                   <a:solidFill>
                     <a:srgbClr val="FF0000"/>
                   </a:solidFill>
@@ -5482,8 +5479,8 @@
             </p:nvSpPr>
             <p:spPr>
               <a:xfrm>
-                <a:off x="5610445" y="4025547"/>
-                <a:ext cx="826959" cy="362984"/>
+                <a:off x="5820342" y="4025307"/>
+                <a:ext cx="868045" cy="369332"/>
               </a:xfrm>
               <a:prstGeom prst="rect">
                 <a:avLst/>
@@ -5491,7 +5488,7 @@
               <a:blipFill>
                 <a:blip r:embed="rId6"/>
                 <a:stretch>
-                  <a:fillRect b="-20000"/>
+                  <a:fillRect t="-8197" r="-3521" b="-24590"/>
                 </a:stretch>
               </a:blipFill>
             </p:spPr>
@@ -5510,8 +5507,8 @@
           </p:sp>
         </mc:Fallback>
       </mc:AlternateContent>
-      <mc:AlternateContent xmlns:mc="http://schemas.openxmlformats.org/markup-compatibility/2006" xmlns:a14="http://schemas.microsoft.com/office/drawing/2010/main">
-        <mc:Choice Requires="a14">
+      <mc:AlternateContent xmlns:mc="http://schemas.openxmlformats.org/markup-compatibility/2006">
+        <mc:Choice xmlns:a14="http://schemas.microsoft.com/office/drawing/2010/main" Requires="a14">
           <p:sp>
             <p:nvSpPr>
               <p:cNvPr id="19" name="TextBox 18">
@@ -5553,7 +5550,7 @@
                           <m:ctrlPr>
                             <a:rPr lang="en-US" i="1" smtClean="0">
                               <a:solidFill>
-                                <a:schemeClr val="accent1"/>
+                                <a:schemeClr val="tx1"/>
                               </a:solidFill>
                               <a:latin typeface="Cambria Math" panose="02040503050406030204" pitchFamily="18" charset="0"/>
                             </a:rPr>
@@ -5563,7 +5560,7 @@
                           <m:r>
                             <a:rPr lang="en-US" b="0" i="1" smtClean="0">
                               <a:solidFill>
-                                <a:schemeClr val="accent1"/>
+                                <a:schemeClr val="tx1"/>
                               </a:solidFill>
                               <a:latin typeface="Cambria Math" panose="02040503050406030204" pitchFamily="18" charset="0"/>
                             </a:rPr>
@@ -5583,7 +5580,7 @@
             </p:txBody>
           </p:sp>
         </mc:Choice>
-        <mc:Fallback xmlns="">
+        <mc:Fallback>
           <p:sp>
             <p:nvSpPr>
               <p:cNvPr id="19" name="TextBox 18">
@@ -5651,6 +5648,9 @@
             <a:avLst/>
           </a:prstGeom>
           <a:ln w="19050">
+            <a:solidFill>
+              <a:schemeClr val="tx1"/>
+            </a:solidFill>
             <a:tailEnd type="triangle"/>
           </a:ln>
         </p:spPr>
@@ -5692,6 +5692,9 @@
             <a:avLst/>
           </a:prstGeom>
           <a:ln w="19050">
+            <a:solidFill>
+              <a:schemeClr val="tx1"/>
+            </a:solidFill>
             <a:tailEnd type="triangle"/>
           </a:ln>
         </p:spPr>
@@ -5710,8 +5713,8 @@
           </a:fontRef>
         </p:style>
       </p:cxnSp>
-      <mc:AlternateContent xmlns:mc="http://schemas.openxmlformats.org/markup-compatibility/2006" xmlns:a14="http://schemas.microsoft.com/office/drawing/2010/main">
-        <mc:Choice Requires="a14">
+      <mc:AlternateContent xmlns:mc="http://schemas.openxmlformats.org/markup-compatibility/2006">
+        <mc:Choice xmlns:a14="http://schemas.microsoft.com/office/drawing/2010/main" Requires="a14">
           <p:sp>
             <p:nvSpPr>
               <p:cNvPr id="22" name="TextBox 21">
@@ -5750,7 +5753,7 @@
                       <m:r>
                         <a:rPr lang="en-US" sz="1600" i="1" smtClean="0">
                           <a:solidFill>
-                            <a:schemeClr val="accent1"/>
+                            <a:schemeClr val="tx1"/>
                           </a:solidFill>
                           <a:latin typeface="Cambria Math" panose="02040503050406030204" pitchFamily="18" charset="0"/>
                           <a:ea typeface="Cambria Math" panose="02040503050406030204" pitchFamily="18" charset="0"/>
@@ -5762,14 +5765,14 @@
                 </a14:m>
                 <a:endParaRPr lang="en-US" sz="1600" dirty="0">
                   <a:solidFill>
-                    <a:schemeClr val="accent1"/>
+                    <a:schemeClr val="tx1"/>
                   </a:solidFill>
                 </a:endParaRPr>
               </a:p>
             </p:txBody>
           </p:sp>
         </mc:Choice>
-        <mc:Fallback xmlns="">
+        <mc:Fallback>
           <p:sp>
             <p:nvSpPr>
               <p:cNvPr id="22" name="TextBox 21">
@@ -5841,6 +5844,474 @@
               <a:schemeClr val="accent1"/>
             </a:solidFill>
           </a:ln>
+        </p:spPr>
+        <p:style>
+          <a:lnRef idx="1">
+            <a:schemeClr val="accent1"/>
+          </a:lnRef>
+          <a:fillRef idx="0">
+            <a:schemeClr val="accent1"/>
+          </a:fillRef>
+          <a:effectRef idx="0">
+            <a:schemeClr val="accent1"/>
+          </a:effectRef>
+          <a:fontRef idx="minor">
+            <a:schemeClr val="tx1"/>
+          </a:fontRef>
+        </p:style>
+      </p:cxnSp>
+      <p:cxnSp>
+        <p:nvCxnSpPr>
+          <p:cNvPr id="3" name="Straight Connector 2">
+            <a:extLst>
+              <a:ext uri="{FF2B5EF4-FFF2-40B4-BE49-F238E27FC236}">
+                <a16:creationId xmlns:a16="http://schemas.microsoft.com/office/drawing/2014/main" id="{37485A5C-DCF3-43B2-8B8F-17FE98BF7FC6}"/>
+              </a:ext>
+            </a:extLst>
+          </p:cNvPr>
+          <p:cNvCxnSpPr/>
+          <p:nvPr/>
+        </p:nvCxnSpPr>
+        <p:spPr>
+          <a:xfrm flipH="1">
+            <a:off x="5261242" y="3053076"/>
+            <a:ext cx="310922" cy="286149"/>
+          </a:xfrm>
+          <a:prstGeom prst="line">
+            <a:avLst/>
+          </a:prstGeom>
+          <a:ln w="31750"/>
+        </p:spPr>
+        <p:style>
+          <a:lnRef idx="1">
+            <a:schemeClr val="accent1"/>
+          </a:lnRef>
+          <a:fillRef idx="0">
+            <a:schemeClr val="accent1"/>
+          </a:fillRef>
+          <a:effectRef idx="0">
+            <a:schemeClr val="accent1"/>
+          </a:effectRef>
+          <a:fontRef idx="minor">
+            <a:schemeClr val="tx1"/>
+          </a:fontRef>
+        </p:style>
+      </p:cxnSp>
+      <p:cxnSp>
+        <p:nvCxnSpPr>
+          <p:cNvPr id="24" name="Straight Connector 23">
+            <a:extLst>
+              <a:ext uri="{FF2B5EF4-FFF2-40B4-BE49-F238E27FC236}">
+                <a16:creationId xmlns:a16="http://schemas.microsoft.com/office/drawing/2014/main" id="{4B1E6223-69FF-485A-8F58-64971BFCF8D0}"/>
+              </a:ext>
+            </a:extLst>
+          </p:cNvPr>
+          <p:cNvCxnSpPr>
+            <a:cxnSpLocks/>
+            <a:endCxn id="16" idx="1"/>
+          </p:cNvCxnSpPr>
+          <p:nvPr/>
+        </p:nvCxnSpPr>
+        <p:spPr>
+          <a:xfrm flipH="1">
+            <a:off x="5261242" y="3057596"/>
+            <a:ext cx="482274" cy="450906"/>
+          </a:xfrm>
+          <a:prstGeom prst="line">
+            <a:avLst/>
+          </a:prstGeom>
+          <a:ln w="31750"/>
+        </p:spPr>
+        <p:style>
+          <a:lnRef idx="1">
+            <a:schemeClr val="accent1"/>
+          </a:lnRef>
+          <a:fillRef idx="0">
+            <a:schemeClr val="accent1"/>
+          </a:fillRef>
+          <a:effectRef idx="0">
+            <a:schemeClr val="accent1"/>
+          </a:effectRef>
+          <a:fontRef idx="minor">
+            <a:schemeClr val="tx1"/>
+          </a:fontRef>
+        </p:style>
+      </p:cxnSp>
+      <p:cxnSp>
+        <p:nvCxnSpPr>
+          <p:cNvPr id="25" name="Straight Connector 24">
+            <a:extLst>
+              <a:ext uri="{FF2B5EF4-FFF2-40B4-BE49-F238E27FC236}">
+                <a16:creationId xmlns:a16="http://schemas.microsoft.com/office/drawing/2014/main" id="{84557213-50E3-4B36-AE52-9D49387CF2AB}"/>
+              </a:ext>
+            </a:extLst>
+          </p:cNvPr>
+          <p:cNvCxnSpPr>
+            <a:cxnSpLocks/>
+          </p:cNvCxnSpPr>
+          <p:nvPr/>
+        </p:nvCxnSpPr>
+        <p:spPr>
+          <a:xfrm flipH="1">
+            <a:off x="5438979" y="3518595"/>
+            <a:ext cx="464136" cy="450734"/>
+          </a:xfrm>
+          <a:prstGeom prst="line">
+            <a:avLst/>
+          </a:prstGeom>
+          <a:ln w="31750"/>
+        </p:spPr>
+        <p:style>
+          <a:lnRef idx="1">
+            <a:schemeClr val="accent1"/>
+          </a:lnRef>
+          <a:fillRef idx="0">
+            <a:schemeClr val="accent1"/>
+          </a:fillRef>
+          <a:effectRef idx="0">
+            <a:schemeClr val="accent1"/>
+          </a:effectRef>
+          <a:fontRef idx="minor">
+            <a:schemeClr val="tx1"/>
+          </a:fontRef>
+        </p:style>
+      </p:cxnSp>
+      <p:cxnSp>
+        <p:nvCxnSpPr>
+          <p:cNvPr id="26" name="Straight Connector 25">
+            <a:extLst>
+              <a:ext uri="{FF2B5EF4-FFF2-40B4-BE49-F238E27FC236}">
+                <a16:creationId xmlns:a16="http://schemas.microsoft.com/office/drawing/2014/main" id="{C01CBE17-919C-44AE-9281-D9BE0FA0883C}"/>
+              </a:ext>
+            </a:extLst>
+          </p:cNvPr>
+          <p:cNvCxnSpPr>
+            <a:cxnSpLocks/>
+          </p:cNvCxnSpPr>
+          <p:nvPr/>
+        </p:nvCxnSpPr>
+        <p:spPr>
+          <a:xfrm flipH="1">
+            <a:off x="5249803" y="3647424"/>
+            <a:ext cx="205704" cy="192805"/>
+          </a:xfrm>
+          <a:prstGeom prst="line">
+            <a:avLst/>
+          </a:prstGeom>
+          <a:ln w="31750"/>
+        </p:spPr>
+        <p:style>
+          <a:lnRef idx="1">
+            <a:schemeClr val="accent1"/>
+          </a:lnRef>
+          <a:fillRef idx="0">
+            <a:schemeClr val="accent1"/>
+          </a:fillRef>
+          <a:effectRef idx="0">
+            <a:schemeClr val="accent1"/>
+          </a:effectRef>
+          <a:fontRef idx="minor">
+            <a:schemeClr val="tx1"/>
+          </a:fontRef>
+        </p:style>
+      </p:cxnSp>
+      <p:cxnSp>
+        <p:nvCxnSpPr>
+          <p:cNvPr id="27" name="Straight Connector 26">
+            <a:extLst>
+              <a:ext uri="{FF2B5EF4-FFF2-40B4-BE49-F238E27FC236}">
+                <a16:creationId xmlns:a16="http://schemas.microsoft.com/office/drawing/2014/main" id="{E11983F0-4E0E-4EF7-B7E9-21D5333C2623}"/>
+              </a:ext>
+            </a:extLst>
+          </p:cNvPr>
+          <p:cNvCxnSpPr>
+            <a:cxnSpLocks/>
+            <a:stCxn id="16" idx="2"/>
+          </p:cNvCxnSpPr>
+          <p:nvPr/>
+        </p:nvCxnSpPr>
+        <p:spPr>
+          <a:xfrm flipH="1">
+            <a:off x="5280076" y="3677779"/>
+            <a:ext cx="290830" cy="290391"/>
+          </a:xfrm>
+          <a:prstGeom prst="line">
+            <a:avLst/>
+          </a:prstGeom>
+          <a:ln w="31750"/>
+        </p:spPr>
+        <p:style>
+          <a:lnRef idx="1">
+            <a:schemeClr val="accent1"/>
+          </a:lnRef>
+          <a:fillRef idx="0">
+            <a:schemeClr val="accent1"/>
+          </a:fillRef>
+          <a:effectRef idx="0">
+            <a:schemeClr val="accent1"/>
+          </a:effectRef>
+          <a:fontRef idx="minor">
+            <a:schemeClr val="tx1"/>
+          </a:fontRef>
+        </p:style>
+      </p:cxnSp>
+      <p:cxnSp>
+        <p:nvCxnSpPr>
+          <p:cNvPr id="35" name="Straight Connector 34">
+            <a:extLst>
+              <a:ext uri="{FF2B5EF4-FFF2-40B4-BE49-F238E27FC236}">
+                <a16:creationId xmlns:a16="http://schemas.microsoft.com/office/drawing/2014/main" id="{FB6852C7-E1E9-4E2D-89F9-FD2A259C068F}"/>
+              </a:ext>
+            </a:extLst>
+          </p:cNvPr>
+          <p:cNvCxnSpPr>
+            <a:cxnSpLocks/>
+          </p:cNvCxnSpPr>
+          <p:nvPr/>
+        </p:nvCxnSpPr>
+        <p:spPr>
+          <a:xfrm flipH="1">
+            <a:off x="5589741" y="3683630"/>
+            <a:ext cx="290830" cy="290391"/>
+          </a:xfrm>
+          <a:prstGeom prst="line">
+            <a:avLst/>
+          </a:prstGeom>
+          <a:ln w="31750"/>
+        </p:spPr>
+        <p:style>
+          <a:lnRef idx="1">
+            <a:schemeClr val="accent1"/>
+          </a:lnRef>
+          <a:fillRef idx="0">
+            <a:schemeClr val="accent1"/>
+          </a:fillRef>
+          <a:effectRef idx="0">
+            <a:schemeClr val="accent1"/>
+          </a:effectRef>
+          <a:fontRef idx="minor">
+            <a:schemeClr val="tx1"/>
+          </a:fontRef>
+        </p:style>
+      </p:cxnSp>
+      <p:cxnSp>
+        <p:nvCxnSpPr>
+          <p:cNvPr id="36" name="Straight Connector 35">
+            <a:extLst>
+              <a:ext uri="{FF2B5EF4-FFF2-40B4-BE49-F238E27FC236}">
+                <a16:creationId xmlns:a16="http://schemas.microsoft.com/office/drawing/2014/main" id="{C36B0F41-1D75-4C0F-9FD0-663B7F902010}"/>
+              </a:ext>
+            </a:extLst>
+          </p:cNvPr>
+          <p:cNvCxnSpPr>
+            <a:cxnSpLocks/>
+          </p:cNvCxnSpPr>
+          <p:nvPr/>
+        </p:nvCxnSpPr>
+        <p:spPr>
+          <a:xfrm flipH="1">
+            <a:off x="5721825" y="3804925"/>
+            <a:ext cx="185673" cy="176358"/>
+          </a:xfrm>
+          <a:prstGeom prst="line">
+            <a:avLst/>
+          </a:prstGeom>
+          <a:ln w="31750"/>
+        </p:spPr>
+        <p:style>
+          <a:lnRef idx="1">
+            <a:schemeClr val="accent1"/>
+          </a:lnRef>
+          <a:fillRef idx="0">
+            <a:schemeClr val="accent1"/>
+          </a:fillRef>
+          <a:effectRef idx="0">
+            <a:schemeClr val="accent1"/>
+          </a:effectRef>
+          <a:fontRef idx="minor">
+            <a:schemeClr val="tx1"/>
+          </a:fontRef>
+        </p:style>
+      </p:cxnSp>
+      <p:cxnSp>
+        <p:nvCxnSpPr>
+          <p:cNvPr id="37" name="Straight Connector 36">
+            <a:extLst>
+              <a:ext uri="{FF2B5EF4-FFF2-40B4-BE49-F238E27FC236}">
+                <a16:creationId xmlns:a16="http://schemas.microsoft.com/office/drawing/2014/main" id="{70FC5091-59CA-4BC6-910F-82A24F5B7E83}"/>
+              </a:ext>
+            </a:extLst>
+          </p:cNvPr>
+          <p:cNvCxnSpPr>
+            <a:cxnSpLocks/>
+          </p:cNvCxnSpPr>
+          <p:nvPr/>
+        </p:nvCxnSpPr>
+        <p:spPr>
+          <a:xfrm flipH="1">
+            <a:off x="5599089" y="3104602"/>
+            <a:ext cx="250761" cy="248958"/>
+          </a:xfrm>
+          <a:prstGeom prst="line">
+            <a:avLst/>
+          </a:prstGeom>
+          <a:ln w="31750"/>
+        </p:spPr>
+        <p:style>
+          <a:lnRef idx="1">
+            <a:schemeClr val="accent1"/>
+          </a:lnRef>
+          <a:fillRef idx="0">
+            <a:schemeClr val="accent1"/>
+          </a:fillRef>
+          <a:effectRef idx="0">
+            <a:schemeClr val="accent1"/>
+          </a:effectRef>
+          <a:fontRef idx="minor">
+            <a:schemeClr val="tx1"/>
+          </a:fontRef>
+        </p:style>
+      </p:cxnSp>
+      <p:cxnSp>
+        <p:nvCxnSpPr>
+          <p:cNvPr id="42" name="Straight Connector 41">
+            <a:extLst>
+              <a:ext uri="{FF2B5EF4-FFF2-40B4-BE49-F238E27FC236}">
+                <a16:creationId xmlns:a16="http://schemas.microsoft.com/office/drawing/2014/main" id="{0555897B-E1DA-4AA1-9094-5B502E7F99D8}"/>
+              </a:ext>
+            </a:extLst>
+          </p:cNvPr>
+          <p:cNvCxnSpPr>
+            <a:cxnSpLocks/>
+          </p:cNvCxnSpPr>
+          <p:nvPr/>
+        </p:nvCxnSpPr>
+        <p:spPr>
+          <a:xfrm flipH="1">
+            <a:off x="5692673" y="3187120"/>
+            <a:ext cx="250761" cy="248958"/>
+          </a:xfrm>
+          <a:prstGeom prst="line">
+            <a:avLst/>
+          </a:prstGeom>
+          <a:ln w="31750"/>
+        </p:spPr>
+        <p:style>
+          <a:lnRef idx="1">
+            <a:schemeClr val="accent1"/>
+          </a:lnRef>
+          <a:fillRef idx="0">
+            <a:schemeClr val="accent1"/>
+          </a:fillRef>
+          <a:effectRef idx="0">
+            <a:schemeClr val="accent1"/>
+          </a:effectRef>
+          <a:fontRef idx="minor">
+            <a:schemeClr val="tx1"/>
+          </a:fontRef>
+        </p:style>
+      </p:cxnSp>
+      <p:cxnSp>
+        <p:nvCxnSpPr>
+          <p:cNvPr id="43" name="Straight Connector 42">
+            <a:extLst>
+              <a:ext uri="{FF2B5EF4-FFF2-40B4-BE49-F238E27FC236}">
+                <a16:creationId xmlns:a16="http://schemas.microsoft.com/office/drawing/2014/main" id="{0047D76E-B40D-456C-8CA7-C460D851FB5A}"/>
+              </a:ext>
+            </a:extLst>
+          </p:cNvPr>
+          <p:cNvCxnSpPr>
+            <a:cxnSpLocks/>
+          </p:cNvCxnSpPr>
+          <p:nvPr/>
+        </p:nvCxnSpPr>
+        <p:spPr>
+          <a:xfrm flipH="1">
+            <a:off x="5721825" y="3287699"/>
+            <a:ext cx="250761" cy="248958"/>
+          </a:xfrm>
+          <a:prstGeom prst="line">
+            <a:avLst/>
+          </a:prstGeom>
+          <a:ln w="31750"/>
+        </p:spPr>
+        <p:style>
+          <a:lnRef idx="1">
+            <a:schemeClr val="accent1"/>
+          </a:lnRef>
+          <a:fillRef idx="0">
+            <a:schemeClr val="accent1"/>
+          </a:fillRef>
+          <a:effectRef idx="0">
+            <a:schemeClr val="accent1"/>
+          </a:effectRef>
+          <a:fontRef idx="minor">
+            <a:schemeClr val="tx1"/>
+          </a:fontRef>
+        </p:style>
+      </p:cxnSp>
+      <p:cxnSp>
+        <p:nvCxnSpPr>
+          <p:cNvPr id="44" name="Straight Connector 43">
+            <a:extLst>
+              <a:ext uri="{FF2B5EF4-FFF2-40B4-BE49-F238E27FC236}">
+                <a16:creationId xmlns:a16="http://schemas.microsoft.com/office/drawing/2014/main" id="{73CB17C2-7B6B-4594-8BA3-B9D7528A1D57}"/>
+              </a:ext>
+            </a:extLst>
+          </p:cNvPr>
+          <p:cNvCxnSpPr>
+            <a:cxnSpLocks/>
+          </p:cNvCxnSpPr>
+          <p:nvPr/>
+        </p:nvCxnSpPr>
+        <p:spPr>
+          <a:xfrm flipH="1">
+            <a:off x="5230785" y="3573848"/>
+            <a:ext cx="154124" cy="139228"/>
+          </a:xfrm>
+          <a:prstGeom prst="line">
+            <a:avLst/>
+          </a:prstGeom>
+          <a:ln w="31750"/>
+        </p:spPr>
+        <p:style>
+          <a:lnRef idx="1">
+            <a:schemeClr val="accent1"/>
+          </a:lnRef>
+          <a:fillRef idx="0">
+            <a:schemeClr val="accent1"/>
+          </a:fillRef>
+          <a:effectRef idx="0">
+            <a:schemeClr val="accent1"/>
+          </a:effectRef>
+          <a:fontRef idx="minor">
+            <a:schemeClr val="tx1"/>
+          </a:fontRef>
+        </p:style>
+      </p:cxnSp>
+      <p:cxnSp>
+        <p:nvCxnSpPr>
+          <p:cNvPr id="46" name="Straight Connector 45">
+            <a:extLst>
+              <a:ext uri="{FF2B5EF4-FFF2-40B4-BE49-F238E27FC236}">
+                <a16:creationId xmlns:a16="http://schemas.microsoft.com/office/drawing/2014/main" id="{4A5F8E76-76FC-43AC-8770-2F74ABC7E03C}"/>
+              </a:ext>
+            </a:extLst>
+          </p:cNvPr>
+          <p:cNvCxnSpPr>
+            <a:cxnSpLocks/>
+          </p:cNvCxnSpPr>
+          <p:nvPr/>
+        </p:nvCxnSpPr>
+        <p:spPr>
+          <a:xfrm flipH="1">
+            <a:off x="5211274" y="2980618"/>
+            <a:ext cx="250761" cy="248958"/>
+          </a:xfrm>
+          <a:prstGeom prst="line">
+            <a:avLst/>
+          </a:prstGeom>
+          <a:ln w="31750"/>
         </p:spPr>
         <p:style>
           <a:lnRef idx="1">

--- a/main_matlab_figures/New Microsoft PowerPoint Presentation (4).pptx
+++ b/main_matlab_figures/New Microsoft PowerPoint Presentation (4).pptx
@@ -6,6 +6,7 @@
   </p:sldMasterIdLst>
   <p:sldIdLst>
     <p:sldId id="256" r:id="rId2"/>
+    <p:sldId id="257" r:id="rId3"/>
   </p:sldIdLst>
   <p:sldSz cx="12192000" cy="6858000"/>
   <p:notesSz cx="6858000" cy="9144000"/>
@@ -259,7 +260,7 @@
           <a:p>
             <a:fld id="{D665B2A5-0536-4469-8519-ACEA26E5B44D}" type="datetimeFigureOut">
               <a:rPr lang="en-US" smtClean="0"/>
-              <a:t>1/24/2022</a:t>
+              <a:t>3/24/2022</a:t>
             </a:fld>
             <a:endParaRPr lang="en-US"/>
           </a:p>
@@ -457,7 +458,7 @@
           <a:p>
             <a:fld id="{D665B2A5-0536-4469-8519-ACEA26E5B44D}" type="datetimeFigureOut">
               <a:rPr lang="en-US" smtClean="0"/>
-              <a:t>1/24/2022</a:t>
+              <a:t>3/24/2022</a:t>
             </a:fld>
             <a:endParaRPr lang="en-US"/>
           </a:p>
@@ -665,7 +666,7 @@
           <a:p>
             <a:fld id="{D665B2A5-0536-4469-8519-ACEA26E5B44D}" type="datetimeFigureOut">
               <a:rPr lang="en-US" smtClean="0"/>
-              <a:t>1/24/2022</a:t>
+              <a:t>3/24/2022</a:t>
             </a:fld>
             <a:endParaRPr lang="en-US"/>
           </a:p>
@@ -863,7 +864,7 @@
           <a:p>
             <a:fld id="{D665B2A5-0536-4469-8519-ACEA26E5B44D}" type="datetimeFigureOut">
               <a:rPr lang="en-US" smtClean="0"/>
-              <a:t>1/24/2022</a:t>
+              <a:t>3/24/2022</a:t>
             </a:fld>
             <a:endParaRPr lang="en-US"/>
           </a:p>
@@ -1138,7 +1139,7 @@
           <a:p>
             <a:fld id="{D665B2A5-0536-4469-8519-ACEA26E5B44D}" type="datetimeFigureOut">
               <a:rPr lang="en-US" smtClean="0"/>
-              <a:t>1/24/2022</a:t>
+              <a:t>3/24/2022</a:t>
             </a:fld>
             <a:endParaRPr lang="en-US"/>
           </a:p>
@@ -1403,7 +1404,7 @@
           <a:p>
             <a:fld id="{D665B2A5-0536-4469-8519-ACEA26E5B44D}" type="datetimeFigureOut">
               <a:rPr lang="en-US" smtClean="0"/>
-              <a:t>1/24/2022</a:t>
+              <a:t>3/24/2022</a:t>
             </a:fld>
             <a:endParaRPr lang="en-US"/>
           </a:p>
@@ -1815,7 +1816,7 @@
           <a:p>
             <a:fld id="{D665B2A5-0536-4469-8519-ACEA26E5B44D}" type="datetimeFigureOut">
               <a:rPr lang="en-US" smtClean="0"/>
-              <a:t>1/24/2022</a:t>
+              <a:t>3/24/2022</a:t>
             </a:fld>
             <a:endParaRPr lang="en-US"/>
           </a:p>
@@ -1956,7 +1957,7 @@
           <a:p>
             <a:fld id="{D665B2A5-0536-4469-8519-ACEA26E5B44D}" type="datetimeFigureOut">
               <a:rPr lang="en-US" smtClean="0"/>
-              <a:t>1/24/2022</a:t>
+              <a:t>3/24/2022</a:t>
             </a:fld>
             <a:endParaRPr lang="en-US"/>
           </a:p>
@@ -2069,7 +2070,7 @@
           <a:p>
             <a:fld id="{D665B2A5-0536-4469-8519-ACEA26E5B44D}" type="datetimeFigureOut">
               <a:rPr lang="en-US" smtClean="0"/>
-              <a:t>1/24/2022</a:t>
+              <a:t>3/24/2022</a:t>
             </a:fld>
             <a:endParaRPr lang="en-US"/>
           </a:p>
@@ -2380,7 +2381,7 @@
           <a:p>
             <a:fld id="{D665B2A5-0536-4469-8519-ACEA26E5B44D}" type="datetimeFigureOut">
               <a:rPr lang="en-US" smtClean="0"/>
-              <a:t>1/24/2022</a:t>
+              <a:t>3/24/2022</a:t>
             </a:fld>
             <a:endParaRPr lang="en-US"/>
           </a:p>
@@ -2668,7 +2669,7 @@
           <a:p>
             <a:fld id="{D665B2A5-0536-4469-8519-ACEA26E5B44D}" type="datetimeFigureOut">
               <a:rPr lang="en-US" smtClean="0"/>
-              <a:t>1/24/2022</a:t>
+              <a:t>3/24/2022</a:t>
             </a:fld>
             <a:endParaRPr lang="en-US"/>
           </a:p>
@@ -2909,7 +2910,7 @@
           <a:p>
             <a:fld id="{D665B2A5-0536-4469-8519-ACEA26E5B44D}" type="datetimeFigureOut">
               <a:rPr lang="en-US" smtClean="0"/>
-              <a:t>1/24/2022</a:t>
+              <a:t>3/24/2022</a:t>
             </a:fld>
             <a:endParaRPr lang="en-US"/>
           </a:p>
@@ -3422,8 +3423,8 @@
           </a:fontRef>
         </p:style>
       </p:cxnSp>
-      <mc:AlternateContent xmlns:mc="http://schemas.openxmlformats.org/markup-compatibility/2006">
-        <mc:Choice xmlns:a14="http://schemas.microsoft.com/office/drawing/2010/main" Requires="a14">
+      <mc:AlternateContent xmlns:mc="http://schemas.openxmlformats.org/markup-compatibility/2006" xmlns:a14="http://schemas.microsoft.com/office/drawing/2010/main">
+        <mc:Choice Requires="a14">
           <p:sp>
             <p:nvSpPr>
               <p:cNvPr id="6" name="TextBox 5">
@@ -3501,7 +3502,7 @@
             </p:txBody>
           </p:sp>
         </mc:Choice>
-        <mc:Fallback>
+        <mc:Fallback xmlns="">
           <p:sp>
             <p:nvSpPr>
               <p:cNvPr id="6" name="TextBox 5">
@@ -5364,8 +5365,8 @@
           </p:sp>
         </mc:Fallback>
       </mc:AlternateContent>
-      <mc:AlternateContent xmlns:mc="http://schemas.openxmlformats.org/markup-compatibility/2006">
-        <mc:Choice xmlns:a14="http://schemas.microsoft.com/office/drawing/2010/main" Requires="a14">
+      <mc:AlternateContent xmlns:mc="http://schemas.openxmlformats.org/markup-compatibility/2006" xmlns:a14="http://schemas.microsoft.com/office/drawing/2010/main">
+        <mc:Choice Requires="a14">
           <p:sp>
             <p:nvSpPr>
               <p:cNvPr id="18" name="TextBox 17">
@@ -5403,6 +5404,7 @@
                             <a:solidFill>
                               <a:schemeClr val="tx1"/>
                             </a:solidFill>
+                            <a:latin typeface="Cambria Math" panose="02040503050406030204" pitchFamily="18" charset="0"/>
                           </a:rPr>
                         </m:ctrlPr>
                       </m:sSubPr>
@@ -5412,6 +5414,7 @@
                             <a:solidFill>
                               <a:schemeClr val="tx1"/>
                             </a:solidFill>
+                            <a:latin typeface="Cambria Math" panose="02040503050406030204" pitchFamily="18" charset="0"/>
                           </a:rPr>
                           <m:t>𝑝</m:t>
                         </m:r>
@@ -5422,6 +5425,7 @@
                             <a:solidFill>
                               <a:schemeClr val="tx1"/>
                             </a:solidFill>
+                            <a:latin typeface="Cambria Math" panose="02040503050406030204" pitchFamily="18" charset="0"/>
                           </a:rPr>
                           <m:t>𝑐</m:t>
                         </m:r>
@@ -5462,7 +5466,7 @@
             </p:txBody>
           </p:sp>
         </mc:Choice>
-        <mc:Fallback>
+        <mc:Fallback xmlns="">
           <p:sp>
             <p:nvSpPr>
               <p:cNvPr id="18" name="TextBox 17">
@@ -5507,8 +5511,8 @@
           </p:sp>
         </mc:Fallback>
       </mc:AlternateContent>
-      <mc:AlternateContent xmlns:mc="http://schemas.openxmlformats.org/markup-compatibility/2006">
-        <mc:Choice xmlns:a14="http://schemas.microsoft.com/office/drawing/2010/main" Requires="a14">
+      <mc:AlternateContent xmlns:mc="http://schemas.openxmlformats.org/markup-compatibility/2006" xmlns:a14="http://schemas.microsoft.com/office/drawing/2010/main">
+        <mc:Choice Requires="a14">
           <p:sp>
             <p:nvSpPr>
               <p:cNvPr id="19" name="TextBox 18">
@@ -5580,7 +5584,7 @@
             </p:txBody>
           </p:sp>
         </mc:Choice>
-        <mc:Fallback>
+        <mc:Fallback xmlns="">
           <p:sp>
             <p:nvSpPr>
               <p:cNvPr id="19" name="TextBox 18">
@@ -5713,8 +5717,8 @@
           </a:fontRef>
         </p:style>
       </p:cxnSp>
-      <mc:AlternateContent xmlns:mc="http://schemas.openxmlformats.org/markup-compatibility/2006">
-        <mc:Choice xmlns:a14="http://schemas.microsoft.com/office/drawing/2010/main" Requires="a14">
+      <mc:AlternateContent xmlns:mc="http://schemas.openxmlformats.org/markup-compatibility/2006" xmlns:a14="http://schemas.microsoft.com/office/drawing/2010/main">
+        <mc:Choice Requires="a14">
           <p:sp>
             <p:nvSpPr>
               <p:cNvPr id="22" name="TextBox 21">
@@ -5772,7 +5776,7 @@
             </p:txBody>
           </p:sp>
         </mc:Choice>
-        <mc:Fallback>
+        <mc:Fallback xmlns="">
           <p:sp>
             <p:nvSpPr>
               <p:cNvPr id="22" name="TextBox 21">
@@ -6332,6 +6336,5829 @@
     <p:extLst>
       <p:ext uri="{BB962C8B-B14F-4D97-AF65-F5344CB8AC3E}">
         <p14:creationId xmlns:p14="http://schemas.microsoft.com/office/powerpoint/2010/main" val="4264843991"/>
+      </p:ext>
+    </p:extLst>
+  </p:cSld>
+  <p:clrMapOvr>
+    <a:masterClrMapping/>
+  </p:clrMapOvr>
+</p:sld>
+</file>
+
+<file path=ppt/slides/slide2.xml><?xml version="1.0" encoding="utf-8"?>
+<p:sld xmlns:a="http://schemas.openxmlformats.org/drawingml/2006/main" xmlns:r="http://schemas.openxmlformats.org/officeDocument/2006/relationships" xmlns:p="http://schemas.openxmlformats.org/presentationml/2006/main">
+  <p:cSld>
+    <p:bg>
+      <p:bgPr>
+        <a:solidFill>
+          <a:schemeClr val="bg1"/>
+        </a:solidFill>
+        <a:effectLst/>
+      </p:bgPr>
+    </p:bg>
+    <p:spTree>
+      <p:nvGrpSpPr>
+        <p:cNvPr id="1" name=""/>
+        <p:cNvGrpSpPr/>
+        <p:nvPr/>
+      </p:nvGrpSpPr>
+      <p:grpSpPr>
+        <a:xfrm>
+          <a:off x="0" y="0"/>
+          <a:ext cx="0" cy="0"/>
+          <a:chOff x="0" y="0"/>
+          <a:chExt cx="0" cy="0"/>
+        </a:xfrm>
+      </p:grpSpPr>
+      <p:cxnSp>
+        <p:nvCxnSpPr>
+          <p:cNvPr id="7" name="Straight Arrow Connector 6">
+            <a:extLst>
+              <a:ext uri="{FF2B5EF4-FFF2-40B4-BE49-F238E27FC236}">
+                <a16:creationId xmlns:a16="http://schemas.microsoft.com/office/drawing/2014/main" id="{0F4C2A11-FFF5-4F33-B485-3A05C0CBAA74}"/>
+              </a:ext>
+            </a:extLst>
+          </p:cNvPr>
+          <p:cNvCxnSpPr>
+            <a:cxnSpLocks/>
+          </p:cNvCxnSpPr>
+          <p:nvPr/>
+        </p:nvCxnSpPr>
+        <p:spPr>
+          <a:xfrm>
+            <a:off x="1307691" y="502503"/>
+            <a:ext cx="2743200" cy="0"/>
+          </a:xfrm>
+          <a:prstGeom prst="straightConnector1">
+            <a:avLst/>
+          </a:prstGeom>
+          <a:ln w="15875">
+            <a:solidFill>
+              <a:schemeClr val="tx1"/>
+            </a:solidFill>
+            <a:tailEnd type="triangle"/>
+          </a:ln>
+        </p:spPr>
+        <p:style>
+          <a:lnRef idx="1">
+            <a:schemeClr val="accent1"/>
+          </a:lnRef>
+          <a:fillRef idx="0">
+            <a:schemeClr val="accent1"/>
+          </a:fillRef>
+          <a:effectRef idx="0">
+            <a:schemeClr val="accent1"/>
+          </a:effectRef>
+          <a:fontRef idx="minor">
+            <a:schemeClr val="tx1"/>
+          </a:fontRef>
+        </p:style>
+      </p:cxnSp>
+      <mc:AlternateContent xmlns:mc="http://schemas.openxmlformats.org/markup-compatibility/2006" xmlns:a14="http://schemas.microsoft.com/office/drawing/2010/main">
+        <mc:Choice Requires="a14">
+          <p:sp>
+            <p:nvSpPr>
+              <p:cNvPr id="10" name="TextBox 9">
+                <a:extLst>
+                  <a:ext uri="{FF2B5EF4-FFF2-40B4-BE49-F238E27FC236}">
+                    <a16:creationId xmlns:a16="http://schemas.microsoft.com/office/drawing/2014/main" id="{2EC6AB87-9E7A-4337-B705-63B7DD2A9B6E}"/>
+                  </a:ext>
+                </a:extLst>
+              </p:cNvPr>
+              <p:cNvSpPr txBox="1"/>
+              <p:nvPr/>
+            </p:nvSpPr>
+            <p:spPr>
+              <a:xfrm>
+                <a:off x="4837444" y="1441603"/>
+                <a:ext cx="619328" cy="307777"/>
+              </a:xfrm>
+              <a:prstGeom prst="rect">
+                <a:avLst/>
+              </a:prstGeom>
+              <a:noFill/>
+            </p:spPr>
+            <p:txBody>
+              <a:bodyPr wrap="square" rtlCol="0">
+                <a:spAutoFit/>
+              </a:bodyPr>
+              <a:lstStyle/>
+              <a:p>
+                <a:pPr/>
+                <a14:m>
+                  <m:oMathPara xmlns:m="http://schemas.openxmlformats.org/officeDocument/2006/math">
+                    <m:oMathParaPr>
+                      <m:jc m:val="centerGroup"/>
+                    </m:oMathParaPr>
+                    <m:oMath xmlns:m="http://schemas.openxmlformats.org/officeDocument/2006/math">
+                      <m:r>
+                        <a:rPr lang="en-US" sz="1400" i="1" smtClean="0">
+                          <a:latin typeface="Cambria Math" panose="02040503050406030204" pitchFamily="18" charset="0"/>
+                        </a:rPr>
+                        <m:t>𝑝</m:t>
+                      </m:r>
+                    </m:oMath>
+                  </m:oMathPara>
+                </a14:m>
+                <a:endParaRPr lang="en-US" sz="1400" dirty="0"/>
+              </a:p>
+            </p:txBody>
+          </p:sp>
+        </mc:Choice>
+        <mc:Fallback xmlns="">
+          <p:sp>
+            <p:nvSpPr>
+              <p:cNvPr id="10" name="TextBox 9">
+                <a:extLst>
+                  <a:ext uri="{FF2B5EF4-FFF2-40B4-BE49-F238E27FC236}">
+                    <a16:creationId xmlns:a16="http://schemas.microsoft.com/office/drawing/2014/main" id="{2EC6AB87-9E7A-4337-B705-63B7DD2A9B6E}"/>
+                  </a:ext>
+                </a:extLst>
+              </p:cNvPr>
+              <p:cNvSpPr txBox="1">
+                <a:spLocks noRot="1" noChangeAspect="1" noMove="1" noResize="1" noEditPoints="1" noAdjustHandles="1" noChangeArrowheads="1" noChangeShapeType="1" noTextEdit="1"/>
+              </p:cNvSpPr>
+              <p:nvPr/>
+            </p:nvSpPr>
+            <p:spPr>
+              <a:xfrm>
+                <a:off x="4837444" y="1441603"/>
+                <a:ext cx="619328" cy="307777"/>
+              </a:xfrm>
+              <a:prstGeom prst="rect">
+                <a:avLst/>
+              </a:prstGeom>
+              <a:blipFill>
+                <a:blip r:embed="rId2"/>
+                <a:stretch>
+                  <a:fillRect/>
+                </a:stretch>
+              </a:blipFill>
+            </p:spPr>
+            <p:txBody>
+              <a:bodyPr/>
+              <a:lstStyle/>
+              <a:p>
+                <a:r>
+                  <a:rPr lang="en-US">
+                    <a:noFill/>
+                  </a:rPr>
+                  <a:t> </a:t>
+                </a:r>
+              </a:p>
+            </p:txBody>
+          </p:sp>
+        </mc:Fallback>
+      </mc:AlternateContent>
+      <mc:AlternateContent xmlns:mc="http://schemas.openxmlformats.org/markup-compatibility/2006" xmlns:a14="http://schemas.microsoft.com/office/drawing/2010/main">
+        <mc:Choice Requires="a14">
+          <p:sp>
+            <p:nvSpPr>
+              <p:cNvPr id="11" name="TextBox 10">
+                <a:extLst>
+                  <a:ext uri="{FF2B5EF4-FFF2-40B4-BE49-F238E27FC236}">
+                    <a16:creationId xmlns:a16="http://schemas.microsoft.com/office/drawing/2014/main" id="{D614E1A9-94BD-4A85-AD9C-2A967FEC5351}"/>
+                  </a:ext>
+                </a:extLst>
+              </p:cNvPr>
+              <p:cNvSpPr txBox="1"/>
+              <p:nvPr/>
+            </p:nvSpPr>
+            <p:spPr>
+              <a:xfrm>
+                <a:off x="3736106" y="208725"/>
+                <a:ext cx="619328" cy="307777"/>
+              </a:xfrm>
+              <a:prstGeom prst="rect">
+                <a:avLst/>
+              </a:prstGeom>
+              <a:noFill/>
+            </p:spPr>
+            <p:txBody>
+              <a:bodyPr wrap="square" rtlCol="0">
+                <a:spAutoFit/>
+              </a:bodyPr>
+              <a:lstStyle/>
+              <a:p>
+                <a:pPr/>
+                <a14:m>
+                  <m:oMathPara xmlns:m="http://schemas.openxmlformats.org/officeDocument/2006/math">
+                    <m:oMathParaPr>
+                      <m:jc m:val="centerGroup"/>
+                    </m:oMathParaPr>
+                    <m:oMath xmlns:m="http://schemas.openxmlformats.org/officeDocument/2006/math">
+                      <m:r>
+                        <a:rPr lang="en-US" sz="1400" b="0" i="1" smtClean="0">
+                          <a:latin typeface="Cambria Math" panose="02040503050406030204" pitchFamily="18" charset="0"/>
+                        </a:rPr>
+                        <m:t>𝑛</m:t>
+                      </m:r>
+                    </m:oMath>
+                  </m:oMathPara>
+                </a14:m>
+                <a:endParaRPr lang="en-US" sz="1400" dirty="0"/>
+              </a:p>
+            </p:txBody>
+          </p:sp>
+        </mc:Choice>
+        <mc:Fallback xmlns="">
+          <p:sp>
+            <p:nvSpPr>
+              <p:cNvPr id="11" name="TextBox 10">
+                <a:extLst>
+                  <a:ext uri="{FF2B5EF4-FFF2-40B4-BE49-F238E27FC236}">
+                    <a16:creationId xmlns:a16="http://schemas.microsoft.com/office/drawing/2014/main" id="{D614E1A9-94BD-4A85-AD9C-2A967FEC5351}"/>
+                  </a:ext>
+                </a:extLst>
+              </p:cNvPr>
+              <p:cNvSpPr txBox="1">
+                <a:spLocks noRot="1" noChangeAspect="1" noMove="1" noResize="1" noEditPoints="1" noAdjustHandles="1" noChangeArrowheads="1" noChangeShapeType="1" noTextEdit="1"/>
+              </p:cNvSpPr>
+              <p:nvPr/>
+            </p:nvSpPr>
+            <p:spPr>
+              <a:xfrm>
+                <a:off x="3736106" y="208725"/>
+                <a:ext cx="619328" cy="307777"/>
+              </a:xfrm>
+              <a:prstGeom prst="rect">
+                <a:avLst/>
+              </a:prstGeom>
+              <a:blipFill>
+                <a:blip r:embed="rId3"/>
+                <a:stretch>
+                  <a:fillRect/>
+                </a:stretch>
+              </a:blipFill>
+            </p:spPr>
+            <p:txBody>
+              <a:bodyPr/>
+              <a:lstStyle/>
+              <a:p>
+                <a:r>
+                  <a:rPr lang="en-US">
+                    <a:noFill/>
+                  </a:rPr>
+                  <a:t> </a:t>
+                </a:r>
+              </a:p>
+            </p:txBody>
+          </p:sp>
+        </mc:Fallback>
+      </mc:AlternateContent>
+      <p:cxnSp>
+        <p:nvCxnSpPr>
+          <p:cNvPr id="16" name="Straight Connector 15">
+            <a:extLst>
+              <a:ext uri="{FF2B5EF4-FFF2-40B4-BE49-F238E27FC236}">
+                <a16:creationId xmlns:a16="http://schemas.microsoft.com/office/drawing/2014/main" id="{F9B59347-7F00-475D-8C83-B1E625CA13E8}"/>
+              </a:ext>
+            </a:extLst>
+          </p:cNvPr>
+          <p:cNvCxnSpPr>
+            <a:cxnSpLocks/>
+          </p:cNvCxnSpPr>
+          <p:nvPr/>
+        </p:nvCxnSpPr>
+        <p:spPr>
+          <a:xfrm>
+            <a:off x="3682181" y="507420"/>
+            <a:ext cx="0" cy="934183"/>
+          </a:xfrm>
+          <a:prstGeom prst="line">
+            <a:avLst/>
+          </a:prstGeom>
+          <a:ln w="15875">
+            <a:solidFill>
+              <a:schemeClr val="tx1"/>
+            </a:solidFill>
+          </a:ln>
+        </p:spPr>
+        <p:style>
+          <a:lnRef idx="1">
+            <a:schemeClr val="accent1"/>
+          </a:lnRef>
+          <a:fillRef idx="0">
+            <a:schemeClr val="accent1"/>
+          </a:fillRef>
+          <a:effectRef idx="0">
+            <a:schemeClr val="accent1"/>
+          </a:effectRef>
+          <a:fontRef idx="minor">
+            <a:schemeClr val="tx1"/>
+          </a:fontRef>
+        </p:style>
+      </p:cxnSp>
+      <mc:AlternateContent xmlns:mc="http://schemas.openxmlformats.org/markup-compatibility/2006" xmlns:a14="http://schemas.microsoft.com/office/drawing/2010/main">
+        <mc:Choice Requires="a14">
+          <p:sp>
+            <p:nvSpPr>
+              <p:cNvPr id="19" name="TextBox 18">
+                <a:extLst>
+                  <a:ext uri="{FF2B5EF4-FFF2-40B4-BE49-F238E27FC236}">
+                    <a16:creationId xmlns:a16="http://schemas.microsoft.com/office/drawing/2014/main" id="{365B763B-F6E8-4108-B941-2F85A1CCAAE5}"/>
+                  </a:ext>
+                </a:extLst>
+              </p:cNvPr>
+              <p:cNvSpPr txBox="1"/>
+              <p:nvPr/>
+            </p:nvSpPr>
+            <p:spPr>
+              <a:xfrm>
+                <a:off x="1472538" y="1472381"/>
+                <a:ext cx="619328" cy="276999"/>
+              </a:xfrm>
+              <a:prstGeom prst="rect">
+                <a:avLst/>
+              </a:prstGeom>
+              <a:noFill/>
+            </p:spPr>
+            <p:txBody>
+              <a:bodyPr wrap="square" rtlCol="0">
+                <a:spAutoFit/>
+              </a:bodyPr>
+              <a:lstStyle/>
+              <a:p>
+                <a:pPr/>
+                <a14:m>
+                  <m:oMathPara xmlns:m="http://schemas.openxmlformats.org/officeDocument/2006/math">
+                    <m:oMathParaPr>
+                      <m:jc m:val="centerGroup"/>
+                    </m:oMathParaPr>
+                    <m:oMath xmlns:m="http://schemas.openxmlformats.org/officeDocument/2006/math">
+                      <m:acc>
+                        <m:accPr>
+                          <m:chr m:val="̅"/>
+                          <m:ctrlPr>
+                            <a:rPr lang="en-US" sz="1200" b="0" i="1" smtClean="0">
+                              <a:latin typeface="Cambria Math" panose="02040503050406030204" pitchFamily="18" charset="0"/>
+                            </a:rPr>
+                          </m:ctrlPr>
+                        </m:accPr>
+                        <m:e>
+                          <m:r>
+                            <a:rPr lang="en-US" sz="1200" b="0" i="1" smtClean="0">
+                              <a:latin typeface="Cambria Math" panose="02040503050406030204" pitchFamily="18" charset="0"/>
+                            </a:rPr>
+                            <m:t>𝑝</m:t>
+                          </m:r>
+                        </m:e>
+                      </m:acc>
+                    </m:oMath>
+                  </m:oMathPara>
+                </a14:m>
+                <a:endParaRPr lang="en-US" sz="1200" dirty="0"/>
+              </a:p>
+            </p:txBody>
+          </p:sp>
+        </mc:Choice>
+        <mc:Fallback xmlns="">
+          <p:sp>
+            <p:nvSpPr>
+              <p:cNvPr id="19" name="TextBox 18">
+                <a:extLst>
+                  <a:ext uri="{FF2B5EF4-FFF2-40B4-BE49-F238E27FC236}">
+                    <a16:creationId xmlns:a16="http://schemas.microsoft.com/office/drawing/2014/main" id="{365B763B-F6E8-4108-B941-2F85A1CCAAE5}"/>
+                  </a:ext>
+                </a:extLst>
+              </p:cNvPr>
+              <p:cNvSpPr txBox="1">
+                <a:spLocks noRot="1" noChangeAspect="1" noMove="1" noResize="1" noEditPoints="1" noAdjustHandles="1" noChangeArrowheads="1" noChangeShapeType="1" noTextEdit="1"/>
+              </p:cNvSpPr>
+              <p:nvPr/>
+            </p:nvSpPr>
+            <p:spPr>
+              <a:xfrm>
+                <a:off x="1472538" y="1472381"/>
+                <a:ext cx="619328" cy="276999"/>
+              </a:xfrm>
+              <a:prstGeom prst="rect">
+                <a:avLst/>
+              </a:prstGeom>
+              <a:blipFill>
+                <a:blip r:embed="rId4"/>
+                <a:stretch>
+                  <a:fillRect/>
+                </a:stretch>
+              </a:blipFill>
+            </p:spPr>
+            <p:txBody>
+              <a:bodyPr/>
+              <a:lstStyle/>
+              <a:p>
+                <a:r>
+                  <a:rPr lang="en-US">
+                    <a:noFill/>
+                  </a:rPr>
+                  <a:t> </a:t>
+                </a:r>
+              </a:p>
+            </p:txBody>
+          </p:sp>
+        </mc:Fallback>
+      </mc:AlternateContent>
+      <mc:AlternateContent xmlns:mc="http://schemas.openxmlformats.org/markup-compatibility/2006" xmlns:a14="http://schemas.microsoft.com/office/drawing/2010/main">
+        <mc:Choice Requires="a14">
+          <p:sp>
+            <p:nvSpPr>
+              <p:cNvPr id="25" name="TextBox 24">
+                <a:extLst>
+                  <a:ext uri="{FF2B5EF4-FFF2-40B4-BE49-F238E27FC236}">
+                    <a16:creationId xmlns:a16="http://schemas.microsoft.com/office/drawing/2014/main" id="{75E80AB2-26DB-489C-AC7B-1E0832E61EDA}"/>
+                  </a:ext>
+                </a:extLst>
+              </p:cNvPr>
+              <p:cNvSpPr txBox="1"/>
+              <p:nvPr/>
+            </p:nvSpPr>
+            <p:spPr>
+              <a:xfrm>
+                <a:off x="3389955" y="1469603"/>
+                <a:ext cx="786529" cy="276999"/>
+              </a:xfrm>
+              <a:prstGeom prst="rect">
+                <a:avLst/>
+              </a:prstGeom>
+              <a:noFill/>
+            </p:spPr>
+            <p:txBody>
+              <a:bodyPr wrap="square" rtlCol="0">
+                <a:spAutoFit/>
+              </a:bodyPr>
+              <a:lstStyle/>
+              <a:p>
+                <a14:m>
+                  <m:oMath xmlns:m="http://schemas.openxmlformats.org/officeDocument/2006/math">
+                    <m:acc>
+                      <m:accPr>
+                        <m:chr m:val="̅"/>
+                        <m:ctrlPr>
+                          <a:rPr lang="en-US" sz="1200" b="0" i="1" smtClean="0">
+                            <a:latin typeface="Cambria Math" panose="02040503050406030204" pitchFamily="18" charset="0"/>
+                          </a:rPr>
+                        </m:ctrlPr>
+                      </m:accPr>
+                      <m:e>
+                        <m:r>
+                          <a:rPr lang="en-US" sz="1200" b="0" i="1" smtClean="0">
+                            <a:latin typeface="Cambria Math" panose="02040503050406030204" pitchFamily="18" charset="0"/>
+                          </a:rPr>
+                          <m:t>𝑝</m:t>
+                        </m:r>
+                      </m:e>
+                    </m:acc>
+                  </m:oMath>
+                </a14:m>
+                <a:r>
+                  <a:rPr lang="en-US" sz="1200" dirty="0"/>
+                  <a:t>+</a:t>
+                </a:r>
+                <a14:m>
+                  <m:oMath xmlns:m="http://schemas.openxmlformats.org/officeDocument/2006/math">
+                    <m:r>
+                      <a:rPr lang="en-US" sz="1200" b="0" i="1" smtClean="0">
+                        <a:latin typeface="Cambria Math" panose="02040503050406030204" pitchFamily="18" charset="0"/>
+                      </a:rPr>
+                      <m:t>𝑁</m:t>
+                    </m:r>
+                  </m:oMath>
+                </a14:m>
+                <a:r>
+                  <a:rPr lang="en-US" sz="1200" dirty="0"/>
+                  <a:t>-1</a:t>
+                </a:r>
+              </a:p>
+            </p:txBody>
+          </p:sp>
+        </mc:Choice>
+        <mc:Fallback xmlns="">
+          <p:sp>
+            <p:nvSpPr>
+              <p:cNvPr id="25" name="TextBox 24">
+                <a:extLst>
+                  <a:ext uri="{FF2B5EF4-FFF2-40B4-BE49-F238E27FC236}">
+                    <a16:creationId xmlns:a16="http://schemas.microsoft.com/office/drawing/2014/main" id="{75E80AB2-26DB-489C-AC7B-1E0832E61EDA}"/>
+                  </a:ext>
+                </a:extLst>
+              </p:cNvPr>
+              <p:cNvSpPr txBox="1">
+                <a:spLocks noRot="1" noChangeAspect="1" noMove="1" noResize="1" noEditPoints="1" noAdjustHandles="1" noChangeArrowheads="1" noChangeShapeType="1" noTextEdit="1"/>
+              </p:cNvSpPr>
+              <p:nvPr/>
+            </p:nvSpPr>
+            <p:spPr>
+              <a:xfrm>
+                <a:off x="3389955" y="1469603"/>
+                <a:ext cx="786529" cy="276999"/>
+              </a:xfrm>
+              <a:prstGeom prst="rect">
+                <a:avLst/>
+              </a:prstGeom>
+              <a:blipFill>
+                <a:blip r:embed="rId5"/>
+                <a:stretch>
+                  <a:fillRect b="-15217"/>
+                </a:stretch>
+              </a:blipFill>
+            </p:spPr>
+            <p:txBody>
+              <a:bodyPr/>
+              <a:lstStyle/>
+              <a:p>
+                <a:r>
+                  <a:rPr lang="en-US">
+                    <a:noFill/>
+                  </a:rPr>
+                  <a:t> </a:t>
+                </a:r>
+              </a:p>
+            </p:txBody>
+          </p:sp>
+        </mc:Fallback>
+      </mc:AlternateContent>
+      <mc:AlternateContent xmlns:mc="http://schemas.openxmlformats.org/markup-compatibility/2006" xmlns:a14="http://schemas.microsoft.com/office/drawing/2010/main">
+        <mc:Choice Requires="a14">
+          <p:sp>
+            <p:nvSpPr>
+              <p:cNvPr id="26" name="TextBox 25">
+                <a:extLst>
+                  <a:ext uri="{FF2B5EF4-FFF2-40B4-BE49-F238E27FC236}">
+                    <a16:creationId xmlns:a16="http://schemas.microsoft.com/office/drawing/2014/main" id="{2A6364F1-6BB5-4A0B-953F-D5E48174F6C5}"/>
+                  </a:ext>
+                </a:extLst>
+              </p:cNvPr>
+              <p:cNvSpPr txBox="1"/>
+              <p:nvPr/>
+            </p:nvSpPr>
+            <p:spPr>
+              <a:xfrm>
+                <a:off x="1475096" y="245809"/>
+                <a:ext cx="619328" cy="276999"/>
+              </a:xfrm>
+              <a:prstGeom prst="rect">
+                <a:avLst/>
+              </a:prstGeom>
+              <a:noFill/>
+            </p:spPr>
+            <p:txBody>
+              <a:bodyPr wrap="square" rtlCol="0">
+                <a:spAutoFit/>
+              </a:bodyPr>
+              <a:lstStyle/>
+              <a:p>
+                <a:pPr/>
+                <a14:m>
+                  <m:oMathPara xmlns:m="http://schemas.openxmlformats.org/officeDocument/2006/math">
+                    <m:oMathParaPr>
+                      <m:jc m:val="centerGroup"/>
+                    </m:oMathParaPr>
+                    <m:oMath xmlns:m="http://schemas.openxmlformats.org/officeDocument/2006/math">
+                      <m:r>
+                        <a:rPr lang="en-US" sz="1200" b="0" i="1" smtClean="0">
+                          <a:latin typeface="Cambria Math" panose="02040503050406030204" pitchFamily="18" charset="0"/>
+                        </a:rPr>
+                        <m:t>0</m:t>
+                      </m:r>
+                    </m:oMath>
+                  </m:oMathPara>
+                </a14:m>
+                <a:endParaRPr lang="en-US" sz="1200" dirty="0"/>
+              </a:p>
+            </p:txBody>
+          </p:sp>
+        </mc:Choice>
+        <mc:Fallback xmlns="">
+          <p:sp>
+            <p:nvSpPr>
+              <p:cNvPr id="26" name="TextBox 25">
+                <a:extLst>
+                  <a:ext uri="{FF2B5EF4-FFF2-40B4-BE49-F238E27FC236}">
+                    <a16:creationId xmlns:a16="http://schemas.microsoft.com/office/drawing/2014/main" id="{2A6364F1-6BB5-4A0B-953F-D5E48174F6C5}"/>
+                  </a:ext>
+                </a:extLst>
+              </p:cNvPr>
+              <p:cNvSpPr txBox="1">
+                <a:spLocks noRot="1" noChangeAspect="1" noMove="1" noResize="1" noEditPoints="1" noAdjustHandles="1" noChangeArrowheads="1" noChangeShapeType="1" noTextEdit="1"/>
+              </p:cNvSpPr>
+              <p:nvPr/>
+            </p:nvSpPr>
+            <p:spPr>
+              <a:xfrm>
+                <a:off x="1475096" y="245809"/>
+                <a:ext cx="619328" cy="276999"/>
+              </a:xfrm>
+              <a:prstGeom prst="rect">
+                <a:avLst/>
+              </a:prstGeom>
+              <a:blipFill>
+                <a:blip r:embed="rId6"/>
+                <a:stretch>
+                  <a:fillRect/>
+                </a:stretch>
+              </a:blipFill>
+            </p:spPr>
+            <p:txBody>
+              <a:bodyPr/>
+              <a:lstStyle/>
+              <a:p>
+                <a:r>
+                  <a:rPr lang="en-US">
+                    <a:noFill/>
+                  </a:rPr>
+                  <a:t> </a:t>
+                </a:r>
+              </a:p>
+            </p:txBody>
+          </p:sp>
+        </mc:Fallback>
+      </mc:AlternateContent>
+      <mc:AlternateContent xmlns:mc="http://schemas.openxmlformats.org/markup-compatibility/2006" xmlns:a14="http://schemas.microsoft.com/office/drawing/2010/main">
+        <mc:Choice Requires="a14">
+          <p:sp>
+            <p:nvSpPr>
+              <p:cNvPr id="27" name="TextBox 26">
+                <a:extLst>
+                  <a:ext uri="{FF2B5EF4-FFF2-40B4-BE49-F238E27FC236}">
+                    <a16:creationId xmlns:a16="http://schemas.microsoft.com/office/drawing/2014/main" id="{778CC45A-A1D6-4A35-80FF-4E4993A36918}"/>
+                  </a:ext>
+                </a:extLst>
+              </p:cNvPr>
+              <p:cNvSpPr txBox="1"/>
+              <p:nvPr/>
+            </p:nvSpPr>
+            <p:spPr>
+              <a:xfrm>
+                <a:off x="3451164" y="245809"/>
+                <a:ext cx="786529" cy="276999"/>
+              </a:xfrm>
+              <a:prstGeom prst="rect">
+                <a:avLst/>
+              </a:prstGeom>
+              <a:noFill/>
+            </p:spPr>
+            <p:txBody>
+              <a:bodyPr wrap="square" rtlCol="0">
+                <a:spAutoFit/>
+              </a:bodyPr>
+              <a:lstStyle/>
+              <a:p>
+                <a14:m>
+                  <m:oMath xmlns:m="http://schemas.openxmlformats.org/officeDocument/2006/math">
+                    <m:r>
+                      <a:rPr lang="en-US" sz="1200" b="0" i="1" smtClean="0">
+                        <a:latin typeface="Cambria Math" panose="02040503050406030204" pitchFamily="18" charset="0"/>
+                      </a:rPr>
+                      <m:t>𝑁</m:t>
+                    </m:r>
+                  </m:oMath>
+                </a14:m>
+                <a:r>
+                  <a:rPr lang="en-US" sz="1200" dirty="0"/>
+                  <a:t>-1</a:t>
+                </a:r>
+              </a:p>
+            </p:txBody>
+          </p:sp>
+        </mc:Choice>
+        <mc:Fallback xmlns="">
+          <p:sp>
+            <p:nvSpPr>
+              <p:cNvPr id="27" name="TextBox 26">
+                <a:extLst>
+                  <a:ext uri="{FF2B5EF4-FFF2-40B4-BE49-F238E27FC236}">
+                    <a16:creationId xmlns:a16="http://schemas.microsoft.com/office/drawing/2014/main" id="{778CC45A-A1D6-4A35-80FF-4E4993A36918}"/>
+                  </a:ext>
+                </a:extLst>
+              </p:cNvPr>
+              <p:cNvSpPr txBox="1">
+                <a:spLocks noRot="1" noChangeAspect="1" noMove="1" noResize="1" noEditPoints="1" noAdjustHandles="1" noChangeArrowheads="1" noChangeShapeType="1" noTextEdit="1"/>
+              </p:cNvSpPr>
+              <p:nvPr/>
+            </p:nvSpPr>
+            <p:spPr>
+              <a:xfrm>
+                <a:off x="3451164" y="245809"/>
+                <a:ext cx="786529" cy="276999"/>
+              </a:xfrm>
+              <a:prstGeom prst="rect">
+                <a:avLst/>
+              </a:prstGeom>
+              <a:blipFill>
+                <a:blip r:embed="rId7"/>
+                <a:stretch>
+                  <a:fillRect b="-15217"/>
+                </a:stretch>
+              </a:blipFill>
+            </p:spPr>
+            <p:txBody>
+              <a:bodyPr/>
+              <a:lstStyle/>
+              <a:p>
+                <a:r>
+                  <a:rPr lang="en-US">
+                    <a:noFill/>
+                  </a:rPr>
+                  <a:t> </a:t>
+                </a:r>
+              </a:p>
+            </p:txBody>
+          </p:sp>
+        </mc:Fallback>
+      </mc:AlternateContent>
+      <p:cxnSp>
+        <p:nvCxnSpPr>
+          <p:cNvPr id="31" name="Straight Connector 30">
+            <a:extLst>
+              <a:ext uri="{FF2B5EF4-FFF2-40B4-BE49-F238E27FC236}">
+                <a16:creationId xmlns:a16="http://schemas.microsoft.com/office/drawing/2014/main" id="{A82E0C9C-45B4-431B-84BA-058ECA2D0DE7}"/>
+              </a:ext>
+            </a:extLst>
+          </p:cNvPr>
+          <p:cNvCxnSpPr>
+            <a:cxnSpLocks/>
+          </p:cNvCxnSpPr>
+          <p:nvPr/>
+        </p:nvCxnSpPr>
+        <p:spPr>
+          <a:xfrm>
+            <a:off x="1779639" y="497587"/>
+            <a:ext cx="0" cy="964961"/>
+          </a:xfrm>
+          <a:prstGeom prst="line">
+            <a:avLst/>
+          </a:prstGeom>
+          <a:ln w="15875">
+            <a:solidFill>
+              <a:schemeClr val="tx1"/>
+            </a:solidFill>
+          </a:ln>
+        </p:spPr>
+        <p:style>
+          <a:lnRef idx="1">
+            <a:schemeClr val="accent1"/>
+          </a:lnRef>
+          <a:fillRef idx="0">
+            <a:schemeClr val="accent1"/>
+          </a:fillRef>
+          <a:effectRef idx="0">
+            <a:schemeClr val="accent1"/>
+          </a:effectRef>
+          <a:fontRef idx="minor">
+            <a:schemeClr val="tx1"/>
+          </a:fontRef>
+        </p:style>
+      </p:cxnSp>
+      <p:sp>
+        <p:nvSpPr>
+          <p:cNvPr id="32" name="Rectangle 31">
+            <a:extLst>
+              <a:ext uri="{FF2B5EF4-FFF2-40B4-BE49-F238E27FC236}">
+                <a16:creationId xmlns:a16="http://schemas.microsoft.com/office/drawing/2014/main" id="{7009FD73-8796-4936-9433-559F2B926ABC}"/>
+              </a:ext>
+            </a:extLst>
+          </p:cNvPr>
+          <p:cNvSpPr/>
+          <p:nvPr/>
+        </p:nvSpPr>
+        <p:spPr>
+          <a:xfrm>
+            <a:off x="2915312" y="1053551"/>
+            <a:ext cx="1902539" cy="400663"/>
+          </a:xfrm>
+          <a:prstGeom prst="rect">
+            <a:avLst/>
+          </a:prstGeom>
+          <a:noFill/>
+          <a:ln w="15875">
+            <a:prstDash val="dash"/>
+          </a:ln>
+        </p:spPr>
+        <p:style>
+          <a:lnRef idx="2">
+            <a:schemeClr val="accent1">
+              <a:shade val="50000"/>
+            </a:schemeClr>
+          </a:lnRef>
+          <a:fillRef idx="1">
+            <a:schemeClr val="accent1"/>
+          </a:fillRef>
+          <a:effectRef idx="0">
+            <a:schemeClr val="accent1"/>
+          </a:effectRef>
+          <a:fontRef idx="minor">
+            <a:schemeClr val="lt1"/>
+          </a:fontRef>
+        </p:style>
+        <p:txBody>
+          <a:bodyPr rtlCol="0" anchor="ctr"/>
+          <a:lstStyle/>
+          <a:p>
+            <a:pPr algn="ctr"/>
+            <a:endParaRPr lang="en-US"/>
+          </a:p>
+        </p:txBody>
+      </p:sp>
+      <p:cxnSp>
+        <p:nvCxnSpPr>
+          <p:cNvPr id="34" name="Straight Connector 33">
+            <a:extLst>
+              <a:ext uri="{FF2B5EF4-FFF2-40B4-BE49-F238E27FC236}">
+                <a16:creationId xmlns:a16="http://schemas.microsoft.com/office/drawing/2014/main" id="{DAFAA496-93CE-48C7-B783-6006F9E2DBEB}"/>
+              </a:ext>
+            </a:extLst>
+          </p:cNvPr>
+          <p:cNvCxnSpPr/>
+          <p:nvPr/>
+        </p:nvCxnSpPr>
+        <p:spPr>
+          <a:xfrm flipH="1">
+            <a:off x="3008622" y="1142519"/>
+            <a:ext cx="127819" cy="196645"/>
+          </a:xfrm>
+          <a:prstGeom prst="line">
+            <a:avLst/>
+          </a:prstGeom>
+          <a:ln w="15875"/>
+        </p:spPr>
+        <p:style>
+          <a:lnRef idx="1">
+            <a:schemeClr val="accent1"/>
+          </a:lnRef>
+          <a:fillRef idx="0">
+            <a:schemeClr val="accent1"/>
+          </a:fillRef>
+          <a:effectRef idx="0">
+            <a:schemeClr val="accent1"/>
+          </a:effectRef>
+          <a:fontRef idx="minor">
+            <a:schemeClr val="tx1"/>
+          </a:fontRef>
+        </p:style>
+      </p:cxnSp>
+      <p:cxnSp>
+        <p:nvCxnSpPr>
+          <p:cNvPr id="35" name="Straight Connector 34">
+            <a:extLst>
+              <a:ext uri="{FF2B5EF4-FFF2-40B4-BE49-F238E27FC236}">
+                <a16:creationId xmlns:a16="http://schemas.microsoft.com/office/drawing/2014/main" id="{058D49C5-1AE4-40F2-8432-221E58461D46}"/>
+              </a:ext>
+            </a:extLst>
+          </p:cNvPr>
+          <p:cNvCxnSpPr/>
+          <p:nvPr/>
+        </p:nvCxnSpPr>
+        <p:spPr>
+          <a:xfrm flipH="1">
+            <a:off x="3146322" y="1135895"/>
+            <a:ext cx="127819" cy="196645"/>
+          </a:xfrm>
+          <a:prstGeom prst="line">
+            <a:avLst/>
+          </a:prstGeom>
+          <a:ln w="15875"/>
+        </p:spPr>
+        <p:style>
+          <a:lnRef idx="1">
+            <a:schemeClr val="accent1"/>
+          </a:lnRef>
+          <a:fillRef idx="0">
+            <a:schemeClr val="accent1"/>
+          </a:fillRef>
+          <a:effectRef idx="0">
+            <a:schemeClr val="accent1"/>
+          </a:effectRef>
+          <a:fontRef idx="minor">
+            <a:schemeClr val="tx1"/>
+          </a:fontRef>
+        </p:style>
+      </p:cxnSp>
+      <p:cxnSp>
+        <p:nvCxnSpPr>
+          <p:cNvPr id="36" name="Straight Connector 35">
+            <a:extLst>
+              <a:ext uri="{FF2B5EF4-FFF2-40B4-BE49-F238E27FC236}">
+                <a16:creationId xmlns:a16="http://schemas.microsoft.com/office/drawing/2014/main" id="{3EAB8E55-EB97-4339-8CEB-DB9C1DFE294A}"/>
+              </a:ext>
+            </a:extLst>
+          </p:cNvPr>
+          <p:cNvCxnSpPr/>
+          <p:nvPr/>
+        </p:nvCxnSpPr>
+        <p:spPr>
+          <a:xfrm flipH="1">
+            <a:off x="3264309" y="1135895"/>
+            <a:ext cx="127819" cy="196645"/>
+          </a:xfrm>
+          <a:prstGeom prst="line">
+            <a:avLst/>
+          </a:prstGeom>
+          <a:ln w="15875"/>
+        </p:spPr>
+        <p:style>
+          <a:lnRef idx="1">
+            <a:schemeClr val="accent1"/>
+          </a:lnRef>
+          <a:fillRef idx="0">
+            <a:schemeClr val="accent1"/>
+          </a:fillRef>
+          <a:effectRef idx="0">
+            <a:schemeClr val="accent1"/>
+          </a:effectRef>
+          <a:fontRef idx="minor">
+            <a:schemeClr val="tx1"/>
+          </a:fontRef>
+        </p:style>
+      </p:cxnSp>
+      <p:cxnSp>
+        <p:nvCxnSpPr>
+          <p:cNvPr id="38" name="Straight Connector 37">
+            <a:extLst>
+              <a:ext uri="{FF2B5EF4-FFF2-40B4-BE49-F238E27FC236}">
+                <a16:creationId xmlns:a16="http://schemas.microsoft.com/office/drawing/2014/main" id="{F72C784D-6C74-4BC2-B8E3-D9A90ED95B41}"/>
+              </a:ext>
+            </a:extLst>
+          </p:cNvPr>
+          <p:cNvCxnSpPr/>
+          <p:nvPr/>
+        </p:nvCxnSpPr>
+        <p:spPr>
+          <a:xfrm flipH="1">
+            <a:off x="3396997" y="1142519"/>
+            <a:ext cx="127819" cy="196645"/>
+          </a:xfrm>
+          <a:prstGeom prst="line">
+            <a:avLst/>
+          </a:prstGeom>
+          <a:ln w="15875"/>
+        </p:spPr>
+        <p:style>
+          <a:lnRef idx="1">
+            <a:schemeClr val="accent1"/>
+          </a:lnRef>
+          <a:fillRef idx="0">
+            <a:schemeClr val="accent1"/>
+          </a:fillRef>
+          <a:effectRef idx="0">
+            <a:schemeClr val="accent1"/>
+          </a:effectRef>
+          <a:fontRef idx="minor">
+            <a:schemeClr val="tx1"/>
+          </a:fontRef>
+        </p:style>
+      </p:cxnSp>
+      <p:cxnSp>
+        <p:nvCxnSpPr>
+          <p:cNvPr id="39" name="Straight Connector 38">
+            <a:extLst>
+              <a:ext uri="{FF2B5EF4-FFF2-40B4-BE49-F238E27FC236}">
+                <a16:creationId xmlns:a16="http://schemas.microsoft.com/office/drawing/2014/main" id="{297CF485-7E73-48EA-B709-F6D0B3099804}"/>
+              </a:ext>
+            </a:extLst>
+          </p:cNvPr>
+          <p:cNvCxnSpPr/>
+          <p:nvPr/>
+        </p:nvCxnSpPr>
+        <p:spPr>
+          <a:xfrm flipH="1">
+            <a:off x="3514984" y="1142518"/>
+            <a:ext cx="127819" cy="196645"/>
+          </a:xfrm>
+          <a:prstGeom prst="line">
+            <a:avLst/>
+          </a:prstGeom>
+          <a:ln w="15875"/>
+        </p:spPr>
+        <p:style>
+          <a:lnRef idx="1">
+            <a:schemeClr val="accent1"/>
+          </a:lnRef>
+          <a:fillRef idx="0">
+            <a:schemeClr val="accent1"/>
+          </a:fillRef>
+          <a:effectRef idx="0">
+            <a:schemeClr val="accent1"/>
+          </a:effectRef>
+          <a:fontRef idx="minor">
+            <a:schemeClr val="tx1"/>
+          </a:fontRef>
+        </p:style>
+      </p:cxnSp>
+      <mc:AlternateContent xmlns:mc="http://schemas.openxmlformats.org/markup-compatibility/2006" xmlns:a14="http://schemas.microsoft.com/office/drawing/2010/main">
+        <mc:Choice Requires="a14">
+          <p:sp>
+            <p:nvSpPr>
+              <p:cNvPr id="40" name="TextBox 39">
+                <a:extLst>
+                  <a:ext uri="{FF2B5EF4-FFF2-40B4-BE49-F238E27FC236}">
+                    <a16:creationId xmlns:a16="http://schemas.microsoft.com/office/drawing/2014/main" id="{5BCE9FEC-6142-4FC0-A5AF-AEB09F1F7360}"/>
+                  </a:ext>
+                </a:extLst>
+              </p:cNvPr>
+              <p:cNvSpPr txBox="1"/>
+              <p:nvPr/>
+            </p:nvSpPr>
+            <p:spPr>
+              <a:xfrm>
+                <a:off x="2718573" y="1469603"/>
+                <a:ext cx="786529" cy="276999"/>
+              </a:xfrm>
+              <a:prstGeom prst="rect">
+                <a:avLst/>
+              </a:prstGeom>
+              <a:noFill/>
+            </p:spPr>
+            <p:txBody>
+              <a:bodyPr wrap="square" rtlCol="0">
+                <a:spAutoFit/>
+              </a:bodyPr>
+              <a:lstStyle/>
+              <a:p>
+                <a14:m>
+                  <m:oMath xmlns:m="http://schemas.openxmlformats.org/officeDocument/2006/math">
+                    <m:acc>
+                      <m:accPr>
+                        <m:chr m:val="̅"/>
+                        <m:ctrlPr>
+                          <a:rPr lang="en-US" sz="1200" b="0" i="1" smtClean="0">
+                            <a:latin typeface="Cambria Math" panose="02040503050406030204" pitchFamily="18" charset="0"/>
+                          </a:rPr>
+                        </m:ctrlPr>
+                      </m:accPr>
+                      <m:e>
+                        <m:r>
+                          <a:rPr lang="en-US" sz="1200" b="0" i="1" smtClean="0">
+                            <a:latin typeface="Cambria Math" panose="02040503050406030204" pitchFamily="18" charset="0"/>
+                          </a:rPr>
+                          <m:t>𝑝</m:t>
+                        </m:r>
+                      </m:e>
+                    </m:acc>
+                  </m:oMath>
+                </a14:m>
+                <a:r>
+                  <a:rPr lang="en-US" sz="1200" dirty="0"/>
+                  <a:t>+</a:t>
+                </a:r>
+                <a14:m>
+                  <m:oMath xmlns:m="http://schemas.openxmlformats.org/officeDocument/2006/math">
+                    <m:r>
+                      <m:rPr>
+                        <m:sty m:val="p"/>
+                      </m:rPr>
+                      <a:rPr lang="en-US" sz="1200" b="0" i="0" smtClean="0">
+                        <a:latin typeface="Cambria Math" panose="02040503050406030204" pitchFamily="18" charset="0"/>
+                      </a:rPr>
+                      <m:t>Δ</m:t>
+                    </m:r>
+                  </m:oMath>
+                </a14:m>
+                <a:endParaRPr lang="en-US" sz="1200" dirty="0"/>
+              </a:p>
+            </p:txBody>
+          </p:sp>
+        </mc:Choice>
+        <mc:Fallback xmlns="">
+          <p:sp>
+            <p:nvSpPr>
+              <p:cNvPr id="40" name="TextBox 39">
+                <a:extLst>
+                  <a:ext uri="{FF2B5EF4-FFF2-40B4-BE49-F238E27FC236}">
+                    <a16:creationId xmlns:a16="http://schemas.microsoft.com/office/drawing/2014/main" id="{5BCE9FEC-6142-4FC0-A5AF-AEB09F1F7360}"/>
+                  </a:ext>
+                </a:extLst>
+              </p:cNvPr>
+              <p:cNvSpPr txBox="1">
+                <a:spLocks noRot="1" noChangeAspect="1" noMove="1" noResize="1" noEditPoints="1" noAdjustHandles="1" noChangeArrowheads="1" noChangeShapeType="1" noTextEdit="1"/>
+              </p:cNvSpPr>
+              <p:nvPr/>
+            </p:nvSpPr>
+            <p:spPr>
+              <a:xfrm>
+                <a:off x="2718573" y="1469603"/>
+                <a:ext cx="786529" cy="276999"/>
+              </a:xfrm>
+              <a:prstGeom prst="rect">
+                <a:avLst/>
+              </a:prstGeom>
+              <a:blipFill>
+                <a:blip r:embed="rId8"/>
+                <a:stretch>
+                  <a:fillRect b="-15217"/>
+                </a:stretch>
+              </a:blipFill>
+            </p:spPr>
+            <p:txBody>
+              <a:bodyPr/>
+              <a:lstStyle/>
+              <a:p>
+                <a:r>
+                  <a:rPr lang="en-US">
+                    <a:noFill/>
+                  </a:rPr>
+                  <a:t> </a:t>
+                </a:r>
+              </a:p>
+            </p:txBody>
+          </p:sp>
+        </mc:Fallback>
+      </mc:AlternateContent>
+      <p:cxnSp>
+        <p:nvCxnSpPr>
+          <p:cNvPr id="42" name="Straight Connector 41">
+            <a:extLst>
+              <a:ext uri="{FF2B5EF4-FFF2-40B4-BE49-F238E27FC236}">
+                <a16:creationId xmlns:a16="http://schemas.microsoft.com/office/drawing/2014/main" id="{3156B64E-C525-43DD-84C4-A51A6F6A7ED4}"/>
+              </a:ext>
+            </a:extLst>
+          </p:cNvPr>
+          <p:cNvCxnSpPr/>
+          <p:nvPr/>
+        </p:nvCxnSpPr>
+        <p:spPr>
+          <a:xfrm>
+            <a:off x="2915312" y="497587"/>
+            <a:ext cx="0" cy="555964"/>
+          </a:xfrm>
+          <a:prstGeom prst="line">
+            <a:avLst/>
+          </a:prstGeom>
+          <a:ln w="15875">
+            <a:prstDash val="sysDash"/>
+          </a:ln>
+        </p:spPr>
+        <p:style>
+          <a:lnRef idx="1">
+            <a:schemeClr val="accent1"/>
+          </a:lnRef>
+          <a:fillRef idx="0">
+            <a:schemeClr val="accent1"/>
+          </a:fillRef>
+          <a:effectRef idx="0">
+            <a:schemeClr val="accent1"/>
+          </a:effectRef>
+          <a:fontRef idx="minor">
+            <a:schemeClr val="tx1"/>
+          </a:fontRef>
+        </p:style>
+      </p:cxnSp>
+      <mc:AlternateContent xmlns:mc="http://schemas.openxmlformats.org/markup-compatibility/2006" xmlns:a14="http://schemas.microsoft.com/office/drawing/2010/main">
+        <mc:Choice Requires="a14">
+          <p:sp>
+            <p:nvSpPr>
+              <p:cNvPr id="43" name="TextBox 42">
+                <a:extLst>
+                  <a:ext uri="{FF2B5EF4-FFF2-40B4-BE49-F238E27FC236}">
+                    <a16:creationId xmlns:a16="http://schemas.microsoft.com/office/drawing/2014/main" id="{A0FCFA60-A016-4724-9873-E67B7C8E7163}"/>
+                  </a:ext>
+                </a:extLst>
+              </p:cNvPr>
+              <p:cNvSpPr txBox="1"/>
+              <p:nvPr/>
+            </p:nvSpPr>
+            <p:spPr>
+              <a:xfrm>
+                <a:off x="2522047" y="245810"/>
+                <a:ext cx="786529" cy="276999"/>
+              </a:xfrm>
+              <a:prstGeom prst="rect">
+                <a:avLst/>
+              </a:prstGeom>
+              <a:noFill/>
+            </p:spPr>
+            <p:txBody>
+              <a:bodyPr wrap="square" rtlCol="0">
+                <a:spAutoFit/>
+              </a:bodyPr>
+              <a:lstStyle/>
+              <a:p>
+                <a:pPr/>
+                <a14:m>
+                  <m:oMathPara xmlns:m="http://schemas.openxmlformats.org/officeDocument/2006/math">
+                    <m:oMathParaPr>
+                      <m:jc m:val="centerGroup"/>
+                    </m:oMathParaPr>
+                    <m:oMath xmlns:m="http://schemas.openxmlformats.org/officeDocument/2006/math">
+                      <m:r>
+                        <m:rPr>
+                          <m:sty m:val="p"/>
+                        </m:rPr>
+                        <a:rPr lang="en-US" sz="1200" b="0" i="0" smtClean="0">
+                          <a:latin typeface="Cambria Math" panose="02040503050406030204" pitchFamily="18" charset="0"/>
+                        </a:rPr>
+                        <m:t>Δ</m:t>
+                      </m:r>
+                    </m:oMath>
+                  </m:oMathPara>
+                </a14:m>
+                <a:endParaRPr lang="en-US" sz="1200" dirty="0"/>
+              </a:p>
+            </p:txBody>
+          </p:sp>
+        </mc:Choice>
+        <mc:Fallback xmlns="">
+          <p:sp>
+            <p:nvSpPr>
+              <p:cNvPr id="43" name="TextBox 42">
+                <a:extLst>
+                  <a:ext uri="{FF2B5EF4-FFF2-40B4-BE49-F238E27FC236}">
+                    <a16:creationId xmlns:a16="http://schemas.microsoft.com/office/drawing/2014/main" id="{A0FCFA60-A016-4724-9873-E67B7C8E7163}"/>
+                  </a:ext>
+                </a:extLst>
+              </p:cNvPr>
+              <p:cNvSpPr txBox="1">
+                <a:spLocks noRot="1" noChangeAspect="1" noMove="1" noResize="1" noEditPoints="1" noAdjustHandles="1" noChangeArrowheads="1" noChangeShapeType="1" noTextEdit="1"/>
+              </p:cNvSpPr>
+              <p:nvPr/>
+            </p:nvSpPr>
+            <p:spPr>
+              <a:xfrm>
+                <a:off x="2522047" y="245810"/>
+                <a:ext cx="786529" cy="276999"/>
+              </a:xfrm>
+              <a:prstGeom prst="rect">
+                <a:avLst/>
+              </a:prstGeom>
+              <a:blipFill>
+                <a:blip r:embed="rId9"/>
+                <a:stretch>
+                  <a:fillRect/>
+                </a:stretch>
+              </a:blipFill>
+            </p:spPr>
+            <p:txBody>
+              <a:bodyPr/>
+              <a:lstStyle/>
+              <a:p>
+                <a:r>
+                  <a:rPr lang="en-US">
+                    <a:noFill/>
+                  </a:rPr>
+                  <a:t> </a:t>
+                </a:r>
+              </a:p>
+            </p:txBody>
+          </p:sp>
+        </mc:Fallback>
+      </mc:AlternateContent>
+      <mc:AlternateContent xmlns:mc="http://schemas.openxmlformats.org/markup-compatibility/2006" xmlns:a14="http://schemas.microsoft.com/office/drawing/2010/main">
+        <mc:Choice Requires="a14">
+          <p:sp>
+            <p:nvSpPr>
+              <p:cNvPr id="44" name="TextBox 43">
+                <a:extLst>
+                  <a:ext uri="{FF2B5EF4-FFF2-40B4-BE49-F238E27FC236}">
+                    <a16:creationId xmlns:a16="http://schemas.microsoft.com/office/drawing/2014/main" id="{D0956ED8-E358-448A-96B8-9868E2076A59}"/>
+                  </a:ext>
+                </a:extLst>
+              </p:cNvPr>
+              <p:cNvSpPr txBox="1"/>
+              <p:nvPr/>
+            </p:nvSpPr>
+            <p:spPr>
+              <a:xfrm>
+                <a:off x="2037982" y="1240840"/>
+                <a:ext cx="786529" cy="246221"/>
+              </a:xfrm>
+              <a:prstGeom prst="rect">
+                <a:avLst/>
+              </a:prstGeom>
+              <a:noFill/>
+            </p:spPr>
+            <p:txBody>
+              <a:bodyPr wrap="square" rtlCol="0">
+                <a:spAutoFit/>
+              </a:bodyPr>
+              <a:lstStyle/>
+              <a:p>
+                <a:pPr/>
+                <a14:m>
+                  <m:oMathPara xmlns:m="http://schemas.openxmlformats.org/officeDocument/2006/math">
+                    <m:oMathParaPr>
+                      <m:jc m:val="centerGroup"/>
+                    </m:oMathParaPr>
+                    <m:oMath xmlns:m="http://schemas.openxmlformats.org/officeDocument/2006/math">
+                      <m:r>
+                        <m:rPr>
+                          <m:sty m:val="p"/>
+                        </m:rPr>
+                        <a:rPr lang="en-US" sz="1000" b="0" i="0" smtClean="0">
+                          <a:solidFill>
+                            <a:srgbClr val="0070C0"/>
+                          </a:solidFill>
+                          <a:latin typeface="Cambria Math" panose="02040503050406030204" pitchFamily="18" charset="0"/>
+                        </a:rPr>
+                        <m:t>Δ</m:t>
+                      </m:r>
+                      <m:r>
+                        <a:rPr lang="en-US" sz="1000" b="0" i="0" smtClean="0">
+                          <a:solidFill>
+                            <a:srgbClr val="0070C0"/>
+                          </a:solidFill>
+                          <a:latin typeface="Cambria Math" panose="02040503050406030204" pitchFamily="18" charset="0"/>
+                        </a:rPr>
+                        <m:t>&gt;0</m:t>
+                      </m:r>
+                    </m:oMath>
+                  </m:oMathPara>
+                </a14:m>
+                <a:endParaRPr lang="en-US" sz="1000" dirty="0">
+                  <a:solidFill>
+                    <a:srgbClr val="0070C0"/>
+                  </a:solidFill>
+                </a:endParaRPr>
+              </a:p>
+            </p:txBody>
+          </p:sp>
+        </mc:Choice>
+        <mc:Fallback xmlns="">
+          <p:sp>
+            <p:nvSpPr>
+              <p:cNvPr id="44" name="TextBox 43">
+                <a:extLst>
+                  <a:ext uri="{FF2B5EF4-FFF2-40B4-BE49-F238E27FC236}">
+                    <a16:creationId xmlns:a16="http://schemas.microsoft.com/office/drawing/2014/main" id="{D0956ED8-E358-448A-96B8-9868E2076A59}"/>
+                  </a:ext>
+                </a:extLst>
+              </p:cNvPr>
+              <p:cNvSpPr txBox="1">
+                <a:spLocks noRot="1" noChangeAspect="1" noMove="1" noResize="1" noEditPoints="1" noAdjustHandles="1" noChangeArrowheads="1" noChangeShapeType="1" noTextEdit="1"/>
+              </p:cNvSpPr>
+              <p:nvPr/>
+            </p:nvSpPr>
+            <p:spPr>
+              <a:xfrm>
+                <a:off x="2037982" y="1240840"/>
+                <a:ext cx="786529" cy="246221"/>
+              </a:xfrm>
+              <a:prstGeom prst="rect">
+                <a:avLst/>
+              </a:prstGeom>
+              <a:blipFill>
+                <a:blip r:embed="rId10"/>
+                <a:stretch>
+                  <a:fillRect/>
+                </a:stretch>
+              </a:blipFill>
+            </p:spPr>
+            <p:txBody>
+              <a:bodyPr/>
+              <a:lstStyle/>
+              <a:p>
+                <a:r>
+                  <a:rPr lang="en-US">
+                    <a:noFill/>
+                  </a:rPr>
+                  <a:t> </a:t>
+                </a:r>
+              </a:p>
+            </p:txBody>
+          </p:sp>
+        </mc:Fallback>
+      </mc:AlternateContent>
+      <p:cxnSp>
+        <p:nvCxnSpPr>
+          <p:cNvPr id="46" name="Straight Arrow Connector 45">
+            <a:extLst>
+              <a:ext uri="{FF2B5EF4-FFF2-40B4-BE49-F238E27FC236}">
+                <a16:creationId xmlns:a16="http://schemas.microsoft.com/office/drawing/2014/main" id="{67CA6781-C5F5-4F8D-A8E8-902B6D9AE00C}"/>
+              </a:ext>
+            </a:extLst>
+          </p:cNvPr>
+          <p:cNvCxnSpPr/>
+          <p:nvPr/>
+        </p:nvCxnSpPr>
+        <p:spPr>
+          <a:xfrm flipH="1">
+            <a:off x="1779639" y="1371645"/>
+            <a:ext cx="412955" cy="0"/>
+          </a:xfrm>
+          <a:prstGeom prst="straightConnector1">
+            <a:avLst/>
+          </a:prstGeom>
+          <a:ln w="6350">
+            <a:tailEnd type="triangle"/>
+          </a:ln>
+        </p:spPr>
+        <p:style>
+          <a:lnRef idx="1">
+            <a:schemeClr val="accent1"/>
+          </a:lnRef>
+          <a:fillRef idx="0">
+            <a:schemeClr val="accent1"/>
+          </a:fillRef>
+          <a:effectRef idx="0">
+            <a:schemeClr val="accent1"/>
+          </a:effectRef>
+          <a:fontRef idx="minor">
+            <a:schemeClr val="tx1"/>
+          </a:fontRef>
+        </p:style>
+      </p:cxnSp>
+      <p:cxnSp>
+        <p:nvCxnSpPr>
+          <p:cNvPr id="48" name="Straight Arrow Connector 47">
+            <a:extLst>
+              <a:ext uri="{FF2B5EF4-FFF2-40B4-BE49-F238E27FC236}">
+                <a16:creationId xmlns:a16="http://schemas.microsoft.com/office/drawing/2014/main" id="{A07C8936-7D88-4296-8CA9-4532E769BE58}"/>
+              </a:ext>
+            </a:extLst>
+          </p:cNvPr>
+          <p:cNvCxnSpPr>
+            <a:cxnSpLocks/>
+          </p:cNvCxnSpPr>
+          <p:nvPr/>
+        </p:nvCxnSpPr>
+        <p:spPr>
+          <a:xfrm>
+            <a:off x="2615381" y="1371645"/>
+            <a:ext cx="250723" cy="0"/>
+          </a:xfrm>
+          <a:prstGeom prst="straightConnector1">
+            <a:avLst/>
+          </a:prstGeom>
+          <a:ln w="6350">
+            <a:tailEnd type="triangle"/>
+          </a:ln>
+        </p:spPr>
+        <p:style>
+          <a:lnRef idx="1">
+            <a:schemeClr val="accent1"/>
+          </a:lnRef>
+          <a:fillRef idx="0">
+            <a:schemeClr val="accent1"/>
+          </a:fillRef>
+          <a:effectRef idx="0">
+            <a:schemeClr val="accent1"/>
+          </a:effectRef>
+          <a:fontRef idx="minor">
+            <a:schemeClr val="tx1"/>
+          </a:fontRef>
+        </p:style>
+      </p:cxnSp>
+      <p:sp>
+        <p:nvSpPr>
+          <p:cNvPr id="52" name="Rectangle 51">
+            <a:extLst>
+              <a:ext uri="{FF2B5EF4-FFF2-40B4-BE49-F238E27FC236}">
+                <a16:creationId xmlns:a16="http://schemas.microsoft.com/office/drawing/2014/main" id="{4321A7BC-51CC-46B6-BBE6-D4E0CCE4A279}"/>
+              </a:ext>
+            </a:extLst>
+          </p:cNvPr>
+          <p:cNvSpPr/>
+          <p:nvPr/>
+        </p:nvSpPr>
+        <p:spPr>
+          <a:xfrm>
+            <a:off x="331818" y="1053552"/>
+            <a:ext cx="1902539" cy="400663"/>
+          </a:xfrm>
+          <a:prstGeom prst="rect">
+            <a:avLst/>
+          </a:prstGeom>
+          <a:noFill/>
+          <a:ln w="15875">
+            <a:solidFill>
+              <a:srgbClr val="FF0000"/>
+            </a:solidFill>
+            <a:prstDash val="dash"/>
+          </a:ln>
+        </p:spPr>
+        <p:style>
+          <a:lnRef idx="2">
+            <a:schemeClr val="accent1">
+              <a:shade val="50000"/>
+            </a:schemeClr>
+          </a:lnRef>
+          <a:fillRef idx="1">
+            <a:schemeClr val="accent1"/>
+          </a:fillRef>
+          <a:effectRef idx="0">
+            <a:schemeClr val="accent1"/>
+          </a:effectRef>
+          <a:fontRef idx="minor">
+            <a:schemeClr val="lt1"/>
+          </a:fontRef>
+        </p:style>
+        <p:txBody>
+          <a:bodyPr rtlCol="0" anchor="ctr"/>
+          <a:lstStyle/>
+          <a:p>
+            <a:pPr algn="ctr"/>
+            <a:endParaRPr lang="en-US"/>
+          </a:p>
+        </p:txBody>
+      </p:sp>
+      <p:cxnSp>
+        <p:nvCxnSpPr>
+          <p:cNvPr id="53" name="Straight Connector 52">
+            <a:extLst>
+              <a:ext uri="{FF2B5EF4-FFF2-40B4-BE49-F238E27FC236}">
+                <a16:creationId xmlns:a16="http://schemas.microsoft.com/office/drawing/2014/main" id="{D24A1A31-A2B3-40A1-9D8E-CBB34C8ED6B9}"/>
+              </a:ext>
+            </a:extLst>
+          </p:cNvPr>
+          <p:cNvCxnSpPr/>
+          <p:nvPr/>
+        </p:nvCxnSpPr>
+        <p:spPr>
+          <a:xfrm flipH="1">
+            <a:off x="1804174" y="1155768"/>
+            <a:ext cx="127819" cy="196645"/>
+          </a:xfrm>
+          <a:prstGeom prst="line">
+            <a:avLst/>
+          </a:prstGeom>
+          <a:ln w="15875">
+            <a:solidFill>
+              <a:srgbClr val="FF0000"/>
+            </a:solidFill>
+          </a:ln>
+        </p:spPr>
+        <p:style>
+          <a:lnRef idx="1">
+            <a:schemeClr val="accent1"/>
+          </a:lnRef>
+          <a:fillRef idx="0">
+            <a:schemeClr val="accent1"/>
+          </a:fillRef>
+          <a:effectRef idx="0">
+            <a:schemeClr val="accent1"/>
+          </a:effectRef>
+          <a:fontRef idx="minor">
+            <a:schemeClr val="tx1"/>
+          </a:fontRef>
+        </p:style>
+      </p:cxnSp>
+      <p:cxnSp>
+        <p:nvCxnSpPr>
+          <p:cNvPr id="54" name="Straight Connector 53">
+            <a:extLst>
+              <a:ext uri="{FF2B5EF4-FFF2-40B4-BE49-F238E27FC236}">
+                <a16:creationId xmlns:a16="http://schemas.microsoft.com/office/drawing/2014/main" id="{CEB83CA2-1A26-4644-893C-B278EE18D058}"/>
+              </a:ext>
+            </a:extLst>
+          </p:cNvPr>
+          <p:cNvCxnSpPr/>
+          <p:nvPr/>
+        </p:nvCxnSpPr>
+        <p:spPr>
+          <a:xfrm flipH="1">
+            <a:off x="1941874" y="1149144"/>
+            <a:ext cx="127819" cy="196645"/>
+          </a:xfrm>
+          <a:prstGeom prst="line">
+            <a:avLst/>
+          </a:prstGeom>
+          <a:ln w="15875">
+            <a:solidFill>
+              <a:srgbClr val="FF0000"/>
+            </a:solidFill>
+          </a:ln>
+        </p:spPr>
+        <p:style>
+          <a:lnRef idx="1">
+            <a:schemeClr val="accent1"/>
+          </a:lnRef>
+          <a:fillRef idx="0">
+            <a:schemeClr val="accent1"/>
+          </a:fillRef>
+          <a:effectRef idx="0">
+            <a:schemeClr val="accent1"/>
+          </a:effectRef>
+          <a:fontRef idx="minor">
+            <a:schemeClr val="tx1"/>
+          </a:fontRef>
+        </p:style>
+      </p:cxnSp>
+      <p:cxnSp>
+        <p:nvCxnSpPr>
+          <p:cNvPr id="55" name="Straight Connector 54">
+            <a:extLst>
+              <a:ext uri="{FF2B5EF4-FFF2-40B4-BE49-F238E27FC236}">
+                <a16:creationId xmlns:a16="http://schemas.microsoft.com/office/drawing/2014/main" id="{E0794C82-E75A-4552-A6E6-6494506C293B}"/>
+              </a:ext>
+            </a:extLst>
+          </p:cNvPr>
+          <p:cNvCxnSpPr/>
+          <p:nvPr/>
+        </p:nvCxnSpPr>
+        <p:spPr>
+          <a:xfrm flipH="1">
+            <a:off x="2059861" y="1149144"/>
+            <a:ext cx="127819" cy="196645"/>
+          </a:xfrm>
+          <a:prstGeom prst="line">
+            <a:avLst/>
+          </a:prstGeom>
+          <a:ln w="15875">
+            <a:solidFill>
+              <a:srgbClr val="FF0000"/>
+            </a:solidFill>
+          </a:ln>
+        </p:spPr>
+        <p:style>
+          <a:lnRef idx="1">
+            <a:schemeClr val="accent1"/>
+          </a:lnRef>
+          <a:fillRef idx="0">
+            <a:schemeClr val="accent1"/>
+          </a:fillRef>
+          <a:effectRef idx="0">
+            <a:schemeClr val="accent1"/>
+          </a:effectRef>
+          <a:fontRef idx="minor">
+            <a:schemeClr val="tx1"/>
+          </a:fontRef>
+        </p:style>
+      </p:cxnSp>
+      <mc:AlternateContent xmlns:mc="http://schemas.openxmlformats.org/markup-compatibility/2006" xmlns:a14="http://schemas.microsoft.com/office/drawing/2010/main">
+        <mc:Choice Requires="a14">
+          <p:sp>
+            <p:nvSpPr>
+              <p:cNvPr id="56" name="TextBox 55">
+                <a:extLst>
+                  <a:ext uri="{FF2B5EF4-FFF2-40B4-BE49-F238E27FC236}">
+                    <a16:creationId xmlns:a16="http://schemas.microsoft.com/office/drawing/2014/main" id="{1A02BF80-6C45-4AA9-AAB5-3A7A887B1726}"/>
+                  </a:ext>
+                </a:extLst>
+              </p:cNvPr>
+              <p:cNvSpPr txBox="1"/>
+              <p:nvPr/>
+            </p:nvSpPr>
+            <p:spPr>
+              <a:xfrm>
+                <a:off x="1903008" y="1476076"/>
+                <a:ext cx="868024" cy="276999"/>
+              </a:xfrm>
+              <a:prstGeom prst="rect">
+                <a:avLst/>
+              </a:prstGeom>
+              <a:noFill/>
+            </p:spPr>
+            <p:txBody>
+              <a:bodyPr wrap="square" rtlCol="0">
+                <a:spAutoFit/>
+              </a:bodyPr>
+              <a:lstStyle/>
+              <a:p>
+                <a14:m>
+                  <m:oMath xmlns:m="http://schemas.openxmlformats.org/officeDocument/2006/math">
+                    <m:acc>
+                      <m:accPr>
+                        <m:chr m:val="̅"/>
+                        <m:ctrlPr>
+                          <a:rPr lang="en-US" sz="1200" b="0" i="1" smtClean="0">
+                            <a:latin typeface="Cambria Math" panose="02040503050406030204" pitchFamily="18" charset="0"/>
+                          </a:rPr>
+                        </m:ctrlPr>
+                      </m:accPr>
+                      <m:e>
+                        <m:r>
+                          <a:rPr lang="en-US" sz="1200" b="0" i="1" smtClean="0">
+                            <a:latin typeface="Cambria Math" panose="02040503050406030204" pitchFamily="18" charset="0"/>
+                          </a:rPr>
+                          <m:t>𝑝</m:t>
+                        </m:r>
+                      </m:e>
+                    </m:acc>
+                  </m:oMath>
+                </a14:m>
+                <a:r>
+                  <a:rPr lang="en-US" sz="1200" dirty="0"/>
+                  <a:t>-</a:t>
+                </a:r>
+                <a14:m>
+                  <m:oMath xmlns:m="http://schemas.openxmlformats.org/officeDocument/2006/math">
+                    <m:r>
+                      <m:rPr>
+                        <m:sty m:val="p"/>
+                      </m:rPr>
+                      <a:rPr lang="en-US" sz="1200" b="0" i="0" smtClean="0">
+                        <a:latin typeface="Cambria Math" panose="02040503050406030204" pitchFamily="18" charset="0"/>
+                      </a:rPr>
+                      <m:t>Δ</m:t>
+                    </m:r>
+                  </m:oMath>
+                </a14:m>
+                <a:r>
+                  <a:rPr lang="en-US" sz="1200" dirty="0"/>
+                  <a:t>+</a:t>
+                </a:r>
+                <a14:m>
+                  <m:oMath xmlns:m="http://schemas.openxmlformats.org/officeDocument/2006/math">
+                    <m:r>
+                      <a:rPr lang="en-US" sz="1200" b="0" i="1" smtClean="0">
+                        <a:latin typeface="Cambria Math" panose="02040503050406030204" pitchFamily="18" charset="0"/>
+                      </a:rPr>
+                      <m:t>𝑁</m:t>
+                    </m:r>
+                  </m:oMath>
+                </a14:m>
+                <a:r>
+                  <a:rPr lang="en-US" sz="1200" dirty="0"/>
+                  <a:t>-1</a:t>
+                </a:r>
+              </a:p>
+            </p:txBody>
+          </p:sp>
+        </mc:Choice>
+        <mc:Fallback xmlns="">
+          <p:sp>
+            <p:nvSpPr>
+              <p:cNvPr id="56" name="TextBox 55">
+                <a:extLst>
+                  <a:ext uri="{FF2B5EF4-FFF2-40B4-BE49-F238E27FC236}">
+                    <a16:creationId xmlns:a16="http://schemas.microsoft.com/office/drawing/2014/main" id="{1A02BF80-6C45-4AA9-AAB5-3A7A887B1726}"/>
+                  </a:ext>
+                </a:extLst>
+              </p:cNvPr>
+              <p:cNvSpPr txBox="1">
+                <a:spLocks noRot="1" noChangeAspect="1" noMove="1" noResize="1" noEditPoints="1" noAdjustHandles="1" noChangeArrowheads="1" noChangeShapeType="1" noTextEdit="1"/>
+              </p:cNvSpPr>
+              <p:nvPr/>
+            </p:nvSpPr>
+            <p:spPr>
+              <a:xfrm>
+                <a:off x="1903008" y="1476076"/>
+                <a:ext cx="868024" cy="276999"/>
+              </a:xfrm>
+              <a:prstGeom prst="rect">
+                <a:avLst/>
+              </a:prstGeom>
+              <a:blipFill>
+                <a:blip r:embed="rId11"/>
+                <a:stretch>
+                  <a:fillRect b="-15217"/>
+                </a:stretch>
+              </a:blipFill>
+            </p:spPr>
+            <p:txBody>
+              <a:bodyPr/>
+              <a:lstStyle/>
+              <a:p>
+                <a:r>
+                  <a:rPr lang="en-US">
+                    <a:noFill/>
+                  </a:rPr>
+                  <a:t> </a:t>
+                </a:r>
+              </a:p>
+            </p:txBody>
+          </p:sp>
+        </mc:Fallback>
+      </mc:AlternateContent>
+      <p:cxnSp>
+        <p:nvCxnSpPr>
+          <p:cNvPr id="57" name="Straight Connector 56">
+            <a:extLst>
+              <a:ext uri="{FF2B5EF4-FFF2-40B4-BE49-F238E27FC236}">
+                <a16:creationId xmlns:a16="http://schemas.microsoft.com/office/drawing/2014/main" id="{F19FB206-9FD1-444D-8E0C-70D73BC51DFA}"/>
+              </a:ext>
+            </a:extLst>
+          </p:cNvPr>
+          <p:cNvCxnSpPr/>
+          <p:nvPr/>
+        </p:nvCxnSpPr>
+        <p:spPr>
+          <a:xfrm>
+            <a:off x="2234357" y="507420"/>
+            <a:ext cx="0" cy="555964"/>
+          </a:xfrm>
+          <a:prstGeom prst="line">
+            <a:avLst/>
+          </a:prstGeom>
+          <a:ln w="15875">
+            <a:solidFill>
+              <a:srgbClr val="FF0000"/>
+            </a:solidFill>
+            <a:prstDash val="sysDash"/>
+          </a:ln>
+        </p:spPr>
+        <p:style>
+          <a:lnRef idx="1">
+            <a:schemeClr val="accent1"/>
+          </a:lnRef>
+          <a:fillRef idx="0">
+            <a:schemeClr val="accent1"/>
+          </a:fillRef>
+          <a:effectRef idx="0">
+            <a:schemeClr val="accent1"/>
+          </a:effectRef>
+          <a:fontRef idx="minor">
+            <a:schemeClr val="tx1"/>
+          </a:fontRef>
+        </p:style>
+      </p:cxnSp>
+      <mc:AlternateContent xmlns:mc="http://schemas.openxmlformats.org/markup-compatibility/2006" xmlns:a14="http://schemas.microsoft.com/office/drawing/2010/main">
+        <mc:Choice Requires="a14">
+          <p:sp>
+            <p:nvSpPr>
+              <p:cNvPr id="58" name="TextBox 57">
+                <a:extLst>
+                  <a:ext uri="{FF2B5EF4-FFF2-40B4-BE49-F238E27FC236}">
+                    <a16:creationId xmlns:a16="http://schemas.microsoft.com/office/drawing/2014/main" id="{68D86D04-7896-4067-800B-830F8DD2E1B2}"/>
+                  </a:ext>
+                </a:extLst>
+              </p:cNvPr>
+              <p:cNvSpPr txBox="1"/>
+              <p:nvPr/>
+            </p:nvSpPr>
+            <p:spPr>
+              <a:xfrm>
+                <a:off x="2015791" y="250693"/>
+                <a:ext cx="786529" cy="461665"/>
+              </a:xfrm>
+              <a:prstGeom prst="rect">
+                <a:avLst/>
+              </a:prstGeom>
+              <a:noFill/>
+            </p:spPr>
+            <p:txBody>
+              <a:bodyPr wrap="square" rtlCol="0">
+                <a:spAutoFit/>
+              </a:bodyPr>
+              <a:lstStyle/>
+              <a:p>
+                <a14:m>
+                  <m:oMath xmlns:m="http://schemas.openxmlformats.org/officeDocument/2006/math">
+                    <m:r>
+                      <a:rPr lang="en-US" sz="1200" b="0" i="1" smtClean="0">
+                        <a:latin typeface="Cambria Math" panose="02040503050406030204" pitchFamily="18" charset="0"/>
+                      </a:rPr>
+                      <m:t>𝑁</m:t>
+                    </m:r>
+                  </m:oMath>
+                </a14:m>
+                <a:r>
+                  <a:rPr lang="en-US" sz="1200" dirty="0"/>
+                  <a:t>-</a:t>
+                </a:r>
+                <a14:m>
+                  <m:oMath xmlns:m="http://schemas.openxmlformats.org/officeDocument/2006/math">
+                    <m:r>
+                      <m:rPr>
+                        <m:sty m:val="p"/>
+                      </m:rPr>
+                      <a:rPr lang="en-US" sz="1200" b="0" i="0" dirty="0" smtClean="0">
+                        <a:latin typeface="Cambria Math" panose="02040503050406030204" pitchFamily="18" charset="0"/>
+                      </a:rPr>
+                      <m:t>Δ</m:t>
+                    </m:r>
+                  </m:oMath>
+                </a14:m>
+                <a:r>
+                  <a:rPr lang="en-US" sz="1200" dirty="0"/>
+                  <a:t>-1</a:t>
+                </a:r>
+              </a:p>
+              <a:p>
+                <a:endParaRPr lang="en-US" sz="1200" dirty="0"/>
+              </a:p>
+            </p:txBody>
+          </p:sp>
+        </mc:Choice>
+        <mc:Fallback xmlns="">
+          <p:sp>
+            <p:nvSpPr>
+              <p:cNvPr id="58" name="TextBox 57">
+                <a:extLst>
+                  <a:ext uri="{FF2B5EF4-FFF2-40B4-BE49-F238E27FC236}">
+                    <a16:creationId xmlns:a16="http://schemas.microsoft.com/office/drawing/2014/main" id="{68D86D04-7896-4067-800B-830F8DD2E1B2}"/>
+                  </a:ext>
+                </a:extLst>
+              </p:cNvPr>
+              <p:cNvSpPr txBox="1">
+                <a:spLocks noRot="1" noChangeAspect="1" noMove="1" noResize="1" noEditPoints="1" noAdjustHandles="1" noChangeArrowheads="1" noChangeShapeType="1" noTextEdit="1"/>
+              </p:cNvSpPr>
+              <p:nvPr/>
+            </p:nvSpPr>
+            <p:spPr>
+              <a:xfrm>
+                <a:off x="2015791" y="250693"/>
+                <a:ext cx="786529" cy="461665"/>
+              </a:xfrm>
+              <a:prstGeom prst="rect">
+                <a:avLst/>
+              </a:prstGeom>
+              <a:blipFill>
+                <a:blip r:embed="rId12"/>
+                <a:stretch>
+                  <a:fillRect/>
+                </a:stretch>
+              </a:blipFill>
+            </p:spPr>
+            <p:txBody>
+              <a:bodyPr/>
+              <a:lstStyle/>
+              <a:p>
+                <a:r>
+                  <a:rPr lang="en-US">
+                    <a:noFill/>
+                  </a:rPr>
+                  <a:t> </a:t>
+                </a:r>
+              </a:p>
+            </p:txBody>
+          </p:sp>
+        </mc:Fallback>
+      </mc:AlternateContent>
+      <mc:AlternateContent xmlns:mc="http://schemas.openxmlformats.org/markup-compatibility/2006" xmlns:a14="http://schemas.microsoft.com/office/drawing/2010/main">
+        <mc:Choice Requires="a14">
+          <p:sp>
+            <p:nvSpPr>
+              <p:cNvPr id="64" name="TextBox 63">
+                <a:extLst>
+                  <a:ext uri="{FF2B5EF4-FFF2-40B4-BE49-F238E27FC236}">
+                    <a16:creationId xmlns:a16="http://schemas.microsoft.com/office/drawing/2014/main" id="{6DBE6241-DABD-496B-A696-37DC11C7013E}"/>
+                  </a:ext>
+                </a:extLst>
+              </p:cNvPr>
+              <p:cNvSpPr txBox="1"/>
+              <p:nvPr/>
+            </p:nvSpPr>
+            <p:spPr>
+              <a:xfrm>
+                <a:off x="618394" y="1240840"/>
+                <a:ext cx="786529" cy="246221"/>
+              </a:xfrm>
+              <a:prstGeom prst="rect">
+                <a:avLst/>
+              </a:prstGeom>
+              <a:noFill/>
+            </p:spPr>
+            <p:txBody>
+              <a:bodyPr wrap="square" rtlCol="0">
+                <a:spAutoFit/>
+              </a:bodyPr>
+              <a:lstStyle/>
+              <a:p>
+                <a:pPr/>
+                <a14:m>
+                  <m:oMathPara xmlns:m="http://schemas.openxmlformats.org/officeDocument/2006/math">
+                    <m:oMathParaPr>
+                      <m:jc m:val="centerGroup"/>
+                    </m:oMathParaPr>
+                    <m:oMath xmlns:m="http://schemas.openxmlformats.org/officeDocument/2006/math">
+                      <m:r>
+                        <m:rPr>
+                          <m:sty m:val="p"/>
+                        </m:rPr>
+                        <a:rPr lang="en-US" sz="1000" b="0" i="0" smtClean="0">
+                          <a:solidFill>
+                            <a:srgbClr val="FF0000"/>
+                          </a:solidFill>
+                          <a:latin typeface="Cambria Math" panose="02040503050406030204" pitchFamily="18" charset="0"/>
+                        </a:rPr>
+                        <m:t>Δ</m:t>
+                      </m:r>
+                      <m:r>
+                        <a:rPr lang="en-US" sz="1000" b="0" i="0" smtClean="0">
+                          <a:solidFill>
+                            <a:srgbClr val="FF0000"/>
+                          </a:solidFill>
+                          <a:latin typeface="Cambria Math" panose="02040503050406030204" pitchFamily="18" charset="0"/>
+                        </a:rPr>
+                        <m:t>&lt;0</m:t>
+                      </m:r>
+                    </m:oMath>
+                  </m:oMathPara>
+                </a14:m>
+                <a:endParaRPr lang="en-US" sz="1000" dirty="0">
+                  <a:solidFill>
+                    <a:srgbClr val="FF0000"/>
+                  </a:solidFill>
+                </a:endParaRPr>
+              </a:p>
+            </p:txBody>
+          </p:sp>
+        </mc:Choice>
+        <mc:Fallback xmlns="">
+          <p:sp>
+            <p:nvSpPr>
+              <p:cNvPr id="64" name="TextBox 63">
+                <a:extLst>
+                  <a:ext uri="{FF2B5EF4-FFF2-40B4-BE49-F238E27FC236}">
+                    <a16:creationId xmlns:a16="http://schemas.microsoft.com/office/drawing/2014/main" id="{6DBE6241-DABD-496B-A696-37DC11C7013E}"/>
+                  </a:ext>
+                </a:extLst>
+              </p:cNvPr>
+              <p:cNvSpPr txBox="1">
+                <a:spLocks noRot="1" noChangeAspect="1" noMove="1" noResize="1" noEditPoints="1" noAdjustHandles="1" noChangeArrowheads="1" noChangeShapeType="1" noTextEdit="1"/>
+              </p:cNvSpPr>
+              <p:nvPr/>
+            </p:nvSpPr>
+            <p:spPr>
+              <a:xfrm>
+                <a:off x="618394" y="1240840"/>
+                <a:ext cx="786529" cy="246221"/>
+              </a:xfrm>
+              <a:prstGeom prst="rect">
+                <a:avLst/>
+              </a:prstGeom>
+              <a:blipFill>
+                <a:blip r:embed="rId13"/>
+                <a:stretch>
+                  <a:fillRect/>
+                </a:stretch>
+              </a:blipFill>
+            </p:spPr>
+            <p:txBody>
+              <a:bodyPr/>
+              <a:lstStyle/>
+              <a:p>
+                <a:r>
+                  <a:rPr lang="en-US">
+                    <a:noFill/>
+                  </a:rPr>
+                  <a:t> </a:t>
+                </a:r>
+              </a:p>
+            </p:txBody>
+          </p:sp>
+        </mc:Fallback>
+      </mc:AlternateContent>
+      <p:cxnSp>
+        <p:nvCxnSpPr>
+          <p:cNvPr id="65" name="Straight Arrow Connector 64">
+            <a:extLst>
+              <a:ext uri="{FF2B5EF4-FFF2-40B4-BE49-F238E27FC236}">
+                <a16:creationId xmlns:a16="http://schemas.microsoft.com/office/drawing/2014/main" id="{C5F59761-C97F-4A55-8E7D-FB312AAF0C1E}"/>
+              </a:ext>
+            </a:extLst>
+          </p:cNvPr>
+          <p:cNvCxnSpPr/>
+          <p:nvPr/>
+        </p:nvCxnSpPr>
+        <p:spPr>
+          <a:xfrm flipH="1">
+            <a:off x="360051" y="1371645"/>
+            <a:ext cx="412955" cy="0"/>
+          </a:xfrm>
+          <a:prstGeom prst="straightConnector1">
+            <a:avLst/>
+          </a:prstGeom>
+          <a:ln w="6350">
+            <a:solidFill>
+              <a:srgbClr val="FF0000"/>
+            </a:solidFill>
+            <a:tailEnd type="triangle"/>
+          </a:ln>
+        </p:spPr>
+        <p:style>
+          <a:lnRef idx="1">
+            <a:schemeClr val="accent1"/>
+          </a:lnRef>
+          <a:fillRef idx="0">
+            <a:schemeClr val="accent1"/>
+          </a:fillRef>
+          <a:effectRef idx="0">
+            <a:schemeClr val="accent1"/>
+          </a:effectRef>
+          <a:fontRef idx="minor">
+            <a:schemeClr val="tx1"/>
+          </a:fontRef>
+        </p:style>
+      </p:cxnSp>
+      <p:cxnSp>
+        <p:nvCxnSpPr>
+          <p:cNvPr id="66" name="Straight Arrow Connector 65">
+            <a:extLst>
+              <a:ext uri="{FF2B5EF4-FFF2-40B4-BE49-F238E27FC236}">
+                <a16:creationId xmlns:a16="http://schemas.microsoft.com/office/drawing/2014/main" id="{B644CB55-236F-468C-8903-477974D025DF}"/>
+              </a:ext>
+            </a:extLst>
+          </p:cNvPr>
+          <p:cNvCxnSpPr>
+            <a:cxnSpLocks/>
+          </p:cNvCxnSpPr>
+          <p:nvPr/>
+        </p:nvCxnSpPr>
+        <p:spPr>
+          <a:xfrm>
+            <a:off x="1195793" y="1371645"/>
+            <a:ext cx="505188" cy="0"/>
+          </a:xfrm>
+          <a:prstGeom prst="straightConnector1">
+            <a:avLst/>
+          </a:prstGeom>
+          <a:ln w="6350">
+            <a:solidFill>
+              <a:srgbClr val="FF0000"/>
+            </a:solidFill>
+            <a:tailEnd type="triangle"/>
+          </a:ln>
+        </p:spPr>
+        <p:style>
+          <a:lnRef idx="1">
+            <a:schemeClr val="accent1"/>
+          </a:lnRef>
+          <a:fillRef idx="0">
+            <a:schemeClr val="accent1"/>
+          </a:fillRef>
+          <a:effectRef idx="0">
+            <a:schemeClr val="accent1"/>
+          </a:effectRef>
+          <a:fontRef idx="minor">
+            <a:schemeClr val="tx1"/>
+          </a:fontRef>
+        </p:style>
+      </p:cxnSp>
+      <mc:AlternateContent xmlns:mc="http://schemas.openxmlformats.org/markup-compatibility/2006" xmlns:a14="http://schemas.microsoft.com/office/drawing/2010/main">
+        <mc:Choice Requires="a14">
+          <p:sp>
+            <p:nvSpPr>
+              <p:cNvPr id="70" name="TextBox 69">
+                <a:extLst>
+                  <a:ext uri="{FF2B5EF4-FFF2-40B4-BE49-F238E27FC236}">
+                    <a16:creationId xmlns:a16="http://schemas.microsoft.com/office/drawing/2014/main" id="{CB2AE42B-34A8-43B0-B2B2-8E902156D890}"/>
+                  </a:ext>
+                </a:extLst>
+              </p:cNvPr>
+              <p:cNvSpPr txBox="1"/>
+              <p:nvPr/>
+            </p:nvSpPr>
+            <p:spPr>
+              <a:xfrm>
+                <a:off x="148727" y="1472181"/>
+                <a:ext cx="786529" cy="276999"/>
+              </a:xfrm>
+              <a:prstGeom prst="rect">
+                <a:avLst/>
+              </a:prstGeom>
+              <a:noFill/>
+            </p:spPr>
+            <p:txBody>
+              <a:bodyPr wrap="square" rtlCol="0">
+                <a:spAutoFit/>
+              </a:bodyPr>
+              <a:lstStyle/>
+              <a:p>
+                <a14:m>
+                  <m:oMath xmlns:m="http://schemas.openxmlformats.org/officeDocument/2006/math">
+                    <m:acc>
+                      <m:accPr>
+                        <m:chr m:val="̅"/>
+                        <m:ctrlPr>
+                          <a:rPr lang="en-US" sz="1200" b="0" i="1" smtClean="0">
+                            <a:latin typeface="Cambria Math" panose="02040503050406030204" pitchFamily="18" charset="0"/>
+                          </a:rPr>
+                        </m:ctrlPr>
+                      </m:accPr>
+                      <m:e>
+                        <m:r>
+                          <a:rPr lang="en-US" sz="1200" b="0" i="1" smtClean="0">
+                            <a:latin typeface="Cambria Math" panose="02040503050406030204" pitchFamily="18" charset="0"/>
+                          </a:rPr>
+                          <m:t>𝑝</m:t>
+                        </m:r>
+                      </m:e>
+                    </m:acc>
+                  </m:oMath>
+                </a14:m>
+                <a:r>
+                  <a:rPr lang="en-US" sz="1200" dirty="0"/>
+                  <a:t>-</a:t>
+                </a:r>
+                <a14:m>
+                  <m:oMath xmlns:m="http://schemas.openxmlformats.org/officeDocument/2006/math">
+                    <m:r>
+                      <m:rPr>
+                        <m:sty m:val="p"/>
+                      </m:rPr>
+                      <a:rPr lang="en-US" sz="1200" b="0" i="0" smtClean="0">
+                        <a:latin typeface="Cambria Math" panose="02040503050406030204" pitchFamily="18" charset="0"/>
+                      </a:rPr>
+                      <m:t>Δ</m:t>
+                    </m:r>
+                  </m:oMath>
+                </a14:m>
+                <a:endParaRPr lang="en-US" sz="1200" dirty="0"/>
+              </a:p>
+            </p:txBody>
+          </p:sp>
+        </mc:Choice>
+        <mc:Fallback xmlns="">
+          <p:sp>
+            <p:nvSpPr>
+              <p:cNvPr id="70" name="TextBox 69">
+                <a:extLst>
+                  <a:ext uri="{FF2B5EF4-FFF2-40B4-BE49-F238E27FC236}">
+                    <a16:creationId xmlns:a16="http://schemas.microsoft.com/office/drawing/2014/main" id="{CB2AE42B-34A8-43B0-B2B2-8E902156D890}"/>
+                  </a:ext>
+                </a:extLst>
+              </p:cNvPr>
+              <p:cNvSpPr txBox="1">
+                <a:spLocks noRot="1" noChangeAspect="1" noMove="1" noResize="1" noEditPoints="1" noAdjustHandles="1" noChangeArrowheads="1" noChangeShapeType="1" noTextEdit="1"/>
+              </p:cNvSpPr>
+              <p:nvPr/>
+            </p:nvSpPr>
+            <p:spPr>
+              <a:xfrm>
+                <a:off x="148727" y="1472181"/>
+                <a:ext cx="786529" cy="276999"/>
+              </a:xfrm>
+              <a:prstGeom prst="rect">
+                <a:avLst/>
+              </a:prstGeom>
+              <a:blipFill>
+                <a:blip r:embed="rId14"/>
+                <a:stretch>
+                  <a:fillRect b="-15217"/>
+                </a:stretch>
+              </a:blipFill>
+            </p:spPr>
+            <p:txBody>
+              <a:bodyPr/>
+              <a:lstStyle/>
+              <a:p>
+                <a:r>
+                  <a:rPr lang="en-US">
+                    <a:noFill/>
+                  </a:rPr>
+                  <a:t> </a:t>
+                </a:r>
+              </a:p>
+            </p:txBody>
+          </p:sp>
+        </mc:Fallback>
+      </mc:AlternateContent>
+      <p:sp>
+        <p:nvSpPr>
+          <p:cNvPr id="2" name="Right Brace 1">
+            <a:extLst>
+              <a:ext uri="{FF2B5EF4-FFF2-40B4-BE49-F238E27FC236}">
+                <a16:creationId xmlns:a16="http://schemas.microsoft.com/office/drawing/2014/main" id="{56F44CC5-96E5-4247-9B14-BD6F1F823038}"/>
+              </a:ext>
+            </a:extLst>
+          </p:cNvPr>
+          <p:cNvSpPr/>
+          <p:nvPr/>
+        </p:nvSpPr>
+        <p:spPr>
+          <a:xfrm rot="16200000">
+            <a:off x="3768260" y="10581"/>
+            <a:ext cx="196646" cy="1902539"/>
+          </a:xfrm>
+          <a:prstGeom prst="rightBrace">
+            <a:avLst>
+              <a:gd name="adj1" fmla="val 169487"/>
+              <a:gd name="adj2" fmla="val 48063"/>
+            </a:avLst>
+          </a:prstGeom>
+          <a:ln>
+            <a:solidFill>
+              <a:schemeClr val="tx1"/>
+            </a:solidFill>
+          </a:ln>
+        </p:spPr>
+        <p:style>
+          <a:lnRef idx="1">
+            <a:schemeClr val="accent1"/>
+          </a:lnRef>
+          <a:fillRef idx="0">
+            <a:schemeClr val="accent1"/>
+          </a:fillRef>
+          <a:effectRef idx="0">
+            <a:schemeClr val="accent1"/>
+          </a:effectRef>
+          <a:fontRef idx="minor">
+            <a:schemeClr val="tx1"/>
+          </a:fontRef>
+        </p:style>
+        <p:txBody>
+          <a:bodyPr rtlCol="0" anchor="ctr"/>
+          <a:lstStyle/>
+          <a:p>
+            <a:pPr algn="ctr"/>
+            <a:endParaRPr lang="en-US"/>
+          </a:p>
+        </p:txBody>
+      </p:sp>
+      <p:sp>
+        <p:nvSpPr>
+          <p:cNvPr id="37" name="TextBox 36">
+            <a:extLst>
+              <a:ext uri="{FF2B5EF4-FFF2-40B4-BE49-F238E27FC236}">
+                <a16:creationId xmlns:a16="http://schemas.microsoft.com/office/drawing/2014/main" id="{EBA278C6-C4FB-4091-A491-14FE06C90370}"/>
+              </a:ext>
+            </a:extLst>
+          </p:cNvPr>
+          <p:cNvSpPr txBox="1"/>
+          <p:nvPr/>
+        </p:nvSpPr>
+        <p:spPr>
+          <a:xfrm>
+            <a:off x="3648442" y="629094"/>
+            <a:ext cx="2378003" cy="292388"/>
+          </a:xfrm>
+          <a:prstGeom prst="rect">
+            <a:avLst/>
+          </a:prstGeom>
+          <a:noFill/>
+        </p:spPr>
+        <p:txBody>
+          <a:bodyPr wrap="square" rtlCol="0">
+            <a:spAutoFit/>
+          </a:bodyPr>
+          <a:lstStyle/>
+          <a:p>
+            <a:r>
+              <a:rPr lang="en-US" sz="1300" dirty="0"/>
+              <a:t>preamble</a:t>
+            </a:r>
+          </a:p>
+        </p:txBody>
+      </p:sp>
+      <p:cxnSp>
+        <p:nvCxnSpPr>
+          <p:cNvPr id="9" name="Straight Connector 8">
+            <a:extLst>
+              <a:ext uri="{FF2B5EF4-FFF2-40B4-BE49-F238E27FC236}">
+                <a16:creationId xmlns:a16="http://schemas.microsoft.com/office/drawing/2014/main" id="{BBA4232D-EDFD-46C7-B60E-85985D50C400}"/>
+              </a:ext>
+            </a:extLst>
+          </p:cNvPr>
+          <p:cNvCxnSpPr>
+            <a:endCxn id="2" idx="0"/>
+          </p:cNvCxnSpPr>
+          <p:nvPr/>
+        </p:nvCxnSpPr>
+        <p:spPr>
+          <a:xfrm flipV="1">
+            <a:off x="2915311" y="1060174"/>
+            <a:ext cx="0" cy="381429"/>
+          </a:xfrm>
+          <a:prstGeom prst="line">
+            <a:avLst/>
+          </a:prstGeom>
+          <a:ln w="15875"/>
+        </p:spPr>
+        <p:style>
+          <a:lnRef idx="1">
+            <a:schemeClr val="accent1"/>
+          </a:lnRef>
+          <a:fillRef idx="0">
+            <a:schemeClr val="accent1"/>
+          </a:fillRef>
+          <a:effectRef idx="0">
+            <a:schemeClr val="accent1"/>
+          </a:effectRef>
+          <a:fontRef idx="minor">
+            <a:schemeClr val="tx1"/>
+          </a:fontRef>
+        </p:style>
+      </p:cxnSp>
+      <p:cxnSp>
+        <p:nvCxnSpPr>
+          <p:cNvPr id="21" name="Straight Connector 20">
+            <a:extLst>
+              <a:ext uri="{FF2B5EF4-FFF2-40B4-BE49-F238E27FC236}">
+                <a16:creationId xmlns:a16="http://schemas.microsoft.com/office/drawing/2014/main" id="{7B4D49D0-70B4-4392-A064-221AF6D785A7}"/>
+              </a:ext>
+            </a:extLst>
+          </p:cNvPr>
+          <p:cNvCxnSpPr/>
+          <p:nvPr/>
+        </p:nvCxnSpPr>
+        <p:spPr>
+          <a:xfrm flipH="1">
+            <a:off x="2915311" y="1053551"/>
+            <a:ext cx="766870" cy="0"/>
+          </a:xfrm>
+          <a:prstGeom prst="line">
+            <a:avLst/>
+          </a:prstGeom>
+          <a:ln w="15875"/>
+        </p:spPr>
+        <p:style>
+          <a:lnRef idx="1">
+            <a:schemeClr val="accent1"/>
+          </a:lnRef>
+          <a:fillRef idx="0">
+            <a:schemeClr val="accent1"/>
+          </a:fillRef>
+          <a:effectRef idx="0">
+            <a:schemeClr val="accent1"/>
+          </a:effectRef>
+          <a:fontRef idx="minor">
+            <a:schemeClr val="tx1"/>
+          </a:fontRef>
+        </p:style>
+      </p:cxnSp>
+      <p:cxnSp>
+        <p:nvCxnSpPr>
+          <p:cNvPr id="23" name="Straight Connector 22">
+            <a:extLst>
+              <a:ext uri="{FF2B5EF4-FFF2-40B4-BE49-F238E27FC236}">
+                <a16:creationId xmlns:a16="http://schemas.microsoft.com/office/drawing/2014/main" id="{EE2E24A9-6D46-4550-AFDA-58D1D2D877DF}"/>
+              </a:ext>
+            </a:extLst>
+          </p:cNvPr>
+          <p:cNvCxnSpPr/>
+          <p:nvPr/>
+        </p:nvCxnSpPr>
+        <p:spPr>
+          <a:xfrm flipV="1">
+            <a:off x="2234357" y="1060174"/>
+            <a:ext cx="0" cy="394040"/>
+          </a:xfrm>
+          <a:prstGeom prst="line">
+            <a:avLst/>
+          </a:prstGeom>
+          <a:ln w="15875">
+            <a:solidFill>
+              <a:srgbClr val="FF0000"/>
+            </a:solidFill>
+          </a:ln>
+        </p:spPr>
+        <p:style>
+          <a:lnRef idx="1">
+            <a:schemeClr val="accent1"/>
+          </a:lnRef>
+          <a:fillRef idx="0">
+            <a:schemeClr val="accent1"/>
+          </a:fillRef>
+          <a:effectRef idx="0">
+            <a:schemeClr val="accent1"/>
+          </a:effectRef>
+          <a:fontRef idx="minor">
+            <a:schemeClr val="tx1"/>
+          </a:fontRef>
+        </p:style>
+      </p:cxnSp>
+      <p:cxnSp>
+        <p:nvCxnSpPr>
+          <p:cNvPr id="28" name="Straight Connector 27">
+            <a:extLst>
+              <a:ext uri="{FF2B5EF4-FFF2-40B4-BE49-F238E27FC236}">
+                <a16:creationId xmlns:a16="http://schemas.microsoft.com/office/drawing/2014/main" id="{8163227D-C63F-4999-BCD7-8AAC904CF7FF}"/>
+              </a:ext>
+            </a:extLst>
+          </p:cNvPr>
+          <p:cNvCxnSpPr>
+            <a:cxnSpLocks/>
+          </p:cNvCxnSpPr>
+          <p:nvPr/>
+        </p:nvCxnSpPr>
+        <p:spPr>
+          <a:xfrm>
+            <a:off x="1779639" y="1053551"/>
+            <a:ext cx="454718" cy="0"/>
+          </a:xfrm>
+          <a:prstGeom prst="line">
+            <a:avLst/>
+          </a:prstGeom>
+          <a:ln w="15875">
+            <a:solidFill>
+              <a:srgbClr val="FF0000"/>
+            </a:solidFill>
+          </a:ln>
+        </p:spPr>
+        <p:style>
+          <a:lnRef idx="1">
+            <a:schemeClr val="accent1"/>
+          </a:lnRef>
+          <a:fillRef idx="0">
+            <a:schemeClr val="accent1"/>
+          </a:fillRef>
+          <a:effectRef idx="0">
+            <a:schemeClr val="accent1"/>
+          </a:effectRef>
+          <a:fontRef idx="minor">
+            <a:schemeClr val="tx1"/>
+          </a:fontRef>
+        </p:style>
+      </p:cxnSp>
+      <p:cxnSp>
+        <p:nvCxnSpPr>
+          <p:cNvPr id="41" name="Straight Connector 40">
+            <a:extLst>
+              <a:ext uri="{FF2B5EF4-FFF2-40B4-BE49-F238E27FC236}">
+                <a16:creationId xmlns:a16="http://schemas.microsoft.com/office/drawing/2014/main" id="{221DAD48-4D16-4845-A239-AF1B7CCBCB30}"/>
+              </a:ext>
+            </a:extLst>
+          </p:cNvPr>
+          <p:cNvCxnSpPr/>
+          <p:nvPr/>
+        </p:nvCxnSpPr>
+        <p:spPr>
+          <a:xfrm>
+            <a:off x="2915311" y="1454214"/>
+            <a:ext cx="766870" cy="0"/>
+          </a:xfrm>
+          <a:prstGeom prst="line">
+            <a:avLst/>
+          </a:prstGeom>
+          <a:ln w="15875"/>
+        </p:spPr>
+        <p:style>
+          <a:lnRef idx="1">
+            <a:schemeClr val="accent1"/>
+          </a:lnRef>
+          <a:fillRef idx="0">
+            <a:schemeClr val="accent1"/>
+          </a:fillRef>
+          <a:effectRef idx="0">
+            <a:schemeClr val="accent1"/>
+          </a:effectRef>
+          <a:fontRef idx="minor">
+            <a:schemeClr val="tx1"/>
+          </a:fontRef>
+        </p:style>
+      </p:cxnSp>
+      <p:cxnSp>
+        <p:nvCxnSpPr>
+          <p:cNvPr id="47" name="Straight Connector 46">
+            <a:extLst>
+              <a:ext uri="{FF2B5EF4-FFF2-40B4-BE49-F238E27FC236}">
+                <a16:creationId xmlns:a16="http://schemas.microsoft.com/office/drawing/2014/main" id="{821A07C8-B360-4727-B3E7-A662057A6B88}"/>
+              </a:ext>
+            </a:extLst>
+          </p:cNvPr>
+          <p:cNvCxnSpPr/>
+          <p:nvPr/>
+        </p:nvCxnSpPr>
+        <p:spPr>
+          <a:xfrm>
+            <a:off x="1779639" y="1454214"/>
+            <a:ext cx="454718" cy="0"/>
+          </a:xfrm>
+          <a:prstGeom prst="line">
+            <a:avLst/>
+          </a:prstGeom>
+          <a:ln w="15875">
+            <a:solidFill>
+              <a:srgbClr val="FF0000"/>
+            </a:solidFill>
+          </a:ln>
+        </p:spPr>
+        <p:style>
+          <a:lnRef idx="1">
+            <a:schemeClr val="accent1"/>
+          </a:lnRef>
+          <a:fillRef idx="0">
+            <a:schemeClr val="accent1"/>
+          </a:fillRef>
+          <a:effectRef idx="0">
+            <a:schemeClr val="accent1"/>
+          </a:effectRef>
+          <a:fontRef idx="minor">
+            <a:schemeClr val="tx1"/>
+          </a:fontRef>
+        </p:style>
+      </p:cxnSp>
+      <p:cxnSp>
+        <p:nvCxnSpPr>
+          <p:cNvPr id="5" name="Straight Arrow Connector 4">
+            <a:extLst>
+              <a:ext uri="{FF2B5EF4-FFF2-40B4-BE49-F238E27FC236}">
+                <a16:creationId xmlns:a16="http://schemas.microsoft.com/office/drawing/2014/main" id="{6D431904-0EA9-4A7E-BF56-409EF56D2D45}"/>
+              </a:ext>
+            </a:extLst>
+          </p:cNvPr>
+          <p:cNvCxnSpPr>
+            <a:cxnSpLocks/>
+          </p:cNvCxnSpPr>
+          <p:nvPr/>
+        </p:nvCxnSpPr>
+        <p:spPr>
+          <a:xfrm>
+            <a:off x="228574" y="1454214"/>
+            <a:ext cx="4955458" cy="0"/>
+          </a:xfrm>
+          <a:prstGeom prst="straightConnector1">
+            <a:avLst/>
+          </a:prstGeom>
+          <a:ln w="19050">
+            <a:solidFill>
+              <a:schemeClr val="tx1"/>
+            </a:solidFill>
+            <a:tailEnd type="triangle"/>
+          </a:ln>
+        </p:spPr>
+        <p:style>
+          <a:lnRef idx="1">
+            <a:schemeClr val="accent1"/>
+          </a:lnRef>
+          <a:fillRef idx="0">
+            <a:schemeClr val="accent1"/>
+          </a:fillRef>
+          <a:effectRef idx="0">
+            <a:schemeClr val="accent1"/>
+          </a:effectRef>
+          <a:fontRef idx="minor">
+            <a:schemeClr val="tx1"/>
+          </a:fontRef>
+        </p:style>
+      </p:cxnSp>
+      <p:cxnSp>
+        <p:nvCxnSpPr>
+          <p:cNvPr id="60" name="Straight Arrow Connector 59">
+            <a:extLst>
+              <a:ext uri="{FF2B5EF4-FFF2-40B4-BE49-F238E27FC236}">
+                <a16:creationId xmlns:a16="http://schemas.microsoft.com/office/drawing/2014/main" id="{64775FBA-BEA6-4B88-8D9D-4197B3BB8F16}"/>
+              </a:ext>
+            </a:extLst>
+          </p:cNvPr>
+          <p:cNvCxnSpPr>
+            <a:cxnSpLocks/>
+          </p:cNvCxnSpPr>
+          <p:nvPr/>
+        </p:nvCxnSpPr>
+        <p:spPr>
+          <a:xfrm>
+            <a:off x="5976814" y="2876487"/>
+            <a:ext cx="2743200" cy="0"/>
+          </a:xfrm>
+          <a:prstGeom prst="straightConnector1">
+            <a:avLst/>
+          </a:prstGeom>
+          <a:ln w="15875">
+            <a:solidFill>
+              <a:schemeClr val="tx1"/>
+            </a:solidFill>
+            <a:tailEnd type="triangle"/>
+          </a:ln>
+        </p:spPr>
+        <p:style>
+          <a:lnRef idx="1">
+            <a:schemeClr val="accent1"/>
+          </a:lnRef>
+          <a:fillRef idx="0">
+            <a:schemeClr val="accent1"/>
+          </a:fillRef>
+          <a:effectRef idx="0">
+            <a:schemeClr val="accent1"/>
+          </a:effectRef>
+          <a:fontRef idx="minor">
+            <a:schemeClr val="tx1"/>
+          </a:fontRef>
+        </p:style>
+      </p:cxnSp>
+      <mc:AlternateContent xmlns:mc="http://schemas.openxmlformats.org/markup-compatibility/2006" xmlns:a14="http://schemas.microsoft.com/office/drawing/2010/main">
+        <mc:Choice Requires="a14">
+          <p:sp>
+            <p:nvSpPr>
+              <p:cNvPr id="61" name="TextBox 60">
+                <a:extLst>
+                  <a:ext uri="{FF2B5EF4-FFF2-40B4-BE49-F238E27FC236}">
+                    <a16:creationId xmlns:a16="http://schemas.microsoft.com/office/drawing/2014/main" id="{A114241D-405A-492C-BF15-B5AE3D2B4B62}"/>
+                  </a:ext>
+                </a:extLst>
+              </p:cNvPr>
+              <p:cNvSpPr txBox="1"/>
+              <p:nvPr/>
+            </p:nvSpPr>
+            <p:spPr>
+              <a:xfrm>
+                <a:off x="9542263" y="3679805"/>
+                <a:ext cx="619328" cy="307777"/>
+              </a:xfrm>
+              <a:prstGeom prst="rect">
+                <a:avLst/>
+              </a:prstGeom>
+              <a:noFill/>
+            </p:spPr>
+            <p:txBody>
+              <a:bodyPr wrap="square" rtlCol="0">
+                <a:spAutoFit/>
+              </a:bodyPr>
+              <a:lstStyle/>
+              <a:p>
+                <a:pPr/>
+                <a14:m>
+                  <m:oMathPara xmlns:m="http://schemas.openxmlformats.org/officeDocument/2006/math">
+                    <m:oMathParaPr>
+                      <m:jc m:val="centerGroup"/>
+                    </m:oMathParaPr>
+                    <m:oMath xmlns:m="http://schemas.openxmlformats.org/officeDocument/2006/math">
+                      <m:r>
+                        <a:rPr lang="en-US" sz="1400" i="1" smtClean="0">
+                          <a:latin typeface="Cambria Math" panose="02040503050406030204" pitchFamily="18" charset="0"/>
+                        </a:rPr>
+                        <m:t>𝑝</m:t>
+                      </m:r>
+                    </m:oMath>
+                  </m:oMathPara>
+                </a14:m>
+                <a:endParaRPr lang="en-US" sz="1400" dirty="0"/>
+              </a:p>
+            </p:txBody>
+          </p:sp>
+        </mc:Choice>
+        <mc:Fallback xmlns="">
+          <p:sp>
+            <p:nvSpPr>
+              <p:cNvPr id="61" name="TextBox 60">
+                <a:extLst>
+                  <a:ext uri="{FF2B5EF4-FFF2-40B4-BE49-F238E27FC236}">
+                    <a16:creationId xmlns:a16="http://schemas.microsoft.com/office/drawing/2014/main" id="{A114241D-405A-492C-BF15-B5AE3D2B4B62}"/>
+                  </a:ext>
+                </a:extLst>
+              </p:cNvPr>
+              <p:cNvSpPr txBox="1">
+                <a:spLocks noRot="1" noChangeAspect="1" noMove="1" noResize="1" noEditPoints="1" noAdjustHandles="1" noChangeArrowheads="1" noChangeShapeType="1" noTextEdit="1"/>
+              </p:cNvSpPr>
+              <p:nvPr/>
+            </p:nvSpPr>
+            <p:spPr>
+              <a:xfrm>
+                <a:off x="9542263" y="3679805"/>
+                <a:ext cx="619328" cy="307777"/>
+              </a:xfrm>
+              <a:prstGeom prst="rect">
+                <a:avLst/>
+              </a:prstGeom>
+              <a:blipFill>
+                <a:blip r:embed="rId15"/>
+                <a:stretch>
+                  <a:fillRect b="-2000"/>
+                </a:stretch>
+              </a:blipFill>
+            </p:spPr>
+            <p:txBody>
+              <a:bodyPr/>
+              <a:lstStyle/>
+              <a:p>
+                <a:r>
+                  <a:rPr lang="en-US">
+                    <a:noFill/>
+                  </a:rPr>
+                  <a:t> </a:t>
+                </a:r>
+              </a:p>
+            </p:txBody>
+          </p:sp>
+        </mc:Fallback>
+      </mc:AlternateContent>
+      <mc:AlternateContent xmlns:mc="http://schemas.openxmlformats.org/markup-compatibility/2006" xmlns:a14="http://schemas.microsoft.com/office/drawing/2010/main">
+        <mc:Choice Requires="a14">
+          <p:sp>
+            <p:nvSpPr>
+              <p:cNvPr id="62" name="TextBox 61">
+                <a:extLst>
+                  <a:ext uri="{FF2B5EF4-FFF2-40B4-BE49-F238E27FC236}">
+                    <a16:creationId xmlns:a16="http://schemas.microsoft.com/office/drawing/2014/main" id="{05618DE4-2CA9-4DBC-A4D5-E8382703432F}"/>
+                  </a:ext>
+                </a:extLst>
+              </p:cNvPr>
+              <p:cNvSpPr txBox="1"/>
+              <p:nvPr/>
+            </p:nvSpPr>
+            <p:spPr>
+              <a:xfrm>
+                <a:off x="8405229" y="2582709"/>
+                <a:ext cx="619328" cy="307777"/>
+              </a:xfrm>
+              <a:prstGeom prst="rect">
+                <a:avLst/>
+              </a:prstGeom>
+              <a:noFill/>
+            </p:spPr>
+            <p:txBody>
+              <a:bodyPr wrap="square" rtlCol="0">
+                <a:spAutoFit/>
+              </a:bodyPr>
+              <a:lstStyle/>
+              <a:p>
+                <a:pPr/>
+                <a14:m>
+                  <m:oMathPara xmlns:m="http://schemas.openxmlformats.org/officeDocument/2006/math">
+                    <m:oMathParaPr>
+                      <m:jc m:val="centerGroup"/>
+                    </m:oMathParaPr>
+                    <m:oMath xmlns:m="http://schemas.openxmlformats.org/officeDocument/2006/math">
+                      <m:r>
+                        <a:rPr lang="en-US" sz="1400" b="0" i="1" smtClean="0">
+                          <a:latin typeface="Cambria Math" panose="02040503050406030204" pitchFamily="18" charset="0"/>
+                        </a:rPr>
+                        <m:t>𝑛</m:t>
+                      </m:r>
+                    </m:oMath>
+                  </m:oMathPara>
+                </a14:m>
+                <a:endParaRPr lang="en-US" sz="1400" dirty="0"/>
+              </a:p>
+            </p:txBody>
+          </p:sp>
+        </mc:Choice>
+        <mc:Fallback xmlns="">
+          <p:sp>
+            <p:nvSpPr>
+              <p:cNvPr id="62" name="TextBox 61">
+                <a:extLst>
+                  <a:ext uri="{FF2B5EF4-FFF2-40B4-BE49-F238E27FC236}">
+                    <a16:creationId xmlns:a16="http://schemas.microsoft.com/office/drawing/2014/main" id="{05618DE4-2CA9-4DBC-A4D5-E8382703432F}"/>
+                  </a:ext>
+                </a:extLst>
+              </p:cNvPr>
+              <p:cNvSpPr txBox="1">
+                <a:spLocks noRot="1" noChangeAspect="1" noMove="1" noResize="1" noEditPoints="1" noAdjustHandles="1" noChangeArrowheads="1" noChangeShapeType="1" noTextEdit="1"/>
+              </p:cNvSpPr>
+              <p:nvPr/>
+            </p:nvSpPr>
+            <p:spPr>
+              <a:xfrm>
+                <a:off x="8405229" y="2582709"/>
+                <a:ext cx="619328" cy="307777"/>
+              </a:xfrm>
+              <a:prstGeom prst="rect">
+                <a:avLst/>
+              </a:prstGeom>
+              <a:blipFill>
+                <a:blip r:embed="rId16"/>
+                <a:stretch>
+                  <a:fillRect/>
+                </a:stretch>
+              </a:blipFill>
+            </p:spPr>
+            <p:txBody>
+              <a:bodyPr/>
+              <a:lstStyle/>
+              <a:p>
+                <a:r>
+                  <a:rPr lang="en-US">
+                    <a:noFill/>
+                  </a:rPr>
+                  <a:t> </a:t>
+                </a:r>
+              </a:p>
+            </p:txBody>
+          </p:sp>
+        </mc:Fallback>
+      </mc:AlternateContent>
+      <p:cxnSp>
+        <p:nvCxnSpPr>
+          <p:cNvPr id="63" name="Straight Connector 62">
+            <a:extLst>
+              <a:ext uri="{FF2B5EF4-FFF2-40B4-BE49-F238E27FC236}">
+                <a16:creationId xmlns:a16="http://schemas.microsoft.com/office/drawing/2014/main" id="{7510EA17-D5AA-4A97-994C-DD94B1253997}"/>
+              </a:ext>
+            </a:extLst>
+          </p:cNvPr>
+          <p:cNvCxnSpPr>
+            <a:cxnSpLocks/>
+          </p:cNvCxnSpPr>
+          <p:nvPr/>
+        </p:nvCxnSpPr>
+        <p:spPr>
+          <a:xfrm>
+            <a:off x="8351305" y="2876487"/>
+            <a:ext cx="0" cy="1862907"/>
+          </a:xfrm>
+          <a:prstGeom prst="line">
+            <a:avLst/>
+          </a:prstGeom>
+          <a:ln w="15875">
+            <a:solidFill>
+              <a:schemeClr val="tx1"/>
+            </a:solidFill>
+          </a:ln>
+        </p:spPr>
+        <p:style>
+          <a:lnRef idx="1">
+            <a:schemeClr val="accent1"/>
+          </a:lnRef>
+          <a:fillRef idx="0">
+            <a:schemeClr val="accent1"/>
+          </a:fillRef>
+          <a:effectRef idx="0">
+            <a:schemeClr val="accent1"/>
+          </a:effectRef>
+          <a:fontRef idx="minor">
+            <a:schemeClr val="tx1"/>
+          </a:fontRef>
+        </p:style>
+      </p:cxnSp>
+      <mc:AlternateContent xmlns:mc="http://schemas.openxmlformats.org/markup-compatibility/2006" xmlns:a14="http://schemas.microsoft.com/office/drawing/2010/main">
+        <mc:Choice Requires="a14">
+          <p:sp>
+            <p:nvSpPr>
+              <p:cNvPr id="67" name="TextBox 66">
+                <a:extLst>
+                  <a:ext uri="{FF2B5EF4-FFF2-40B4-BE49-F238E27FC236}">
+                    <a16:creationId xmlns:a16="http://schemas.microsoft.com/office/drawing/2014/main" id="{8EEB6A37-401E-461F-95D9-D83216665FB3}"/>
+                  </a:ext>
+                </a:extLst>
+              </p:cNvPr>
+              <p:cNvSpPr txBox="1"/>
+              <p:nvPr/>
+            </p:nvSpPr>
+            <p:spPr>
+              <a:xfrm>
+                <a:off x="6219739" y="4319079"/>
+                <a:ext cx="619328" cy="276999"/>
+              </a:xfrm>
+              <a:prstGeom prst="rect">
+                <a:avLst/>
+              </a:prstGeom>
+              <a:noFill/>
+            </p:spPr>
+            <p:txBody>
+              <a:bodyPr wrap="square" rtlCol="0">
+                <a:spAutoFit/>
+              </a:bodyPr>
+              <a:lstStyle/>
+              <a:p>
+                <a:pPr/>
+                <a14:m>
+                  <m:oMathPara xmlns:m="http://schemas.openxmlformats.org/officeDocument/2006/math">
+                    <m:oMathParaPr>
+                      <m:jc m:val="centerGroup"/>
+                    </m:oMathParaPr>
+                    <m:oMath xmlns:m="http://schemas.openxmlformats.org/officeDocument/2006/math">
+                      <m:acc>
+                        <m:accPr>
+                          <m:chr m:val="̅"/>
+                          <m:ctrlPr>
+                            <a:rPr lang="en-US" sz="1200" b="0" i="1" smtClean="0">
+                              <a:latin typeface="Cambria Math" panose="02040503050406030204" pitchFamily="18" charset="0"/>
+                            </a:rPr>
+                          </m:ctrlPr>
+                        </m:accPr>
+                        <m:e>
+                          <m:r>
+                            <a:rPr lang="en-US" sz="1200" b="0" i="1" smtClean="0">
+                              <a:latin typeface="Cambria Math" panose="02040503050406030204" pitchFamily="18" charset="0"/>
+                            </a:rPr>
+                            <m:t>𝑝</m:t>
+                          </m:r>
+                        </m:e>
+                      </m:acc>
+                    </m:oMath>
+                  </m:oMathPara>
+                </a14:m>
+                <a:endParaRPr lang="en-US" sz="1200" dirty="0"/>
+              </a:p>
+            </p:txBody>
+          </p:sp>
+        </mc:Choice>
+        <mc:Fallback xmlns="">
+          <p:sp>
+            <p:nvSpPr>
+              <p:cNvPr id="67" name="TextBox 66">
+                <a:extLst>
+                  <a:ext uri="{FF2B5EF4-FFF2-40B4-BE49-F238E27FC236}">
+                    <a16:creationId xmlns:a16="http://schemas.microsoft.com/office/drawing/2014/main" id="{8EEB6A37-401E-461F-95D9-D83216665FB3}"/>
+                  </a:ext>
+                </a:extLst>
+              </p:cNvPr>
+              <p:cNvSpPr txBox="1">
+                <a:spLocks noRot="1" noChangeAspect="1" noMove="1" noResize="1" noEditPoints="1" noAdjustHandles="1" noChangeArrowheads="1" noChangeShapeType="1" noTextEdit="1"/>
+              </p:cNvSpPr>
+              <p:nvPr/>
+            </p:nvSpPr>
+            <p:spPr>
+              <a:xfrm>
+                <a:off x="6219739" y="4319079"/>
+                <a:ext cx="619328" cy="276999"/>
+              </a:xfrm>
+              <a:prstGeom prst="rect">
+                <a:avLst/>
+              </a:prstGeom>
+              <a:blipFill>
+                <a:blip r:embed="rId17"/>
+                <a:stretch>
+                  <a:fillRect/>
+                </a:stretch>
+              </a:blipFill>
+            </p:spPr>
+            <p:txBody>
+              <a:bodyPr/>
+              <a:lstStyle/>
+              <a:p>
+                <a:r>
+                  <a:rPr lang="en-US">
+                    <a:noFill/>
+                  </a:rPr>
+                  <a:t> </a:t>
+                </a:r>
+              </a:p>
+            </p:txBody>
+          </p:sp>
+        </mc:Fallback>
+      </mc:AlternateContent>
+      <mc:AlternateContent xmlns:mc="http://schemas.openxmlformats.org/markup-compatibility/2006" xmlns:a14="http://schemas.microsoft.com/office/drawing/2010/main">
+        <mc:Choice Requires="a14">
+          <p:sp>
+            <p:nvSpPr>
+              <p:cNvPr id="68" name="TextBox 67">
+                <a:extLst>
+                  <a:ext uri="{FF2B5EF4-FFF2-40B4-BE49-F238E27FC236}">
+                    <a16:creationId xmlns:a16="http://schemas.microsoft.com/office/drawing/2014/main" id="{22C2FCE2-3FCD-42C7-B362-73965A504937}"/>
+                  </a:ext>
+                </a:extLst>
+              </p:cNvPr>
+              <p:cNvSpPr txBox="1"/>
+              <p:nvPr/>
+            </p:nvSpPr>
+            <p:spPr>
+              <a:xfrm>
+                <a:off x="8295121" y="3690670"/>
+                <a:ext cx="786529" cy="276999"/>
+              </a:xfrm>
+              <a:prstGeom prst="rect">
+                <a:avLst/>
+              </a:prstGeom>
+              <a:noFill/>
+            </p:spPr>
+            <p:txBody>
+              <a:bodyPr wrap="square" rtlCol="0">
+                <a:spAutoFit/>
+              </a:bodyPr>
+              <a:lstStyle/>
+              <a:p>
+                <a14:m>
+                  <m:oMath xmlns:m="http://schemas.openxmlformats.org/officeDocument/2006/math">
+                    <m:acc>
+                      <m:accPr>
+                        <m:chr m:val="̅"/>
+                        <m:ctrlPr>
+                          <a:rPr lang="en-US" sz="1200" b="0" i="1" smtClean="0">
+                            <a:latin typeface="Cambria Math" panose="02040503050406030204" pitchFamily="18" charset="0"/>
+                          </a:rPr>
+                        </m:ctrlPr>
+                      </m:accPr>
+                      <m:e>
+                        <m:r>
+                          <a:rPr lang="en-US" sz="1200" b="0" i="1" smtClean="0">
+                            <a:latin typeface="Cambria Math" panose="02040503050406030204" pitchFamily="18" charset="0"/>
+                          </a:rPr>
+                          <m:t>𝑝</m:t>
+                        </m:r>
+                      </m:e>
+                    </m:acc>
+                  </m:oMath>
+                </a14:m>
+                <a:r>
+                  <a:rPr lang="en-US" sz="1200" dirty="0"/>
+                  <a:t>+</a:t>
+                </a:r>
+                <a14:m>
+                  <m:oMath xmlns:m="http://schemas.openxmlformats.org/officeDocument/2006/math">
+                    <m:r>
+                      <a:rPr lang="en-US" sz="1200" b="0" i="1" smtClean="0">
+                        <a:latin typeface="Cambria Math" panose="02040503050406030204" pitchFamily="18" charset="0"/>
+                      </a:rPr>
+                      <m:t>𝑁</m:t>
+                    </m:r>
+                  </m:oMath>
+                </a14:m>
+                <a:r>
+                  <a:rPr lang="en-US" sz="1200" dirty="0"/>
+                  <a:t>-1</a:t>
+                </a:r>
+              </a:p>
+            </p:txBody>
+          </p:sp>
+        </mc:Choice>
+        <mc:Fallback xmlns="">
+          <p:sp>
+            <p:nvSpPr>
+              <p:cNvPr id="68" name="TextBox 67">
+                <a:extLst>
+                  <a:ext uri="{FF2B5EF4-FFF2-40B4-BE49-F238E27FC236}">
+                    <a16:creationId xmlns:a16="http://schemas.microsoft.com/office/drawing/2014/main" id="{22C2FCE2-3FCD-42C7-B362-73965A504937}"/>
+                  </a:ext>
+                </a:extLst>
+              </p:cNvPr>
+              <p:cNvSpPr txBox="1">
+                <a:spLocks noRot="1" noChangeAspect="1" noMove="1" noResize="1" noEditPoints="1" noAdjustHandles="1" noChangeArrowheads="1" noChangeShapeType="1" noTextEdit="1"/>
+              </p:cNvSpPr>
+              <p:nvPr/>
+            </p:nvSpPr>
+            <p:spPr>
+              <a:xfrm>
+                <a:off x="8295121" y="3690670"/>
+                <a:ext cx="786529" cy="276999"/>
+              </a:xfrm>
+              <a:prstGeom prst="rect">
+                <a:avLst/>
+              </a:prstGeom>
+              <a:blipFill>
+                <a:blip r:embed="rId18"/>
+                <a:stretch>
+                  <a:fillRect b="-15217"/>
+                </a:stretch>
+              </a:blipFill>
+            </p:spPr>
+            <p:txBody>
+              <a:bodyPr/>
+              <a:lstStyle/>
+              <a:p>
+                <a:r>
+                  <a:rPr lang="en-US">
+                    <a:noFill/>
+                  </a:rPr>
+                  <a:t> </a:t>
+                </a:r>
+              </a:p>
+            </p:txBody>
+          </p:sp>
+        </mc:Fallback>
+      </mc:AlternateContent>
+      <mc:AlternateContent xmlns:mc="http://schemas.openxmlformats.org/markup-compatibility/2006" xmlns:a14="http://schemas.microsoft.com/office/drawing/2010/main">
+        <mc:Choice Requires="a14">
+          <p:sp>
+            <p:nvSpPr>
+              <p:cNvPr id="69" name="TextBox 68">
+                <a:extLst>
+                  <a:ext uri="{FF2B5EF4-FFF2-40B4-BE49-F238E27FC236}">
+                    <a16:creationId xmlns:a16="http://schemas.microsoft.com/office/drawing/2014/main" id="{C38E02A1-27F9-4860-8566-ACC7E8C28360}"/>
+                  </a:ext>
+                </a:extLst>
+              </p:cNvPr>
+              <p:cNvSpPr txBox="1"/>
+              <p:nvPr/>
+            </p:nvSpPr>
+            <p:spPr>
+              <a:xfrm>
+                <a:off x="6144219" y="2619793"/>
+                <a:ext cx="619328" cy="276999"/>
+              </a:xfrm>
+              <a:prstGeom prst="rect">
+                <a:avLst/>
+              </a:prstGeom>
+              <a:noFill/>
+            </p:spPr>
+            <p:txBody>
+              <a:bodyPr wrap="square" rtlCol="0">
+                <a:spAutoFit/>
+              </a:bodyPr>
+              <a:lstStyle/>
+              <a:p>
+                <a:pPr/>
+                <a14:m>
+                  <m:oMathPara xmlns:m="http://schemas.openxmlformats.org/officeDocument/2006/math">
+                    <m:oMathParaPr>
+                      <m:jc m:val="centerGroup"/>
+                    </m:oMathParaPr>
+                    <m:oMath xmlns:m="http://schemas.openxmlformats.org/officeDocument/2006/math">
+                      <m:r>
+                        <a:rPr lang="en-US" sz="1200" b="0" i="1" smtClean="0">
+                          <a:latin typeface="Cambria Math" panose="02040503050406030204" pitchFamily="18" charset="0"/>
+                        </a:rPr>
+                        <m:t>0</m:t>
+                      </m:r>
+                    </m:oMath>
+                  </m:oMathPara>
+                </a14:m>
+                <a:endParaRPr lang="en-US" sz="1200" dirty="0"/>
+              </a:p>
+            </p:txBody>
+          </p:sp>
+        </mc:Choice>
+        <mc:Fallback xmlns="">
+          <p:sp>
+            <p:nvSpPr>
+              <p:cNvPr id="69" name="TextBox 68">
+                <a:extLst>
+                  <a:ext uri="{FF2B5EF4-FFF2-40B4-BE49-F238E27FC236}">
+                    <a16:creationId xmlns:a16="http://schemas.microsoft.com/office/drawing/2014/main" id="{C38E02A1-27F9-4860-8566-ACC7E8C28360}"/>
+                  </a:ext>
+                </a:extLst>
+              </p:cNvPr>
+              <p:cNvSpPr txBox="1">
+                <a:spLocks noRot="1" noChangeAspect="1" noMove="1" noResize="1" noEditPoints="1" noAdjustHandles="1" noChangeArrowheads="1" noChangeShapeType="1" noTextEdit="1"/>
+              </p:cNvSpPr>
+              <p:nvPr/>
+            </p:nvSpPr>
+            <p:spPr>
+              <a:xfrm>
+                <a:off x="6144219" y="2619793"/>
+                <a:ext cx="619328" cy="276999"/>
+              </a:xfrm>
+              <a:prstGeom prst="rect">
+                <a:avLst/>
+              </a:prstGeom>
+              <a:blipFill>
+                <a:blip r:embed="rId19"/>
+                <a:stretch>
+                  <a:fillRect/>
+                </a:stretch>
+              </a:blipFill>
+            </p:spPr>
+            <p:txBody>
+              <a:bodyPr/>
+              <a:lstStyle/>
+              <a:p>
+                <a:r>
+                  <a:rPr lang="en-US">
+                    <a:noFill/>
+                  </a:rPr>
+                  <a:t> </a:t>
+                </a:r>
+              </a:p>
+            </p:txBody>
+          </p:sp>
+        </mc:Fallback>
+      </mc:AlternateContent>
+      <mc:AlternateContent xmlns:mc="http://schemas.openxmlformats.org/markup-compatibility/2006" xmlns:a14="http://schemas.microsoft.com/office/drawing/2010/main">
+        <mc:Choice Requires="a14">
+          <p:sp>
+            <p:nvSpPr>
+              <p:cNvPr id="71" name="TextBox 70">
+                <a:extLst>
+                  <a:ext uri="{FF2B5EF4-FFF2-40B4-BE49-F238E27FC236}">
+                    <a16:creationId xmlns:a16="http://schemas.microsoft.com/office/drawing/2014/main" id="{B7B166F6-3CB1-46CE-908A-1CC28242E4D4}"/>
+                  </a:ext>
+                </a:extLst>
+              </p:cNvPr>
+              <p:cNvSpPr txBox="1"/>
+              <p:nvPr/>
+            </p:nvSpPr>
+            <p:spPr>
+              <a:xfrm>
+                <a:off x="8120287" y="2619794"/>
+                <a:ext cx="471731" cy="276999"/>
+              </a:xfrm>
+              <a:prstGeom prst="rect">
+                <a:avLst/>
+              </a:prstGeom>
+              <a:noFill/>
+            </p:spPr>
+            <p:txBody>
+              <a:bodyPr wrap="square" rtlCol="0">
+                <a:spAutoFit/>
+              </a:bodyPr>
+              <a:lstStyle/>
+              <a:p>
+                <a14:m>
+                  <m:oMath xmlns:m="http://schemas.openxmlformats.org/officeDocument/2006/math">
+                    <m:r>
+                      <a:rPr lang="en-US" sz="1200" b="0" i="1" smtClean="0">
+                        <a:latin typeface="Cambria Math" panose="02040503050406030204" pitchFamily="18" charset="0"/>
+                      </a:rPr>
+                      <m:t>𝑁</m:t>
+                    </m:r>
+                  </m:oMath>
+                </a14:m>
+                <a:r>
+                  <a:rPr lang="en-US" sz="1200" dirty="0"/>
+                  <a:t>-1</a:t>
+                </a:r>
+              </a:p>
+            </p:txBody>
+          </p:sp>
+        </mc:Choice>
+        <mc:Fallback xmlns="">
+          <p:sp>
+            <p:nvSpPr>
+              <p:cNvPr id="71" name="TextBox 70">
+                <a:extLst>
+                  <a:ext uri="{FF2B5EF4-FFF2-40B4-BE49-F238E27FC236}">
+                    <a16:creationId xmlns:a16="http://schemas.microsoft.com/office/drawing/2014/main" id="{B7B166F6-3CB1-46CE-908A-1CC28242E4D4}"/>
+                  </a:ext>
+                </a:extLst>
+              </p:cNvPr>
+              <p:cNvSpPr txBox="1">
+                <a:spLocks noRot="1" noChangeAspect="1" noMove="1" noResize="1" noEditPoints="1" noAdjustHandles="1" noChangeArrowheads="1" noChangeShapeType="1" noTextEdit="1"/>
+              </p:cNvSpPr>
+              <p:nvPr/>
+            </p:nvSpPr>
+            <p:spPr>
+              <a:xfrm>
+                <a:off x="8120287" y="2619794"/>
+                <a:ext cx="471731" cy="276999"/>
+              </a:xfrm>
+              <a:prstGeom prst="rect">
+                <a:avLst/>
+              </a:prstGeom>
+              <a:blipFill>
+                <a:blip r:embed="rId20"/>
+                <a:stretch>
+                  <a:fillRect t="-2222" b="-17778"/>
+                </a:stretch>
+              </a:blipFill>
+            </p:spPr>
+            <p:txBody>
+              <a:bodyPr/>
+              <a:lstStyle/>
+              <a:p>
+                <a:r>
+                  <a:rPr lang="en-US">
+                    <a:noFill/>
+                  </a:rPr>
+                  <a:t> </a:t>
+                </a:r>
+              </a:p>
+            </p:txBody>
+          </p:sp>
+        </mc:Fallback>
+      </mc:AlternateContent>
+      <p:sp>
+        <p:nvSpPr>
+          <p:cNvPr id="73" name="Rectangle 72">
+            <a:extLst>
+              <a:ext uri="{FF2B5EF4-FFF2-40B4-BE49-F238E27FC236}">
+                <a16:creationId xmlns:a16="http://schemas.microsoft.com/office/drawing/2014/main" id="{31EB5B52-603E-4187-B7AF-A8D28BA0FF8A}"/>
+              </a:ext>
+            </a:extLst>
+          </p:cNvPr>
+          <p:cNvSpPr/>
+          <p:nvPr/>
+        </p:nvSpPr>
+        <p:spPr>
+          <a:xfrm>
+            <a:off x="7584436" y="3310265"/>
+            <a:ext cx="1902539" cy="400663"/>
+          </a:xfrm>
+          <a:prstGeom prst="rect">
+            <a:avLst/>
+          </a:prstGeom>
+          <a:noFill/>
+          <a:ln w="15875">
+            <a:prstDash val="dash"/>
+          </a:ln>
+        </p:spPr>
+        <p:style>
+          <a:lnRef idx="2">
+            <a:schemeClr val="accent1">
+              <a:shade val="50000"/>
+            </a:schemeClr>
+          </a:lnRef>
+          <a:fillRef idx="1">
+            <a:schemeClr val="accent1"/>
+          </a:fillRef>
+          <a:effectRef idx="0">
+            <a:schemeClr val="accent1"/>
+          </a:effectRef>
+          <a:fontRef idx="minor">
+            <a:schemeClr val="lt1"/>
+          </a:fontRef>
+        </p:style>
+        <p:txBody>
+          <a:bodyPr rtlCol="0" anchor="ctr"/>
+          <a:lstStyle/>
+          <a:p>
+            <a:pPr algn="ctr"/>
+            <a:endParaRPr lang="en-US"/>
+          </a:p>
+        </p:txBody>
+      </p:sp>
+      <p:cxnSp>
+        <p:nvCxnSpPr>
+          <p:cNvPr id="74" name="Straight Connector 73">
+            <a:extLst>
+              <a:ext uri="{FF2B5EF4-FFF2-40B4-BE49-F238E27FC236}">
+                <a16:creationId xmlns:a16="http://schemas.microsoft.com/office/drawing/2014/main" id="{21EA494B-93E9-4025-B926-DDC396648CCC}"/>
+              </a:ext>
+            </a:extLst>
+          </p:cNvPr>
+          <p:cNvCxnSpPr/>
+          <p:nvPr/>
+        </p:nvCxnSpPr>
+        <p:spPr>
+          <a:xfrm flipH="1">
+            <a:off x="7677746" y="3399233"/>
+            <a:ext cx="127819" cy="196645"/>
+          </a:xfrm>
+          <a:prstGeom prst="line">
+            <a:avLst/>
+          </a:prstGeom>
+          <a:ln w="15875"/>
+        </p:spPr>
+        <p:style>
+          <a:lnRef idx="1">
+            <a:schemeClr val="accent1"/>
+          </a:lnRef>
+          <a:fillRef idx="0">
+            <a:schemeClr val="accent1"/>
+          </a:fillRef>
+          <a:effectRef idx="0">
+            <a:schemeClr val="accent1"/>
+          </a:effectRef>
+          <a:fontRef idx="minor">
+            <a:schemeClr val="tx1"/>
+          </a:fontRef>
+        </p:style>
+      </p:cxnSp>
+      <p:cxnSp>
+        <p:nvCxnSpPr>
+          <p:cNvPr id="75" name="Straight Connector 74">
+            <a:extLst>
+              <a:ext uri="{FF2B5EF4-FFF2-40B4-BE49-F238E27FC236}">
+                <a16:creationId xmlns:a16="http://schemas.microsoft.com/office/drawing/2014/main" id="{105A620B-B824-4313-AB67-F2FA3D947B91}"/>
+              </a:ext>
+            </a:extLst>
+          </p:cNvPr>
+          <p:cNvCxnSpPr/>
+          <p:nvPr/>
+        </p:nvCxnSpPr>
+        <p:spPr>
+          <a:xfrm flipH="1">
+            <a:off x="7815446" y="3392609"/>
+            <a:ext cx="127819" cy="196645"/>
+          </a:xfrm>
+          <a:prstGeom prst="line">
+            <a:avLst/>
+          </a:prstGeom>
+          <a:ln w="15875"/>
+        </p:spPr>
+        <p:style>
+          <a:lnRef idx="1">
+            <a:schemeClr val="accent1"/>
+          </a:lnRef>
+          <a:fillRef idx="0">
+            <a:schemeClr val="accent1"/>
+          </a:fillRef>
+          <a:effectRef idx="0">
+            <a:schemeClr val="accent1"/>
+          </a:effectRef>
+          <a:fontRef idx="minor">
+            <a:schemeClr val="tx1"/>
+          </a:fontRef>
+        </p:style>
+      </p:cxnSp>
+      <p:cxnSp>
+        <p:nvCxnSpPr>
+          <p:cNvPr id="76" name="Straight Connector 75">
+            <a:extLst>
+              <a:ext uri="{FF2B5EF4-FFF2-40B4-BE49-F238E27FC236}">
+                <a16:creationId xmlns:a16="http://schemas.microsoft.com/office/drawing/2014/main" id="{559AFD35-6F27-4C7E-8025-C11A04C1E098}"/>
+              </a:ext>
+            </a:extLst>
+          </p:cNvPr>
+          <p:cNvCxnSpPr/>
+          <p:nvPr/>
+        </p:nvCxnSpPr>
+        <p:spPr>
+          <a:xfrm flipH="1">
+            <a:off x="7933433" y="3392609"/>
+            <a:ext cx="127819" cy="196645"/>
+          </a:xfrm>
+          <a:prstGeom prst="line">
+            <a:avLst/>
+          </a:prstGeom>
+          <a:ln w="15875"/>
+        </p:spPr>
+        <p:style>
+          <a:lnRef idx="1">
+            <a:schemeClr val="accent1"/>
+          </a:lnRef>
+          <a:fillRef idx="0">
+            <a:schemeClr val="accent1"/>
+          </a:fillRef>
+          <a:effectRef idx="0">
+            <a:schemeClr val="accent1"/>
+          </a:effectRef>
+          <a:fontRef idx="minor">
+            <a:schemeClr val="tx1"/>
+          </a:fontRef>
+        </p:style>
+      </p:cxnSp>
+      <p:cxnSp>
+        <p:nvCxnSpPr>
+          <p:cNvPr id="77" name="Straight Connector 76">
+            <a:extLst>
+              <a:ext uri="{FF2B5EF4-FFF2-40B4-BE49-F238E27FC236}">
+                <a16:creationId xmlns:a16="http://schemas.microsoft.com/office/drawing/2014/main" id="{8D6A461C-1439-401B-974D-F73B8AD397A4}"/>
+              </a:ext>
+            </a:extLst>
+          </p:cNvPr>
+          <p:cNvCxnSpPr/>
+          <p:nvPr/>
+        </p:nvCxnSpPr>
+        <p:spPr>
+          <a:xfrm flipH="1">
+            <a:off x="8066121" y="3399233"/>
+            <a:ext cx="127819" cy="196645"/>
+          </a:xfrm>
+          <a:prstGeom prst="line">
+            <a:avLst/>
+          </a:prstGeom>
+          <a:ln w="15875"/>
+        </p:spPr>
+        <p:style>
+          <a:lnRef idx="1">
+            <a:schemeClr val="accent1"/>
+          </a:lnRef>
+          <a:fillRef idx="0">
+            <a:schemeClr val="accent1"/>
+          </a:fillRef>
+          <a:effectRef idx="0">
+            <a:schemeClr val="accent1"/>
+          </a:effectRef>
+          <a:fontRef idx="minor">
+            <a:schemeClr val="tx1"/>
+          </a:fontRef>
+        </p:style>
+      </p:cxnSp>
+      <p:cxnSp>
+        <p:nvCxnSpPr>
+          <p:cNvPr id="78" name="Straight Connector 77">
+            <a:extLst>
+              <a:ext uri="{FF2B5EF4-FFF2-40B4-BE49-F238E27FC236}">
+                <a16:creationId xmlns:a16="http://schemas.microsoft.com/office/drawing/2014/main" id="{6B3B40B8-B6E6-4E42-B924-41E1E7B39028}"/>
+              </a:ext>
+            </a:extLst>
+          </p:cNvPr>
+          <p:cNvCxnSpPr/>
+          <p:nvPr/>
+        </p:nvCxnSpPr>
+        <p:spPr>
+          <a:xfrm flipH="1">
+            <a:off x="8184108" y="3399232"/>
+            <a:ext cx="127819" cy="196645"/>
+          </a:xfrm>
+          <a:prstGeom prst="line">
+            <a:avLst/>
+          </a:prstGeom>
+          <a:ln w="15875"/>
+        </p:spPr>
+        <p:style>
+          <a:lnRef idx="1">
+            <a:schemeClr val="accent1"/>
+          </a:lnRef>
+          <a:fillRef idx="0">
+            <a:schemeClr val="accent1"/>
+          </a:fillRef>
+          <a:effectRef idx="0">
+            <a:schemeClr val="accent1"/>
+          </a:effectRef>
+          <a:fontRef idx="minor">
+            <a:schemeClr val="tx1"/>
+          </a:fontRef>
+        </p:style>
+      </p:cxnSp>
+      <mc:AlternateContent xmlns:mc="http://schemas.openxmlformats.org/markup-compatibility/2006" xmlns:a14="http://schemas.microsoft.com/office/drawing/2010/main">
+        <mc:Choice Requires="a14">
+          <p:sp>
+            <p:nvSpPr>
+              <p:cNvPr id="79" name="TextBox 78">
+                <a:extLst>
+                  <a:ext uri="{FF2B5EF4-FFF2-40B4-BE49-F238E27FC236}">
+                    <a16:creationId xmlns:a16="http://schemas.microsoft.com/office/drawing/2014/main" id="{9F3DE0F2-8E23-462E-892F-26DB78FB1F63}"/>
+                  </a:ext>
+                </a:extLst>
+              </p:cNvPr>
+              <p:cNvSpPr txBox="1"/>
+              <p:nvPr/>
+            </p:nvSpPr>
+            <p:spPr>
+              <a:xfrm>
+                <a:off x="7391593" y="3698316"/>
+                <a:ext cx="786529" cy="276999"/>
+              </a:xfrm>
+              <a:prstGeom prst="rect">
+                <a:avLst/>
+              </a:prstGeom>
+              <a:noFill/>
+            </p:spPr>
+            <p:txBody>
+              <a:bodyPr wrap="square" rtlCol="0">
+                <a:spAutoFit/>
+              </a:bodyPr>
+              <a:lstStyle/>
+              <a:p>
+                <a14:m>
+                  <m:oMath xmlns:m="http://schemas.openxmlformats.org/officeDocument/2006/math">
+                    <m:acc>
+                      <m:accPr>
+                        <m:chr m:val="̅"/>
+                        <m:ctrlPr>
+                          <a:rPr lang="en-US" sz="1200" b="0" i="1" smtClean="0">
+                            <a:latin typeface="Cambria Math" panose="02040503050406030204" pitchFamily="18" charset="0"/>
+                          </a:rPr>
+                        </m:ctrlPr>
+                      </m:accPr>
+                      <m:e>
+                        <m:r>
+                          <a:rPr lang="en-US" sz="1200" b="0" i="1" smtClean="0">
+                            <a:latin typeface="Cambria Math" panose="02040503050406030204" pitchFamily="18" charset="0"/>
+                          </a:rPr>
+                          <m:t>𝑝</m:t>
+                        </m:r>
+                      </m:e>
+                    </m:acc>
+                  </m:oMath>
+                </a14:m>
+                <a:r>
+                  <a:rPr lang="en-US" sz="1200" dirty="0"/>
+                  <a:t>+</a:t>
+                </a:r>
+                <a14:m>
+                  <m:oMath xmlns:m="http://schemas.openxmlformats.org/officeDocument/2006/math">
+                    <m:r>
+                      <m:rPr>
+                        <m:sty m:val="p"/>
+                      </m:rPr>
+                      <a:rPr lang="en-US" sz="1200" b="0" i="0" smtClean="0">
+                        <a:latin typeface="Cambria Math" panose="02040503050406030204" pitchFamily="18" charset="0"/>
+                      </a:rPr>
+                      <m:t>Δ</m:t>
+                    </m:r>
+                  </m:oMath>
+                </a14:m>
+                <a:endParaRPr lang="en-US" sz="1200" dirty="0"/>
+              </a:p>
+            </p:txBody>
+          </p:sp>
+        </mc:Choice>
+        <mc:Fallback xmlns="">
+          <p:sp>
+            <p:nvSpPr>
+              <p:cNvPr id="79" name="TextBox 78">
+                <a:extLst>
+                  <a:ext uri="{FF2B5EF4-FFF2-40B4-BE49-F238E27FC236}">
+                    <a16:creationId xmlns:a16="http://schemas.microsoft.com/office/drawing/2014/main" id="{9F3DE0F2-8E23-462E-892F-26DB78FB1F63}"/>
+                  </a:ext>
+                </a:extLst>
+              </p:cNvPr>
+              <p:cNvSpPr txBox="1">
+                <a:spLocks noRot="1" noChangeAspect="1" noMove="1" noResize="1" noEditPoints="1" noAdjustHandles="1" noChangeArrowheads="1" noChangeShapeType="1" noTextEdit="1"/>
+              </p:cNvSpPr>
+              <p:nvPr/>
+            </p:nvSpPr>
+            <p:spPr>
+              <a:xfrm>
+                <a:off x="7391593" y="3698316"/>
+                <a:ext cx="786529" cy="276999"/>
+              </a:xfrm>
+              <a:prstGeom prst="rect">
+                <a:avLst/>
+              </a:prstGeom>
+              <a:blipFill>
+                <a:blip r:embed="rId21"/>
+                <a:stretch>
+                  <a:fillRect t="-2222" b="-17778"/>
+                </a:stretch>
+              </a:blipFill>
+            </p:spPr>
+            <p:txBody>
+              <a:bodyPr/>
+              <a:lstStyle/>
+              <a:p>
+                <a:r>
+                  <a:rPr lang="en-US">
+                    <a:noFill/>
+                  </a:rPr>
+                  <a:t> </a:t>
+                </a:r>
+              </a:p>
+            </p:txBody>
+          </p:sp>
+        </mc:Fallback>
+      </mc:AlternateContent>
+      <p:cxnSp>
+        <p:nvCxnSpPr>
+          <p:cNvPr id="80" name="Straight Connector 79">
+            <a:extLst>
+              <a:ext uri="{FF2B5EF4-FFF2-40B4-BE49-F238E27FC236}">
+                <a16:creationId xmlns:a16="http://schemas.microsoft.com/office/drawing/2014/main" id="{EEEED6F4-41A8-4279-82AD-9670A626FCBA}"/>
+              </a:ext>
+            </a:extLst>
+          </p:cNvPr>
+          <p:cNvCxnSpPr>
+            <a:cxnSpLocks/>
+            <a:stCxn id="81" idx="2"/>
+          </p:cNvCxnSpPr>
+          <p:nvPr/>
+        </p:nvCxnSpPr>
+        <p:spPr>
+          <a:xfrm>
+            <a:off x="7584435" y="2896793"/>
+            <a:ext cx="1" cy="413472"/>
+          </a:xfrm>
+          <a:prstGeom prst="line">
+            <a:avLst/>
+          </a:prstGeom>
+          <a:ln w="15875">
+            <a:prstDash val="sysDash"/>
+          </a:ln>
+        </p:spPr>
+        <p:style>
+          <a:lnRef idx="1">
+            <a:schemeClr val="accent1"/>
+          </a:lnRef>
+          <a:fillRef idx="0">
+            <a:schemeClr val="accent1"/>
+          </a:fillRef>
+          <a:effectRef idx="0">
+            <a:schemeClr val="accent1"/>
+          </a:effectRef>
+          <a:fontRef idx="minor">
+            <a:schemeClr val="tx1"/>
+          </a:fontRef>
+        </p:style>
+      </p:cxnSp>
+      <mc:AlternateContent xmlns:mc="http://schemas.openxmlformats.org/markup-compatibility/2006" xmlns:a14="http://schemas.microsoft.com/office/drawing/2010/main">
+        <mc:Choice Requires="a14">
+          <p:sp>
+            <p:nvSpPr>
+              <p:cNvPr id="81" name="TextBox 80">
+                <a:extLst>
+                  <a:ext uri="{FF2B5EF4-FFF2-40B4-BE49-F238E27FC236}">
+                    <a16:creationId xmlns:a16="http://schemas.microsoft.com/office/drawing/2014/main" id="{A650EF6F-4C57-41E7-BEE0-8A88EF214C1D}"/>
+                  </a:ext>
+                </a:extLst>
+              </p:cNvPr>
+              <p:cNvSpPr txBox="1"/>
+              <p:nvPr/>
+            </p:nvSpPr>
+            <p:spPr>
+              <a:xfrm>
+                <a:off x="7191170" y="2619794"/>
+                <a:ext cx="786529" cy="276999"/>
+              </a:xfrm>
+              <a:prstGeom prst="rect">
+                <a:avLst/>
+              </a:prstGeom>
+              <a:noFill/>
+            </p:spPr>
+            <p:txBody>
+              <a:bodyPr wrap="square" rtlCol="0">
+                <a:spAutoFit/>
+              </a:bodyPr>
+              <a:lstStyle/>
+              <a:p>
+                <a:pPr/>
+                <a14:m>
+                  <m:oMathPara xmlns:m="http://schemas.openxmlformats.org/officeDocument/2006/math">
+                    <m:oMathParaPr>
+                      <m:jc m:val="centerGroup"/>
+                    </m:oMathParaPr>
+                    <m:oMath xmlns:m="http://schemas.openxmlformats.org/officeDocument/2006/math">
+                      <m:r>
+                        <m:rPr>
+                          <m:sty m:val="p"/>
+                        </m:rPr>
+                        <a:rPr lang="en-US" sz="1200" b="0" i="0" smtClean="0">
+                          <a:latin typeface="Cambria Math" panose="02040503050406030204" pitchFamily="18" charset="0"/>
+                        </a:rPr>
+                        <m:t>Δ</m:t>
+                      </m:r>
+                    </m:oMath>
+                  </m:oMathPara>
+                </a14:m>
+                <a:endParaRPr lang="en-US" sz="1200" dirty="0"/>
+              </a:p>
+            </p:txBody>
+          </p:sp>
+        </mc:Choice>
+        <mc:Fallback xmlns="">
+          <p:sp>
+            <p:nvSpPr>
+              <p:cNvPr id="81" name="TextBox 80">
+                <a:extLst>
+                  <a:ext uri="{FF2B5EF4-FFF2-40B4-BE49-F238E27FC236}">
+                    <a16:creationId xmlns:a16="http://schemas.microsoft.com/office/drawing/2014/main" id="{A650EF6F-4C57-41E7-BEE0-8A88EF214C1D}"/>
+                  </a:ext>
+                </a:extLst>
+              </p:cNvPr>
+              <p:cNvSpPr txBox="1">
+                <a:spLocks noRot="1" noChangeAspect="1" noMove="1" noResize="1" noEditPoints="1" noAdjustHandles="1" noChangeArrowheads="1" noChangeShapeType="1" noTextEdit="1"/>
+              </p:cNvSpPr>
+              <p:nvPr/>
+            </p:nvSpPr>
+            <p:spPr>
+              <a:xfrm>
+                <a:off x="7191170" y="2619794"/>
+                <a:ext cx="786529" cy="276999"/>
+              </a:xfrm>
+              <a:prstGeom prst="rect">
+                <a:avLst/>
+              </a:prstGeom>
+              <a:blipFill>
+                <a:blip r:embed="rId22"/>
+                <a:stretch>
+                  <a:fillRect/>
+                </a:stretch>
+              </a:blipFill>
+            </p:spPr>
+            <p:txBody>
+              <a:bodyPr/>
+              <a:lstStyle/>
+              <a:p>
+                <a:r>
+                  <a:rPr lang="en-US">
+                    <a:noFill/>
+                  </a:rPr>
+                  <a:t> </a:t>
+                </a:r>
+              </a:p>
+            </p:txBody>
+          </p:sp>
+        </mc:Fallback>
+      </mc:AlternateContent>
+      <mc:AlternateContent xmlns:mc="http://schemas.openxmlformats.org/markup-compatibility/2006" xmlns:a14="http://schemas.microsoft.com/office/drawing/2010/main">
+        <mc:Choice Requires="a14">
+          <p:sp>
+            <p:nvSpPr>
+              <p:cNvPr id="82" name="TextBox 81">
+                <a:extLst>
+                  <a:ext uri="{FF2B5EF4-FFF2-40B4-BE49-F238E27FC236}">
+                    <a16:creationId xmlns:a16="http://schemas.microsoft.com/office/drawing/2014/main" id="{98183496-7336-4BDF-A23B-07B73C91B4A7}"/>
+                  </a:ext>
+                </a:extLst>
+              </p:cNvPr>
+              <p:cNvSpPr txBox="1"/>
+              <p:nvPr/>
+            </p:nvSpPr>
+            <p:spPr>
+              <a:xfrm>
+                <a:off x="6707106" y="3497554"/>
+                <a:ext cx="786529" cy="246221"/>
+              </a:xfrm>
+              <a:prstGeom prst="rect">
+                <a:avLst/>
+              </a:prstGeom>
+              <a:noFill/>
+            </p:spPr>
+            <p:txBody>
+              <a:bodyPr wrap="square" rtlCol="0">
+                <a:spAutoFit/>
+              </a:bodyPr>
+              <a:lstStyle/>
+              <a:p>
+                <a:pPr/>
+                <a14:m>
+                  <m:oMathPara xmlns:m="http://schemas.openxmlformats.org/officeDocument/2006/math">
+                    <m:oMathParaPr>
+                      <m:jc m:val="centerGroup"/>
+                    </m:oMathParaPr>
+                    <m:oMath xmlns:m="http://schemas.openxmlformats.org/officeDocument/2006/math">
+                      <m:r>
+                        <m:rPr>
+                          <m:sty m:val="p"/>
+                        </m:rPr>
+                        <a:rPr lang="en-US" sz="1000" b="0" i="0" smtClean="0">
+                          <a:solidFill>
+                            <a:srgbClr val="0070C0"/>
+                          </a:solidFill>
+                          <a:latin typeface="Cambria Math" panose="02040503050406030204" pitchFamily="18" charset="0"/>
+                        </a:rPr>
+                        <m:t>Δ</m:t>
+                      </m:r>
+                      <m:r>
+                        <a:rPr lang="en-US" sz="1000" b="0" i="0" smtClean="0">
+                          <a:solidFill>
+                            <a:srgbClr val="0070C0"/>
+                          </a:solidFill>
+                          <a:latin typeface="Cambria Math" panose="02040503050406030204" pitchFamily="18" charset="0"/>
+                        </a:rPr>
+                        <m:t>&gt;0</m:t>
+                      </m:r>
+                    </m:oMath>
+                  </m:oMathPara>
+                </a14:m>
+                <a:endParaRPr lang="en-US" sz="1000" dirty="0">
+                  <a:solidFill>
+                    <a:srgbClr val="0070C0"/>
+                  </a:solidFill>
+                </a:endParaRPr>
+              </a:p>
+            </p:txBody>
+          </p:sp>
+        </mc:Choice>
+        <mc:Fallback xmlns="">
+          <p:sp>
+            <p:nvSpPr>
+              <p:cNvPr id="82" name="TextBox 81">
+                <a:extLst>
+                  <a:ext uri="{FF2B5EF4-FFF2-40B4-BE49-F238E27FC236}">
+                    <a16:creationId xmlns:a16="http://schemas.microsoft.com/office/drawing/2014/main" id="{98183496-7336-4BDF-A23B-07B73C91B4A7}"/>
+                  </a:ext>
+                </a:extLst>
+              </p:cNvPr>
+              <p:cNvSpPr txBox="1">
+                <a:spLocks noRot="1" noChangeAspect="1" noMove="1" noResize="1" noEditPoints="1" noAdjustHandles="1" noChangeArrowheads="1" noChangeShapeType="1" noTextEdit="1"/>
+              </p:cNvSpPr>
+              <p:nvPr/>
+            </p:nvSpPr>
+            <p:spPr>
+              <a:xfrm>
+                <a:off x="6707106" y="3497554"/>
+                <a:ext cx="786529" cy="246221"/>
+              </a:xfrm>
+              <a:prstGeom prst="rect">
+                <a:avLst/>
+              </a:prstGeom>
+              <a:blipFill>
+                <a:blip r:embed="rId10"/>
+                <a:stretch>
+                  <a:fillRect/>
+                </a:stretch>
+              </a:blipFill>
+            </p:spPr>
+            <p:txBody>
+              <a:bodyPr/>
+              <a:lstStyle/>
+              <a:p>
+                <a:r>
+                  <a:rPr lang="en-US">
+                    <a:noFill/>
+                  </a:rPr>
+                  <a:t> </a:t>
+                </a:r>
+              </a:p>
+            </p:txBody>
+          </p:sp>
+        </mc:Fallback>
+      </mc:AlternateContent>
+      <p:cxnSp>
+        <p:nvCxnSpPr>
+          <p:cNvPr id="83" name="Straight Arrow Connector 82">
+            <a:extLst>
+              <a:ext uri="{FF2B5EF4-FFF2-40B4-BE49-F238E27FC236}">
+                <a16:creationId xmlns:a16="http://schemas.microsoft.com/office/drawing/2014/main" id="{E540FA70-B27B-4DB8-9164-FAC12AF05B85}"/>
+              </a:ext>
+            </a:extLst>
+          </p:cNvPr>
+          <p:cNvCxnSpPr/>
+          <p:nvPr/>
+        </p:nvCxnSpPr>
+        <p:spPr>
+          <a:xfrm flipH="1">
+            <a:off x="6487505" y="3620664"/>
+            <a:ext cx="412955" cy="0"/>
+          </a:xfrm>
+          <a:prstGeom prst="straightConnector1">
+            <a:avLst/>
+          </a:prstGeom>
+          <a:ln w="6350">
+            <a:tailEnd type="triangle"/>
+          </a:ln>
+        </p:spPr>
+        <p:style>
+          <a:lnRef idx="1">
+            <a:schemeClr val="accent1"/>
+          </a:lnRef>
+          <a:fillRef idx="0">
+            <a:schemeClr val="accent1"/>
+          </a:fillRef>
+          <a:effectRef idx="0">
+            <a:schemeClr val="accent1"/>
+          </a:effectRef>
+          <a:fontRef idx="minor">
+            <a:schemeClr val="tx1"/>
+          </a:fontRef>
+        </p:style>
+      </p:cxnSp>
+      <mc:AlternateContent xmlns:mc="http://schemas.openxmlformats.org/markup-compatibility/2006" xmlns:a14="http://schemas.microsoft.com/office/drawing/2010/main">
+        <mc:Choice Requires="a14">
+          <p:sp>
+            <p:nvSpPr>
+              <p:cNvPr id="89" name="TextBox 88">
+                <a:extLst>
+                  <a:ext uri="{FF2B5EF4-FFF2-40B4-BE49-F238E27FC236}">
+                    <a16:creationId xmlns:a16="http://schemas.microsoft.com/office/drawing/2014/main" id="{CA871DC7-53DF-4F70-B6C6-0985C46C07D6}"/>
+                  </a:ext>
+                </a:extLst>
+              </p:cNvPr>
+              <p:cNvSpPr txBox="1"/>
+              <p:nvPr/>
+            </p:nvSpPr>
+            <p:spPr>
+              <a:xfrm>
+                <a:off x="7318736" y="4328732"/>
+                <a:ext cx="868024" cy="276999"/>
+              </a:xfrm>
+              <a:prstGeom prst="rect">
+                <a:avLst/>
+              </a:prstGeom>
+              <a:noFill/>
+            </p:spPr>
+            <p:txBody>
+              <a:bodyPr wrap="square" rtlCol="0">
+                <a:spAutoFit/>
+              </a:bodyPr>
+              <a:lstStyle/>
+              <a:p>
+                <a14:m>
+                  <m:oMath xmlns:m="http://schemas.openxmlformats.org/officeDocument/2006/math">
+                    <m:acc>
+                      <m:accPr>
+                        <m:chr m:val="̅"/>
+                        <m:ctrlPr>
+                          <a:rPr lang="en-US" sz="1200" b="0" i="1" smtClean="0">
+                            <a:latin typeface="Cambria Math" panose="02040503050406030204" pitchFamily="18" charset="0"/>
+                          </a:rPr>
+                        </m:ctrlPr>
+                      </m:accPr>
+                      <m:e>
+                        <m:r>
+                          <a:rPr lang="en-US" sz="1200" b="0" i="1" smtClean="0">
+                            <a:latin typeface="Cambria Math" panose="02040503050406030204" pitchFamily="18" charset="0"/>
+                          </a:rPr>
+                          <m:t>𝑝</m:t>
+                        </m:r>
+                      </m:e>
+                    </m:acc>
+                  </m:oMath>
+                </a14:m>
+                <a:r>
+                  <a:rPr lang="en-US" sz="1200" dirty="0"/>
+                  <a:t>+</a:t>
+                </a:r>
+                <a14:m>
+                  <m:oMath xmlns:m="http://schemas.openxmlformats.org/officeDocument/2006/math">
+                    <m:r>
+                      <m:rPr>
+                        <m:sty m:val="p"/>
+                      </m:rPr>
+                      <a:rPr lang="en-US" sz="1200" b="0" i="0" smtClean="0">
+                        <a:latin typeface="Cambria Math" panose="02040503050406030204" pitchFamily="18" charset="0"/>
+                      </a:rPr>
+                      <m:t>Δ</m:t>
+                    </m:r>
+                  </m:oMath>
+                </a14:m>
+                <a:r>
+                  <a:rPr lang="en-US" sz="1200" dirty="0"/>
+                  <a:t>+</a:t>
+                </a:r>
+                <a14:m>
+                  <m:oMath xmlns:m="http://schemas.openxmlformats.org/officeDocument/2006/math">
+                    <m:r>
+                      <a:rPr lang="en-US" sz="1200" b="0" i="1" smtClean="0">
+                        <a:latin typeface="Cambria Math" panose="02040503050406030204" pitchFamily="18" charset="0"/>
+                      </a:rPr>
+                      <m:t>𝑁</m:t>
+                    </m:r>
+                  </m:oMath>
+                </a14:m>
+                <a:r>
+                  <a:rPr lang="en-US" sz="1200" dirty="0"/>
+                  <a:t>-1</a:t>
+                </a:r>
+              </a:p>
+            </p:txBody>
+          </p:sp>
+        </mc:Choice>
+        <mc:Fallback xmlns="">
+          <p:sp>
+            <p:nvSpPr>
+              <p:cNvPr id="89" name="TextBox 88">
+                <a:extLst>
+                  <a:ext uri="{FF2B5EF4-FFF2-40B4-BE49-F238E27FC236}">
+                    <a16:creationId xmlns:a16="http://schemas.microsoft.com/office/drawing/2014/main" id="{CA871DC7-53DF-4F70-B6C6-0985C46C07D6}"/>
+                  </a:ext>
+                </a:extLst>
+              </p:cNvPr>
+              <p:cNvSpPr txBox="1">
+                <a:spLocks noRot="1" noChangeAspect="1" noMove="1" noResize="1" noEditPoints="1" noAdjustHandles="1" noChangeArrowheads="1" noChangeShapeType="1" noTextEdit="1"/>
+              </p:cNvSpPr>
+              <p:nvPr/>
+            </p:nvSpPr>
+            <p:spPr>
+              <a:xfrm>
+                <a:off x="7318736" y="4328732"/>
+                <a:ext cx="868024" cy="276999"/>
+              </a:xfrm>
+              <a:prstGeom prst="rect">
+                <a:avLst/>
+              </a:prstGeom>
+              <a:blipFill>
+                <a:blip r:embed="rId23"/>
+                <a:stretch>
+                  <a:fillRect b="-15217"/>
+                </a:stretch>
+              </a:blipFill>
+            </p:spPr>
+            <p:txBody>
+              <a:bodyPr/>
+              <a:lstStyle/>
+              <a:p>
+                <a:r>
+                  <a:rPr lang="en-US">
+                    <a:noFill/>
+                  </a:rPr>
+                  <a:t> </a:t>
+                </a:r>
+              </a:p>
+            </p:txBody>
+          </p:sp>
+        </mc:Fallback>
+      </mc:AlternateContent>
+      <mc:AlternateContent xmlns:mc="http://schemas.openxmlformats.org/markup-compatibility/2006" xmlns:a14="http://schemas.microsoft.com/office/drawing/2010/main">
+        <mc:Choice Requires="a14">
+          <p:sp>
+            <p:nvSpPr>
+              <p:cNvPr id="95" name="TextBox 94">
+                <a:extLst>
+                  <a:ext uri="{FF2B5EF4-FFF2-40B4-BE49-F238E27FC236}">
+                    <a16:creationId xmlns:a16="http://schemas.microsoft.com/office/drawing/2014/main" id="{3155F4D5-FACC-47BB-A96A-606FB8CD6E10}"/>
+                  </a:ext>
+                </a:extLst>
+              </p:cNvPr>
+              <p:cNvSpPr txBox="1"/>
+              <p:nvPr/>
+            </p:nvSpPr>
+            <p:spPr>
+              <a:xfrm>
+                <a:off x="5252347" y="4319079"/>
+                <a:ext cx="786529" cy="276999"/>
+              </a:xfrm>
+              <a:prstGeom prst="rect">
+                <a:avLst/>
+              </a:prstGeom>
+              <a:noFill/>
+            </p:spPr>
+            <p:txBody>
+              <a:bodyPr wrap="square" rtlCol="0">
+                <a:spAutoFit/>
+              </a:bodyPr>
+              <a:lstStyle/>
+              <a:p>
+                <a14:m>
+                  <m:oMath xmlns:m="http://schemas.openxmlformats.org/officeDocument/2006/math">
+                    <m:acc>
+                      <m:accPr>
+                        <m:chr m:val="̅"/>
+                        <m:ctrlPr>
+                          <a:rPr lang="en-US" sz="1200" b="0" i="1" smtClean="0">
+                            <a:latin typeface="Cambria Math" panose="02040503050406030204" pitchFamily="18" charset="0"/>
+                          </a:rPr>
+                        </m:ctrlPr>
+                      </m:accPr>
+                      <m:e>
+                        <m:r>
+                          <a:rPr lang="en-US" sz="1200" b="0" i="1" smtClean="0">
+                            <a:latin typeface="Cambria Math" panose="02040503050406030204" pitchFamily="18" charset="0"/>
+                          </a:rPr>
+                          <m:t>𝑝</m:t>
+                        </m:r>
+                      </m:e>
+                    </m:acc>
+                  </m:oMath>
+                </a14:m>
+                <a:r>
+                  <a:rPr lang="en-US" sz="1200" dirty="0"/>
+                  <a:t>+</a:t>
+                </a:r>
+                <a14:m>
+                  <m:oMath xmlns:m="http://schemas.openxmlformats.org/officeDocument/2006/math">
+                    <m:r>
+                      <m:rPr>
+                        <m:sty m:val="p"/>
+                      </m:rPr>
+                      <a:rPr lang="en-US" sz="1200" b="0" i="0" smtClean="0">
+                        <a:latin typeface="Cambria Math" panose="02040503050406030204" pitchFamily="18" charset="0"/>
+                      </a:rPr>
+                      <m:t>Δ</m:t>
+                    </m:r>
+                  </m:oMath>
+                </a14:m>
+                <a:endParaRPr lang="en-US" sz="1200" dirty="0"/>
+              </a:p>
+            </p:txBody>
+          </p:sp>
+        </mc:Choice>
+        <mc:Fallback xmlns="">
+          <p:sp>
+            <p:nvSpPr>
+              <p:cNvPr id="95" name="TextBox 94">
+                <a:extLst>
+                  <a:ext uri="{FF2B5EF4-FFF2-40B4-BE49-F238E27FC236}">
+                    <a16:creationId xmlns:a16="http://schemas.microsoft.com/office/drawing/2014/main" id="{3155F4D5-FACC-47BB-A96A-606FB8CD6E10}"/>
+                  </a:ext>
+                </a:extLst>
+              </p:cNvPr>
+              <p:cNvSpPr txBox="1">
+                <a:spLocks noRot="1" noChangeAspect="1" noMove="1" noResize="1" noEditPoints="1" noAdjustHandles="1" noChangeArrowheads="1" noChangeShapeType="1" noTextEdit="1"/>
+              </p:cNvSpPr>
+              <p:nvPr/>
+            </p:nvSpPr>
+            <p:spPr>
+              <a:xfrm>
+                <a:off x="5252347" y="4319079"/>
+                <a:ext cx="786529" cy="276999"/>
+              </a:xfrm>
+              <a:prstGeom prst="rect">
+                <a:avLst/>
+              </a:prstGeom>
+              <a:blipFill>
+                <a:blip r:embed="rId21"/>
+                <a:stretch>
+                  <a:fillRect t="-2222" b="-17778"/>
+                </a:stretch>
+              </a:blipFill>
+            </p:spPr>
+            <p:txBody>
+              <a:bodyPr/>
+              <a:lstStyle/>
+              <a:p>
+                <a:r>
+                  <a:rPr lang="en-US">
+                    <a:noFill/>
+                  </a:rPr>
+                  <a:t> </a:t>
+                </a:r>
+              </a:p>
+            </p:txBody>
+          </p:sp>
+        </mc:Fallback>
+      </mc:AlternateContent>
+      <p:cxnSp>
+        <p:nvCxnSpPr>
+          <p:cNvPr id="98" name="Straight Connector 97">
+            <a:extLst>
+              <a:ext uri="{FF2B5EF4-FFF2-40B4-BE49-F238E27FC236}">
+                <a16:creationId xmlns:a16="http://schemas.microsoft.com/office/drawing/2014/main" id="{D2C0303B-EC5B-4B8F-9264-312E62F3E100}"/>
+              </a:ext>
+            </a:extLst>
+          </p:cNvPr>
+          <p:cNvCxnSpPr>
+            <a:cxnSpLocks/>
+          </p:cNvCxnSpPr>
+          <p:nvPr/>
+        </p:nvCxnSpPr>
+        <p:spPr>
+          <a:xfrm flipV="1">
+            <a:off x="7584435" y="3316888"/>
+            <a:ext cx="0" cy="381429"/>
+          </a:xfrm>
+          <a:prstGeom prst="line">
+            <a:avLst/>
+          </a:prstGeom>
+          <a:ln w="15875"/>
+        </p:spPr>
+        <p:style>
+          <a:lnRef idx="1">
+            <a:schemeClr val="accent1"/>
+          </a:lnRef>
+          <a:fillRef idx="0">
+            <a:schemeClr val="accent1"/>
+          </a:fillRef>
+          <a:effectRef idx="0">
+            <a:schemeClr val="accent1"/>
+          </a:effectRef>
+          <a:fontRef idx="minor">
+            <a:schemeClr val="tx1"/>
+          </a:fontRef>
+        </p:style>
+      </p:cxnSp>
+      <p:cxnSp>
+        <p:nvCxnSpPr>
+          <p:cNvPr id="99" name="Straight Connector 98">
+            <a:extLst>
+              <a:ext uri="{FF2B5EF4-FFF2-40B4-BE49-F238E27FC236}">
+                <a16:creationId xmlns:a16="http://schemas.microsoft.com/office/drawing/2014/main" id="{3434C087-F376-4AFA-8761-280C2D0FE1FA}"/>
+              </a:ext>
+            </a:extLst>
+          </p:cNvPr>
+          <p:cNvCxnSpPr/>
+          <p:nvPr/>
+        </p:nvCxnSpPr>
+        <p:spPr>
+          <a:xfrm flipH="1">
+            <a:off x="7584435" y="3310265"/>
+            <a:ext cx="766870" cy="0"/>
+          </a:xfrm>
+          <a:prstGeom prst="line">
+            <a:avLst/>
+          </a:prstGeom>
+          <a:ln w="15875"/>
+        </p:spPr>
+        <p:style>
+          <a:lnRef idx="1">
+            <a:schemeClr val="accent1"/>
+          </a:lnRef>
+          <a:fillRef idx="0">
+            <a:schemeClr val="accent1"/>
+          </a:fillRef>
+          <a:effectRef idx="0">
+            <a:schemeClr val="accent1"/>
+          </a:effectRef>
+          <a:fontRef idx="minor">
+            <a:schemeClr val="tx1"/>
+          </a:fontRef>
+        </p:style>
+      </p:cxnSp>
+      <p:cxnSp>
+        <p:nvCxnSpPr>
+          <p:cNvPr id="102" name="Straight Connector 101">
+            <a:extLst>
+              <a:ext uri="{FF2B5EF4-FFF2-40B4-BE49-F238E27FC236}">
+                <a16:creationId xmlns:a16="http://schemas.microsoft.com/office/drawing/2014/main" id="{D4D2211C-9766-4DF0-B5C2-81F1F5E153F0}"/>
+              </a:ext>
+            </a:extLst>
+          </p:cNvPr>
+          <p:cNvCxnSpPr/>
+          <p:nvPr/>
+        </p:nvCxnSpPr>
+        <p:spPr>
+          <a:xfrm>
+            <a:off x="7566102" y="3710928"/>
+            <a:ext cx="766870" cy="0"/>
+          </a:xfrm>
+          <a:prstGeom prst="line">
+            <a:avLst/>
+          </a:prstGeom>
+          <a:ln w="15875"/>
+        </p:spPr>
+        <p:style>
+          <a:lnRef idx="1">
+            <a:schemeClr val="accent1"/>
+          </a:lnRef>
+          <a:fillRef idx="0">
+            <a:schemeClr val="accent1"/>
+          </a:fillRef>
+          <a:effectRef idx="0">
+            <a:schemeClr val="accent1"/>
+          </a:effectRef>
+          <a:fontRef idx="minor">
+            <a:schemeClr val="tx1"/>
+          </a:fontRef>
+        </p:style>
+      </p:cxnSp>
+      <p:cxnSp>
+        <p:nvCxnSpPr>
+          <p:cNvPr id="104" name="Straight Arrow Connector 103">
+            <a:extLst>
+              <a:ext uri="{FF2B5EF4-FFF2-40B4-BE49-F238E27FC236}">
+                <a16:creationId xmlns:a16="http://schemas.microsoft.com/office/drawing/2014/main" id="{2A382CD6-E412-486A-8242-B6360F1D86E8}"/>
+              </a:ext>
+            </a:extLst>
+          </p:cNvPr>
+          <p:cNvCxnSpPr>
+            <a:cxnSpLocks/>
+          </p:cNvCxnSpPr>
+          <p:nvPr/>
+        </p:nvCxnSpPr>
+        <p:spPr>
+          <a:xfrm>
+            <a:off x="6144219" y="3710928"/>
+            <a:ext cx="3717536" cy="0"/>
+          </a:xfrm>
+          <a:prstGeom prst="straightConnector1">
+            <a:avLst/>
+          </a:prstGeom>
+          <a:ln w="19050">
+            <a:solidFill>
+              <a:schemeClr val="tx1"/>
+            </a:solidFill>
+            <a:tailEnd type="triangle"/>
+          </a:ln>
+        </p:spPr>
+        <p:style>
+          <a:lnRef idx="1">
+            <a:schemeClr val="accent1"/>
+          </a:lnRef>
+          <a:fillRef idx="0">
+            <a:schemeClr val="accent1"/>
+          </a:fillRef>
+          <a:effectRef idx="0">
+            <a:schemeClr val="accent1"/>
+          </a:effectRef>
+          <a:fontRef idx="minor">
+            <a:schemeClr val="tx1"/>
+          </a:fontRef>
+        </p:style>
+      </p:cxnSp>
+      <p:cxnSp>
+        <p:nvCxnSpPr>
+          <p:cNvPr id="107" name="Straight Connector 106">
+            <a:extLst>
+              <a:ext uri="{FF2B5EF4-FFF2-40B4-BE49-F238E27FC236}">
+                <a16:creationId xmlns:a16="http://schemas.microsoft.com/office/drawing/2014/main" id="{2FEC0466-FF5C-4F48-BBF4-4C4472E0083A}"/>
+              </a:ext>
+            </a:extLst>
+          </p:cNvPr>
+          <p:cNvCxnSpPr>
+            <a:cxnSpLocks/>
+          </p:cNvCxnSpPr>
+          <p:nvPr/>
+        </p:nvCxnSpPr>
+        <p:spPr>
+          <a:xfrm>
+            <a:off x="6448763" y="2876487"/>
+            <a:ext cx="0" cy="1862907"/>
+          </a:xfrm>
+          <a:prstGeom prst="line">
+            <a:avLst/>
+          </a:prstGeom>
+          <a:ln w="15875">
+            <a:solidFill>
+              <a:schemeClr val="tx1"/>
+            </a:solidFill>
+          </a:ln>
+        </p:spPr>
+        <p:style>
+          <a:lnRef idx="1">
+            <a:schemeClr val="accent1"/>
+          </a:lnRef>
+          <a:fillRef idx="0">
+            <a:schemeClr val="accent1"/>
+          </a:fillRef>
+          <a:effectRef idx="0">
+            <a:schemeClr val="accent1"/>
+          </a:effectRef>
+          <a:fontRef idx="minor">
+            <a:schemeClr val="tx1"/>
+          </a:fontRef>
+        </p:style>
+      </p:cxnSp>
+      <p:cxnSp>
+        <p:nvCxnSpPr>
+          <p:cNvPr id="112" name="Straight Arrow Connector 111">
+            <a:extLst>
+              <a:ext uri="{FF2B5EF4-FFF2-40B4-BE49-F238E27FC236}">
+                <a16:creationId xmlns:a16="http://schemas.microsoft.com/office/drawing/2014/main" id="{34862F0F-3F92-4AF9-A2B5-3F20A0D33985}"/>
+              </a:ext>
+            </a:extLst>
+          </p:cNvPr>
+          <p:cNvCxnSpPr>
+            <a:cxnSpLocks/>
+          </p:cNvCxnSpPr>
+          <p:nvPr/>
+        </p:nvCxnSpPr>
+        <p:spPr>
+          <a:xfrm>
+            <a:off x="7270548" y="3620664"/>
+            <a:ext cx="295554" cy="0"/>
+          </a:xfrm>
+          <a:prstGeom prst="straightConnector1">
+            <a:avLst/>
+          </a:prstGeom>
+          <a:ln w="6350">
+            <a:tailEnd type="triangle"/>
+          </a:ln>
+        </p:spPr>
+        <p:style>
+          <a:lnRef idx="1">
+            <a:schemeClr val="accent1"/>
+          </a:lnRef>
+          <a:fillRef idx="0">
+            <a:schemeClr val="accent1"/>
+          </a:fillRef>
+          <a:effectRef idx="0">
+            <a:schemeClr val="accent1"/>
+          </a:effectRef>
+          <a:fontRef idx="minor">
+            <a:schemeClr val="tx1"/>
+          </a:fontRef>
+        </p:style>
+      </p:cxnSp>
+      <mc:AlternateContent xmlns:mc="http://schemas.openxmlformats.org/markup-compatibility/2006" xmlns:a14="http://schemas.microsoft.com/office/drawing/2010/main">
+        <mc:Choice Requires="a14">
+          <p:sp>
+            <p:nvSpPr>
+              <p:cNvPr id="120" name="TextBox 119">
+                <a:extLst>
+                  <a:ext uri="{FF2B5EF4-FFF2-40B4-BE49-F238E27FC236}">
+                    <a16:creationId xmlns:a16="http://schemas.microsoft.com/office/drawing/2014/main" id="{6B4B6FB5-9C7A-4DF7-B9B6-618201E5683F}"/>
+                  </a:ext>
+                </a:extLst>
+              </p:cNvPr>
+              <p:cNvSpPr txBox="1"/>
+              <p:nvPr/>
+            </p:nvSpPr>
+            <p:spPr>
+              <a:xfrm>
+                <a:off x="8712954" y="4349868"/>
+                <a:ext cx="619328" cy="307777"/>
+              </a:xfrm>
+              <a:prstGeom prst="rect">
+                <a:avLst/>
+              </a:prstGeom>
+              <a:noFill/>
+            </p:spPr>
+            <p:txBody>
+              <a:bodyPr wrap="square" rtlCol="0">
+                <a:spAutoFit/>
+              </a:bodyPr>
+              <a:lstStyle/>
+              <a:p>
+                <a:pPr/>
+                <a14:m>
+                  <m:oMathPara xmlns:m="http://schemas.openxmlformats.org/officeDocument/2006/math">
+                    <m:oMathParaPr>
+                      <m:jc m:val="centerGroup"/>
+                    </m:oMathParaPr>
+                    <m:oMath xmlns:m="http://schemas.openxmlformats.org/officeDocument/2006/math">
+                      <m:r>
+                        <a:rPr lang="en-US" sz="1400" i="1" smtClean="0">
+                          <a:latin typeface="Cambria Math" panose="02040503050406030204" pitchFamily="18" charset="0"/>
+                        </a:rPr>
+                        <m:t>𝑝</m:t>
+                      </m:r>
+                    </m:oMath>
+                  </m:oMathPara>
+                </a14:m>
+                <a:endParaRPr lang="en-US" sz="1400" dirty="0"/>
+              </a:p>
+            </p:txBody>
+          </p:sp>
+        </mc:Choice>
+        <mc:Fallback xmlns="">
+          <p:sp>
+            <p:nvSpPr>
+              <p:cNvPr id="120" name="TextBox 119">
+                <a:extLst>
+                  <a:ext uri="{FF2B5EF4-FFF2-40B4-BE49-F238E27FC236}">
+                    <a16:creationId xmlns:a16="http://schemas.microsoft.com/office/drawing/2014/main" id="{6B4B6FB5-9C7A-4DF7-B9B6-618201E5683F}"/>
+                  </a:ext>
+                </a:extLst>
+              </p:cNvPr>
+              <p:cNvSpPr txBox="1">
+                <a:spLocks noRot="1" noChangeAspect="1" noMove="1" noResize="1" noEditPoints="1" noAdjustHandles="1" noChangeArrowheads="1" noChangeShapeType="1" noTextEdit="1"/>
+              </p:cNvSpPr>
+              <p:nvPr/>
+            </p:nvSpPr>
+            <p:spPr>
+              <a:xfrm>
+                <a:off x="8712954" y="4349868"/>
+                <a:ext cx="619328" cy="307777"/>
+              </a:xfrm>
+              <a:prstGeom prst="rect">
+                <a:avLst/>
+              </a:prstGeom>
+              <a:blipFill>
+                <a:blip r:embed="rId15"/>
+                <a:stretch>
+                  <a:fillRect b="-2000"/>
+                </a:stretch>
+              </a:blipFill>
+            </p:spPr>
+            <p:txBody>
+              <a:bodyPr/>
+              <a:lstStyle/>
+              <a:p>
+                <a:r>
+                  <a:rPr lang="en-US">
+                    <a:noFill/>
+                  </a:rPr>
+                  <a:t> </a:t>
+                </a:r>
+              </a:p>
+            </p:txBody>
+          </p:sp>
+        </mc:Fallback>
+      </mc:AlternateContent>
+      <p:sp>
+        <p:nvSpPr>
+          <p:cNvPr id="121" name="Rectangle 120">
+            <a:extLst>
+              <a:ext uri="{FF2B5EF4-FFF2-40B4-BE49-F238E27FC236}">
+                <a16:creationId xmlns:a16="http://schemas.microsoft.com/office/drawing/2014/main" id="{98A4184F-0372-42E6-891E-E303EB136BF5}"/>
+              </a:ext>
+            </a:extLst>
+          </p:cNvPr>
+          <p:cNvSpPr/>
+          <p:nvPr/>
+        </p:nvSpPr>
+        <p:spPr>
+          <a:xfrm>
+            <a:off x="5467711" y="3955839"/>
+            <a:ext cx="1902539" cy="400663"/>
+          </a:xfrm>
+          <a:prstGeom prst="rect">
+            <a:avLst/>
+          </a:prstGeom>
+          <a:noFill/>
+          <a:ln w="15875">
+            <a:solidFill>
+              <a:srgbClr val="FF0000"/>
+            </a:solidFill>
+            <a:prstDash val="dash"/>
+          </a:ln>
+        </p:spPr>
+        <p:style>
+          <a:lnRef idx="2">
+            <a:schemeClr val="accent1">
+              <a:shade val="50000"/>
+            </a:schemeClr>
+          </a:lnRef>
+          <a:fillRef idx="1">
+            <a:schemeClr val="accent1"/>
+          </a:fillRef>
+          <a:effectRef idx="0">
+            <a:schemeClr val="accent1"/>
+          </a:effectRef>
+          <a:fontRef idx="minor">
+            <a:schemeClr val="lt1"/>
+          </a:fontRef>
+        </p:style>
+        <p:txBody>
+          <a:bodyPr rtlCol="0" anchor="ctr"/>
+          <a:lstStyle/>
+          <a:p>
+            <a:pPr algn="ctr"/>
+            <a:endParaRPr lang="en-US"/>
+          </a:p>
+        </p:txBody>
+      </p:sp>
+      <p:cxnSp>
+        <p:nvCxnSpPr>
+          <p:cNvPr id="117" name="Straight Arrow Connector 116">
+            <a:extLst>
+              <a:ext uri="{FF2B5EF4-FFF2-40B4-BE49-F238E27FC236}">
+                <a16:creationId xmlns:a16="http://schemas.microsoft.com/office/drawing/2014/main" id="{C74AD1D8-2CAC-40BB-B4DA-77D095BA4ED4}"/>
+              </a:ext>
+            </a:extLst>
+          </p:cNvPr>
+          <p:cNvCxnSpPr>
+            <a:cxnSpLocks/>
+          </p:cNvCxnSpPr>
+          <p:nvPr/>
+        </p:nvCxnSpPr>
+        <p:spPr>
+          <a:xfrm>
+            <a:off x="5305082" y="4355937"/>
+            <a:ext cx="3717536" cy="0"/>
+          </a:xfrm>
+          <a:prstGeom prst="straightConnector1">
+            <a:avLst/>
+          </a:prstGeom>
+          <a:ln w="19050">
+            <a:solidFill>
+              <a:schemeClr val="tx1"/>
+            </a:solidFill>
+            <a:tailEnd type="triangle"/>
+          </a:ln>
+        </p:spPr>
+        <p:style>
+          <a:lnRef idx="1">
+            <a:schemeClr val="accent1"/>
+          </a:lnRef>
+          <a:fillRef idx="0">
+            <a:schemeClr val="accent1"/>
+          </a:fillRef>
+          <a:effectRef idx="0">
+            <a:schemeClr val="accent1"/>
+          </a:effectRef>
+          <a:fontRef idx="minor">
+            <a:schemeClr val="tx1"/>
+          </a:fontRef>
+        </p:style>
+      </p:cxnSp>
+      <p:cxnSp>
+        <p:nvCxnSpPr>
+          <p:cNvPr id="122" name="Straight Connector 121">
+            <a:extLst>
+              <a:ext uri="{FF2B5EF4-FFF2-40B4-BE49-F238E27FC236}">
+                <a16:creationId xmlns:a16="http://schemas.microsoft.com/office/drawing/2014/main" id="{EE3BC908-DB95-4CC0-A395-D44614E85702}"/>
+              </a:ext>
+            </a:extLst>
+          </p:cNvPr>
+          <p:cNvCxnSpPr>
+            <a:cxnSpLocks/>
+          </p:cNvCxnSpPr>
+          <p:nvPr/>
+        </p:nvCxnSpPr>
+        <p:spPr>
+          <a:xfrm>
+            <a:off x="6494574" y="3955828"/>
+            <a:ext cx="875676" cy="0"/>
+          </a:xfrm>
+          <a:prstGeom prst="line">
+            <a:avLst/>
+          </a:prstGeom>
+          <a:ln w="15875">
+            <a:solidFill>
+              <a:srgbClr val="FF0000"/>
+            </a:solidFill>
+          </a:ln>
+        </p:spPr>
+        <p:style>
+          <a:lnRef idx="1">
+            <a:schemeClr val="accent1"/>
+          </a:lnRef>
+          <a:fillRef idx="0">
+            <a:schemeClr val="accent1"/>
+          </a:fillRef>
+          <a:effectRef idx="0">
+            <a:schemeClr val="accent1"/>
+          </a:effectRef>
+          <a:fontRef idx="minor">
+            <a:schemeClr val="tx1"/>
+          </a:fontRef>
+        </p:style>
+      </p:cxnSp>
+      <p:cxnSp>
+        <p:nvCxnSpPr>
+          <p:cNvPr id="123" name="Straight Connector 122">
+            <a:extLst>
+              <a:ext uri="{FF2B5EF4-FFF2-40B4-BE49-F238E27FC236}">
+                <a16:creationId xmlns:a16="http://schemas.microsoft.com/office/drawing/2014/main" id="{9A19F54F-6887-4877-9835-E467F1F95FD2}"/>
+              </a:ext>
+            </a:extLst>
+          </p:cNvPr>
+          <p:cNvCxnSpPr/>
+          <p:nvPr/>
+        </p:nvCxnSpPr>
+        <p:spPr>
+          <a:xfrm flipV="1">
+            <a:off x="7370250" y="3955828"/>
+            <a:ext cx="0" cy="394040"/>
+          </a:xfrm>
+          <a:prstGeom prst="line">
+            <a:avLst/>
+          </a:prstGeom>
+          <a:ln w="15875">
+            <a:solidFill>
+              <a:srgbClr val="FF0000"/>
+            </a:solidFill>
+          </a:ln>
+        </p:spPr>
+        <p:style>
+          <a:lnRef idx="1">
+            <a:schemeClr val="accent1"/>
+          </a:lnRef>
+          <a:fillRef idx="0">
+            <a:schemeClr val="accent1"/>
+          </a:fillRef>
+          <a:effectRef idx="0">
+            <a:schemeClr val="accent1"/>
+          </a:effectRef>
+          <a:fontRef idx="minor">
+            <a:schemeClr val="tx1"/>
+          </a:fontRef>
+        </p:style>
+      </p:cxnSp>
+      <mc:AlternateContent xmlns:mc="http://schemas.openxmlformats.org/markup-compatibility/2006" xmlns:a14="http://schemas.microsoft.com/office/drawing/2010/main">
+        <mc:Choice Requires="a14">
+          <p:sp>
+            <p:nvSpPr>
+              <p:cNvPr id="125" name="TextBox 124">
+                <a:extLst>
+                  <a:ext uri="{FF2B5EF4-FFF2-40B4-BE49-F238E27FC236}">
+                    <a16:creationId xmlns:a16="http://schemas.microsoft.com/office/drawing/2014/main" id="{5800D70C-9EE1-4FA5-8DF2-B2D6EC8795FB}"/>
+                  </a:ext>
+                </a:extLst>
+              </p:cNvPr>
+              <p:cNvSpPr txBox="1"/>
+              <p:nvPr/>
+            </p:nvSpPr>
+            <p:spPr>
+              <a:xfrm>
+                <a:off x="5557295" y="4152848"/>
+                <a:ext cx="786529" cy="246221"/>
+              </a:xfrm>
+              <a:prstGeom prst="rect">
+                <a:avLst/>
+              </a:prstGeom>
+              <a:noFill/>
+            </p:spPr>
+            <p:txBody>
+              <a:bodyPr wrap="square" rtlCol="0">
+                <a:spAutoFit/>
+              </a:bodyPr>
+              <a:lstStyle/>
+              <a:p>
+                <a:pPr/>
+                <a14:m>
+                  <m:oMathPara xmlns:m="http://schemas.openxmlformats.org/officeDocument/2006/math">
+                    <m:oMathParaPr>
+                      <m:jc m:val="centerGroup"/>
+                    </m:oMathParaPr>
+                    <m:oMath xmlns:m="http://schemas.openxmlformats.org/officeDocument/2006/math">
+                      <m:r>
+                        <m:rPr>
+                          <m:sty m:val="p"/>
+                        </m:rPr>
+                        <a:rPr lang="en-US" sz="1000" b="0" i="0" smtClean="0">
+                          <a:solidFill>
+                            <a:srgbClr val="FF0000"/>
+                          </a:solidFill>
+                          <a:latin typeface="Cambria Math" panose="02040503050406030204" pitchFamily="18" charset="0"/>
+                        </a:rPr>
+                        <m:t>Δ</m:t>
+                      </m:r>
+                      <m:r>
+                        <a:rPr lang="en-US" sz="1000" b="0" i="0" smtClean="0">
+                          <a:solidFill>
+                            <a:srgbClr val="FF0000"/>
+                          </a:solidFill>
+                          <a:latin typeface="Cambria Math" panose="02040503050406030204" pitchFamily="18" charset="0"/>
+                        </a:rPr>
+                        <m:t>&lt;0</m:t>
+                      </m:r>
+                    </m:oMath>
+                  </m:oMathPara>
+                </a14:m>
+                <a:endParaRPr lang="en-US" sz="1000" dirty="0">
+                  <a:solidFill>
+                    <a:srgbClr val="FF0000"/>
+                  </a:solidFill>
+                </a:endParaRPr>
+              </a:p>
+            </p:txBody>
+          </p:sp>
+        </mc:Choice>
+        <mc:Fallback xmlns="">
+          <p:sp>
+            <p:nvSpPr>
+              <p:cNvPr id="125" name="TextBox 124">
+                <a:extLst>
+                  <a:ext uri="{FF2B5EF4-FFF2-40B4-BE49-F238E27FC236}">
+                    <a16:creationId xmlns:a16="http://schemas.microsoft.com/office/drawing/2014/main" id="{5800D70C-9EE1-4FA5-8DF2-B2D6EC8795FB}"/>
+                  </a:ext>
+                </a:extLst>
+              </p:cNvPr>
+              <p:cNvSpPr txBox="1">
+                <a:spLocks noRot="1" noChangeAspect="1" noMove="1" noResize="1" noEditPoints="1" noAdjustHandles="1" noChangeArrowheads="1" noChangeShapeType="1" noTextEdit="1"/>
+              </p:cNvSpPr>
+              <p:nvPr/>
+            </p:nvSpPr>
+            <p:spPr>
+              <a:xfrm>
+                <a:off x="5557295" y="4152848"/>
+                <a:ext cx="786529" cy="246221"/>
+              </a:xfrm>
+              <a:prstGeom prst="rect">
+                <a:avLst/>
+              </a:prstGeom>
+              <a:blipFill>
+                <a:blip r:embed="rId24"/>
+                <a:stretch>
+                  <a:fillRect/>
+                </a:stretch>
+              </a:blipFill>
+            </p:spPr>
+            <p:txBody>
+              <a:bodyPr/>
+              <a:lstStyle/>
+              <a:p>
+                <a:r>
+                  <a:rPr lang="en-US">
+                    <a:noFill/>
+                  </a:rPr>
+                  <a:t> </a:t>
+                </a:r>
+              </a:p>
+            </p:txBody>
+          </p:sp>
+        </mc:Fallback>
+      </mc:AlternateContent>
+      <p:cxnSp>
+        <p:nvCxnSpPr>
+          <p:cNvPr id="127" name="Straight Arrow Connector 126">
+            <a:extLst>
+              <a:ext uri="{FF2B5EF4-FFF2-40B4-BE49-F238E27FC236}">
+                <a16:creationId xmlns:a16="http://schemas.microsoft.com/office/drawing/2014/main" id="{010CE3BE-E0A3-4500-9258-4445B224AA25}"/>
+              </a:ext>
+            </a:extLst>
+          </p:cNvPr>
+          <p:cNvCxnSpPr>
+            <a:cxnSpLocks/>
+          </p:cNvCxnSpPr>
+          <p:nvPr/>
+        </p:nvCxnSpPr>
+        <p:spPr>
+          <a:xfrm>
+            <a:off x="6135169" y="4275958"/>
+            <a:ext cx="283811" cy="0"/>
+          </a:xfrm>
+          <a:prstGeom prst="straightConnector1">
+            <a:avLst/>
+          </a:prstGeom>
+          <a:ln w="6350">
+            <a:solidFill>
+              <a:srgbClr val="FF0000"/>
+            </a:solidFill>
+            <a:tailEnd type="triangle"/>
+          </a:ln>
+        </p:spPr>
+        <p:style>
+          <a:lnRef idx="1">
+            <a:schemeClr val="accent1"/>
+          </a:lnRef>
+          <a:fillRef idx="0">
+            <a:schemeClr val="accent1"/>
+          </a:fillRef>
+          <a:effectRef idx="0">
+            <a:schemeClr val="accent1"/>
+          </a:effectRef>
+          <a:fontRef idx="minor">
+            <a:schemeClr val="tx1"/>
+          </a:fontRef>
+        </p:style>
+      </p:cxnSp>
+      <p:cxnSp>
+        <p:nvCxnSpPr>
+          <p:cNvPr id="130" name="Straight Arrow Connector 129">
+            <a:extLst>
+              <a:ext uri="{FF2B5EF4-FFF2-40B4-BE49-F238E27FC236}">
+                <a16:creationId xmlns:a16="http://schemas.microsoft.com/office/drawing/2014/main" id="{65821D1F-440C-456A-B354-A08D31245AA3}"/>
+              </a:ext>
+            </a:extLst>
+          </p:cNvPr>
+          <p:cNvCxnSpPr>
+            <a:cxnSpLocks/>
+          </p:cNvCxnSpPr>
+          <p:nvPr/>
+        </p:nvCxnSpPr>
+        <p:spPr>
+          <a:xfrm flipH="1">
+            <a:off x="5484723" y="4275958"/>
+            <a:ext cx="245938" cy="0"/>
+          </a:xfrm>
+          <a:prstGeom prst="straightConnector1">
+            <a:avLst/>
+          </a:prstGeom>
+          <a:ln w="6350">
+            <a:solidFill>
+              <a:srgbClr val="FF0000"/>
+            </a:solidFill>
+            <a:tailEnd type="triangle"/>
+          </a:ln>
+        </p:spPr>
+        <p:style>
+          <a:lnRef idx="1">
+            <a:schemeClr val="accent1"/>
+          </a:lnRef>
+          <a:fillRef idx="0">
+            <a:schemeClr val="accent1"/>
+          </a:fillRef>
+          <a:effectRef idx="0">
+            <a:schemeClr val="accent1"/>
+          </a:effectRef>
+          <a:fontRef idx="minor">
+            <a:schemeClr val="tx1"/>
+          </a:fontRef>
+        </p:style>
+      </p:cxnSp>
+      <p:cxnSp>
+        <p:nvCxnSpPr>
+          <p:cNvPr id="135" name="Straight Connector 134">
+            <a:extLst>
+              <a:ext uri="{FF2B5EF4-FFF2-40B4-BE49-F238E27FC236}">
+                <a16:creationId xmlns:a16="http://schemas.microsoft.com/office/drawing/2014/main" id="{24860FF5-4224-4DF5-9CE6-B2B5E9EF09DB}"/>
+              </a:ext>
+            </a:extLst>
+          </p:cNvPr>
+          <p:cNvCxnSpPr/>
+          <p:nvPr/>
+        </p:nvCxnSpPr>
+        <p:spPr>
+          <a:xfrm flipH="1">
+            <a:off x="6545939" y="4061247"/>
+            <a:ext cx="127819" cy="196645"/>
+          </a:xfrm>
+          <a:prstGeom prst="line">
+            <a:avLst/>
+          </a:prstGeom>
+          <a:ln w="15875">
+            <a:solidFill>
+              <a:srgbClr val="FF0000"/>
+            </a:solidFill>
+          </a:ln>
+        </p:spPr>
+        <p:style>
+          <a:lnRef idx="1">
+            <a:schemeClr val="accent1"/>
+          </a:lnRef>
+          <a:fillRef idx="0">
+            <a:schemeClr val="accent1"/>
+          </a:fillRef>
+          <a:effectRef idx="0">
+            <a:schemeClr val="accent1"/>
+          </a:effectRef>
+          <a:fontRef idx="minor">
+            <a:schemeClr val="tx1"/>
+          </a:fontRef>
+        </p:style>
+      </p:cxnSp>
+      <p:cxnSp>
+        <p:nvCxnSpPr>
+          <p:cNvPr id="136" name="Straight Connector 135">
+            <a:extLst>
+              <a:ext uri="{FF2B5EF4-FFF2-40B4-BE49-F238E27FC236}">
+                <a16:creationId xmlns:a16="http://schemas.microsoft.com/office/drawing/2014/main" id="{B778287B-B00E-4A1E-A9D7-5317036914F3}"/>
+              </a:ext>
+            </a:extLst>
+          </p:cNvPr>
+          <p:cNvCxnSpPr/>
+          <p:nvPr/>
+        </p:nvCxnSpPr>
+        <p:spPr>
+          <a:xfrm flipH="1">
+            <a:off x="6683639" y="4054623"/>
+            <a:ext cx="127819" cy="196645"/>
+          </a:xfrm>
+          <a:prstGeom prst="line">
+            <a:avLst/>
+          </a:prstGeom>
+          <a:ln w="15875">
+            <a:solidFill>
+              <a:srgbClr val="FF0000"/>
+            </a:solidFill>
+          </a:ln>
+        </p:spPr>
+        <p:style>
+          <a:lnRef idx="1">
+            <a:schemeClr val="accent1"/>
+          </a:lnRef>
+          <a:fillRef idx="0">
+            <a:schemeClr val="accent1"/>
+          </a:fillRef>
+          <a:effectRef idx="0">
+            <a:schemeClr val="accent1"/>
+          </a:effectRef>
+          <a:fontRef idx="minor">
+            <a:schemeClr val="tx1"/>
+          </a:fontRef>
+        </p:style>
+      </p:cxnSp>
+      <p:cxnSp>
+        <p:nvCxnSpPr>
+          <p:cNvPr id="137" name="Straight Connector 136">
+            <a:extLst>
+              <a:ext uri="{FF2B5EF4-FFF2-40B4-BE49-F238E27FC236}">
+                <a16:creationId xmlns:a16="http://schemas.microsoft.com/office/drawing/2014/main" id="{08DADAF3-5DCF-4CB4-A256-F894860E7CB6}"/>
+              </a:ext>
+            </a:extLst>
+          </p:cNvPr>
+          <p:cNvCxnSpPr/>
+          <p:nvPr/>
+        </p:nvCxnSpPr>
+        <p:spPr>
+          <a:xfrm flipH="1">
+            <a:off x="6801626" y="4054623"/>
+            <a:ext cx="127819" cy="196645"/>
+          </a:xfrm>
+          <a:prstGeom prst="line">
+            <a:avLst/>
+          </a:prstGeom>
+          <a:ln w="15875">
+            <a:solidFill>
+              <a:srgbClr val="FF0000"/>
+            </a:solidFill>
+          </a:ln>
+        </p:spPr>
+        <p:style>
+          <a:lnRef idx="1">
+            <a:schemeClr val="accent1"/>
+          </a:lnRef>
+          <a:fillRef idx="0">
+            <a:schemeClr val="accent1"/>
+          </a:fillRef>
+          <a:effectRef idx="0">
+            <a:schemeClr val="accent1"/>
+          </a:effectRef>
+          <a:fontRef idx="minor">
+            <a:schemeClr val="tx1"/>
+          </a:fontRef>
+        </p:style>
+      </p:cxnSp>
+      <p:cxnSp>
+        <p:nvCxnSpPr>
+          <p:cNvPr id="138" name="Straight Connector 137">
+            <a:extLst>
+              <a:ext uri="{FF2B5EF4-FFF2-40B4-BE49-F238E27FC236}">
+                <a16:creationId xmlns:a16="http://schemas.microsoft.com/office/drawing/2014/main" id="{F6A45685-C7CA-4655-A9D8-E49FE0E9327E}"/>
+              </a:ext>
+            </a:extLst>
+          </p:cNvPr>
+          <p:cNvCxnSpPr/>
+          <p:nvPr/>
+        </p:nvCxnSpPr>
+        <p:spPr>
+          <a:xfrm flipH="1">
+            <a:off x="6930161" y="4053187"/>
+            <a:ext cx="127819" cy="196645"/>
+          </a:xfrm>
+          <a:prstGeom prst="line">
+            <a:avLst/>
+          </a:prstGeom>
+          <a:ln w="15875">
+            <a:solidFill>
+              <a:srgbClr val="FF0000"/>
+            </a:solidFill>
+          </a:ln>
+        </p:spPr>
+        <p:style>
+          <a:lnRef idx="1">
+            <a:schemeClr val="accent1"/>
+          </a:lnRef>
+          <a:fillRef idx="0">
+            <a:schemeClr val="accent1"/>
+          </a:fillRef>
+          <a:effectRef idx="0">
+            <a:schemeClr val="accent1"/>
+          </a:effectRef>
+          <a:fontRef idx="minor">
+            <a:schemeClr val="tx1"/>
+          </a:fontRef>
+        </p:style>
+      </p:cxnSp>
+      <p:cxnSp>
+        <p:nvCxnSpPr>
+          <p:cNvPr id="139" name="Straight Connector 138">
+            <a:extLst>
+              <a:ext uri="{FF2B5EF4-FFF2-40B4-BE49-F238E27FC236}">
+                <a16:creationId xmlns:a16="http://schemas.microsoft.com/office/drawing/2014/main" id="{E8E5C94B-4F93-4DE5-A9C7-1F656960F1B3}"/>
+              </a:ext>
+            </a:extLst>
+          </p:cNvPr>
+          <p:cNvCxnSpPr/>
+          <p:nvPr/>
+        </p:nvCxnSpPr>
+        <p:spPr>
+          <a:xfrm flipH="1">
+            <a:off x="7067861" y="4046563"/>
+            <a:ext cx="127819" cy="196645"/>
+          </a:xfrm>
+          <a:prstGeom prst="line">
+            <a:avLst/>
+          </a:prstGeom>
+          <a:ln w="15875">
+            <a:solidFill>
+              <a:srgbClr val="FF0000"/>
+            </a:solidFill>
+          </a:ln>
+        </p:spPr>
+        <p:style>
+          <a:lnRef idx="1">
+            <a:schemeClr val="accent1"/>
+          </a:lnRef>
+          <a:fillRef idx="0">
+            <a:schemeClr val="accent1"/>
+          </a:fillRef>
+          <a:effectRef idx="0">
+            <a:schemeClr val="accent1"/>
+          </a:effectRef>
+          <a:fontRef idx="minor">
+            <a:schemeClr val="tx1"/>
+          </a:fontRef>
+        </p:style>
+      </p:cxnSp>
+      <p:cxnSp>
+        <p:nvCxnSpPr>
+          <p:cNvPr id="140" name="Straight Connector 139">
+            <a:extLst>
+              <a:ext uri="{FF2B5EF4-FFF2-40B4-BE49-F238E27FC236}">
+                <a16:creationId xmlns:a16="http://schemas.microsoft.com/office/drawing/2014/main" id="{4C0EFB12-57E8-4AD6-9083-2E5A83E3C098}"/>
+              </a:ext>
+            </a:extLst>
+          </p:cNvPr>
+          <p:cNvCxnSpPr/>
+          <p:nvPr/>
+        </p:nvCxnSpPr>
+        <p:spPr>
+          <a:xfrm flipH="1">
+            <a:off x="7185848" y="4046563"/>
+            <a:ext cx="127819" cy="196645"/>
+          </a:xfrm>
+          <a:prstGeom prst="line">
+            <a:avLst/>
+          </a:prstGeom>
+          <a:ln w="15875">
+            <a:solidFill>
+              <a:srgbClr val="FF0000"/>
+            </a:solidFill>
+          </a:ln>
+        </p:spPr>
+        <p:style>
+          <a:lnRef idx="1">
+            <a:schemeClr val="accent1"/>
+          </a:lnRef>
+          <a:fillRef idx="0">
+            <a:schemeClr val="accent1"/>
+          </a:fillRef>
+          <a:effectRef idx="0">
+            <a:schemeClr val="accent1"/>
+          </a:effectRef>
+          <a:fontRef idx="minor">
+            <a:schemeClr val="tx1"/>
+          </a:fontRef>
+        </p:style>
+      </p:cxnSp>
+      <mc:AlternateContent xmlns:mc="http://schemas.openxmlformats.org/markup-compatibility/2006" xmlns:a14="http://schemas.microsoft.com/office/drawing/2010/main">
+        <mc:Choice Requires="a14">
+          <p:sp>
+            <p:nvSpPr>
+              <p:cNvPr id="143" name="TextBox 142">
+                <a:extLst>
+                  <a:ext uri="{FF2B5EF4-FFF2-40B4-BE49-F238E27FC236}">
+                    <a16:creationId xmlns:a16="http://schemas.microsoft.com/office/drawing/2014/main" id="{3997133F-976D-4233-89B3-DDF839FF7A26}"/>
+                  </a:ext>
+                </a:extLst>
+              </p:cNvPr>
+              <p:cNvSpPr txBox="1"/>
+              <p:nvPr/>
+            </p:nvSpPr>
+            <p:spPr>
+              <a:xfrm>
+                <a:off x="7067861" y="4736444"/>
+                <a:ext cx="786529" cy="461665"/>
+              </a:xfrm>
+              <a:prstGeom prst="rect">
+                <a:avLst/>
+              </a:prstGeom>
+              <a:noFill/>
+            </p:spPr>
+            <p:txBody>
+              <a:bodyPr wrap="square" rtlCol="0">
+                <a:spAutoFit/>
+              </a:bodyPr>
+              <a:lstStyle/>
+              <a:p>
+                <a14:m>
+                  <m:oMath xmlns:m="http://schemas.openxmlformats.org/officeDocument/2006/math">
+                    <m:r>
+                      <a:rPr lang="en-US" sz="1200" b="0" i="1" smtClean="0">
+                        <a:latin typeface="Cambria Math" panose="02040503050406030204" pitchFamily="18" charset="0"/>
+                      </a:rPr>
+                      <m:t>𝑁</m:t>
+                    </m:r>
+                  </m:oMath>
+                </a14:m>
+                <a:r>
+                  <a:rPr lang="en-US" sz="1200" dirty="0"/>
+                  <a:t>+</a:t>
+                </a:r>
+                <a14:m>
+                  <m:oMath xmlns:m="http://schemas.openxmlformats.org/officeDocument/2006/math">
+                    <m:r>
+                      <m:rPr>
+                        <m:sty m:val="p"/>
+                      </m:rPr>
+                      <a:rPr lang="en-US" sz="1200" b="0" i="0" dirty="0" smtClean="0">
+                        <a:latin typeface="Cambria Math" panose="02040503050406030204" pitchFamily="18" charset="0"/>
+                      </a:rPr>
+                      <m:t>Δ</m:t>
+                    </m:r>
+                  </m:oMath>
+                </a14:m>
+                <a:r>
+                  <a:rPr lang="en-US" sz="1200" dirty="0"/>
+                  <a:t>-1</a:t>
+                </a:r>
+              </a:p>
+              <a:p>
+                <a:endParaRPr lang="en-US" sz="1200" dirty="0"/>
+              </a:p>
+            </p:txBody>
+          </p:sp>
+        </mc:Choice>
+        <mc:Fallback xmlns="">
+          <p:sp>
+            <p:nvSpPr>
+              <p:cNvPr id="143" name="TextBox 142">
+                <a:extLst>
+                  <a:ext uri="{FF2B5EF4-FFF2-40B4-BE49-F238E27FC236}">
+                    <a16:creationId xmlns:a16="http://schemas.microsoft.com/office/drawing/2014/main" id="{3997133F-976D-4233-89B3-DDF839FF7A26}"/>
+                  </a:ext>
+                </a:extLst>
+              </p:cNvPr>
+              <p:cNvSpPr txBox="1">
+                <a:spLocks noRot="1" noChangeAspect="1" noMove="1" noResize="1" noEditPoints="1" noAdjustHandles="1" noChangeArrowheads="1" noChangeShapeType="1" noTextEdit="1"/>
+              </p:cNvSpPr>
+              <p:nvPr/>
+            </p:nvSpPr>
+            <p:spPr>
+              <a:xfrm>
+                <a:off x="7067861" y="4736444"/>
+                <a:ext cx="786529" cy="461665"/>
+              </a:xfrm>
+              <a:prstGeom prst="rect">
+                <a:avLst/>
+              </a:prstGeom>
+              <a:blipFill>
+                <a:blip r:embed="rId25"/>
+                <a:stretch>
+                  <a:fillRect t="-1316"/>
+                </a:stretch>
+              </a:blipFill>
+            </p:spPr>
+            <p:txBody>
+              <a:bodyPr/>
+              <a:lstStyle/>
+              <a:p>
+                <a:r>
+                  <a:rPr lang="en-US">
+                    <a:noFill/>
+                  </a:rPr>
+                  <a:t> </a:t>
+                </a:r>
+              </a:p>
+            </p:txBody>
+          </p:sp>
+        </mc:Fallback>
+      </mc:AlternateContent>
+      <p:cxnSp>
+        <p:nvCxnSpPr>
+          <p:cNvPr id="144" name="Straight Arrow Connector 143">
+            <a:extLst>
+              <a:ext uri="{FF2B5EF4-FFF2-40B4-BE49-F238E27FC236}">
+                <a16:creationId xmlns:a16="http://schemas.microsoft.com/office/drawing/2014/main" id="{B99DFD34-1B95-42A0-8AE6-083A3F9271D2}"/>
+              </a:ext>
+            </a:extLst>
+          </p:cNvPr>
+          <p:cNvCxnSpPr>
+            <a:cxnSpLocks/>
+          </p:cNvCxnSpPr>
+          <p:nvPr/>
+        </p:nvCxnSpPr>
+        <p:spPr>
+          <a:xfrm>
+            <a:off x="1123381" y="3566860"/>
+            <a:ext cx="2743200" cy="0"/>
+          </a:xfrm>
+          <a:prstGeom prst="straightConnector1">
+            <a:avLst/>
+          </a:prstGeom>
+          <a:ln w="15875">
+            <a:solidFill>
+              <a:schemeClr val="tx1"/>
+            </a:solidFill>
+            <a:tailEnd type="triangle"/>
+          </a:ln>
+        </p:spPr>
+        <p:style>
+          <a:lnRef idx="1">
+            <a:schemeClr val="accent1"/>
+          </a:lnRef>
+          <a:fillRef idx="0">
+            <a:schemeClr val="accent1"/>
+          </a:fillRef>
+          <a:effectRef idx="0">
+            <a:schemeClr val="accent1"/>
+          </a:effectRef>
+          <a:fontRef idx="minor">
+            <a:schemeClr val="tx1"/>
+          </a:fontRef>
+        </p:style>
+      </p:cxnSp>
+      <mc:AlternateContent xmlns:mc="http://schemas.openxmlformats.org/markup-compatibility/2006" xmlns:a14="http://schemas.microsoft.com/office/drawing/2010/main">
+        <mc:Choice Requires="a14">
+          <p:sp>
+            <p:nvSpPr>
+              <p:cNvPr id="145" name="TextBox 144">
+                <a:extLst>
+                  <a:ext uri="{FF2B5EF4-FFF2-40B4-BE49-F238E27FC236}">
+                    <a16:creationId xmlns:a16="http://schemas.microsoft.com/office/drawing/2014/main" id="{5DB54401-C291-41E6-B504-E51931CBD5E5}"/>
+                  </a:ext>
+                </a:extLst>
+              </p:cNvPr>
+              <p:cNvSpPr txBox="1"/>
+              <p:nvPr/>
+            </p:nvSpPr>
+            <p:spPr>
+              <a:xfrm>
+                <a:off x="6216476" y="3657523"/>
+                <a:ext cx="619328" cy="276999"/>
+              </a:xfrm>
+              <a:prstGeom prst="rect">
+                <a:avLst/>
+              </a:prstGeom>
+              <a:noFill/>
+            </p:spPr>
+            <p:txBody>
+              <a:bodyPr wrap="square" rtlCol="0">
+                <a:spAutoFit/>
+              </a:bodyPr>
+              <a:lstStyle/>
+              <a:p>
+                <a:pPr/>
+                <a14:m>
+                  <m:oMathPara xmlns:m="http://schemas.openxmlformats.org/officeDocument/2006/math">
+                    <m:oMathParaPr>
+                      <m:jc m:val="centerGroup"/>
+                    </m:oMathParaPr>
+                    <m:oMath xmlns:m="http://schemas.openxmlformats.org/officeDocument/2006/math">
+                      <m:acc>
+                        <m:accPr>
+                          <m:chr m:val="̅"/>
+                          <m:ctrlPr>
+                            <a:rPr lang="en-US" sz="1200" b="0" i="1" smtClean="0">
+                              <a:latin typeface="Cambria Math" panose="02040503050406030204" pitchFamily="18" charset="0"/>
+                            </a:rPr>
+                          </m:ctrlPr>
+                        </m:accPr>
+                        <m:e>
+                          <m:r>
+                            <a:rPr lang="en-US" sz="1200" b="0" i="1" smtClean="0">
+                              <a:latin typeface="Cambria Math" panose="02040503050406030204" pitchFamily="18" charset="0"/>
+                            </a:rPr>
+                            <m:t>𝑝</m:t>
+                          </m:r>
+                        </m:e>
+                      </m:acc>
+                    </m:oMath>
+                  </m:oMathPara>
+                </a14:m>
+                <a:endParaRPr lang="en-US" sz="1200" dirty="0"/>
+              </a:p>
+            </p:txBody>
+          </p:sp>
+        </mc:Choice>
+        <mc:Fallback xmlns="">
+          <p:sp>
+            <p:nvSpPr>
+              <p:cNvPr id="145" name="TextBox 144">
+                <a:extLst>
+                  <a:ext uri="{FF2B5EF4-FFF2-40B4-BE49-F238E27FC236}">
+                    <a16:creationId xmlns:a16="http://schemas.microsoft.com/office/drawing/2014/main" id="{5DB54401-C291-41E6-B504-E51931CBD5E5}"/>
+                  </a:ext>
+                </a:extLst>
+              </p:cNvPr>
+              <p:cNvSpPr txBox="1">
+                <a:spLocks noRot="1" noChangeAspect="1" noMove="1" noResize="1" noEditPoints="1" noAdjustHandles="1" noChangeArrowheads="1" noChangeShapeType="1" noTextEdit="1"/>
+              </p:cNvSpPr>
+              <p:nvPr/>
+            </p:nvSpPr>
+            <p:spPr>
+              <a:xfrm>
+                <a:off x="6216476" y="3657523"/>
+                <a:ext cx="619328" cy="276999"/>
+              </a:xfrm>
+              <a:prstGeom prst="rect">
+                <a:avLst/>
+              </a:prstGeom>
+              <a:blipFill>
+                <a:blip r:embed="rId26"/>
+                <a:stretch>
+                  <a:fillRect/>
+                </a:stretch>
+              </a:blipFill>
+            </p:spPr>
+            <p:txBody>
+              <a:bodyPr/>
+              <a:lstStyle/>
+              <a:p>
+                <a:r>
+                  <a:rPr lang="en-US">
+                    <a:noFill/>
+                  </a:rPr>
+                  <a:t> </a:t>
+                </a:r>
+              </a:p>
+            </p:txBody>
+          </p:sp>
+        </mc:Fallback>
+      </mc:AlternateContent>
+      <p:cxnSp>
+        <p:nvCxnSpPr>
+          <p:cNvPr id="148" name="Straight Arrow Connector 147">
+            <a:extLst>
+              <a:ext uri="{FF2B5EF4-FFF2-40B4-BE49-F238E27FC236}">
+                <a16:creationId xmlns:a16="http://schemas.microsoft.com/office/drawing/2014/main" id="{8F9BEB1B-FEAA-4290-92B1-13A5F57D73F7}"/>
+              </a:ext>
+            </a:extLst>
+          </p:cNvPr>
+          <p:cNvCxnSpPr>
+            <a:cxnSpLocks/>
+          </p:cNvCxnSpPr>
+          <p:nvPr/>
+        </p:nvCxnSpPr>
+        <p:spPr>
+          <a:xfrm>
+            <a:off x="5998638" y="4739394"/>
+            <a:ext cx="2743200" cy="0"/>
+          </a:xfrm>
+          <a:prstGeom prst="straightConnector1">
+            <a:avLst/>
+          </a:prstGeom>
+          <a:ln w="15875">
+            <a:solidFill>
+              <a:schemeClr val="tx1"/>
+            </a:solidFill>
+            <a:tailEnd type="triangle"/>
+          </a:ln>
+        </p:spPr>
+        <p:style>
+          <a:lnRef idx="1">
+            <a:schemeClr val="accent1"/>
+          </a:lnRef>
+          <a:fillRef idx="0">
+            <a:schemeClr val="accent1"/>
+          </a:fillRef>
+          <a:effectRef idx="0">
+            <a:schemeClr val="accent1"/>
+          </a:effectRef>
+          <a:fontRef idx="minor">
+            <a:schemeClr val="tx1"/>
+          </a:fontRef>
+        </p:style>
+      </p:cxnSp>
+      <mc:AlternateContent xmlns:mc="http://schemas.openxmlformats.org/markup-compatibility/2006" xmlns:a14="http://schemas.microsoft.com/office/drawing/2010/main">
+        <mc:Choice Requires="a14">
+          <p:sp>
+            <p:nvSpPr>
+              <p:cNvPr id="150" name="TextBox 149">
+                <a:extLst>
+                  <a:ext uri="{FF2B5EF4-FFF2-40B4-BE49-F238E27FC236}">
+                    <a16:creationId xmlns:a16="http://schemas.microsoft.com/office/drawing/2014/main" id="{6525ED0C-BD18-4C9D-A975-895DBB628BB5}"/>
+                  </a:ext>
+                </a:extLst>
+              </p:cNvPr>
+              <p:cNvSpPr txBox="1"/>
+              <p:nvPr/>
+            </p:nvSpPr>
+            <p:spPr>
+              <a:xfrm>
+                <a:off x="8468863" y="4736444"/>
+                <a:ext cx="619328" cy="307777"/>
+              </a:xfrm>
+              <a:prstGeom prst="rect">
+                <a:avLst/>
+              </a:prstGeom>
+              <a:noFill/>
+            </p:spPr>
+            <p:txBody>
+              <a:bodyPr wrap="square" rtlCol="0">
+                <a:spAutoFit/>
+              </a:bodyPr>
+              <a:lstStyle/>
+              <a:p>
+                <a:pPr/>
+                <a14:m>
+                  <m:oMathPara xmlns:m="http://schemas.openxmlformats.org/officeDocument/2006/math">
+                    <m:oMathParaPr>
+                      <m:jc m:val="centerGroup"/>
+                    </m:oMathParaPr>
+                    <m:oMath xmlns:m="http://schemas.openxmlformats.org/officeDocument/2006/math">
+                      <m:r>
+                        <a:rPr lang="en-US" sz="1400" b="0" i="1" smtClean="0">
+                          <a:latin typeface="Cambria Math" panose="02040503050406030204" pitchFamily="18" charset="0"/>
+                        </a:rPr>
+                        <m:t>𝑛</m:t>
+                      </m:r>
+                    </m:oMath>
+                  </m:oMathPara>
+                </a14:m>
+                <a:endParaRPr lang="en-US" sz="1400" dirty="0"/>
+              </a:p>
+            </p:txBody>
+          </p:sp>
+        </mc:Choice>
+        <mc:Fallback xmlns="">
+          <p:sp>
+            <p:nvSpPr>
+              <p:cNvPr id="150" name="TextBox 149">
+                <a:extLst>
+                  <a:ext uri="{FF2B5EF4-FFF2-40B4-BE49-F238E27FC236}">
+                    <a16:creationId xmlns:a16="http://schemas.microsoft.com/office/drawing/2014/main" id="{6525ED0C-BD18-4C9D-A975-895DBB628BB5}"/>
+                  </a:ext>
+                </a:extLst>
+              </p:cNvPr>
+              <p:cNvSpPr txBox="1">
+                <a:spLocks noRot="1" noChangeAspect="1" noMove="1" noResize="1" noEditPoints="1" noAdjustHandles="1" noChangeArrowheads="1" noChangeShapeType="1" noTextEdit="1"/>
+              </p:cNvSpPr>
+              <p:nvPr/>
+            </p:nvSpPr>
+            <p:spPr>
+              <a:xfrm>
+                <a:off x="8468863" y="4736444"/>
+                <a:ext cx="619328" cy="307777"/>
+              </a:xfrm>
+              <a:prstGeom prst="rect">
+                <a:avLst/>
+              </a:prstGeom>
+              <a:blipFill>
+                <a:blip r:embed="rId27"/>
+                <a:stretch>
+                  <a:fillRect/>
+                </a:stretch>
+              </a:blipFill>
+            </p:spPr>
+            <p:txBody>
+              <a:bodyPr/>
+              <a:lstStyle/>
+              <a:p>
+                <a:r>
+                  <a:rPr lang="en-US">
+                    <a:noFill/>
+                  </a:rPr>
+                  <a:t> </a:t>
+                </a:r>
+              </a:p>
+            </p:txBody>
+          </p:sp>
+        </mc:Fallback>
+      </mc:AlternateContent>
+      <p:cxnSp>
+        <p:nvCxnSpPr>
+          <p:cNvPr id="151" name="Straight Connector 150">
+            <a:extLst>
+              <a:ext uri="{FF2B5EF4-FFF2-40B4-BE49-F238E27FC236}">
+                <a16:creationId xmlns:a16="http://schemas.microsoft.com/office/drawing/2014/main" id="{33B5D218-ECB6-4412-8023-F0716A23B5D6}"/>
+              </a:ext>
+            </a:extLst>
+          </p:cNvPr>
+          <p:cNvCxnSpPr>
+            <a:cxnSpLocks/>
+          </p:cNvCxnSpPr>
+          <p:nvPr/>
+        </p:nvCxnSpPr>
+        <p:spPr>
+          <a:xfrm>
+            <a:off x="7370250" y="4360411"/>
+            <a:ext cx="0" cy="378983"/>
+          </a:xfrm>
+          <a:prstGeom prst="line">
+            <a:avLst/>
+          </a:prstGeom>
+          <a:ln w="15875">
+            <a:solidFill>
+              <a:srgbClr val="FF0000"/>
+            </a:solidFill>
+            <a:prstDash val="sysDash"/>
+          </a:ln>
+        </p:spPr>
+        <p:style>
+          <a:lnRef idx="1">
+            <a:schemeClr val="accent1"/>
+          </a:lnRef>
+          <a:fillRef idx="0">
+            <a:schemeClr val="accent1"/>
+          </a:fillRef>
+          <a:effectRef idx="0">
+            <a:schemeClr val="accent1"/>
+          </a:effectRef>
+          <a:fontRef idx="minor">
+            <a:schemeClr val="tx1"/>
+          </a:fontRef>
+        </p:style>
+      </p:cxnSp>
+      <mc:AlternateContent xmlns:mc="http://schemas.openxmlformats.org/markup-compatibility/2006" xmlns:a14="http://schemas.microsoft.com/office/drawing/2010/main">
+        <mc:Choice Requires="a14">
+          <p:sp>
+            <p:nvSpPr>
+              <p:cNvPr id="153" name="TextBox 152">
+                <a:extLst>
+                  <a:ext uri="{FF2B5EF4-FFF2-40B4-BE49-F238E27FC236}">
+                    <a16:creationId xmlns:a16="http://schemas.microsoft.com/office/drawing/2014/main" id="{93054325-BAD9-484F-9BAE-493B8789FA6B}"/>
+                  </a:ext>
+                </a:extLst>
+              </p:cNvPr>
+              <p:cNvSpPr txBox="1"/>
+              <p:nvPr/>
+            </p:nvSpPr>
+            <p:spPr>
+              <a:xfrm>
+                <a:off x="6148858" y="4737909"/>
+                <a:ext cx="619328" cy="276999"/>
+              </a:xfrm>
+              <a:prstGeom prst="rect">
+                <a:avLst/>
+              </a:prstGeom>
+              <a:noFill/>
+            </p:spPr>
+            <p:txBody>
+              <a:bodyPr wrap="square" rtlCol="0">
+                <a:spAutoFit/>
+              </a:bodyPr>
+              <a:lstStyle/>
+              <a:p>
+                <a:pPr/>
+                <a14:m>
+                  <m:oMathPara xmlns:m="http://schemas.openxmlformats.org/officeDocument/2006/math">
+                    <m:oMathParaPr>
+                      <m:jc m:val="centerGroup"/>
+                    </m:oMathParaPr>
+                    <m:oMath xmlns:m="http://schemas.openxmlformats.org/officeDocument/2006/math">
+                      <m:r>
+                        <a:rPr lang="en-US" sz="1200" b="0" i="1" smtClean="0">
+                          <a:latin typeface="Cambria Math" panose="02040503050406030204" pitchFamily="18" charset="0"/>
+                        </a:rPr>
+                        <m:t>0</m:t>
+                      </m:r>
+                    </m:oMath>
+                  </m:oMathPara>
+                </a14:m>
+                <a:endParaRPr lang="en-US" sz="1200" dirty="0"/>
+              </a:p>
+            </p:txBody>
+          </p:sp>
+        </mc:Choice>
+        <mc:Fallback xmlns="">
+          <p:sp>
+            <p:nvSpPr>
+              <p:cNvPr id="153" name="TextBox 152">
+                <a:extLst>
+                  <a:ext uri="{FF2B5EF4-FFF2-40B4-BE49-F238E27FC236}">
+                    <a16:creationId xmlns:a16="http://schemas.microsoft.com/office/drawing/2014/main" id="{93054325-BAD9-484F-9BAE-493B8789FA6B}"/>
+                  </a:ext>
+                </a:extLst>
+              </p:cNvPr>
+              <p:cNvSpPr txBox="1">
+                <a:spLocks noRot="1" noChangeAspect="1" noMove="1" noResize="1" noEditPoints="1" noAdjustHandles="1" noChangeArrowheads="1" noChangeShapeType="1" noTextEdit="1"/>
+              </p:cNvSpPr>
+              <p:nvPr/>
+            </p:nvSpPr>
+            <p:spPr>
+              <a:xfrm>
+                <a:off x="6148858" y="4737909"/>
+                <a:ext cx="619328" cy="276999"/>
+              </a:xfrm>
+              <a:prstGeom prst="rect">
+                <a:avLst/>
+              </a:prstGeom>
+              <a:blipFill>
+                <a:blip r:embed="rId28"/>
+                <a:stretch>
+                  <a:fillRect/>
+                </a:stretch>
+              </a:blipFill>
+            </p:spPr>
+            <p:txBody>
+              <a:bodyPr/>
+              <a:lstStyle/>
+              <a:p>
+                <a:r>
+                  <a:rPr lang="en-US">
+                    <a:noFill/>
+                  </a:rPr>
+                  <a:t> </a:t>
+                </a:r>
+              </a:p>
+            </p:txBody>
+          </p:sp>
+        </mc:Fallback>
+      </mc:AlternateContent>
+      <mc:AlternateContent xmlns:mc="http://schemas.openxmlformats.org/markup-compatibility/2006" xmlns:a14="http://schemas.microsoft.com/office/drawing/2010/main">
+        <mc:Choice Requires="a14">
+          <p:sp>
+            <p:nvSpPr>
+              <p:cNvPr id="154" name="TextBox 153">
+                <a:extLst>
+                  <a:ext uri="{FF2B5EF4-FFF2-40B4-BE49-F238E27FC236}">
+                    <a16:creationId xmlns:a16="http://schemas.microsoft.com/office/drawing/2014/main" id="{319B782B-B61E-4A07-86A9-E1AD853C1216}"/>
+                  </a:ext>
+                </a:extLst>
+              </p:cNvPr>
+              <p:cNvSpPr txBox="1"/>
+              <p:nvPr/>
+            </p:nvSpPr>
+            <p:spPr>
+              <a:xfrm>
+                <a:off x="8111495" y="4737909"/>
+                <a:ext cx="471731" cy="276999"/>
+              </a:xfrm>
+              <a:prstGeom prst="rect">
+                <a:avLst/>
+              </a:prstGeom>
+              <a:noFill/>
+            </p:spPr>
+            <p:txBody>
+              <a:bodyPr wrap="square" rtlCol="0">
+                <a:spAutoFit/>
+              </a:bodyPr>
+              <a:lstStyle/>
+              <a:p>
+                <a14:m>
+                  <m:oMath xmlns:m="http://schemas.openxmlformats.org/officeDocument/2006/math">
+                    <m:r>
+                      <a:rPr lang="en-US" sz="1200" b="0" i="1" smtClean="0">
+                        <a:latin typeface="Cambria Math" panose="02040503050406030204" pitchFamily="18" charset="0"/>
+                      </a:rPr>
+                      <m:t>𝑁</m:t>
+                    </m:r>
+                  </m:oMath>
+                </a14:m>
+                <a:r>
+                  <a:rPr lang="en-US" sz="1200" dirty="0"/>
+                  <a:t>-1</a:t>
+                </a:r>
+              </a:p>
+            </p:txBody>
+          </p:sp>
+        </mc:Choice>
+        <mc:Fallback xmlns="">
+          <p:sp>
+            <p:nvSpPr>
+              <p:cNvPr id="154" name="TextBox 153">
+                <a:extLst>
+                  <a:ext uri="{FF2B5EF4-FFF2-40B4-BE49-F238E27FC236}">
+                    <a16:creationId xmlns:a16="http://schemas.microsoft.com/office/drawing/2014/main" id="{319B782B-B61E-4A07-86A9-E1AD853C1216}"/>
+                  </a:ext>
+                </a:extLst>
+              </p:cNvPr>
+              <p:cNvSpPr txBox="1">
+                <a:spLocks noRot="1" noChangeAspect="1" noMove="1" noResize="1" noEditPoints="1" noAdjustHandles="1" noChangeArrowheads="1" noChangeShapeType="1" noTextEdit="1"/>
+              </p:cNvSpPr>
+              <p:nvPr/>
+            </p:nvSpPr>
+            <p:spPr>
+              <a:xfrm>
+                <a:off x="8111495" y="4737909"/>
+                <a:ext cx="471731" cy="276999"/>
+              </a:xfrm>
+              <a:prstGeom prst="rect">
+                <a:avLst/>
+              </a:prstGeom>
+              <a:blipFill>
+                <a:blip r:embed="rId29"/>
+                <a:stretch>
+                  <a:fillRect b="-15217"/>
+                </a:stretch>
+              </a:blipFill>
+            </p:spPr>
+            <p:txBody>
+              <a:bodyPr/>
+              <a:lstStyle/>
+              <a:p>
+                <a:r>
+                  <a:rPr lang="en-US">
+                    <a:noFill/>
+                  </a:rPr>
+                  <a:t> </a:t>
+                </a:r>
+              </a:p>
+            </p:txBody>
+          </p:sp>
+        </mc:Fallback>
+      </mc:AlternateContent>
+    </p:spTree>
+    <p:extLst>
+      <p:ext uri="{BB962C8B-B14F-4D97-AF65-F5344CB8AC3E}">
+        <p14:creationId xmlns:p14="http://schemas.microsoft.com/office/powerpoint/2010/main" val="3019784827"/>
       </p:ext>
     </p:extLst>
   </p:cSld>

--- a/main_matlab_figures/New Microsoft PowerPoint Presentation (4).pptx
+++ b/main_matlab_figures/New Microsoft PowerPoint Presentation (4).pptx
@@ -260,7 +260,7 @@
           <a:p>
             <a:fld id="{D665B2A5-0536-4469-8519-ACEA26E5B44D}" type="datetimeFigureOut">
               <a:rPr lang="en-US" smtClean="0"/>
-              <a:t>3/24/2022</a:t>
+              <a:t>3/25/2022</a:t>
             </a:fld>
             <a:endParaRPr lang="en-US"/>
           </a:p>
@@ -458,7 +458,7 @@
           <a:p>
             <a:fld id="{D665B2A5-0536-4469-8519-ACEA26E5B44D}" type="datetimeFigureOut">
               <a:rPr lang="en-US" smtClean="0"/>
-              <a:t>3/24/2022</a:t>
+              <a:t>3/25/2022</a:t>
             </a:fld>
             <a:endParaRPr lang="en-US"/>
           </a:p>
@@ -666,7 +666,7 @@
           <a:p>
             <a:fld id="{D665B2A5-0536-4469-8519-ACEA26E5B44D}" type="datetimeFigureOut">
               <a:rPr lang="en-US" smtClean="0"/>
-              <a:t>3/24/2022</a:t>
+              <a:t>3/25/2022</a:t>
             </a:fld>
             <a:endParaRPr lang="en-US"/>
           </a:p>
@@ -864,7 +864,7 @@
           <a:p>
             <a:fld id="{D665B2A5-0536-4469-8519-ACEA26E5B44D}" type="datetimeFigureOut">
               <a:rPr lang="en-US" smtClean="0"/>
-              <a:t>3/24/2022</a:t>
+              <a:t>3/25/2022</a:t>
             </a:fld>
             <a:endParaRPr lang="en-US"/>
           </a:p>
@@ -1139,7 +1139,7 @@
           <a:p>
             <a:fld id="{D665B2A5-0536-4469-8519-ACEA26E5B44D}" type="datetimeFigureOut">
               <a:rPr lang="en-US" smtClean="0"/>
-              <a:t>3/24/2022</a:t>
+              <a:t>3/25/2022</a:t>
             </a:fld>
             <a:endParaRPr lang="en-US"/>
           </a:p>
@@ -1404,7 +1404,7 @@
           <a:p>
             <a:fld id="{D665B2A5-0536-4469-8519-ACEA26E5B44D}" type="datetimeFigureOut">
               <a:rPr lang="en-US" smtClean="0"/>
-              <a:t>3/24/2022</a:t>
+              <a:t>3/25/2022</a:t>
             </a:fld>
             <a:endParaRPr lang="en-US"/>
           </a:p>
@@ -1816,7 +1816,7 @@
           <a:p>
             <a:fld id="{D665B2A5-0536-4469-8519-ACEA26E5B44D}" type="datetimeFigureOut">
               <a:rPr lang="en-US" smtClean="0"/>
-              <a:t>3/24/2022</a:t>
+              <a:t>3/25/2022</a:t>
             </a:fld>
             <a:endParaRPr lang="en-US"/>
           </a:p>
@@ -1957,7 +1957,7 @@
           <a:p>
             <a:fld id="{D665B2A5-0536-4469-8519-ACEA26E5B44D}" type="datetimeFigureOut">
               <a:rPr lang="en-US" smtClean="0"/>
-              <a:t>3/24/2022</a:t>
+              <a:t>3/25/2022</a:t>
             </a:fld>
             <a:endParaRPr lang="en-US"/>
           </a:p>
@@ -2070,7 +2070,7 @@
           <a:p>
             <a:fld id="{D665B2A5-0536-4469-8519-ACEA26E5B44D}" type="datetimeFigureOut">
               <a:rPr lang="en-US" smtClean="0"/>
-              <a:t>3/24/2022</a:t>
+              <a:t>3/25/2022</a:t>
             </a:fld>
             <a:endParaRPr lang="en-US"/>
           </a:p>
@@ -2381,7 +2381,7 @@
           <a:p>
             <a:fld id="{D665B2A5-0536-4469-8519-ACEA26E5B44D}" type="datetimeFigureOut">
               <a:rPr lang="en-US" smtClean="0"/>
-              <a:t>3/24/2022</a:t>
+              <a:t>3/25/2022</a:t>
             </a:fld>
             <a:endParaRPr lang="en-US"/>
           </a:p>
@@ -2669,7 +2669,7 @@
           <a:p>
             <a:fld id="{D665B2A5-0536-4469-8519-ACEA26E5B44D}" type="datetimeFigureOut">
               <a:rPr lang="en-US" smtClean="0"/>
-              <a:t>3/24/2022</a:t>
+              <a:t>3/25/2022</a:t>
             </a:fld>
             <a:endParaRPr lang="en-US"/>
           </a:p>
@@ -2910,7 +2910,7 @@
           <a:p>
             <a:fld id="{D665B2A5-0536-4469-8519-ACEA26E5B44D}" type="datetimeFigureOut">
               <a:rPr lang="en-US" smtClean="0"/>
-              <a:t>3/24/2022</a:t>
+              <a:t>3/25/2022</a:t>
             </a:fld>
             <a:endParaRPr lang="en-US"/>
           </a:p>
@@ -8968,7 +8968,7 @@
         <p:spPr>
           <a:xfrm>
             <a:off x="5976814" y="2876487"/>
-            <a:ext cx="2743200" cy="0"/>
+            <a:ext cx="2921380" cy="0"/>
           </a:xfrm>
           <a:prstGeom prst="straightConnector1">
             <a:avLst/>
@@ -9091,8 +9091,8 @@
           </p:sp>
         </mc:Fallback>
       </mc:AlternateContent>
-      <mc:AlternateContent xmlns:mc="http://schemas.openxmlformats.org/markup-compatibility/2006" xmlns:a14="http://schemas.microsoft.com/office/drawing/2010/main">
-        <mc:Choice Requires="a14">
+      <mc:AlternateContent xmlns:mc="http://schemas.openxmlformats.org/markup-compatibility/2006">
+        <mc:Choice xmlns:a14="http://schemas.microsoft.com/office/drawing/2010/main" Requires="a14">
           <p:sp>
             <p:nvSpPr>
               <p:cNvPr id="62" name="TextBox 61">
@@ -9107,7 +9107,7 @@
             </p:nvSpPr>
             <p:spPr>
               <a:xfrm>
-                <a:off x="8405229" y="2582709"/>
+                <a:off x="8638543" y="2623107"/>
                 <a:ext cx="619328" cy="307777"/>
               </a:xfrm>
               <a:prstGeom prst="rect">
@@ -9142,7 +9142,7 @@
             </p:txBody>
           </p:sp>
         </mc:Choice>
-        <mc:Fallback xmlns="">
+        <mc:Fallback>
           <p:sp>
             <p:nvSpPr>
               <p:cNvPr id="62" name="TextBox 61">
@@ -9159,7 +9159,7 @@
             </p:nvSpPr>
             <p:spPr>
               <a:xfrm>
-                <a:off x="8405229" y="2582709"/>
+                <a:off x="8638543" y="2623107"/>
                 <a:ext cx="619328" cy="307777"/>
               </a:xfrm>
               <a:prstGeom prst="rect">
@@ -9230,8 +9230,8 @@
           </a:fontRef>
         </p:style>
       </p:cxnSp>
-      <mc:AlternateContent xmlns:mc="http://schemas.openxmlformats.org/markup-compatibility/2006" xmlns:a14="http://schemas.microsoft.com/office/drawing/2010/main">
-        <mc:Choice Requires="a14">
+      <mc:AlternateContent xmlns:mc="http://schemas.openxmlformats.org/markup-compatibility/2006">
+        <mc:Choice xmlns:a14="http://schemas.microsoft.com/office/drawing/2010/main" Requires="a14">
           <p:sp>
             <p:nvSpPr>
               <p:cNvPr id="67" name="TextBox 66">
@@ -9246,7 +9246,7 @@
             </p:nvSpPr>
             <p:spPr>
               <a:xfrm>
-                <a:off x="6219739" y="4319079"/>
+                <a:off x="5158045" y="4319079"/>
                 <a:ext cx="619328" cy="276999"/>
               </a:xfrm>
               <a:prstGeom prst="rect">
@@ -9293,7 +9293,7 @@
             </p:txBody>
           </p:sp>
         </mc:Choice>
-        <mc:Fallback xmlns="">
+        <mc:Fallback>
           <p:sp>
             <p:nvSpPr>
               <p:cNvPr id="67" name="TextBox 66">
@@ -9310,7 +9310,7 @@
             </p:nvSpPr>
             <p:spPr>
               <a:xfrm>
-                <a:off x="6219739" y="4319079"/>
+                <a:off x="5158045" y="4319079"/>
                 <a:ext cx="619328" cy="276999"/>
               </a:xfrm>
               <a:prstGeom prst="rect">
@@ -9338,127 +9338,8 @@
           </p:sp>
         </mc:Fallback>
       </mc:AlternateContent>
-      <mc:AlternateContent xmlns:mc="http://schemas.openxmlformats.org/markup-compatibility/2006" xmlns:a14="http://schemas.microsoft.com/office/drawing/2010/main">
-        <mc:Choice Requires="a14">
-          <p:sp>
-            <p:nvSpPr>
-              <p:cNvPr id="68" name="TextBox 67">
-                <a:extLst>
-                  <a:ext uri="{FF2B5EF4-FFF2-40B4-BE49-F238E27FC236}">
-                    <a16:creationId xmlns:a16="http://schemas.microsoft.com/office/drawing/2014/main" id="{22C2FCE2-3FCD-42C7-B362-73965A504937}"/>
-                  </a:ext>
-                </a:extLst>
-              </p:cNvPr>
-              <p:cNvSpPr txBox="1"/>
-              <p:nvPr/>
-            </p:nvSpPr>
-            <p:spPr>
-              <a:xfrm>
-                <a:off x="8295121" y="3690670"/>
-                <a:ext cx="786529" cy="276999"/>
-              </a:xfrm>
-              <a:prstGeom prst="rect">
-                <a:avLst/>
-              </a:prstGeom>
-              <a:noFill/>
-            </p:spPr>
-            <p:txBody>
-              <a:bodyPr wrap="square" rtlCol="0">
-                <a:spAutoFit/>
-              </a:bodyPr>
-              <a:lstStyle/>
-              <a:p>
-                <a14:m>
-                  <m:oMath xmlns:m="http://schemas.openxmlformats.org/officeDocument/2006/math">
-                    <m:acc>
-                      <m:accPr>
-                        <m:chr m:val="̅"/>
-                        <m:ctrlPr>
-                          <a:rPr lang="en-US" sz="1200" b="0" i="1" smtClean="0">
-                            <a:latin typeface="Cambria Math" panose="02040503050406030204" pitchFamily="18" charset="0"/>
-                          </a:rPr>
-                        </m:ctrlPr>
-                      </m:accPr>
-                      <m:e>
-                        <m:r>
-                          <a:rPr lang="en-US" sz="1200" b="0" i="1" smtClean="0">
-                            <a:latin typeface="Cambria Math" panose="02040503050406030204" pitchFamily="18" charset="0"/>
-                          </a:rPr>
-                          <m:t>𝑝</m:t>
-                        </m:r>
-                      </m:e>
-                    </m:acc>
-                  </m:oMath>
-                </a14:m>
-                <a:r>
-                  <a:rPr lang="en-US" sz="1200" dirty="0"/>
-                  <a:t>+</a:t>
-                </a:r>
-                <a14:m>
-                  <m:oMath xmlns:m="http://schemas.openxmlformats.org/officeDocument/2006/math">
-                    <m:r>
-                      <a:rPr lang="en-US" sz="1200" b="0" i="1" smtClean="0">
-                        <a:latin typeface="Cambria Math" panose="02040503050406030204" pitchFamily="18" charset="0"/>
-                      </a:rPr>
-                      <m:t>𝑁</m:t>
-                    </m:r>
-                  </m:oMath>
-                </a14:m>
-                <a:r>
-                  <a:rPr lang="en-US" sz="1200" dirty="0"/>
-                  <a:t>-1</a:t>
-                </a:r>
-              </a:p>
-            </p:txBody>
-          </p:sp>
-        </mc:Choice>
-        <mc:Fallback xmlns="">
-          <p:sp>
-            <p:nvSpPr>
-              <p:cNvPr id="68" name="TextBox 67">
-                <a:extLst>
-                  <a:ext uri="{FF2B5EF4-FFF2-40B4-BE49-F238E27FC236}">
-                    <a16:creationId xmlns:a16="http://schemas.microsoft.com/office/drawing/2014/main" id="{22C2FCE2-3FCD-42C7-B362-73965A504937}"/>
-                  </a:ext>
-                </a:extLst>
-              </p:cNvPr>
-              <p:cNvSpPr txBox="1">
-                <a:spLocks noRot="1" noChangeAspect="1" noMove="1" noResize="1" noEditPoints="1" noAdjustHandles="1" noChangeArrowheads="1" noChangeShapeType="1" noTextEdit="1"/>
-              </p:cNvSpPr>
-              <p:nvPr/>
-            </p:nvSpPr>
-            <p:spPr>
-              <a:xfrm>
-                <a:off x="8295121" y="3690670"/>
-                <a:ext cx="786529" cy="276999"/>
-              </a:xfrm>
-              <a:prstGeom prst="rect">
-                <a:avLst/>
-              </a:prstGeom>
-              <a:blipFill>
-                <a:blip r:embed="rId18"/>
-                <a:stretch>
-                  <a:fillRect b="-15217"/>
-                </a:stretch>
-              </a:blipFill>
-            </p:spPr>
-            <p:txBody>
-              <a:bodyPr/>
-              <a:lstStyle/>
-              <a:p>
-                <a:r>
-                  <a:rPr lang="en-US">
-                    <a:noFill/>
-                  </a:rPr>
-                  <a:t> </a:t>
-                </a:r>
-              </a:p>
-            </p:txBody>
-          </p:sp>
-        </mc:Fallback>
-      </mc:AlternateContent>
-      <mc:AlternateContent xmlns:mc="http://schemas.openxmlformats.org/markup-compatibility/2006" xmlns:a14="http://schemas.microsoft.com/office/drawing/2010/main">
-        <mc:Choice Requires="a14">
+      <mc:AlternateContent xmlns:mc="http://schemas.openxmlformats.org/markup-compatibility/2006">
+        <mc:Choice xmlns:a14="http://schemas.microsoft.com/office/drawing/2010/main" Requires="a14">
           <p:sp>
             <p:nvSpPr>
               <p:cNvPr id="69" name="TextBox 68">
@@ -9473,7 +9354,7 @@
             </p:nvSpPr>
             <p:spPr>
               <a:xfrm>
-                <a:off x="6144219" y="2619793"/>
+                <a:off x="6249976" y="2616643"/>
                 <a:ext cx="619328" cy="276999"/>
               </a:xfrm>
               <a:prstGeom prst="rect">
@@ -9508,7 +9389,7 @@
             </p:txBody>
           </p:sp>
         </mc:Choice>
-        <mc:Fallback xmlns="">
+        <mc:Fallback>
           <p:sp>
             <p:nvSpPr>
               <p:cNvPr id="69" name="TextBox 68">
@@ -9525,14 +9406,14 @@
             </p:nvSpPr>
             <p:spPr>
               <a:xfrm>
-                <a:off x="6144219" y="2619793"/>
+                <a:off x="6249976" y="2616643"/>
                 <a:ext cx="619328" cy="276999"/>
               </a:xfrm>
               <a:prstGeom prst="rect">
                 <a:avLst/>
               </a:prstGeom>
               <a:blipFill>
-                <a:blip r:embed="rId19"/>
+                <a:blip r:embed="rId18"/>
                 <a:stretch>
                   <a:fillRect/>
                 </a:stretch>
@@ -9553,8 +9434,8 @@
           </p:sp>
         </mc:Fallback>
       </mc:AlternateContent>
-      <mc:AlternateContent xmlns:mc="http://schemas.openxmlformats.org/markup-compatibility/2006" xmlns:a14="http://schemas.microsoft.com/office/drawing/2010/main">
-        <mc:Choice Requires="a14">
+      <mc:AlternateContent xmlns:mc="http://schemas.openxmlformats.org/markup-compatibility/2006">
+        <mc:Choice xmlns:a14="http://schemas.microsoft.com/office/drawing/2010/main" Requires="a14">
           <p:sp>
             <p:nvSpPr>
               <p:cNvPr id="71" name="TextBox 70">
@@ -9569,7 +9450,7 @@
             </p:nvSpPr>
             <p:spPr>
               <a:xfrm>
-                <a:off x="8120287" y="2619794"/>
+                <a:off x="8319769" y="2616046"/>
                 <a:ext cx="471731" cy="276999"/>
               </a:xfrm>
               <a:prstGeom prst="rect">
@@ -9601,7 +9482,7 @@
             </p:txBody>
           </p:sp>
         </mc:Choice>
-        <mc:Fallback xmlns="">
+        <mc:Fallback>
           <p:sp>
             <p:nvSpPr>
               <p:cNvPr id="71" name="TextBox 70">
@@ -9618,16 +9499,16 @@
             </p:nvSpPr>
             <p:spPr>
               <a:xfrm>
-                <a:off x="8120287" y="2619794"/>
+                <a:off x="8319769" y="2616046"/>
                 <a:ext cx="471731" cy="276999"/>
               </a:xfrm>
               <a:prstGeom prst="rect">
                 <a:avLst/>
               </a:prstGeom>
               <a:blipFill>
-                <a:blip r:embed="rId20"/>
+                <a:blip r:embed="rId19"/>
                 <a:stretch>
-                  <a:fillRect t="-2222" b="-17778"/>
+                  <a:fillRect b="-15217"/>
                 </a:stretch>
               </a:blipFill>
             </p:spPr>
@@ -9881,125 +9762,6 @@
           </a:fontRef>
         </p:style>
       </p:cxnSp>
-      <mc:AlternateContent xmlns:mc="http://schemas.openxmlformats.org/markup-compatibility/2006" xmlns:a14="http://schemas.microsoft.com/office/drawing/2010/main">
-        <mc:Choice Requires="a14">
-          <p:sp>
-            <p:nvSpPr>
-              <p:cNvPr id="79" name="TextBox 78">
-                <a:extLst>
-                  <a:ext uri="{FF2B5EF4-FFF2-40B4-BE49-F238E27FC236}">
-                    <a16:creationId xmlns:a16="http://schemas.microsoft.com/office/drawing/2014/main" id="{9F3DE0F2-8E23-462E-892F-26DB78FB1F63}"/>
-                  </a:ext>
-                </a:extLst>
-              </p:cNvPr>
-              <p:cNvSpPr txBox="1"/>
-              <p:nvPr/>
-            </p:nvSpPr>
-            <p:spPr>
-              <a:xfrm>
-                <a:off x="7391593" y="3698316"/>
-                <a:ext cx="786529" cy="276999"/>
-              </a:xfrm>
-              <a:prstGeom prst="rect">
-                <a:avLst/>
-              </a:prstGeom>
-              <a:noFill/>
-            </p:spPr>
-            <p:txBody>
-              <a:bodyPr wrap="square" rtlCol="0">
-                <a:spAutoFit/>
-              </a:bodyPr>
-              <a:lstStyle/>
-              <a:p>
-                <a14:m>
-                  <m:oMath xmlns:m="http://schemas.openxmlformats.org/officeDocument/2006/math">
-                    <m:acc>
-                      <m:accPr>
-                        <m:chr m:val="̅"/>
-                        <m:ctrlPr>
-                          <a:rPr lang="en-US" sz="1200" b="0" i="1" smtClean="0">
-                            <a:latin typeface="Cambria Math" panose="02040503050406030204" pitchFamily="18" charset="0"/>
-                          </a:rPr>
-                        </m:ctrlPr>
-                      </m:accPr>
-                      <m:e>
-                        <m:r>
-                          <a:rPr lang="en-US" sz="1200" b="0" i="1" smtClean="0">
-                            <a:latin typeface="Cambria Math" panose="02040503050406030204" pitchFamily="18" charset="0"/>
-                          </a:rPr>
-                          <m:t>𝑝</m:t>
-                        </m:r>
-                      </m:e>
-                    </m:acc>
-                  </m:oMath>
-                </a14:m>
-                <a:r>
-                  <a:rPr lang="en-US" sz="1200" dirty="0"/>
-                  <a:t>+</a:t>
-                </a:r>
-                <a14:m>
-                  <m:oMath xmlns:m="http://schemas.openxmlformats.org/officeDocument/2006/math">
-                    <m:r>
-                      <m:rPr>
-                        <m:sty m:val="p"/>
-                      </m:rPr>
-                      <a:rPr lang="en-US" sz="1200" b="0" i="0" smtClean="0">
-                        <a:latin typeface="Cambria Math" panose="02040503050406030204" pitchFamily="18" charset="0"/>
-                      </a:rPr>
-                      <m:t>Δ</m:t>
-                    </m:r>
-                  </m:oMath>
-                </a14:m>
-                <a:endParaRPr lang="en-US" sz="1200" dirty="0"/>
-              </a:p>
-            </p:txBody>
-          </p:sp>
-        </mc:Choice>
-        <mc:Fallback xmlns="">
-          <p:sp>
-            <p:nvSpPr>
-              <p:cNvPr id="79" name="TextBox 78">
-                <a:extLst>
-                  <a:ext uri="{FF2B5EF4-FFF2-40B4-BE49-F238E27FC236}">
-                    <a16:creationId xmlns:a16="http://schemas.microsoft.com/office/drawing/2014/main" id="{9F3DE0F2-8E23-462E-892F-26DB78FB1F63}"/>
-                  </a:ext>
-                </a:extLst>
-              </p:cNvPr>
-              <p:cNvSpPr txBox="1">
-                <a:spLocks noRot="1" noChangeAspect="1" noMove="1" noResize="1" noEditPoints="1" noAdjustHandles="1" noChangeArrowheads="1" noChangeShapeType="1" noTextEdit="1"/>
-              </p:cNvSpPr>
-              <p:nvPr/>
-            </p:nvSpPr>
-            <p:spPr>
-              <a:xfrm>
-                <a:off x="7391593" y="3698316"/>
-                <a:ext cx="786529" cy="276999"/>
-              </a:xfrm>
-              <a:prstGeom prst="rect">
-                <a:avLst/>
-              </a:prstGeom>
-              <a:blipFill>
-                <a:blip r:embed="rId21"/>
-                <a:stretch>
-                  <a:fillRect t="-2222" b="-17778"/>
-                </a:stretch>
-              </a:blipFill>
-            </p:spPr>
-            <p:txBody>
-              <a:bodyPr/>
-              <a:lstStyle/>
-              <a:p>
-                <a:r>
-                  <a:rPr lang="en-US">
-                    <a:noFill/>
-                  </a:rPr>
-                  <a:t> </a:t>
-                </a:r>
-              </a:p>
-            </p:txBody>
-          </p:sp>
-        </mc:Fallback>
-      </mc:AlternateContent>
       <p:cxnSp>
         <p:nvCxnSpPr>
           <p:cNvPr id="80" name="Straight Connector 79">
@@ -10295,261 +10057,6 @@
           </a:fontRef>
         </p:style>
       </p:cxnSp>
-      <mc:AlternateContent xmlns:mc="http://schemas.openxmlformats.org/markup-compatibility/2006" xmlns:a14="http://schemas.microsoft.com/office/drawing/2010/main">
-        <mc:Choice Requires="a14">
-          <p:sp>
-            <p:nvSpPr>
-              <p:cNvPr id="89" name="TextBox 88">
-                <a:extLst>
-                  <a:ext uri="{FF2B5EF4-FFF2-40B4-BE49-F238E27FC236}">
-                    <a16:creationId xmlns:a16="http://schemas.microsoft.com/office/drawing/2014/main" id="{CA871DC7-53DF-4F70-B6C6-0985C46C07D6}"/>
-                  </a:ext>
-                </a:extLst>
-              </p:cNvPr>
-              <p:cNvSpPr txBox="1"/>
-              <p:nvPr/>
-            </p:nvSpPr>
-            <p:spPr>
-              <a:xfrm>
-                <a:off x="7318736" y="4328732"/>
-                <a:ext cx="868024" cy="276999"/>
-              </a:xfrm>
-              <a:prstGeom prst="rect">
-                <a:avLst/>
-              </a:prstGeom>
-              <a:noFill/>
-            </p:spPr>
-            <p:txBody>
-              <a:bodyPr wrap="square" rtlCol="0">
-                <a:spAutoFit/>
-              </a:bodyPr>
-              <a:lstStyle/>
-              <a:p>
-                <a14:m>
-                  <m:oMath xmlns:m="http://schemas.openxmlformats.org/officeDocument/2006/math">
-                    <m:acc>
-                      <m:accPr>
-                        <m:chr m:val="̅"/>
-                        <m:ctrlPr>
-                          <a:rPr lang="en-US" sz="1200" b="0" i="1" smtClean="0">
-                            <a:latin typeface="Cambria Math" panose="02040503050406030204" pitchFamily="18" charset="0"/>
-                          </a:rPr>
-                        </m:ctrlPr>
-                      </m:accPr>
-                      <m:e>
-                        <m:r>
-                          <a:rPr lang="en-US" sz="1200" b="0" i="1" smtClean="0">
-                            <a:latin typeface="Cambria Math" panose="02040503050406030204" pitchFamily="18" charset="0"/>
-                          </a:rPr>
-                          <m:t>𝑝</m:t>
-                        </m:r>
-                      </m:e>
-                    </m:acc>
-                  </m:oMath>
-                </a14:m>
-                <a:r>
-                  <a:rPr lang="en-US" sz="1200" dirty="0"/>
-                  <a:t>+</a:t>
-                </a:r>
-                <a14:m>
-                  <m:oMath xmlns:m="http://schemas.openxmlformats.org/officeDocument/2006/math">
-                    <m:r>
-                      <m:rPr>
-                        <m:sty m:val="p"/>
-                      </m:rPr>
-                      <a:rPr lang="en-US" sz="1200" b="0" i="0" smtClean="0">
-                        <a:latin typeface="Cambria Math" panose="02040503050406030204" pitchFamily="18" charset="0"/>
-                      </a:rPr>
-                      <m:t>Δ</m:t>
-                    </m:r>
-                  </m:oMath>
-                </a14:m>
-                <a:r>
-                  <a:rPr lang="en-US" sz="1200" dirty="0"/>
-                  <a:t>+</a:t>
-                </a:r>
-                <a14:m>
-                  <m:oMath xmlns:m="http://schemas.openxmlformats.org/officeDocument/2006/math">
-                    <m:r>
-                      <a:rPr lang="en-US" sz="1200" b="0" i="1" smtClean="0">
-                        <a:latin typeface="Cambria Math" panose="02040503050406030204" pitchFamily="18" charset="0"/>
-                      </a:rPr>
-                      <m:t>𝑁</m:t>
-                    </m:r>
-                  </m:oMath>
-                </a14:m>
-                <a:r>
-                  <a:rPr lang="en-US" sz="1200" dirty="0"/>
-                  <a:t>-1</a:t>
-                </a:r>
-              </a:p>
-            </p:txBody>
-          </p:sp>
-        </mc:Choice>
-        <mc:Fallback xmlns="">
-          <p:sp>
-            <p:nvSpPr>
-              <p:cNvPr id="89" name="TextBox 88">
-                <a:extLst>
-                  <a:ext uri="{FF2B5EF4-FFF2-40B4-BE49-F238E27FC236}">
-                    <a16:creationId xmlns:a16="http://schemas.microsoft.com/office/drawing/2014/main" id="{CA871DC7-53DF-4F70-B6C6-0985C46C07D6}"/>
-                  </a:ext>
-                </a:extLst>
-              </p:cNvPr>
-              <p:cNvSpPr txBox="1">
-                <a:spLocks noRot="1" noChangeAspect="1" noMove="1" noResize="1" noEditPoints="1" noAdjustHandles="1" noChangeArrowheads="1" noChangeShapeType="1" noTextEdit="1"/>
-              </p:cNvSpPr>
-              <p:nvPr/>
-            </p:nvSpPr>
-            <p:spPr>
-              <a:xfrm>
-                <a:off x="7318736" y="4328732"/>
-                <a:ext cx="868024" cy="276999"/>
-              </a:xfrm>
-              <a:prstGeom prst="rect">
-                <a:avLst/>
-              </a:prstGeom>
-              <a:blipFill>
-                <a:blip r:embed="rId23"/>
-                <a:stretch>
-                  <a:fillRect b="-15217"/>
-                </a:stretch>
-              </a:blipFill>
-            </p:spPr>
-            <p:txBody>
-              <a:bodyPr/>
-              <a:lstStyle/>
-              <a:p>
-                <a:r>
-                  <a:rPr lang="en-US">
-                    <a:noFill/>
-                  </a:rPr>
-                  <a:t> </a:t>
-                </a:r>
-              </a:p>
-            </p:txBody>
-          </p:sp>
-        </mc:Fallback>
-      </mc:AlternateContent>
-      <mc:AlternateContent xmlns:mc="http://schemas.openxmlformats.org/markup-compatibility/2006" xmlns:a14="http://schemas.microsoft.com/office/drawing/2010/main">
-        <mc:Choice Requires="a14">
-          <p:sp>
-            <p:nvSpPr>
-              <p:cNvPr id="95" name="TextBox 94">
-                <a:extLst>
-                  <a:ext uri="{FF2B5EF4-FFF2-40B4-BE49-F238E27FC236}">
-                    <a16:creationId xmlns:a16="http://schemas.microsoft.com/office/drawing/2014/main" id="{3155F4D5-FACC-47BB-A96A-606FB8CD6E10}"/>
-                  </a:ext>
-                </a:extLst>
-              </p:cNvPr>
-              <p:cNvSpPr txBox="1"/>
-              <p:nvPr/>
-            </p:nvSpPr>
-            <p:spPr>
-              <a:xfrm>
-                <a:off x="5252347" y="4319079"/>
-                <a:ext cx="786529" cy="276999"/>
-              </a:xfrm>
-              <a:prstGeom prst="rect">
-                <a:avLst/>
-              </a:prstGeom>
-              <a:noFill/>
-            </p:spPr>
-            <p:txBody>
-              <a:bodyPr wrap="square" rtlCol="0">
-                <a:spAutoFit/>
-              </a:bodyPr>
-              <a:lstStyle/>
-              <a:p>
-                <a14:m>
-                  <m:oMath xmlns:m="http://schemas.openxmlformats.org/officeDocument/2006/math">
-                    <m:acc>
-                      <m:accPr>
-                        <m:chr m:val="̅"/>
-                        <m:ctrlPr>
-                          <a:rPr lang="en-US" sz="1200" b="0" i="1" smtClean="0">
-                            <a:latin typeface="Cambria Math" panose="02040503050406030204" pitchFamily="18" charset="0"/>
-                          </a:rPr>
-                        </m:ctrlPr>
-                      </m:accPr>
-                      <m:e>
-                        <m:r>
-                          <a:rPr lang="en-US" sz="1200" b="0" i="1" smtClean="0">
-                            <a:latin typeface="Cambria Math" panose="02040503050406030204" pitchFamily="18" charset="0"/>
-                          </a:rPr>
-                          <m:t>𝑝</m:t>
-                        </m:r>
-                      </m:e>
-                    </m:acc>
-                  </m:oMath>
-                </a14:m>
-                <a:r>
-                  <a:rPr lang="en-US" sz="1200" dirty="0"/>
-                  <a:t>+</a:t>
-                </a:r>
-                <a14:m>
-                  <m:oMath xmlns:m="http://schemas.openxmlformats.org/officeDocument/2006/math">
-                    <m:r>
-                      <m:rPr>
-                        <m:sty m:val="p"/>
-                      </m:rPr>
-                      <a:rPr lang="en-US" sz="1200" b="0" i="0" smtClean="0">
-                        <a:latin typeface="Cambria Math" panose="02040503050406030204" pitchFamily="18" charset="0"/>
-                      </a:rPr>
-                      <m:t>Δ</m:t>
-                    </m:r>
-                  </m:oMath>
-                </a14:m>
-                <a:endParaRPr lang="en-US" sz="1200" dirty="0"/>
-              </a:p>
-            </p:txBody>
-          </p:sp>
-        </mc:Choice>
-        <mc:Fallback xmlns="">
-          <p:sp>
-            <p:nvSpPr>
-              <p:cNvPr id="95" name="TextBox 94">
-                <a:extLst>
-                  <a:ext uri="{FF2B5EF4-FFF2-40B4-BE49-F238E27FC236}">
-                    <a16:creationId xmlns:a16="http://schemas.microsoft.com/office/drawing/2014/main" id="{3155F4D5-FACC-47BB-A96A-606FB8CD6E10}"/>
-                  </a:ext>
-                </a:extLst>
-              </p:cNvPr>
-              <p:cNvSpPr txBox="1">
-                <a:spLocks noRot="1" noChangeAspect="1" noMove="1" noResize="1" noEditPoints="1" noAdjustHandles="1" noChangeArrowheads="1" noChangeShapeType="1" noTextEdit="1"/>
-              </p:cNvSpPr>
-              <p:nvPr/>
-            </p:nvSpPr>
-            <p:spPr>
-              <a:xfrm>
-                <a:off x="5252347" y="4319079"/>
-                <a:ext cx="786529" cy="276999"/>
-              </a:xfrm>
-              <a:prstGeom prst="rect">
-                <a:avLst/>
-              </a:prstGeom>
-              <a:blipFill>
-                <a:blip r:embed="rId21"/>
-                <a:stretch>
-                  <a:fillRect t="-2222" b="-17778"/>
-                </a:stretch>
-              </a:blipFill>
-            </p:spPr>
-            <p:txBody>
-              <a:bodyPr/>
-              <a:lstStyle/>
-              <a:p>
-                <a:r>
-                  <a:rPr lang="en-US">
-                    <a:noFill/>
-                  </a:rPr>
-                  <a:t> </a:t>
-                </a:r>
-              </a:p>
-            </p:txBody>
-          </p:sp>
-        </mc:Fallback>
-      </mc:AlternateContent>
       <p:cxnSp>
         <p:nvCxnSpPr>
           <p:cNvPr id="98" name="Straight Connector 97">
@@ -11674,8 +11181,8 @@
           </a:fontRef>
         </p:style>
       </p:cxnSp>
-      <mc:AlternateContent xmlns:mc="http://schemas.openxmlformats.org/markup-compatibility/2006" xmlns:a14="http://schemas.microsoft.com/office/drawing/2010/main">
-        <mc:Choice Requires="a14">
+      <mc:AlternateContent xmlns:mc="http://schemas.openxmlformats.org/markup-compatibility/2006">
+        <mc:Choice xmlns:a14="http://schemas.microsoft.com/office/drawing/2010/main" Requires="a14">
           <p:sp>
             <p:nvSpPr>
               <p:cNvPr id="145" name="TextBox 144">
@@ -11690,7 +11197,7 @@
             </p:nvSpPr>
             <p:spPr>
               <a:xfrm>
-                <a:off x="6216476" y="3657523"/>
+                <a:off x="7277287" y="3677046"/>
                 <a:ext cx="619328" cy="276999"/>
               </a:xfrm>
               <a:prstGeom prst="rect">
@@ -11737,7 +11244,7 @@
             </p:txBody>
           </p:sp>
         </mc:Choice>
-        <mc:Fallback xmlns="">
+        <mc:Fallback>
           <p:sp>
             <p:nvSpPr>
               <p:cNvPr id="145" name="TextBox 144">
@@ -11754,7 +11261,7 @@
             </p:nvSpPr>
             <p:spPr>
               <a:xfrm>
-                <a:off x="6216476" y="3657523"/>
+                <a:off x="7277287" y="3677046"/>
                 <a:ext cx="619328" cy="276999"/>
               </a:xfrm>
               <a:prstGeom prst="rect">
@@ -12155,6 +11662,166 @@
           </p:sp>
         </mc:Fallback>
       </mc:AlternateContent>
+      <p:sp>
+        <p:nvSpPr>
+          <p:cNvPr id="92" name="TextBox 91">
+            <a:extLst>
+              <a:ext uri="{FF2B5EF4-FFF2-40B4-BE49-F238E27FC236}">
+                <a16:creationId xmlns:a16="http://schemas.microsoft.com/office/drawing/2014/main" id="{EA30A464-3100-462D-A933-791030181ECC}"/>
+              </a:ext>
+            </a:extLst>
+          </p:cNvPr>
+          <p:cNvSpPr txBox="1"/>
+          <p:nvPr/>
+        </p:nvSpPr>
+        <p:spPr>
+          <a:xfrm>
+            <a:off x="6137888" y="2173406"/>
+            <a:ext cx="733050" cy="461665"/>
+          </a:xfrm>
+          <a:prstGeom prst="rect">
+            <a:avLst/>
+          </a:prstGeom>
+          <a:noFill/>
+        </p:spPr>
+        <p:txBody>
+          <a:bodyPr wrap="square" rtlCol="0">
+            <a:spAutoFit/>
+          </a:bodyPr>
+          <a:lstStyle/>
+          <a:p>
+            <a:pPr/>
+            <a:r>
+              <a:rPr lang="en-US" sz="1200" dirty="0"/>
+              <a:t>Start of window</a:t>
+            </a:r>
+          </a:p>
+        </p:txBody>
+      </p:sp>
+      <p:sp>
+        <p:nvSpPr>
+          <p:cNvPr id="93" name="TextBox 92">
+            <a:extLst>
+              <a:ext uri="{FF2B5EF4-FFF2-40B4-BE49-F238E27FC236}">
+                <a16:creationId xmlns:a16="http://schemas.microsoft.com/office/drawing/2014/main" id="{F79B9220-71D3-47D4-8D93-FD25229092C3}"/>
+              </a:ext>
+            </a:extLst>
+          </p:cNvPr>
+          <p:cNvSpPr txBox="1"/>
+          <p:nvPr/>
+        </p:nvSpPr>
+        <p:spPr>
+          <a:xfrm>
+            <a:off x="8026839" y="2173406"/>
+            <a:ext cx="731866" cy="461665"/>
+          </a:xfrm>
+          <a:prstGeom prst="rect">
+            <a:avLst/>
+          </a:prstGeom>
+          <a:noFill/>
+        </p:spPr>
+        <p:txBody>
+          <a:bodyPr wrap="square" rtlCol="0">
+            <a:spAutoFit/>
+          </a:bodyPr>
+          <a:lstStyle/>
+          <a:p>
+            <a:pPr/>
+            <a:r>
+              <a:rPr lang="en-US" sz="1200" dirty="0"/>
+              <a:t>End of window</a:t>
+            </a:r>
+          </a:p>
+        </p:txBody>
+      </p:sp>
+      <p:cxnSp>
+        <p:nvCxnSpPr>
+          <p:cNvPr id="4" name="Straight Arrow Connector 3">
+            <a:extLst>
+              <a:ext uri="{FF2B5EF4-FFF2-40B4-BE49-F238E27FC236}">
+                <a16:creationId xmlns:a16="http://schemas.microsoft.com/office/drawing/2014/main" id="{903469A0-A3D8-42A7-B2E1-DDCB42682B94}"/>
+              </a:ext>
+            </a:extLst>
+          </p:cNvPr>
+          <p:cNvCxnSpPr>
+            <a:cxnSpLocks/>
+          </p:cNvCxnSpPr>
+          <p:nvPr/>
+        </p:nvCxnSpPr>
+        <p:spPr>
+          <a:xfrm>
+            <a:off x="6458522" y="2582709"/>
+            <a:ext cx="0" cy="261911"/>
+          </a:xfrm>
+          <a:prstGeom prst="straightConnector1">
+            <a:avLst/>
+          </a:prstGeom>
+          <a:ln w="15875">
+            <a:solidFill>
+              <a:schemeClr val="tx1"/>
+            </a:solidFill>
+            <a:tailEnd type="triangle"/>
+          </a:ln>
+        </p:spPr>
+        <p:style>
+          <a:lnRef idx="1">
+            <a:schemeClr val="accent1"/>
+          </a:lnRef>
+          <a:fillRef idx="0">
+            <a:schemeClr val="accent1"/>
+          </a:fillRef>
+          <a:effectRef idx="0">
+            <a:schemeClr val="accent1"/>
+          </a:effectRef>
+          <a:fontRef idx="minor">
+            <a:schemeClr val="tx1"/>
+          </a:fontRef>
+        </p:style>
+      </p:cxnSp>
+      <p:cxnSp>
+        <p:nvCxnSpPr>
+          <p:cNvPr id="97" name="Straight Arrow Connector 96">
+            <a:extLst>
+              <a:ext uri="{FF2B5EF4-FFF2-40B4-BE49-F238E27FC236}">
+                <a16:creationId xmlns:a16="http://schemas.microsoft.com/office/drawing/2014/main" id="{3783C33A-B0A6-42BD-A3F5-061C2009DD0C}"/>
+              </a:ext>
+            </a:extLst>
+          </p:cNvPr>
+          <p:cNvCxnSpPr>
+            <a:cxnSpLocks/>
+          </p:cNvCxnSpPr>
+          <p:nvPr/>
+        </p:nvCxnSpPr>
+        <p:spPr>
+          <a:xfrm>
+            <a:off x="8347360" y="2582709"/>
+            <a:ext cx="0" cy="261911"/>
+          </a:xfrm>
+          <a:prstGeom prst="straightConnector1">
+            <a:avLst/>
+          </a:prstGeom>
+          <a:ln w="15875">
+            <a:solidFill>
+              <a:schemeClr val="tx1"/>
+            </a:solidFill>
+            <a:tailEnd type="triangle"/>
+          </a:ln>
+        </p:spPr>
+        <p:style>
+          <a:lnRef idx="1">
+            <a:schemeClr val="accent1"/>
+          </a:lnRef>
+          <a:fillRef idx="0">
+            <a:schemeClr val="accent1"/>
+          </a:fillRef>
+          <a:effectRef idx="0">
+            <a:schemeClr val="accent1"/>
+          </a:effectRef>
+          <a:fontRef idx="minor">
+            <a:schemeClr val="tx1"/>
+          </a:fontRef>
+        </p:style>
+      </p:cxnSp>
     </p:spTree>
     <p:extLst>
       <p:ext uri="{BB962C8B-B14F-4D97-AF65-F5344CB8AC3E}">

--- a/main_matlab_figures/New Microsoft PowerPoint Presentation (4).pptx
+++ b/main_matlab_figures/New Microsoft PowerPoint Presentation (4).pptx
@@ -260,7 +260,7 @@
           <a:p>
             <a:fld id="{D665B2A5-0536-4469-8519-ACEA26E5B44D}" type="datetimeFigureOut">
               <a:rPr lang="en-US" smtClean="0"/>
-              <a:t>3/25/2022</a:t>
+              <a:t>11/13/2022</a:t>
             </a:fld>
             <a:endParaRPr lang="en-US"/>
           </a:p>
@@ -458,7 +458,7 @@
           <a:p>
             <a:fld id="{D665B2A5-0536-4469-8519-ACEA26E5B44D}" type="datetimeFigureOut">
               <a:rPr lang="en-US" smtClean="0"/>
-              <a:t>3/25/2022</a:t>
+              <a:t>11/13/2022</a:t>
             </a:fld>
             <a:endParaRPr lang="en-US"/>
           </a:p>
@@ -666,7 +666,7 @@
           <a:p>
             <a:fld id="{D665B2A5-0536-4469-8519-ACEA26E5B44D}" type="datetimeFigureOut">
               <a:rPr lang="en-US" smtClean="0"/>
-              <a:t>3/25/2022</a:t>
+              <a:t>11/13/2022</a:t>
             </a:fld>
             <a:endParaRPr lang="en-US"/>
           </a:p>
@@ -864,7 +864,7 @@
           <a:p>
             <a:fld id="{D665B2A5-0536-4469-8519-ACEA26E5B44D}" type="datetimeFigureOut">
               <a:rPr lang="en-US" smtClean="0"/>
-              <a:t>3/25/2022</a:t>
+              <a:t>11/13/2022</a:t>
             </a:fld>
             <a:endParaRPr lang="en-US"/>
           </a:p>
@@ -1139,7 +1139,7 @@
           <a:p>
             <a:fld id="{D665B2A5-0536-4469-8519-ACEA26E5B44D}" type="datetimeFigureOut">
               <a:rPr lang="en-US" smtClean="0"/>
-              <a:t>3/25/2022</a:t>
+              <a:t>11/13/2022</a:t>
             </a:fld>
             <a:endParaRPr lang="en-US"/>
           </a:p>
@@ -1404,7 +1404,7 @@
           <a:p>
             <a:fld id="{D665B2A5-0536-4469-8519-ACEA26E5B44D}" type="datetimeFigureOut">
               <a:rPr lang="en-US" smtClean="0"/>
-              <a:t>3/25/2022</a:t>
+              <a:t>11/13/2022</a:t>
             </a:fld>
             <a:endParaRPr lang="en-US"/>
           </a:p>
@@ -1816,7 +1816,7 @@
           <a:p>
             <a:fld id="{D665B2A5-0536-4469-8519-ACEA26E5B44D}" type="datetimeFigureOut">
               <a:rPr lang="en-US" smtClean="0"/>
-              <a:t>3/25/2022</a:t>
+              <a:t>11/13/2022</a:t>
             </a:fld>
             <a:endParaRPr lang="en-US"/>
           </a:p>
@@ -1957,7 +1957,7 @@
           <a:p>
             <a:fld id="{D665B2A5-0536-4469-8519-ACEA26E5B44D}" type="datetimeFigureOut">
               <a:rPr lang="en-US" smtClean="0"/>
-              <a:t>3/25/2022</a:t>
+              <a:t>11/13/2022</a:t>
             </a:fld>
             <a:endParaRPr lang="en-US"/>
           </a:p>
@@ -2070,7 +2070,7 @@
           <a:p>
             <a:fld id="{D665B2A5-0536-4469-8519-ACEA26E5B44D}" type="datetimeFigureOut">
               <a:rPr lang="en-US" smtClean="0"/>
-              <a:t>3/25/2022</a:t>
+              <a:t>11/13/2022</a:t>
             </a:fld>
             <a:endParaRPr lang="en-US"/>
           </a:p>
@@ -2381,7 +2381,7 @@
           <a:p>
             <a:fld id="{D665B2A5-0536-4469-8519-ACEA26E5B44D}" type="datetimeFigureOut">
               <a:rPr lang="en-US" smtClean="0"/>
-              <a:t>3/25/2022</a:t>
+              <a:t>11/13/2022</a:t>
             </a:fld>
             <a:endParaRPr lang="en-US"/>
           </a:p>
@@ -2669,7 +2669,7 @@
           <a:p>
             <a:fld id="{D665B2A5-0536-4469-8519-ACEA26E5B44D}" type="datetimeFigureOut">
               <a:rPr lang="en-US" smtClean="0"/>
-              <a:t>3/25/2022</a:t>
+              <a:t>11/13/2022</a:t>
             </a:fld>
             <a:endParaRPr lang="en-US"/>
           </a:p>
@@ -2910,7 +2910,7 @@
           <a:p>
             <a:fld id="{D665B2A5-0536-4469-8519-ACEA26E5B44D}" type="datetimeFigureOut">
               <a:rPr lang="en-US" smtClean="0"/>
-              <a:t>3/25/2022</a:t>
+              <a:t>11/13/2022</a:t>
             </a:fld>
             <a:endParaRPr lang="en-US"/>
           </a:p>
@@ -6386,8 +6386,8 @@
         </p:nvCxnSpPr>
         <p:spPr>
           <a:xfrm>
-            <a:off x="1307691" y="502503"/>
-            <a:ext cx="2743200" cy="0"/>
+            <a:off x="1936955" y="1987174"/>
+            <a:ext cx="3244645" cy="0"/>
           </a:xfrm>
           <a:prstGeom prst="straightConnector1">
             <a:avLst/>
@@ -6414,8 +6414,8 @@
           </a:fontRef>
         </p:style>
       </p:cxnSp>
-      <mc:AlternateContent xmlns:mc="http://schemas.openxmlformats.org/markup-compatibility/2006" xmlns:a14="http://schemas.microsoft.com/office/drawing/2010/main">
-        <mc:Choice Requires="a14">
+      <mc:AlternateContent xmlns:mc="http://schemas.openxmlformats.org/markup-compatibility/2006">
+        <mc:Choice xmlns:a14="http://schemas.microsoft.com/office/drawing/2010/main" Requires="a14">
           <p:sp>
             <p:nvSpPr>
               <p:cNvPr id="10" name="TextBox 9">
@@ -6430,7 +6430,7 @@
             </p:nvSpPr>
             <p:spPr>
               <a:xfrm>
-                <a:off x="4837444" y="1441603"/>
+                <a:off x="5466708" y="2926274"/>
                 <a:ext cx="619328" cy="307777"/>
               </a:xfrm>
               <a:prstGeom prst="rect">
@@ -6465,7 +6465,7 @@
             </p:txBody>
           </p:sp>
         </mc:Choice>
-        <mc:Fallback xmlns="">
+        <mc:Fallback>
           <p:sp>
             <p:nvSpPr>
               <p:cNvPr id="10" name="TextBox 9">
@@ -6482,7 +6482,7 @@
             </p:nvSpPr>
             <p:spPr>
               <a:xfrm>
-                <a:off x="4837444" y="1441603"/>
+                <a:off x="5466708" y="2926274"/>
                 <a:ext cx="619328" cy="307777"/>
               </a:xfrm>
               <a:prstGeom prst="rect">
@@ -6510,8 +6510,8 @@
           </p:sp>
         </mc:Fallback>
       </mc:AlternateContent>
-      <mc:AlternateContent xmlns:mc="http://schemas.openxmlformats.org/markup-compatibility/2006" xmlns:a14="http://schemas.microsoft.com/office/drawing/2010/main">
-        <mc:Choice Requires="a14">
+      <mc:AlternateContent xmlns:mc="http://schemas.openxmlformats.org/markup-compatibility/2006">
+        <mc:Choice xmlns:a14="http://schemas.microsoft.com/office/drawing/2010/main" Requires="a14">
           <p:sp>
             <p:nvSpPr>
               <p:cNvPr id="11" name="TextBox 10">
@@ -6526,7 +6526,7 @@
             </p:nvSpPr>
             <p:spPr>
               <a:xfrm>
-                <a:off x="3736106" y="208725"/>
+                <a:off x="4878746" y="1693511"/>
                 <a:ext cx="619328" cy="307777"/>
               </a:xfrm>
               <a:prstGeom prst="rect">
@@ -6561,7 +6561,7 @@
             </p:txBody>
           </p:sp>
         </mc:Choice>
-        <mc:Fallback xmlns="">
+        <mc:Fallback>
           <p:sp>
             <p:nvSpPr>
               <p:cNvPr id="11" name="TextBox 10">
@@ -6578,7 +6578,7 @@
             </p:nvSpPr>
             <p:spPr>
               <a:xfrm>
-                <a:off x="3736106" y="208725"/>
+                <a:off x="4878746" y="1693511"/>
                 <a:ext cx="619328" cy="307777"/>
               </a:xfrm>
               <a:prstGeom prst="rect">
@@ -6622,7 +6622,7 @@
         </p:nvCxnSpPr>
         <p:spPr>
           <a:xfrm>
-            <a:off x="3682181" y="507420"/>
+            <a:off x="4311445" y="1992091"/>
             <a:ext cx="0" cy="934183"/>
           </a:xfrm>
           <a:prstGeom prst="line">
@@ -6649,422 +6649,6 @@
           </a:fontRef>
         </p:style>
       </p:cxnSp>
-      <mc:AlternateContent xmlns:mc="http://schemas.openxmlformats.org/markup-compatibility/2006" xmlns:a14="http://schemas.microsoft.com/office/drawing/2010/main">
-        <mc:Choice Requires="a14">
-          <p:sp>
-            <p:nvSpPr>
-              <p:cNvPr id="19" name="TextBox 18">
-                <a:extLst>
-                  <a:ext uri="{FF2B5EF4-FFF2-40B4-BE49-F238E27FC236}">
-                    <a16:creationId xmlns:a16="http://schemas.microsoft.com/office/drawing/2014/main" id="{365B763B-F6E8-4108-B941-2F85A1CCAAE5}"/>
-                  </a:ext>
-                </a:extLst>
-              </p:cNvPr>
-              <p:cNvSpPr txBox="1"/>
-              <p:nvPr/>
-            </p:nvSpPr>
-            <p:spPr>
-              <a:xfrm>
-                <a:off x="1472538" y="1472381"/>
-                <a:ext cx="619328" cy="276999"/>
-              </a:xfrm>
-              <a:prstGeom prst="rect">
-                <a:avLst/>
-              </a:prstGeom>
-              <a:noFill/>
-            </p:spPr>
-            <p:txBody>
-              <a:bodyPr wrap="square" rtlCol="0">
-                <a:spAutoFit/>
-              </a:bodyPr>
-              <a:lstStyle/>
-              <a:p>
-                <a:pPr/>
-                <a14:m>
-                  <m:oMathPara xmlns:m="http://schemas.openxmlformats.org/officeDocument/2006/math">
-                    <m:oMathParaPr>
-                      <m:jc m:val="centerGroup"/>
-                    </m:oMathParaPr>
-                    <m:oMath xmlns:m="http://schemas.openxmlformats.org/officeDocument/2006/math">
-                      <m:acc>
-                        <m:accPr>
-                          <m:chr m:val="̅"/>
-                          <m:ctrlPr>
-                            <a:rPr lang="en-US" sz="1200" b="0" i="1" smtClean="0">
-                              <a:latin typeface="Cambria Math" panose="02040503050406030204" pitchFamily="18" charset="0"/>
-                            </a:rPr>
-                          </m:ctrlPr>
-                        </m:accPr>
-                        <m:e>
-                          <m:r>
-                            <a:rPr lang="en-US" sz="1200" b="0" i="1" smtClean="0">
-                              <a:latin typeface="Cambria Math" panose="02040503050406030204" pitchFamily="18" charset="0"/>
-                            </a:rPr>
-                            <m:t>𝑝</m:t>
-                          </m:r>
-                        </m:e>
-                      </m:acc>
-                    </m:oMath>
-                  </m:oMathPara>
-                </a14:m>
-                <a:endParaRPr lang="en-US" sz="1200" dirty="0"/>
-              </a:p>
-            </p:txBody>
-          </p:sp>
-        </mc:Choice>
-        <mc:Fallback xmlns="">
-          <p:sp>
-            <p:nvSpPr>
-              <p:cNvPr id="19" name="TextBox 18">
-                <a:extLst>
-                  <a:ext uri="{FF2B5EF4-FFF2-40B4-BE49-F238E27FC236}">
-                    <a16:creationId xmlns:a16="http://schemas.microsoft.com/office/drawing/2014/main" id="{365B763B-F6E8-4108-B941-2F85A1CCAAE5}"/>
-                  </a:ext>
-                </a:extLst>
-              </p:cNvPr>
-              <p:cNvSpPr txBox="1">
-                <a:spLocks noRot="1" noChangeAspect="1" noMove="1" noResize="1" noEditPoints="1" noAdjustHandles="1" noChangeArrowheads="1" noChangeShapeType="1" noTextEdit="1"/>
-              </p:cNvSpPr>
-              <p:nvPr/>
-            </p:nvSpPr>
-            <p:spPr>
-              <a:xfrm>
-                <a:off x="1472538" y="1472381"/>
-                <a:ext cx="619328" cy="276999"/>
-              </a:xfrm>
-              <a:prstGeom prst="rect">
-                <a:avLst/>
-              </a:prstGeom>
-              <a:blipFill>
-                <a:blip r:embed="rId4"/>
-                <a:stretch>
-                  <a:fillRect/>
-                </a:stretch>
-              </a:blipFill>
-            </p:spPr>
-            <p:txBody>
-              <a:bodyPr/>
-              <a:lstStyle/>
-              <a:p>
-                <a:r>
-                  <a:rPr lang="en-US">
-                    <a:noFill/>
-                  </a:rPr>
-                  <a:t> </a:t>
-                </a:r>
-              </a:p>
-            </p:txBody>
-          </p:sp>
-        </mc:Fallback>
-      </mc:AlternateContent>
-      <mc:AlternateContent xmlns:mc="http://schemas.openxmlformats.org/markup-compatibility/2006" xmlns:a14="http://schemas.microsoft.com/office/drawing/2010/main">
-        <mc:Choice Requires="a14">
-          <p:sp>
-            <p:nvSpPr>
-              <p:cNvPr id="25" name="TextBox 24">
-                <a:extLst>
-                  <a:ext uri="{FF2B5EF4-FFF2-40B4-BE49-F238E27FC236}">
-                    <a16:creationId xmlns:a16="http://schemas.microsoft.com/office/drawing/2014/main" id="{75E80AB2-26DB-489C-AC7B-1E0832E61EDA}"/>
-                  </a:ext>
-                </a:extLst>
-              </p:cNvPr>
-              <p:cNvSpPr txBox="1"/>
-              <p:nvPr/>
-            </p:nvSpPr>
-            <p:spPr>
-              <a:xfrm>
-                <a:off x="3389955" y="1469603"/>
-                <a:ext cx="786529" cy="276999"/>
-              </a:xfrm>
-              <a:prstGeom prst="rect">
-                <a:avLst/>
-              </a:prstGeom>
-              <a:noFill/>
-            </p:spPr>
-            <p:txBody>
-              <a:bodyPr wrap="square" rtlCol="0">
-                <a:spAutoFit/>
-              </a:bodyPr>
-              <a:lstStyle/>
-              <a:p>
-                <a14:m>
-                  <m:oMath xmlns:m="http://schemas.openxmlformats.org/officeDocument/2006/math">
-                    <m:acc>
-                      <m:accPr>
-                        <m:chr m:val="̅"/>
-                        <m:ctrlPr>
-                          <a:rPr lang="en-US" sz="1200" b="0" i="1" smtClean="0">
-                            <a:latin typeface="Cambria Math" panose="02040503050406030204" pitchFamily="18" charset="0"/>
-                          </a:rPr>
-                        </m:ctrlPr>
-                      </m:accPr>
-                      <m:e>
-                        <m:r>
-                          <a:rPr lang="en-US" sz="1200" b="0" i="1" smtClean="0">
-                            <a:latin typeface="Cambria Math" panose="02040503050406030204" pitchFamily="18" charset="0"/>
-                          </a:rPr>
-                          <m:t>𝑝</m:t>
-                        </m:r>
-                      </m:e>
-                    </m:acc>
-                  </m:oMath>
-                </a14:m>
-                <a:r>
-                  <a:rPr lang="en-US" sz="1200" dirty="0"/>
-                  <a:t>+</a:t>
-                </a:r>
-                <a14:m>
-                  <m:oMath xmlns:m="http://schemas.openxmlformats.org/officeDocument/2006/math">
-                    <m:r>
-                      <a:rPr lang="en-US" sz="1200" b="0" i="1" smtClean="0">
-                        <a:latin typeface="Cambria Math" panose="02040503050406030204" pitchFamily="18" charset="0"/>
-                      </a:rPr>
-                      <m:t>𝑁</m:t>
-                    </m:r>
-                  </m:oMath>
-                </a14:m>
-                <a:r>
-                  <a:rPr lang="en-US" sz="1200" dirty="0"/>
-                  <a:t>-1</a:t>
-                </a:r>
-              </a:p>
-            </p:txBody>
-          </p:sp>
-        </mc:Choice>
-        <mc:Fallback xmlns="">
-          <p:sp>
-            <p:nvSpPr>
-              <p:cNvPr id="25" name="TextBox 24">
-                <a:extLst>
-                  <a:ext uri="{FF2B5EF4-FFF2-40B4-BE49-F238E27FC236}">
-                    <a16:creationId xmlns:a16="http://schemas.microsoft.com/office/drawing/2014/main" id="{75E80AB2-26DB-489C-AC7B-1E0832E61EDA}"/>
-                  </a:ext>
-                </a:extLst>
-              </p:cNvPr>
-              <p:cNvSpPr txBox="1">
-                <a:spLocks noRot="1" noChangeAspect="1" noMove="1" noResize="1" noEditPoints="1" noAdjustHandles="1" noChangeArrowheads="1" noChangeShapeType="1" noTextEdit="1"/>
-              </p:cNvSpPr>
-              <p:nvPr/>
-            </p:nvSpPr>
-            <p:spPr>
-              <a:xfrm>
-                <a:off x="3389955" y="1469603"/>
-                <a:ext cx="786529" cy="276999"/>
-              </a:xfrm>
-              <a:prstGeom prst="rect">
-                <a:avLst/>
-              </a:prstGeom>
-              <a:blipFill>
-                <a:blip r:embed="rId5"/>
-                <a:stretch>
-                  <a:fillRect b="-15217"/>
-                </a:stretch>
-              </a:blipFill>
-            </p:spPr>
-            <p:txBody>
-              <a:bodyPr/>
-              <a:lstStyle/>
-              <a:p>
-                <a:r>
-                  <a:rPr lang="en-US">
-                    <a:noFill/>
-                  </a:rPr>
-                  <a:t> </a:t>
-                </a:r>
-              </a:p>
-            </p:txBody>
-          </p:sp>
-        </mc:Fallback>
-      </mc:AlternateContent>
-      <mc:AlternateContent xmlns:mc="http://schemas.openxmlformats.org/markup-compatibility/2006" xmlns:a14="http://schemas.microsoft.com/office/drawing/2010/main">
-        <mc:Choice Requires="a14">
-          <p:sp>
-            <p:nvSpPr>
-              <p:cNvPr id="26" name="TextBox 25">
-                <a:extLst>
-                  <a:ext uri="{FF2B5EF4-FFF2-40B4-BE49-F238E27FC236}">
-                    <a16:creationId xmlns:a16="http://schemas.microsoft.com/office/drawing/2014/main" id="{2A6364F1-6BB5-4A0B-953F-D5E48174F6C5}"/>
-                  </a:ext>
-                </a:extLst>
-              </p:cNvPr>
-              <p:cNvSpPr txBox="1"/>
-              <p:nvPr/>
-            </p:nvSpPr>
-            <p:spPr>
-              <a:xfrm>
-                <a:off x="1475096" y="245809"/>
-                <a:ext cx="619328" cy="276999"/>
-              </a:xfrm>
-              <a:prstGeom prst="rect">
-                <a:avLst/>
-              </a:prstGeom>
-              <a:noFill/>
-            </p:spPr>
-            <p:txBody>
-              <a:bodyPr wrap="square" rtlCol="0">
-                <a:spAutoFit/>
-              </a:bodyPr>
-              <a:lstStyle/>
-              <a:p>
-                <a:pPr/>
-                <a14:m>
-                  <m:oMathPara xmlns:m="http://schemas.openxmlformats.org/officeDocument/2006/math">
-                    <m:oMathParaPr>
-                      <m:jc m:val="centerGroup"/>
-                    </m:oMathParaPr>
-                    <m:oMath xmlns:m="http://schemas.openxmlformats.org/officeDocument/2006/math">
-                      <m:r>
-                        <a:rPr lang="en-US" sz="1200" b="0" i="1" smtClean="0">
-                          <a:latin typeface="Cambria Math" panose="02040503050406030204" pitchFamily="18" charset="0"/>
-                        </a:rPr>
-                        <m:t>0</m:t>
-                      </m:r>
-                    </m:oMath>
-                  </m:oMathPara>
-                </a14:m>
-                <a:endParaRPr lang="en-US" sz="1200" dirty="0"/>
-              </a:p>
-            </p:txBody>
-          </p:sp>
-        </mc:Choice>
-        <mc:Fallback xmlns="">
-          <p:sp>
-            <p:nvSpPr>
-              <p:cNvPr id="26" name="TextBox 25">
-                <a:extLst>
-                  <a:ext uri="{FF2B5EF4-FFF2-40B4-BE49-F238E27FC236}">
-                    <a16:creationId xmlns:a16="http://schemas.microsoft.com/office/drawing/2014/main" id="{2A6364F1-6BB5-4A0B-953F-D5E48174F6C5}"/>
-                  </a:ext>
-                </a:extLst>
-              </p:cNvPr>
-              <p:cNvSpPr txBox="1">
-                <a:spLocks noRot="1" noChangeAspect="1" noMove="1" noResize="1" noEditPoints="1" noAdjustHandles="1" noChangeArrowheads="1" noChangeShapeType="1" noTextEdit="1"/>
-              </p:cNvSpPr>
-              <p:nvPr/>
-            </p:nvSpPr>
-            <p:spPr>
-              <a:xfrm>
-                <a:off x="1475096" y="245809"/>
-                <a:ext cx="619328" cy="276999"/>
-              </a:xfrm>
-              <a:prstGeom prst="rect">
-                <a:avLst/>
-              </a:prstGeom>
-              <a:blipFill>
-                <a:blip r:embed="rId6"/>
-                <a:stretch>
-                  <a:fillRect/>
-                </a:stretch>
-              </a:blipFill>
-            </p:spPr>
-            <p:txBody>
-              <a:bodyPr/>
-              <a:lstStyle/>
-              <a:p>
-                <a:r>
-                  <a:rPr lang="en-US">
-                    <a:noFill/>
-                  </a:rPr>
-                  <a:t> </a:t>
-                </a:r>
-              </a:p>
-            </p:txBody>
-          </p:sp>
-        </mc:Fallback>
-      </mc:AlternateContent>
-      <mc:AlternateContent xmlns:mc="http://schemas.openxmlformats.org/markup-compatibility/2006" xmlns:a14="http://schemas.microsoft.com/office/drawing/2010/main">
-        <mc:Choice Requires="a14">
-          <p:sp>
-            <p:nvSpPr>
-              <p:cNvPr id="27" name="TextBox 26">
-                <a:extLst>
-                  <a:ext uri="{FF2B5EF4-FFF2-40B4-BE49-F238E27FC236}">
-                    <a16:creationId xmlns:a16="http://schemas.microsoft.com/office/drawing/2014/main" id="{778CC45A-A1D6-4A35-80FF-4E4993A36918}"/>
-                  </a:ext>
-                </a:extLst>
-              </p:cNvPr>
-              <p:cNvSpPr txBox="1"/>
-              <p:nvPr/>
-            </p:nvSpPr>
-            <p:spPr>
-              <a:xfrm>
-                <a:off x="3451164" y="245809"/>
-                <a:ext cx="786529" cy="276999"/>
-              </a:xfrm>
-              <a:prstGeom prst="rect">
-                <a:avLst/>
-              </a:prstGeom>
-              <a:noFill/>
-            </p:spPr>
-            <p:txBody>
-              <a:bodyPr wrap="square" rtlCol="0">
-                <a:spAutoFit/>
-              </a:bodyPr>
-              <a:lstStyle/>
-              <a:p>
-                <a14:m>
-                  <m:oMath xmlns:m="http://schemas.openxmlformats.org/officeDocument/2006/math">
-                    <m:r>
-                      <a:rPr lang="en-US" sz="1200" b="0" i="1" smtClean="0">
-                        <a:latin typeface="Cambria Math" panose="02040503050406030204" pitchFamily="18" charset="0"/>
-                      </a:rPr>
-                      <m:t>𝑁</m:t>
-                    </m:r>
-                  </m:oMath>
-                </a14:m>
-                <a:r>
-                  <a:rPr lang="en-US" sz="1200" dirty="0"/>
-                  <a:t>-1</a:t>
-                </a:r>
-              </a:p>
-            </p:txBody>
-          </p:sp>
-        </mc:Choice>
-        <mc:Fallback xmlns="">
-          <p:sp>
-            <p:nvSpPr>
-              <p:cNvPr id="27" name="TextBox 26">
-                <a:extLst>
-                  <a:ext uri="{FF2B5EF4-FFF2-40B4-BE49-F238E27FC236}">
-                    <a16:creationId xmlns:a16="http://schemas.microsoft.com/office/drawing/2014/main" id="{778CC45A-A1D6-4A35-80FF-4E4993A36918}"/>
-                  </a:ext>
-                </a:extLst>
-              </p:cNvPr>
-              <p:cNvSpPr txBox="1">
-                <a:spLocks noRot="1" noChangeAspect="1" noMove="1" noResize="1" noEditPoints="1" noAdjustHandles="1" noChangeArrowheads="1" noChangeShapeType="1" noTextEdit="1"/>
-              </p:cNvSpPr>
-              <p:nvPr/>
-            </p:nvSpPr>
-            <p:spPr>
-              <a:xfrm>
-                <a:off x="3451164" y="245809"/>
-                <a:ext cx="786529" cy="276999"/>
-              </a:xfrm>
-              <a:prstGeom prst="rect">
-                <a:avLst/>
-              </a:prstGeom>
-              <a:blipFill>
-                <a:blip r:embed="rId7"/>
-                <a:stretch>
-                  <a:fillRect b="-15217"/>
-                </a:stretch>
-              </a:blipFill>
-            </p:spPr>
-            <p:txBody>
-              <a:bodyPr/>
-              <a:lstStyle/>
-              <a:p>
-                <a:r>
-                  <a:rPr lang="en-US">
-                    <a:noFill/>
-                  </a:rPr>
-                  <a:t> </a:t>
-                </a:r>
-              </a:p>
-            </p:txBody>
-          </p:sp>
-        </mc:Fallback>
-      </mc:AlternateContent>
       <p:cxnSp>
         <p:nvCxnSpPr>
           <p:cNvPr id="31" name="Straight Connector 30">
@@ -7081,7 +6665,7 @@
         </p:nvCxnSpPr>
         <p:spPr>
           <a:xfrm>
-            <a:off x="1779639" y="497587"/>
+            <a:off x="2408903" y="1982258"/>
             <a:ext cx="0" cy="964961"/>
           </a:xfrm>
           <a:prstGeom prst="line">
@@ -7122,7 +6706,7 @@
         </p:nvSpPr>
         <p:spPr>
           <a:xfrm>
-            <a:off x="2915312" y="1053551"/>
+            <a:off x="3544576" y="2538222"/>
             <a:ext cx="1902539" cy="400663"/>
           </a:xfrm>
           <a:prstGeom prst="rect">
@@ -7172,7 +6756,7 @@
         </p:nvCxnSpPr>
         <p:spPr>
           <a:xfrm flipH="1">
-            <a:off x="3008622" y="1142519"/>
+            <a:off x="3637886" y="2627190"/>
             <a:ext cx="127819" cy="196645"/>
           </a:xfrm>
           <a:prstGeom prst="line">
@@ -7209,7 +6793,7 @@
         </p:nvCxnSpPr>
         <p:spPr>
           <a:xfrm flipH="1">
-            <a:off x="3146322" y="1135895"/>
+            <a:off x="3775586" y="2620566"/>
             <a:ext cx="127819" cy="196645"/>
           </a:xfrm>
           <a:prstGeom prst="line">
@@ -7246,7 +6830,7 @@
         </p:nvCxnSpPr>
         <p:spPr>
           <a:xfrm flipH="1">
-            <a:off x="3264309" y="1135895"/>
+            <a:off x="3893573" y="2620566"/>
             <a:ext cx="127819" cy="196645"/>
           </a:xfrm>
           <a:prstGeom prst="line">
@@ -7283,7 +6867,7 @@
         </p:nvCxnSpPr>
         <p:spPr>
           <a:xfrm flipH="1">
-            <a:off x="3396997" y="1142519"/>
+            <a:off x="4026261" y="2627190"/>
             <a:ext cx="127819" cy="196645"/>
           </a:xfrm>
           <a:prstGeom prst="line">
@@ -7320,7 +6904,7 @@
         </p:nvCxnSpPr>
         <p:spPr>
           <a:xfrm flipH="1">
-            <a:off x="3514984" y="1142518"/>
+            <a:off x="4144248" y="2627189"/>
             <a:ext cx="127819" cy="196645"/>
           </a:xfrm>
           <a:prstGeom prst="line">
@@ -7343,8 +6927,8 @@
           </a:fontRef>
         </p:style>
       </p:cxnSp>
-      <mc:AlternateContent xmlns:mc="http://schemas.openxmlformats.org/markup-compatibility/2006" xmlns:a14="http://schemas.microsoft.com/office/drawing/2010/main">
-        <mc:Choice Requires="a14">
+      <mc:AlternateContent xmlns:mc="http://schemas.openxmlformats.org/markup-compatibility/2006">
+        <mc:Choice xmlns:a14="http://schemas.microsoft.com/office/drawing/2010/main" Requires="a14">
           <p:sp>
             <p:nvSpPr>
               <p:cNvPr id="40" name="TextBox 39">
@@ -7359,8 +6943,8 @@
             </p:nvSpPr>
             <p:spPr>
               <a:xfrm>
-                <a:off x="2718573" y="1469603"/>
-                <a:ext cx="786529" cy="276999"/>
+                <a:off x="3166012" y="2954274"/>
+                <a:ext cx="786529" cy="307777"/>
               </a:xfrm>
               <a:prstGeom prst="rect">
                 <a:avLst/>
@@ -7374,50 +6958,44 @@
               <a:lstStyle/>
               <a:p>
                 <a14:m>
-                  <m:oMath xmlns:m="http://schemas.openxmlformats.org/officeDocument/2006/math">
-                    <m:acc>
-                      <m:accPr>
-                        <m:chr m:val="̅"/>
-                        <m:ctrlPr>
-                          <a:rPr lang="en-US" sz="1200" b="0" i="1" smtClean="0">
-                            <a:latin typeface="Cambria Math" panose="02040503050406030204" pitchFamily="18" charset="0"/>
-                          </a:rPr>
-                        </m:ctrlPr>
-                      </m:accPr>
-                      <m:e>
-                        <m:r>
-                          <a:rPr lang="en-US" sz="1200" b="0" i="1" smtClean="0">
-                            <a:latin typeface="Cambria Math" panose="02040503050406030204" pitchFamily="18" charset="0"/>
-                          </a:rPr>
-                          <m:t>𝑝</m:t>
-                        </m:r>
-                      </m:e>
-                    </m:acc>
-                  </m:oMath>
+                  <m:oMathPara xmlns:m="http://schemas.openxmlformats.org/officeDocument/2006/math">
+                    <m:oMathParaPr>
+                      <m:jc m:val="centerGroup"/>
+                    </m:oMathParaPr>
+                    <m:oMath xmlns:m="http://schemas.openxmlformats.org/officeDocument/2006/math">
+                      <m:acc>
+                        <m:accPr>
+                          <m:chr m:val="̅"/>
+                          <m:ctrlPr>
+                            <a:rPr lang="en-US" sz="1400" b="0" i="1" smtClean="0">
+                              <a:solidFill>
+                                <a:srgbClr val="0070C0"/>
+                              </a:solidFill>
+                              <a:latin typeface="Cambria Math" panose="02040503050406030204" pitchFamily="18" charset="0"/>
+                            </a:rPr>
+                          </m:ctrlPr>
+                        </m:accPr>
+                        <m:e>
+                          <m:r>
+                            <a:rPr lang="en-US" sz="1400" b="0" i="1" smtClean="0">
+                              <a:solidFill>
+                                <a:srgbClr val="0070C0"/>
+                              </a:solidFill>
+                              <a:latin typeface="Cambria Math" panose="02040503050406030204" pitchFamily="18" charset="0"/>
+                            </a:rPr>
+                            <m:t>𝑝</m:t>
+                          </m:r>
+                        </m:e>
+                      </m:acc>
+                    </m:oMath>
+                  </m:oMathPara>
                 </a14:m>
-                <a:r>
-                  <a:rPr lang="en-US" sz="1200" dirty="0"/>
-                  <a:t>+</a:t>
-                </a:r>
-                <a14:m>
-                  <m:oMath xmlns:m="http://schemas.openxmlformats.org/officeDocument/2006/math">
-                    <m:r>
-                      <m:rPr>
-                        <m:sty m:val="p"/>
-                      </m:rPr>
-                      <a:rPr lang="en-US" sz="1200" b="0" i="0" smtClean="0">
-                        <a:latin typeface="Cambria Math" panose="02040503050406030204" pitchFamily="18" charset="0"/>
-                      </a:rPr>
-                      <m:t>Δ</m:t>
-                    </m:r>
-                  </m:oMath>
-                </a14:m>
-                <a:endParaRPr lang="en-US" sz="1200" dirty="0"/>
+                <a:endParaRPr lang="en-US" sz="1400" dirty="0"/>
               </a:p>
             </p:txBody>
           </p:sp>
         </mc:Choice>
-        <mc:Fallback xmlns="">
+        <mc:Fallback>
           <p:sp>
             <p:nvSpPr>
               <p:cNvPr id="40" name="TextBox 39">
@@ -7434,16 +7012,16 @@
             </p:nvSpPr>
             <p:spPr>
               <a:xfrm>
-                <a:off x="2718573" y="1469603"/>
-                <a:ext cx="786529" cy="276999"/>
+                <a:off x="3166012" y="2954274"/>
+                <a:ext cx="786529" cy="307777"/>
               </a:xfrm>
               <a:prstGeom prst="rect">
                 <a:avLst/>
               </a:prstGeom>
               <a:blipFill>
-                <a:blip r:embed="rId8"/>
+                <a:blip r:embed="rId4"/>
                 <a:stretch>
-                  <a:fillRect b="-15217"/>
+                  <a:fillRect b="-2000"/>
                 </a:stretch>
               </a:blipFill>
             </p:spPr>
@@ -7476,7 +7054,7 @@
         </p:nvCxnSpPr>
         <p:spPr>
           <a:xfrm>
-            <a:off x="2915312" y="497587"/>
+            <a:off x="3544576" y="1982258"/>
             <a:ext cx="0" cy="555964"/>
           </a:xfrm>
           <a:prstGeom prst="line">
@@ -7501,8 +7079,8 @@
           </a:fontRef>
         </p:style>
       </p:cxnSp>
-      <mc:AlternateContent xmlns:mc="http://schemas.openxmlformats.org/markup-compatibility/2006" xmlns:a14="http://schemas.microsoft.com/office/drawing/2010/main">
-        <mc:Choice Requires="a14">
+      <mc:AlternateContent xmlns:mc="http://schemas.openxmlformats.org/markup-compatibility/2006">
+        <mc:Choice xmlns:a14="http://schemas.microsoft.com/office/drawing/2010/main" Requires="a14">
           <p:sp>
             <p:nvSpPr>
               <p:cNvPr id="43" name="TextBox 42">
@@ -7517,8 +7095,8 @@
             </p:nvSpPr>
             <p:spPr>
               <a:xfrm>
-                <a:off x="2522047" y="245810"/>
-                <a:ext cx="786529" cy="276999"/>
+                <a:off x="3151310" y="1700648"/>
+                <a:ext cx="786529" cy="307777"/>
               </a:xfrm>
               <a:prstGeom prst="rect">
                 <a:avLst/>
@@ -7542,7 +7120,10 @@
                         <m:rPr>
                           <m:sty m:val="p"/>
                         </m:rPr>
-                        <a:rPr lang="en-US" sz="1200" b="0" i="0" smtClean="0">
+                        <a:rPr lang="en-US" sz="1400" b="0" i="0" smtClean="0">
+                          <a:solidFill>
+                            <a:srgbClr val="0070C0"/>
+                          </a:solidFill>
                           <a:latin typeface="Cambria Math" panose="02040503050406030204" pitchFamily="18" charset="0"/>
                         </a:rPr>
                         <m:t>Δ</m:t>
@@ -7550,12 +7131,16 @@
                     </m:oMath>
                   </m:oMathPara>
                 </a14:m>
-                <a:endParaRPr lang="en-US" sz="1200" dirty="0"/>
+                <a:endParaRPr lang="en-US" sz="1400" dirty="0">
+                  <a:solidFill>
+                    <a:srgbClr val="0070C0"/>
+                  </a:solidFill>
+                </a:endParaRPr>
               </a:p>
             </p:txBody>
           </p:sp>
         </mc:Choice>
-        <mc:Fallback xmlns="">
+        <mc:Fallback>
           <p:sp>
             <p:nvSpPr>
               <p:cNvPr id="43" name="TextBox 42">
@@ -7572,14 +7157,14 @@
             </p:nvSpPr>
             <p:spPr>
               <a:xfrm>
-                <a:off x="2522047" y="245810"/>
-                <a:ext cx="786529" cy="276999"/>
+                <a:off x="3151310" y="1700648"/>
+                <a:ext cx="786529" cy="307777"/>
               </a:xfrm>
               <a:prstGeom prst="rect">
                 <a:avLst/>
               </a:prstGeom>
               <a:blipFill>
-                <a:blip r:embed="rId9"/>
+                <a:blip r:embed="rId5"/>
                 <a:stretch>
                   <a:fillRect/>
                 </a:stretch>
@@ -7600,8 +7185,8 @@
           </p:sp>
         </mc:Fallback>
       </mc:AlternateContent>
-      <mc:AlternateContent xmlns:mc="http://schemas.openxmlformats.org/markup-compatibility/2006" xmlns:a14="http://schemas.microsoft.com/office/drawing/2010/main">
-        <mc:Choice Requires="a14">
+      <mc:AlternateContent xmlns:mc="http://schemas.openxmlformats.org/markup-compatibility/2006">
+        <mc:Choice xmlns:a14="http://schemas.microsoft.com/office/drawing/2010/main" Requires="a14">
           <p:sp>
             <p:nvSpPr>
               <p:cNvPr id="44" name="TextBox 43">
@@ -7616,7 +7201,7 @@
             </p:nvSpPr>
             <p:spPr>
               <a:xfrm>
-                <a:off x="2037982" y="1240840"/>
+                <a:off x="2667246" y="2725511"/>
                 <a:ext cx="786529" cy="246221"/>
               </a:xfrm>
               <a:prstGeom prst="rect">
@@ -7670,7 +7255,7 @@
             </p:txBody>
           </p:sp>
         </mc:Choice>
-        <mc:Fallback xmlns="">
+        <mc:Fallback>
           <p:sp>
             <p:nvSpPr>
               <p:cNvPr id="44" name="TextBox 43">
@@ -7687,14 +7272,14 @@
             </p:nvSpPr>
             <p:spPr>
               <a:xfrm>
-                <a:off x="2037982" y="1240840"/>
+                <a:off x="2667246" y="2725511"/>
                 <a:ext cx="786529" cy="246221"/>
               </a:xfrm>
               <a:prstGeom prst="rect">
                 <a:avLst/>
               </a:prstGeom>
               <a:blipFill>
-                <a:blip r:embed="rId10"/>
+                <a:blip r:embed="rId6"/>
                 <a:stretch>
                   <a:fillRect/>
                 </a:stretch>
@@ -7729,7 +7314,7 @@
         </p:nvCxnSpPr>
         <p:spPr>
           <a:xfrm flipH="1">
-            <a:off x="1779639" y="1371645"/>
+            <a:off x="2408903" y="2856316"/>
             <a:ext cx="412955" cy="0"/>
           </a:xfrm>
           <a:prstGeom prst="straightConnector1">
@@ -7770,7 +7355,7 @@
         </p:nvCxnSpPr>
         <p:spPr>
           <a:xfrm>
-            <a:off x="2615381" y="1371645"/>
+            <a:off x="3244645" y="2856316"/>
             <a:ext cx="250723" cy="0"/>
           </a:xfrm>
           <a:prstGeom prst="straightConnector1">
@@ -7809,7 +7394,7 @@
         </p:nvSpPr>
         <p:spPr>
           <a:xfrm>
-            <a:off x="331818" y="1053552"/>
+            <a:off x="961082" y="2538223"/>
             <a:ext cx="1902539" cy="400663"/>
           </a:xfrm>
           <a:prstGeom prst="rect">
@@ -7862,7 +7447,7 @@
         </p:nvCxnSpPr>
         <p:spPr>
           <a:xfrm flipH="1">
-            <a:off x="1804174" y="1155768"/>
+            <a:off x="2433438" y="2640439"/>
             <a:ext cx="127819" cy="196645"/>
           </a:xfrm>
           <a:prstGeom prst="line">
@@ -7903,7 +7488,7 @@
         </p:nvCxnSpPr>
         <p:spPr>
           <a:xfrm flipH="1">
-            <a:off x="1941874" y="1149144"/>
+            <a:off x="2571138" y="2633815"/>
             <a:ext cx="127819" cy="196645"/>
           </a:xfrm>
           <a:prstGeom prst="line">
@@ -7944,7 +7529,7 @@
         </p:nvCxnSpPr>
         <p:spPr>
           <a:xfrm flipH="1">
-            <a:off x="2059861" y="1149144"/>
+            <a:off x="2689125" y="2633815"/>
             <a:ext cx="127819" cy="196645"/>
           </a:xfrm>
           <a:prstGeom prst="line">
@@ -7971,14 +7556,56 @@
           </a:fontRef>
         </p:style>
       </p:cxnSp>
-      <mc:AlternateContent xmlns:mc="http://schemas.openxmlformats.org/markup-compatibility/2006" xmlns:a14="http://schemas.microsoft.com/office/drawing/2010/main">
-        <mc:Choice Requires="a14">
+      <p:cxnSp>
+        <p:nvCxnSpPr>
+          <p:cNvPr id="57" name="Straight Connector 56">
+            <a:extLst>
+              <a:ext uri="{FF2B5EF4-FFF2-40B4-BE49-F238E27FC236}">
+                <a16:creationId xmlns:a16="http://schemas.microsoft.com/office/drawing/2014/main" id="{F19FB206-9FD1-444D-8E0C-70D73BC51DFA}"/>
+              </a:ext>
+            </a:extLst>
+          </p:cNvPr>
+          <p:cNvCxnSpPr/>
+          <p:nvPr/>
+        </p:nvCxnSpPr>
+        <p:spPr>
+          <a:xfrm>
+            <a:off x="2863621" y="1992091"/>
+            <a:ext cx="0" cy="555964"/>
+          </a:xfrm>
+          <a:prstGeom prst="line">
+            <a:avLst/>
+          </a:prstGeom>
+          <a:ln w="15875">
+            <a:solidFill>
+              <a:srgbClr val="FF0000"/>
+            </a:solidFill>
+            <a:prstDash val="sysDash"/>
+          </a:ln>
+        </p:spPr>
+        <p:style>
+          <a:lnRef idx="1">
+            <a:schemeClr val="accent1"/>
+          </a:lnRef>
+          <a:fillRef idx="0">
+            <a:schemeClr val="accent1"/>
+          </a:fillRef>
+          <a:effectRef idx="0">
+            <a:schemeClr val="accent1"/>
+          </a:effectRef>
+          <a:fontRef idx="minor">
+            <a:schemeClr val="tx1"/>
+          </a:fontRef>
+        </p:style>
+      </p:cxnSp>
+      <mc:AlternateContent xmlns:mc="http://schemas.openxmlformats.org/markup-compatibility/2006">
+        <mc:Choice xmlns:a14="http://schemas.microsoft.com/office/drawing/2010/main" Requires="a14">
           <p:sp>
             <p:nvSpPr>
-              <p:cNvPr id="56" name="TextBox 55">
+              <p:cNvPr id="58" name="TextBox 57">
                 <a:extLst>
                   <a:ext uri="{FF2B5EF4-FFF2-40B4-BE49-F238E27FC236}">
-                    <a16:creationId xmlns:a16="http://schemas.microsoft.com/office/drawing/2014/main" id="{1A02BF80-6C45-4AA9-AAB5-3A7A887B1726}"/>
+                    <a16:creationId xmlns:a16="http://schemas.microsoft.com/office/drawing/2014/main" id="{68D86D04-7896-4067-800B-830F8DD2E1B2}"/>
                   </a:ext>
                 </a:extLst>
               </p:cNvPr>
@@ -7987,8 +7614,8 @@
             </p:nvSpPr>
             <p:spPr>
               <a:xfrm>
-                <a:off x="1903008" y="1476076"/>
-                <a:ext cx="868024" cy="276999"/>
+                <a:off x="2587119" y="1706018"/>
+                <a:ext cx="786529" cy="492443"/>
               </a:xfrm>
               <a:prstGeom prst="rect">
                 <a:avLst/>
@@ -8003,29 +7630,17 @@
               <a:p>
                 <a14:m>
                   <m:oMath xmlns:m="http://schemas.openxmlformats.org/officeDocument/2006/math">
-                    <m:acc>
-                      <m:accPr>
-                        <m:chr m:val="̅"/>
-                        <m:ctrlPr>
-                          <a:rPr lang="en-US" sz="1200" b="0" i="1" smtClean="0">
-                            <a:latin typeface="Cambria Math" panose="02040503050406030204" pitchFamily="18" charset="0"/>
-                          </a:rPr>
-                        </m:ctrlPr>
-                      </m:accPr>
-                      <m:e>
-                        <m:r>
-                          <a:rPr lang="en-US" sz="1200" b="0" i="1" smtClean="0">
-                            <a:latin typeface="Cambria Math" panose="02040503050406030204" pitchFamily="18" charset="0"/>
-                          </a:rPr>
-                          <m:t>𝑝</m:t>
-                        </m:r>
-                      </m:e>
-                    </m:acc>
+                    <m:r>
+                      <a:rPr lang="en-US" sz="1400" b="0" i="1" smtClean="0">
+                        <a:latin typeface="Cambria Math" panose="02040503050406030204" pitchFamily="18" charset="0"/>
+                      </a:rPr>
+                      <m:t>𝑁</m:t>
+                    </m:r>
                   </m:oMath>
                 </a14:m>
                 <a:r>
-                  <a:rPr lang="en-US" sz="1200" dirty="0"/>
-                  <a:t>-</a:t>
+                  <a:rPr lang="en-US" sz="1400" dirty="0"/>
+                  <a:t>+</a:t>
                 </a:r>
                 <a14:m>
                   <m:oMath xmlns:m="http://schemas.openxmlformats.org/officeDocument/2006/math">
@@ -8033,7 +7648,10 @@
                       <m:rPr>
                         <m:sty m:val="p"/>
                       </m:rPr>
-                      <a:rPr lang="en-US" sz="1200" b="0" i="0" smtClean="0">
+                      <a:rPr lang="en-US" sz="1400" b="0" i="0" dirty="0" smtClean="0">
+                        <a:solidFill>
+                          <a:srgbClr val="FF0000"/>
+                        </a:solidFill>
                         <a:latin typeface="Cambria Math" panose="02040503050406030204" pitchFamily="18" charset="0"/>
                       </a:rPr>
                       <m:t>Δ</m:t>
@@ -8041,34 +7659,23 @@
                   </m:oMath>
                 </a14:m>
                 <a:r>
-                  <a:rPr lang="en-US" sz="1200" dirty="0"/>
-                  <a:t>+</a:t>
-                </a:r>
-                <a14:m>
-                  <m:oMath xmlns:m="http://schemas.openxmlformats.org/officeDocument/2006/math">
-                    <m:r>
-                      <a:rPr lang="en-US" sz="1200" b="0" i="1" smtClean="0">
-                        <a:latin typeface="Cambria Math" panose="02040503050406030204" pitchFamily="18" charset="0"/>
-                      </a:rPr>
-                      <m:t>𝑁</m:t>
-                    </m:r>
-                  </m:oMath>
-                </a14:m>
-                <a:r>
-                  <a:rPr lang="en-US" sz="1200" dirty="0"/>
+                  <a:rPr lang="en-US" sz="1400" dirty="0"/>
                   <a:t>-1</a:t>
                 </a:r>
+              </a:p>
+              <a:p>
+                <a:endParaRPr lang="en-US" sz="1200" dirty="0"/>
               </a:p>
             </p:txBody>
           </p:sp>
         </mc:Choice>
-        <mc:Fallback xmlns="">
+        <mc:Fallback>
           <p:sp>
             <p:nvSpPr>
-              <p:cNvPr id="56" name="TextBox 55">
+              <p:cNvPr id="58" name="TextBox 57">
                 <a:extLst>
                   <a:ext uri="{FF2B5EF4-FFF2-40B4-BE49-F238E27FC236}">
-                    <a16:creationId xmlns:a16="http://schemas.microsoft.com/office/drawing/2014/main" id="{1A02BF80-6C45-4AA9-AAB5-3A7A887B1726}"/>
+                    <a16:creationId xmlns:a16="http://schemas.microsoft.com/office/drawing/2014/main" id="{68D86D04-7896-4067-800B-830F8DD2E1B2}"/>
                   </a:ext>
                 </a:extLst>
               </p:cNvPr>
@@ -8079,16 +7686,16 @@
             </p:nvSpPr>
             <p:spPr>
               <a:xfrm>
-                <a:off x="1903008" y="1476076"/>
-                <a:ext cx="868024" cy="276999"/>
+                <a:off x="2587119" y="1706018"/>
+                <a:ext cx="786529" cy="492443"/>
               </a:xfrm>
               <a:prstGeom prst="rect">
                 <a:avLst/>
               </a:prstGeom>
               <a:blipFill>
-                <a:blip r:embed="rId11"/>
+                <a:blip r:embed="rId7"/>
                 <a:stretch>
-                  <a:fillRect b="-15217"/>
+                  <a:fillRect t="-2469"/>
                 </a:stretch>
               </a:blipFill>
             </p:spPr>
@@ -8107,163 +7714,8 @@
           </p:sp>
         </mc:Fallback>
       </mc:AlternateContent>
-      <p:cxnSp>
-        <p:nvCxnSpPr>
-          <p:cNvPr id="57" name="Straight Connector 56">
-            <a:extLst>
-              <a:ext uri="{FF2B5EF4-FFF2-40B4-BE49-F238E27FC236}">
-                <a16:creationId xmlns:a16="http://schemas.microsoft.com/office/drawing/2014/main" id="{F19FB206-9FD1-444D-8E0C-70D73BC51DFA}"/>
-              </a:ext>
-            </a:extLst>
-          </p:cNvPr>
-          <p:cNvCxnSpPr/>
-          <p:nvPr/>
-        </p:nvCxnSpPr>
-        <p:spPr>
-          <a:xfrm>
-            <a:off x="2234357" y="507420"/>
-            <a:ext cx="0" cy="555964"/>
-          </a:xfrm>
-          <a:prstGeom prst="line">
-            <a:avLst/>
-          </a:prstGeom>
-          <a:ln w="15875">
-            <a:solidFill>
-              <a:srgbClr val="FF0000"/>
-            </a:solidFill>
-            <a:prstDash val="sysDash"/>
-          </a:ln>
-        </p:spPr>
-        <p:style>
-          <a:lnRef idx="1">
-            <a:schemeClr val="accent1"/>
-          </a:lnRef>
-          <a:fillRef idx="0">
-            <a:schemeClr val="accent1"/>
-          </a:fillRef>
-          <a:effectRef idx="0">
-            <a:schemeClr val="accent1"/>
-          </a:effectRef>
-          <a:fontRef idx="minor">
-            <a:schemeClr val="tx1"/>
-          </a:fontRef>
-        </p:style>
-      </p:cxnSp>
-      <mc:AlternateContent xmlns:mc="http://schemas.openxmlformats.org/markup-compatibility/2006" xmlns:a14="http://schemas.microsoft.com/office/drawing/2010/main">
-        <mc:Choice Requires="a14">
-          <p:sp>
-            <p:nvSpPr>
-              <p:cNvPr id="58" name="TextBox 57">
-                <a:extLst>
-                  <a:ext uri="{FF2B5EF4-FFF2-40B4-BE49-F238E27FC236}">
-                    <a16:creationId xmlns:a16="http://schemas.microsoft.com/office/drawing/2014/main" id="{68D86D04-7896-4067-800B-830F8DD2E1B2}"/>
-                  </a:ext>
-                </a:extLst>
-              </p:cNvPr>
-              <p:cNvSpPr txBox="1"/>
-              <p:nvPr/>
-            </p:nvSpPr>
-            <p:spPr>
-              <a:xfrm>
-                <a:off x="2015791" y="250693"/>
-                <a:ext cx="786529" cy="461665"/>
-              </a:xfrm>
-              <a:prstGeom prst="rect">
-                <a:avLst/>
-              </a:prstGeom>
-              <a:noFill/>
-            </p:spPr>
-            <p:txBody>
-              <a:bodyPr wrap="square" rtlCol="0">
-                <a:spAutoFit/>
-              </a:bodyPr>
-              <a:lstStyle/>
-              <a:p>
-                <a14:m>
-                  <m:oMath xmlns:m="http://schemas.openxmlformats.org/officeDocument/2006/math">
-                    <m:r>
-                      <a:rPr lang="en-US" sz="1200" b="0" i="1" smtClean="0">
-                        <a:latin typeface="Cambria Math" panose="02040503050406030204" pitchFamily="18" charset="0"/>
-                      </a:rPr>
-                      <m:t>𝑁</m:t>
-                    </m:r>
-                  </m:oMath>
-                </a14:m>
-                <a:r>
-                  <a:rPr lang="en-US" sz="1200" dirty="0"/>
-                  <a:t>-</a:t>
-                </a:r>
-                <a14:m>
-                  <m:oMath xmlns:m="http://schemas.openxmlformats.org/officeDocument/2006/math">
-                    <m:r>
-                      <m:rPr>
-                        <m:sty m:val="p"/>
-                      </m:rPr>
-                      <a:rPr lang="en-US" sz="1200" b="0" i="0" dirty="0" smtClean="0">
-                        <a:latin typeface="Cambria Math" panose="02040503050406030204" pitchFamily="18" charset="0"/>
-                      </a:rPr>
-                      <m:t>Δ</m:t>
-                    </m:r>
-                  </m:oMath>
-                </a14:m>
-                <a:r>
-                  <a:rPr lang="en-US" sz="1200" dirty="0"/>
-                  <a:t>-1</a:t>
-                </a:r>
-              </a:p>
-              <a:p>
-                <a:endParaRPr lang="en-US" sz="1200" dirty="0"/>
-              </a:p>
-            </p:txBody>
-          </p:sp>
-        </mc:Choice>
-        <mc:Fallback xmlns="">
-          <p:sp>
-            <p:nvSpPr>
-              <p:cNvPr id="58" name="TextBox 57">
-                <a:extLst>
-                  <a:ext uri="{FF2B5EF4-FFF2-40B4-BE49-F238E27FC236}">
-                    <a16:creationId xmlns:a16="http://schemas.microsoft.com/office/drawing/2014/main" id="{68D86D04-7896-4067-800B-830F8DD2E1B2}"/>
-                  </a:ext>
-                </a:extLst>
-              </p:cNvPr>
-              <p:cNvSpPr txBox="1">
-                <a:spLocks noRot="1" noChangeAspect="1" noMove="1" noResize="1" noEditPoints="1" noAdjustHandles="1" noChangeArrowheads="1" noChangeShapeType="1" noTextEdit="1"/>
-              </p:cNvSpPr>
-              <p:nvPr/>
-            </p:nvSpPr>
-            <p:spPr>
-              <a:xfrm>
-                <a:off x="2015791" y="250693"/>
-                <a:ext cx="786529" cy="461665"/>
-              </a:xfrm>
-              <a:prstGeom prst="rect">
-                <a:avLst/>
-              </a:prstGeom>
-              <a:blipFill>
-                <a:blip r:embed="rId12"/>
-                <a:stretch>
-                  <a:fillRect/>
-                </a:stretch>
-              </a:blipFill>
-            </p:spPr>
-            <p:txBody>
-              <a:bodyPr/>
-              <a:lstStyle/>
-              <a:p>
-                <a:r>
-                  <a:rPr lang="en-US">
-                    <a:noFill/>
-                  </a:rPr>
-                  <a:t> </a:t>
-                </a:r>
-              </a:p>
-            </p:txBody>
-          </p:sp>
-        </mc:Fallback>
-      </mc:AlternateContent>
-      <mc:AlternateContent xmlns:mc="http://schemas.openxmlformats.org/markup-compatibility/2006" xmlns:a14="http://schemas.microsoft.com/office/drawing/2010/main">
-        <mc:Choice Requires="a14">
+      <mc:AlternateContent xmlns:mc="http://schemas.openxmlformats.org/markup-compatibility/2006">
+        <mc:Choice xmlns:a14="http://schemas.microsoft.com/office/drawing/2010/main" Requires="a14">
           <p:sp>
             <p:nvSpPr>
               <p:cNvPr id="64" name="TextBox 63">
@@ -8278,7 +7730,7 @@
             </p:nvSpPr>
             <p:spPr>
               <a:xfrm>
-                <a:off x="618394" y="1240840"/>
+                <a:off x="1247658" y="2725511"/>
                 <a:ext cx="786529" cy="246221"/>
               </a:xfrm>
               <a:prstGeom prst="rect">
@@ -8332,7 +7784,7 @@
             </p:txBody>
           </p:sp>
         </mc:Choice>
-        <mc:Fallback xmlns="">
+        <mc:Fallback>
           <p:sp>
             <p:nvSpPr>
               <p:cNvPr id="64" name="TextBox 63">
@@ -8349,14 +7801,14 @@
             </p:nvSpPr>
             <p:spPr>
               <a:xfrm>
-                <a:off x="618394" y="1240840"/>
+                <a:off x="1247658" y="2725511"/>
                 <a:ext cx="786529" cy="246221"/>
               </a:xfrm>
               <a:prstGeom prst="rect">
                 <a:avLst/>
               </a:prstGeom>
               <a:blipFill>
-                <a:blip r:embed="rId13"/>
+                <a:blip r:embed="rId8"/>
                 <a:stretch>
                   <a:fillRect/>
                 </a:stretch>
@@ -8391,7 +7843,7 @@
         </p:nvCxnSpPr>
         <p:spPr>
           <a:xfrm flipH="1">
-            <a:off x="360051" y="1371645"/>
+            <a:off x="989315" y="2856316"/>
             <a:ext cx="412955" cy="0"/>
           </a:xfrm>
           <a:prstGeom prst="straightConnector1">
@@ -8435,7 +7887,7 @@
         </p:nvCxnSpPr>
         <p:spPr>
           <a:xfrm>
-            <a:off x="1195793" y="1371645"/>
+            <a:off x="1825057" y="2856316"/>
             <a:ext cx="505188" cy="0"/>
           </a:xfrm>
           <a:prstGeom prst="straightConnector1">
@@ -8463,8 +7915,8 @@
           </a:fontRef>
         </p:style>
       </p:cxnSp>
-      <mc:AlternateContent xmlns:mc="http://schemas.openxmlformats.org/markup-compatibility/2006" xmlns:a14="http://schemas.microsoft.com/office/drawing/2010/main">
-        <mc:Choice Requires="a14">
+      <mc:AlternateContent xmlns:mc="http://schemas.openxmlformats.org/markup-compatibility/2006">
+        <mc:Choice xmlns:a14="http://schemas.microsoft.com/office/drawing/2010/main" Requires="a14">
           <p:sp>
             <p:nvSpPr>
               <p:cNvPr id="70" name="TextBox 69">
@@ -8479,8 +7931,8 @@
             </p:nvSpPr>
             <p:spPr>
               <a:xfrm>
-                <a:off x="148727" y="1472181"/>
-                <a:ext cx="786529" cy="276999"/>
+                <a:off x="581653" y="2948282"/>
+                <a:ext cx="786529" cy="307777"/>
               </a:xfrm>
               <a:prstGeom prst="rect">
                 <a:avLst/>
@@ -8494,50 +7946,44 @@
               <a:lstStyle/>
               <a:p>
                 <a14:m>
-                  <m:oMath xmlns:m="http://schemas.openxmlformats.org/officeDocument/2006/math">
-                    <m:acc>
-                      <m:accPr>
-                        <m:chr m:val="̅"/>
-                        <m:ctrlPr>
-                          <a:rPr lang="en-US" sz="1200" b="0" i="1" smtClean="0">
-                            <a:latin typeface="Cambria Math" panose="02040503050406030204" pitchFamily="18" charset="0"/>
-                          </a:rPr>
-                        </m:ctrlPr>
-                      </m:accPr>
-                      <m:e>
-                        <m:r>
-                          <a:rPr lang="en-US" sz="1200" b="0" i="1" smtClean="0">
-                            <a:latin typeface="Cambria Math" panose="02040503050406030204" pitchFamily="18" charset="0"/>
-                          </a:rPr>
-                          <m:t>𝑝</m:t>
-                        </m:r>
-                      </m:e>
-                    </m:acc>
-                  </m:oMath>
+                  <m:oMathPara xmlns:m="http://schemas.openxmlformats.org/officeDocument/2006/math">
+                    <m:oMathParaPr>
+                      <m:jc m:val="centerGroup"/>
+                    </m:oMathParaPr>
+                    <m:oMath xmlns:m="http://schemas.openxmlformats.org/officeDocument/2006/math">
+                      <m:acc>
+                        <m:accPr>
+                          <m:chr m:val="̅"/>
+                          <m:ctrlPr>
+                            <a:rPr lang="en-US" sz="1400" b="0" i="1" smtClean="0">
+                              <a:solidFill>
+                                <a:srgbClr val="FF0000"/>
+                              </a:solidFill>
+                              <a:latin typeface="Cambria Math" panose="02040503050406030204" pitchFamily="18" charset="0"/>
+                            </a:rPr>
+                          </m:ctrlPr>
+                        </m:accPr>
+                        <m:e>
+                          <m:r>
+                            <a:rPr lang="en-US" sz="1400" b="0" i="1" smtClean="0">
+                              <a:solidFill>
+                                <a:srgbClr val="FF0000"/>
+                              </a:solidFill>
+                              <a:latin typeface="Cambria Math" panose="02040503050406030204" pitchFamily="18" charset="0"/>
+                            </a:rPr>
+                            <m:t>𝑝</m:t>
+                          </m:r>
+                        </m:e>
+                      </m:acc>
+                    </m:oMath>
+                  </m:oMathPara>
                 </a14:m>
-                <a:r>
-                  <a:rPr lang="en-US" sz="1200" dirty="0"/>
-                  <a:t>-</a:t>
-                </a:r>
-                <a14:m>
-                  <m:oMath xmlns:m="http://schemas.openxmlformats.org/officeDocument/2006/math">
-                    <m:r>
-                      <m:rPr>
-                        <m:sty m:val="p"/>
-                      </m:rPr>
-                      <a:rPr lang="en-US" sz="1200" b="0" i="0" smtClean="0">
-                        <a:latin typeface="Cambria Math" panose="02040503050406030204" pitchFamily="18" charset="0"/>
-                      </a:rPr>
-                      <m:t>Δ</m:t>
-                    </m:r>
-                  </m:oMath>
-                </a14:m>
-                <a:endParaRPr lang="en-US" sz="1200" dirty="0"/>
+                <a:endParaRPr lang="en-US" sz="1400" dirty="0"/>
               </a:p>
             </p:txBody>
           </p:sp>
         </mc:Choice>
-        <mc:Fallback xmlns="">
+        <mc:Fallback>
           <p:sp>
             <p:nvSpPr>
               <p:cNvPr id="70" name="TextBox 69">
@@ -8554,16 +8000,16 @@
             </p:nvSpPr>
             <p:spPr>
               <a:xfrm>
-                <a:off x="148727" y="1472181"/>
-                <a:ext cx="786529" cy="276999"/>
+                <a:off x="581653" y="2948282"/>
+                <a:ext cx="786529" cy="307777"/>
               </a:xfrm>
               <a:prstGeom prst="rect">
                 <a:avLst/>
               </a:prstGeom>
               <a:blipFill>
-                <a:blip r:embed="rId14"/>
+                <a:blip r:embed="rId9"/>
                 <a:stretch>
-                  <a:fillRect b="-15217"/>
+                  <a:fillRect b="-2000"/>
                 </a:stretch>
               </a:blipFill>
             </p:spPr>
@@ -8584,58 +8030,6 @@
       </mc:AlternateContent>
       <p:sp>
         <p:nvSpPr>
-          <p:cNvPr id="2" name="Right Brace 1">
-            <a:extLst>
-              <a:ext uri="{FF2B5EF4-FFF2-40B4-BE49-F238E27FC236}">
-                <a16:creationId xmlns:a16="http://schemas.microsoft.com/office/drawing/2014/main" id="{56F44CC5-96E5-4247-9B14-BD6F1F823038}"/>
-              </a:ext>
-            </a:extLst>
-          </p:cNvPr>
-          <p:cNvSpPr/>
-          <p:nvPr/>
-        </p:nvSpPr>
-        <p:spPr>
-          <a:xfrm rot="16200000">
-            <a:off x="3768260" y="10581"/>
-            <a:ext cx="196646" cy="1902539"/>
-          </a:xfrm>
-          <a:prstGeom prst="rightBrace">
-            <a:avLst>
-              <a:gd name="adj1" fmla="val 169487"/>
-              <a:gd name="adj2" fmla="val 48063"/>
-            </a:avLst>
-          </a:prstGeom>
-          <a:ln>
-            <a:solidFill>
-              <a:schemeClr val="tx1"/>
-            </a:solidFill>
-          </a:ln>
-        </p:spPr>
-        <p:style>
-          <a:lnRef idx="1">
-            <a:schemeClr val="accent1"/>
-          </a:lnRef>
-          <a:fillRef idx="0">
-            <a:schemeClr val="accent1"/>
-          </a:fillRef>
-          <a:effectRef idx="0">
-            <a:schemeClr val="accent1"/>
-          </a:effectRef>
-          <a:fontRef idx="minor">
-            <a:schemeClr val="tx1"/>
-          </a:fontRef>
-        </p:style>
-        <p:txBody>
-          <a:bodyPr rtlCol="0" anchor="ctr"/>
-          <a:lstStyle/>
-          <a:p>
-            <a:pPr algn="ctr"/>
-            <a:endParaRPr lang="en-US"/>
-          </a:p>
-        </p:txBody>
-      </p:sp>
-      <p:sp>
-        <p:nvSpPr>
           <p:cNvPr id="37" name="TextBox 36">
             <a:extLst>
               <a:ext uri="{FF2B5EF4-FFF2-40B4-BE49-F238E27FC236}">
@@ -8648,8 +8042,8 @@
         </p:nvSpPr>
         <p:spPr>
           <a:xfrm>
-            <a:off x="3648442" y="629094"/>
-            <a:ext cx="2378003" cy="292388"/>
+            <a:off x="4407477" y="2197599"/>
+            <a:ext cx="2378003" cy="307777"/>
           </a:xfrm>
           <a:prstGeom prst="rect">
             <a:avLst/>
@@ -8663,8 +8057,8 @@
           <a:lstStyle/>
           <a:p>
             <a:r>
-              <a:rPr lang="en-US" sz="1300" dirty="0"/>
-              <a:t>preamble</a:t>
+              <a:rPr lang="en-US" sz="1400" dirty="0"/>
+              <a:t>preamble (not arrived)</a:t>
             </a:r>
           </a:p>
         </p:txBody>
@@ -8679,13 +8073,13 @@
             </a:extLst>
           </p:cNvPr>
           <p:cNvCxnSpPr>
-            <a:endCxn id="2" idx="0"/>
+            <a:cxnSpLocks/>
           </p:cNvCxnSpPr>
           <p:nvPr/>
         </p:nvCxnSpPr>
         <p:spPr>
           <a:xfrm flipV="1">
-            <a:off x="2915311" y="1060174"/>
+            <a:off x="3544575" y="2544845"/>
             <a:ext cx="0" cy="381429"/>
           </a:xfrm>
           <a:prstGeom prst="line">
@@ -8722,7 +8116,7 @@
         </p:nvCxnSpPr>
         <p:spPr>
           <a:xfrm flipH="1">
-            <a:off x="2915311" y="1053551"/>
+            <a:off x="3544575" y="2538222"/>
             <a:ext cx="766870" cy="0"/>
           </a:xfrm>
           <a:prstGeom prst="line">
@@ -8759,7 +8153,7 @@
         </p:nvCxnSpPr>
         <p:spPr>
           <a:xfrm flipV="1">
-            <a:off x="2234357" y="1060174"/>
+            <a:off x="2863621" y="2544845"/>
             <a:ext cx="0" cy="394040"/>
           </a:xfrm>
           <a:prstGeom prst="line">
@@ -8802,7 +8196,7 @@
         </p:nvCxnSpPr>
         <p:spPr>
           <a:xfrm>
-            <a:off x="1779639" y="1053551"/>
+            <a:off x="2408903" y="2538222"/>
             <a:ext cx="454718" cy="0"/>
           </a:xfrm>
           <a:prstGeom prst="line">
@@ -8843,7 +8237,7 @@
         </p:nvCxnSpPr>
         <p:spPr>
           <a:xfrm>
-            <a:off x="2915311" y="1454214"/>
+            <a:off x="3544575" y="2938885"/>
             <a:ext cx="766870" cy="0"/>
           </a:xfrm>
           <a:prstGeom prst="line">
@@ -8880,7 +8274,7 @@
         </p:nvCxnSpPr>
         <p:spPr>
           <a:xfrm>
-            <a:off x="1779639" y="1454214"/>
+            <a:off x="2408903" y="2938885"/>
             <a:ext cx="454718" cy="0"/>
           </a:xfrm>
           <a:prstGeom prst="line">
@@ -8923,7 +8317,7 @@
         </p:nvCxnSpPr>
         <p:spPr>
           <a:xfrm>
-            <a:off x="228574" y="1454214"/>
+            <a:off x="857838" y="2938885"/>
             <a:ext cx="4955458" cy="0"/>
           </a:xfrm>
           <a:prstGeom prst="straightConnector1">
@@ -8967,7 +8361,7 @@
         </p:nvCxnSpPr>
         <p:spPr>
           <a:xfrm>
-            <a:off x="5976814" y="2876487"/>
+            <a:off x="7746620" y="4269941"/>
             <a:ext cx="2921380" cy="0"/>
           </a:xfrm>
           <a:prstGeom prst="straightConnector1">
@@ -8995,8 +8389,8 @@
           </a:fontRef>
         </p:style>
       </p:cxnSp>
-      <mc:AlternateContent xmlns:mc="http://schemas.openxmlformats.org/markup-compatibility/2006" xmlns:a14="http://schemas.microsoft.com/office/drawing/2010/main">
-        <mc:Choice Requires="a14">
+      <mc:AlternateContent xmlns:mc="http://schemas.openxmlformats.org/markup-compatibility/2006">
+        <mc:Choice xmlns:a14="http://schemas.microsoft.com/office/drawing/2010/main" Requires="a14">
           <p:sp>
             <p:nvSpPr>
               <p:cNvPr id="61" name="TextBox 60">
@@ -9011,7 +8405,7 @@
             </p:nvSpPr>
             <p:spPr>
               <a:xfrm>
-                <a:off x="9542263" y="3679805"/>
+                <a:off x="11312069" y="5073259"/>
                 <a:ext cx="619328" cy="307777"/>
               </a:xfrm>
               <a:prstGeom prst="rect">
@@ -9046,7 +8440,7 @@
             </p:txBody>
           </p:sp>
         </mc:Choice>
-        <mc:Fallback xmlns="">
+        <mc:Fallback>
           <p:sp>
             <p:nvSpPr>
               <p:cNvPr id="61" name="TextBox 60">
@@ -9063,16 +8457,16 @@
             </p:nvSpPr>
             <p:spPr>
               <a:xfrm>
-                <a:off x="9542263" y="3679805"/>
+                <a:off x="11312069" y="5073259"/>
                 <a:ext cx="619328" cy="307777"/>
               </a:xfrm>
               <a:prstGeom prst="rect">
                 <a:avLst/>
               </a:prstGeom>
               <a:blipFill>
-                <a:blip r:embed="rId15"/>
+                <a:blip r:embed="rId2"/>
                 <a:stretch>
-                  <a:fillRect b="-2000"/>
+                  <a:fillRect/>
                 </a:stretch>
               </a:blipFill>
             </p:spPr>
@@ -9107,7 +8501,7 @@
             </p:nvSpPr>
             <p:spPr>
               <a:xfrm>
-                <a:off x="8638543" y="2623107"/>
+                <a:off x="10408349" y="4016561"/>
                 <a:ext cx="619328" cy="307777"/>
               </a:xfrm>
               <a:prstGeom prst="rect">
@@ -9159,14 +8553,14 @@
             </p:nvSpPr>
             <p:spPr>
               <a:xfrm>
-                <a:off x="8638543" y="2623107"/>
+                <a:off x="10408349" y="4016561"/>
                 <a:ext cx="619328" cy="307777"/>
               </a:xfrm>
               <a:prstGeom prst="rect">
                 <a:avLst/>
               </a:prstGeom>
               <a:blipFill>
-                <a:blip r:embed="rId16"/>
+                <a:blip r:embed="rId3"/>
                 <a:stretch>
                   <a:fillRect/>
                 </a:stretch>
@@ -9203,7 +8597,7 @@
         </p:nvCxnSpPr>
         <p:spPr>
           <a:xfrm>
-            <a:off x="8351305" y="2876487"/>
+            <a:off x="10121111" y="4269941"/>
             <a:ext cx="0" cy="1862907"/>
           </a:xfrm>
           <a:prstGeom prst="line">
@@ -9246,7 +8640,7 @@
             </p:nvSpPr>
             <p:spPr>
               <a:xfrm>
-                <a:off x="5158045" y="4319079"/>
+                <a:off x="6927851" y="5712533"/>
                 <a:ext cx="619328" cy="276999"/>
               </a:xfrm>
               <a:prstGeom prst="rect">
@@ -9310,14 +8704,14 @@
             </p:nvSpPr>
             <p:spPr>
               <a:xfrm>
-                <a:off x="5158045" y="4319079"/>
+                <a:off x="6927851" y="5712533"/>
                 <a:ext cx="619328" cy="276999"/>
               </a:xfrm>
               <a:prstGeom prst="rect">
                 <a:avLst/>
               </a:prstGeom>
               <a:blipFill>
-                <a:blip r:embed="rId17"/>
+                <a:blip r:embed="rId10"/>
                 <a:stretch>
                   <a:fillRect/>
                 </a:stretch>
@@ -9354,7 +8748,7 @@
             </p:nvSpPr>
             <p:spPr>
               <a:xfrm>
-                <a:off x="6249976" y="2616643"/>
+                <a:off x="8019782" y="4010097"/>
                 <a:ext cx="619328" cy="276999"/>
               </a:xfrm>
               <a:prstGeom prst="rect">
@@ -9406,14 +8800,14 @@
             </p:nvSpPr>
             <p:spPr>
               <a:xfrm>
-                <a:off x="6249976" y="2616643"/>
+                <a:off x="8019782" y="4010097"/>
                 <a:ext cx="619328" cy="276999"/>
               </a:xfrm>
               <a:prstGeom prst="rect">
                 <a:avLst/>
               </a:prstGeom>
               <a:blipFill>
-                <a:blip r:embed="rId18"/>
+                <a:blip r:embed="rId11"/>
                 <a:stretch>
                   <a:fillRect/>
                 </a:stretch>
@@ -9450,7 +8844,7 @@
             </p:nvSpPr>
             <p:spPr>
               <a:xfrm>
-                <a:off x="8319769" y="2616046"/>
+                <a:off x="10089575" y="4009500"/>
                 <a:ext cx="471731" cy="276999"/>
               </a:xfrm>
               <a:prstGeom prst="rect">
@@ -9499,16 +8893,16 @@
             </p:nvSpPr>
             <p:spPr>
               <a:xfrm>
-                <a:off x="8319769" y="2616046"/>
+                <a:off x="10089575" y="4009500"/>
                 <a:ext cx="471731" cy="276999"/>
               </a:xfrm>
               <a:prstGeom prst="rect">
                 <a:avLst/>
               </a:prstGeom>
               <a:blipFill>
-                <a:blip r:embed="rId19"/>
+                <a:blip r:embed="rId12"/>
                 <a:stretch>
-                  <a:fillRect b="-15217"/>
+                  <a:fillRect t="-2222" b="-17778"/>
                 </a:stretch>
               </a:blipFill>
             </p:spPr>
@@ -9541,7 +8935,7 @@
         </p:nvSpPr>
         <p:spPr>
           <a:xfrm>
-            <a:off x="7584436" y="3310265"/>
+            <a:off x="9354242" y="4703719"/>
             <a:ext cx="1902539" cy="400663"/>
           </a:xfrm>
           <a:prstGeom prst="rect">
@@ -9591,7 +8985,7 @@
         </p:nvCxnSpPr>
         <p:spPr>
           <a:xfrm flipH="1">
-            <a:off x="7677746" y="3399233"/>
+            <a:off x="9447552" y="4792687"/>
             <a:ext cx="127819" cy="196645"/>
           </a:xfrm>
           <a:prstGeom prst="line">
@@ -9628,7 +9022,7 @@
         </p:nvCxnSpPr>
         <p:spPr>
           <a:xfrm flipH="1">
-            <a:off x="7815446" y="3392609"/>
+            <a:off x="9585252" y="4786063"/>
             <a:ext cx="127819" cy="196645"/>
           </a:xfrm>
           <a:prstGeom prst="line">
@@ -9665,7 +9059,7 @@
         </p:nvCxnSpPr>
         <p:spPr>
           <a:xfrm flipH="1">
-            <a:off x="7933433" y="3392609"/>
+            <a:off x="9703239" y="4786063"/>
             <a:ext cx="127819" cy="196645"/>
           </a:xfrm>
           <a:prstGeom prst="line">
@@ -9702,7 +9096,7 @@
         </p:nvCxnSpPr>
         <p:spPr>
           <a:xfrm flipH="1">
-            <a:off x="8066121" y="3399233"/>
+            <a:off x="9835927" y="4792687"/>
             <a:ext cx="127819" cy="196645"/>
           </a:xfrm>
           <a:prstGeom prst="line">
@@ -9739,7 +9133,7 @@
         </p:nvCxnSpPr>
         <p:spPr>
           <a:xfrm flipH="1">
-            <a:off x="8184108" y="3399232"/>
+            <a:off x="9953914" y="4792686"/>
             <a:ext cx="127819" cy="196645"/>
           </a:xfrm>
           <a:prstGeom prst="line">
@@ -9779,7 +9173,7 @@
         </p:nvCxnSpPr>
         <p:spPr>
           <a:xfrm>
-            <a:off x="7584435" y="2896793"/>
+            <a:off x="9354241" y="4290247"/>
             <a:ext cx="1" cy="413472"/>
           </a:xfrm>
           <a:prstGeom prst="line">
@@ -9804,8 +9198,8 @@
           </a:fontRef>
         </p:style>
       </p:cxnSp>
-      <mc:AlternateContent xmlns:mc="http://schemas.openxmlformats.org/markup-compatibility/2006" xmlns:a14="http://schemas.microsoft.com/office/drawing/2010/main">
-        <mc:Choice Requires="a14">
+      <mc:AlternateContent xmlns:mc="http://schemas.openxmlformats.org/markup-compatibility/2006">
+        <mc:Choice xmlns:a14="http://schemas.microsoft.com/office/drawing/2010/main" Requires="a14">
           <p:sp>
             <p:nvSpPr>
               <p:cNvPr id="81" name="TextBox 80">
@@ -9820,7 +9214,7 @@
             </p:nvSpPr>
             <p:spPr>
               <a:xfrm>
-                <a:off x="7191170" y="2619794"/>
+                <a:off x="8960976" y="4013248"/>
                 <a:ext cx="786529" cy="276999"/>
               </a:xfrm>
               <a:prstGeom prst="rect">
@@ -9858,7 +9252,7 @@
             </p:txBody>
           </p:sp>
         </mc:Choice>
-        <mc:Fallback xmlns="">
+        <mc:Fallback>
           <p:sp>
             <p:nvSpPr>
               <p:cNvPr id="81" name="TextBox 80">
@@ -9875,14 +9269,14 @@
             </p:nvSpPr>
             <p:spPr>
               <a:xfrm>
-                <a:off x="7191170" y="2619794"/>
+                <a:off x="8960976" y="4013248"/>
                 <a:ext cx="786529" cy="276999"/>
               </a:xfrm>
               <a:prstGeom prst="rect">
                 <a:avLst/>
               </a:prstGeom>
               <a:blipFill>
-                <a:blip r:embed="rId22"/>
+                <a:blip r:embed="rId13"/>
                 <a:stretch>
                   <a:fillRect/>
                 </a:stretch>
@@ -9903,8 +9297,8 @@
           </p:sp>
         </mc:Fallback>
       </mc:AlternateContent>
-      <mc:AlternateContent xmlns:mc="http://schemas.openxmlformats.org/markup-compatibility/2006" xmlns:a14="http://schemas.microsoft.com/office/drawing/2010/main">
-        <mc:Choice Requires="a14">
+      <mc:AlternateContent xmlns:mc="http://schemas.openxmlformats.org/markup-compatibility/2006">
+        <mc:Choice xmlns:a14="http://schemas.microsoft.com/office/drawing/2010/main" Requires="a14">
           <p:sp>
             <p:nvSpPr>
               <p:cNvPr id="82" name="TextBox 81">
@@ -9919,7 +9313,7 @@
             </p:nvSpPr>
             <p:spPr>
               <a:xfrm>
-                <a:off x="6707106" y="3497554"/>
+                <a:off x="8476912" y="4891008"/>
                 <a:ext cx="786529" cy="246221"/>
               </a:xfrm>
               <a:prstGeom prst="rect">
@@ -9973,7 +9367,7 @@
             </p:txBody>
           </p:sp>
         </mc:Choice>
-        <mc:Fallback xmlns="">
+        <mc:Fallback>
           <p:sp>
             <p:nvSpPr>
               <p:cNvPr id="82" name="TextBox 81">
@@ -9990,14 +9384,14 @@
             </p:nvSpPr>
             <p:spPr>
               <a:xfrm>
-                <a:off x="6707106" y="3497554"/>
+                <a:off x="8476912" y="4891008"/>
                 <a:ext cx="786529" cy="246221"/>
               </a:xfrm>
               <a:prstGeom prst="rect">
                 <a:avLst/>
               </a:prstGeom>
               <a:blipFill>
-                <a:blip r:embed="rId10"/>
+                <a:blip r:embed="rId14"/>
                 <a:stretch>
                   <a:fillRect/>
                 </a:stretch>
@@ -10032,7 +9426,7 @@
         </p:nvCxnSpPr>
         <p:spPr>
           <a:xfrm flipH="1">
-            <a:off x="6487505" y="3620664"/>
+            <a:off x="8257311" y="5014118"/>
             <a:ext cx="412955" cy="0"/>
           </a:xfrm>
           <a:prstGeom prst="straightConnector1">
@@ -10073,7 +9467,7 @@
         </p:nvCxnSpPr>
         <p:spPr>
           <a:xfrm flipV="1">
-            <a:off x="7584435" y="3316888"/>
+            <a:off x="9354241" y="4710342"/>
             <a:ext cx="0" cy="381429"/>
           </a:xfrm>
           <a:prstGeom prst="line">
@@ -10110,7 +9504,7 @@
         </p:nvCxnSpPr>
         <p:spPr>
           <a:xfrm flipH="1">
-            <a:off x="7584435" y="3310265"/>
+            <a:off x="9354241" y="4703719"/>
             <a:ext cx="766870" cy="0"/>
           </a:xfrm>
           <a:prstGeom prst="line">
@@ -10147,7 +9541,7 @@
         </p:nvCxnSpPr>
         <p:spPr>
           <a:xfrm>
-            <a:off x="7566102" y="3710928"/>
+            <a:off x="9335908" y="5104382"/>
             <a:ext cx="766870" cy="0"/>
           </a:xfrm>
           <a:prstGeom prst="line">
@@ -10186,7 +9580,7 @@
         </p:nvCxnSpPr>
         <p:spPr>
           <a:xfrm>
-            <a:off x="6144219" y="3710928"/>
+            <a:off x="7914025" y="5104382"/>
             <a:ext cx="3717536" cy="0"/>
           </a:xfrm>
           <a:prstGeom prst="straightConnector1">
@@ -10230,7 +9624,7 @@
         </p:nvCxnSpPr>
         <p:spPr>
           <a:xfrm>
-            <a:off x="6448763" y="2876487"/>
+            <a:off x="8218569" y="4269941"/>
             <a:ext cx="0" cy="1862907"/>
           </a:xfrm>
           <a:prstGeom prst="line">
@@ -10273,7 +9667,7 @@
         </p:nvCxnSpPr>
         <p:spPr>
           <a:xfrm>
-            <a:off x="7270548" y="3620664"/>
+            <a:off x="9040354" y="5014118"/>
             <a:ext cx="295554" cy="0"/>
           </a:xfrm>
           <a:prstGeom prst="straightConnector1">
@@ -10298,8 +9692,8 @@
           </a:fontRef>
         </p:style>
       </p:cxnSp>
-      <mc:AlternateContent xmlns:mc="http://schemas.openxmlformats.org/markup-compatibility/2006" xmlns:a14="http://schemas.microsoft.com/office/drawing/2010/main">
-        <mc:Choice Requires="a14">
+      <mc:AlternateContent xmlns:mc="http://schemas.openxmlformats.org/markup-compatibility/2006">
+        <mc:Choice xmlns:a14="http://schemas.microsoft.com/office/drawing/2010/main" Requires="a14">
           <p:sp>
             <p:nvSpPr>
               <p:cNvPr id="120" name="TextBox 119">
@@ -10314,7 +9708,7 @@
             </p:nvSpPr>
             <p:spPr>
               <a:xfrm>
-                <a:off x="8712954" y="4349868"/>
+                <a:off x="10482760" y="5743322"/>
                 <a:ext cx="619328" cy="307777"/>
               </a:xfrm>
               <a:prstGeom prst="rect">
@@ -10349,7 +9743,7 @@
             </p:txBody>
           </p:sp>
         </mc:Choice>
-        <mc:Fallback xmlns="">
+        <mc:Fallback>
           <p:sp>
             <p:nvSpPr>
               <p:cNvPr id="120" name="TextBox 119">
@@ -10366,16 +9760,16 @@
             </p:nvSpPr>
             <p:spPr>
               <a:xfrm>
-                <a:off x="8712954" y="4349868"/>
+                <a:off x="10482760" y="5743322"/>
                 <a:ext cx="619328" cy="307777"/>
               </a:xfrm>
               <a:prstGeom prst="rect">
                 <a:avLst/>
               </a:prstGeom>
               <a:blipFill>
-                <a:blip r:embed="rId15"/>
+                <a:blip r:embed="rId2"/>
                 <a:stretch>
-                  <a:fillRect b="-2000"/>
+                  <a:fillRect/>
                 </a:stretch>
               </a:blipFill>
             </p:spPr>
@@ -10408,7 +9802,7 @@
         </p:nvSpPr>
         <p:spPr>
           <a:xfrm>
-            <a:off x="5467711" y="3955839"/>
+            <a:off x="7237517" y="5349293"/>
             <a:ext cx="1902539" cy="400663"/>
           </a:xfrm>
           <a:prstGeom prst="rect">
@@ -10463,7 +9857,7 @@
         </p:nvCxnSpPr>
         <p:spPr>
           <a:xfrm>
-            <a:off x="5305082" y="4355937"/>
+            <a:off x="7074888" y="5749391"/>
             <a:ext cx="3717536" cy="0"/>
           </a:xfrm>
           <a:prstGeom prst="straightConnector1">
@@ -10507,7 +9901,7 @@
         </p:nvCxnSpPr>
         <p:spPr>
           <a:xfrm>
-            <a:off x="6494574" y="3955828"/>
+            <a:off x="8264380" y="5349282"/>
             <a:ext cx="875676" cy="0"/>
           </a:xfrm>
           <a:prstGeom prst="line">
@@ -10548,7 +9942,7 @@
         </p:nvCxnSpPr>
         <p:spPr>
           <a:xfrm flipV="1">
-            <a:off x="7370250" y="3955828"/>
+            <a:off x="9140056" y="5349282"/>
             <a:ext cx="0" cy="394040"/>
           </a:xfrm>
           <a:prstGeom prst="line">
@@ -10575,8 +9969,8 @@
           </a:fontRef>
         </p:style>
       </p:cxnSp>
-      <mc:AlternateContent xmlns:mc="http://schemas.openxmlformats.org/markup-compatibility/2006" xmlns:a14="http://schemas.microsoft.com/office/drawing/2010/main">
-        <mc:Choice Requires="a14">
+      <mc:AlternateContent xmlns:mc="http://schemas.openxmlformats.org/markup-compatibility/2006">
+        <mc:Choice xmlns:a14="http://schemas.microsoft.com/office/drawing/2010/main" Requires="a14">
           <p:sp>
             <p:nvSpPr>
               <p:cNvPr id="125" name="TextBox 124">
@@ -10591,7 +9985,7 @@
             </p:nvSpPr>
             <p:spPr>
               <a:xfrm>
-                <a:off x="5557295" y="4152848"/>
+                <a:off x="7327101" y="5546302"/>
                 <a:ext cx="786529" cy="246221"/>
               </a:xfrm>
               <a:prstGeom prst="rect">
@@ -10645,7 +10039,7 @@
             </p:txBody>
           </p:sp>
         </mc:Choice>
-        <mc:Fallback xmlns="">
+        <mc:Fallback>
           <p:sp>
             <p:nvSpPr>
               <p:cNvPr id="125" name="TextBox 124">
@@ -10662,14 +10056,14 @@
             </p:nvSpPr>
             <p:spPr>
               <a:xfrm>
-                <a:off x="5557295" y="4152848"/>
+                <a:off x="7327101" y="5546302"/>
                 <a:ext cx="786529" cy="246221"/>
               </a:xfrm>
               <a:prstGeom prst="rect">
                 <a:avLst/>
               </a:prstGeom>
               <a:blipFill>
-                <a:blip r:embed="rId24"/>
+                <a:blip r:embed="rId15"/>
                 <a:stretch>
                   <a:fillRect/>
                 </a:stretch>
@@ -10706,7 +10100,7 @@
         </p:nvCxnSpPr>
         <p:spPr>
           <a:xfrm>
-            <a:off x="6135169" y="4275958"/>
+            <a:off x="7904975" y="5669412"/>
             <a:ext cx="283811" cy="0"/>
           </a:xfrm>
           <a:prstGeom prst="straightConnector1">
@@ -10750,7 +10144,7 @@
         </p:nvCxnSpPr>
         <p:spPr>
           <a:xfrm flipH="1">
-            <a:off x="5484723" y="4275958"/>
+            <a:off x="7254529" y="5669412"/>
             <a:ext cx="245938" cy="0"/>
           </a:xfrm>
           <a:prstGeom prst="straightConnector1">
@@ -10792,7 +10186,7 @@
         </p:nvCxnSpPr>
         <p:spPr>
           <a:xfrm flipH="1">
-            <a:off x="6545939" y="4061247"/>
+            <a:off x="8315745" y="5454701"/>
             <a:ext cx="127819" cy="196645"/>
           </a:xfrm>
           <a:prstGeom prst="line">
@@ -10833,7 +10227,7 @@
         </p:nvCxnSpPr>
         <p:spPr>
           <a:xfrm flipH="1">
-            <a:off x="6683639" y="4054623"/>
+            <a:off x="8453445" y="5448077"/>
             <a:ext cx="127819" cy="196645"/>
           </a:xfrm>
           <a:prstGeom prst="line">
@@ -10874,7 +10268,7 @@
         </p:nvCxnSpPr>
         <p:spPr>
           <a:xfrm flipH="1">
-            <a:off x="6801626" y="4054623"/>
+            <a:off x="8571432" y="5448077"/>
             <a:ext cx="127819" cy="196645"/>
           </a:xfrm>
           <a:prstGeom prst="line">
@@ -10915,7 +10309,7 @@
         </p:nvCxnSpPr>
         <p:spPr>
           <a:xfrm flipH="1">
-            <a:off x="6930161" y="4053187"/>
+            <a:off x="8699967" y="5446641"/>
             <a:ext cx="127819" cy="196645"/>
           </a:xfrm>
           <a:prstGeom prst="line">
@@ -10956,7 +10350,7 @@
         </p:nvCxnSpPr>
         <p:spPr>
           <a:xfrm flipH="1">
-            <a:off x="7067861" y="4046563"/>
+            <a:off x="8837667" y="5440017"/>
             <a:ext cx="127819" cy="196645"/>
           </a:xfrm>
           <a:prstGeom prst="line">
@@ -10997,7 +10391,7 @@
         </p:nvCxnSpPr>
         <p:spPr>
           <a:xfrm flipH="1">
-            <a:off x="7185848" y="4046563"/>
+            <a:off x="8955654" y="5440017"/>
             <a:ext cx="127819" cy="196645"/>
           </a:xfrm>
           <a:prstGeom prst="line">
@@ -11024,8 +10418,8 @@
           </a:fontRef>
         </p:style>
       </p:cxnSp>
-      <mc:AlternateContent xmlns:mc="http://schemas.openxmlformats.org/markup-compatibility/2006" xmlns:a14="http://schemas.microsoft.com/office/drawing/2010/main">
-        <mc:Choice Requires="a14">
+      <mc:AlternateContent xmlns:mc="http://schemas.openxmlformats.org/markup-compatibility/2006">
+        <mc:Choice xmlns:a14="http://schemas.microsoft.com/office/drawing/2010/main" Requires="a14">
           <p:sp>
             <p:nvSpPr>
               <p:cNvPr id="143" name="TextBox 142">
@@ -11040,7 +10434,7 @@
             </p:nvSpPr>
             <p:spPr>
               <a:xfrm>
-                <a:off x="7067861" y="4736444"/>
+                <a:off x="8837667" y="6129898"/>
                 <a:ext cx="786529" cy="461665"/>
               </a:xfrm>
               <a:prstGeom prst="rect">
@@ -11092,7 +10486,7 @@
             </p:txBody>
           </p:sp>
         </mc:Choice>
-        <mc:Fallback xmlns="">
+        <mc:Fallback>
           <p:sp>
             <p:nvSpPr>
               <p:cNvPr id="143" name="TextBox 142">
@@ -11109,16 +10503,16 @@
             </p:nvSpPr>
             <p:spPr>
               <a:xfrm>
-                <a:off x="7067861" y="4736444"/>
+                <a:off x="8837667" y="6129898"/>
                 <a:ext cx="786529" cy="461665"/>
               </a:xfrm>
               <a:prstGeom prst="rect">
                 <a:avLst/>
               </a:prstGeom>
               <a:blipFill>
-                <a:blip r:embed="rId25"/>
+                <a:blip r:embed="rId16"/>
                 <a:stretch>
-                  <a:fillRect t="-1316"/>
+                  <a:fillRect t="-1333"/>
                 </a:stretch>
               </a:blipFill>
             </p:spPr>
@@ -11137,50 +10531,6 @@
           </p:sp>
         </mc:Fallback>
       </mc:AlternateContent>
-      <p:cxnSp>
-        <p:nvCxnSpPr>
-          <p:cNvPr id="144" name="Straight Arrow Connector 143">
-            <a:extLst>
-              <a:ext uri="{FF2B5EF4-FFF2-40B4-BE49-F238E27FC236}">
-                <a16:creationId xmlns:a16="http://schemas.microsoft.com/office/drawing/2014/main" id="{B99DFD34-1B95-42A0-8AE6-083A3F9271D2}"/>
-              </a:ext>
-            </a:extLst>
-          </p:cNvPr>
-          <p:cNvCxnSpPr>
-            <a:cxnSpLocks/>
-          </p:cNvCxnSpPr>
-          <p:nvPr/>
-        </p:nvCxnSpPr>
-        <p:spPr>
-          <a:xfrm>
-            <a:off x="1123381" y="3566860"/>
-            <a:ext cx="2743200" cy="0"/>
-          </a:xfrm>
-          <a:prstGeom prst="straightConnector1">
-            <a:avLst/>
-          </a:prstGeom>
-          <a:ln w="15875">
-            <a:solidFill>
-              <a:schemeClr val="tx1"/>
-            </a:solidFill>
-            <a:tailEnd type="triangle"/>
-          </a:ln>
-        </p:spPr>
-        <p:style>
-          <a:lnRef idx="1">
-            <a:schemeClr val="accent1"/>
-          </a:lnRef>
-          <a:fillRef idx="0">
-            <a:schemeClr val="accent1"/>
-          </a:fillRef>
-          <a:effectRef idx="0">
-            <a:schemeClr val="accent1"/>
-          </a:effectRef>
-          <a:fontRef idx="minor">
-            <a:schemeClr val="tx1"/>
-          </a:fontRef>
-        </p:style>
-      </p:cxnSp>
       <mc:AlternateContent xmlns:mc="http://schemas.openxmlformats.org/markup-compatibility/2006">
         <mc:Choice xmlns:a14="http://schemas.microsoft.com/office/drawing/2010/main" Requires="a14">
           <p:sp>
@@ -11197,7 +10547,7 @@
             </p:nvSpPr>
             <p:spPr>
               <a:xfrm>
-                <a:off x="7277287" y="3677046"/>
+                <a:off x="9047093" y="5070500"/>
                 <a:ext cx="619328" cy="276999"/>
               </a:xfrm>
               <a:prstGeom prst="rect">
@@ -11261,14 +10611,14 @@
             </p:nvSpPr>
             <p:spPr>
               <a:xfrm>
-                <a:off x="7277287" y="3677046"/>
+                <a:off x="9047093" y="5070500"/>
                 <a:ext cx="619328" cy="276999"/>
               </a:xfrm>
               <a:prstGeom prst="rect">
                 <a:avLst/>
               </a:prstGeom>
               <a:blipFill>
-                <a:blip r:embed="rId26"/>
+                <a:blip r:embed="rId17"/>
                 <a:stretch>
                   <a:fillRect/>
                 </a:stretch>
@@ -11305,7 +10655,7 @@
         </p:nvCxnSpPr>
         <p:spPr>
           <a:xfrm>
-            <a:off x="5998638" y="4739394"/>
+            <a:off x="7768444" y="6132848"/>
             <a:ext cx="2743200" cy="0"/>
           </a:xfrm>
           <a:prstGeom prst="straightConnector1">
@@ -11333,8 +10683,8 @@
           </a:fontRef>
         </p:style>
       </p:cxnSp>
-      <mc:AlternateContent xmlns:mc="http://schemas.openxmlformats.org/markup-compatibility/2006" xmlns:a14="http://schemas.microsoft.com/office/drawing/2010/main">
-        <mc:Choice Requires="a14">
+      <mc:AlternateContent xmlns:mc="http://schemas.openxmlformats.org/markup-compatibility/2006">
+        <mc:Choice xmlns:a14="http://schemas.microsoft.com/office/drawing/2010/main" Requires="a14">
           <p:sp>
             <p:nvSpPr>
               <p:cNvPr id="150" name="TextBox 149">
@@ -11349,7 +10699,7 @@
             </p:nvSpPr>
             <p:spPr>
               <a:xfrm>
-                <a:off x="8468863" y="4736444"/>
+                <a:off x="10238669" y="6129898"/>
                 <a:ext cx="619328" cy="307777"/>
               </a:xfrm>
               <a:prstGeom prst="rect">
@@ -11384,7 +10734,7 @@
             </p:txBody>
           </p:sp>
         </mc:Choice>
-        <mc:Fallback xmlns="">
+        <mc:Fallback>
           <p:sp>
             <p:nvSpPr>
               <p:cNvPr id="150" name="TextBox 149">
@@ -11401,14 +10751,14 @@
             </p:nvSpPr>
             <p:spPr>
               <a:xfrm>
-                <a:off x="8468863" y="4736444"/>
+                <a:off x="10238669" y="6129898"/>
                 <a:ext cx="619328" cy="307777"/>
               </a:xfrm>
               <a:prstGeom prst="rect">
                 <a:avLst/>
               </a:prstGeom>
               <a:blipFill>
-                <a:blip r:embed="rId27"/>
+                <a:blip r:embed="rId18"/>
                 <a:stretch>
                   <a:fillRect/>
                 </a:stretch>
@@ -11445,7 +10795,7 @@
         </p:nvCxnSpPr>
         <p:spPr>
           <a:xfrm>
-            <a:off x="7370250" y="4360411"/>
+            <a:off x="9140056" y="5753865"/>
             <a:ext cx="0" cy="378983"/>
           </a:xfrm>
           <a:prstGeom prst="line">
@@ -11473,8 +10823,8 @@
           </a:fontRef>
         </p:style>
       </p:cxnSp>
-      <mc:AlternateContent xmlns:mc="http://schemas.openxmlformats.org/markup-compatibility/2006" xmlns:a14="http://schemas.microsoft.com/office/drawing/2010/main">
-        <mc:Choice Requires="a14">
+      <mc:AlternateContent xmlns:mc="http://schemas.openxmlformats.org/markup-compatibility/2006">
+        <mc:Choice xmlns:a14="http://schemas.microsoft.com/office/drawing/2010/main" Requires="a14">
           <p:sp>
             <p:nvSpPr>
               <p:cNvPr id="153" name="TextBox 152">
@@ -11489,7 +10839,7 @@
             </p:nvSpPr>
             <p:spPr>
               <a:xfrm>
-                <a:off x="6148858" y="4737909"/>
+                <a:off x="7918664" y="6131363"/>
                 <a:ext cx="619328" cy="276999"/>
               </a:xfrm>
               <a:prstGeom prst="rect">
@@ -11524,7 +10874,7 @@
             </p:txBody>
           </p:sp>
         </mc:Choice>
-        <mc:Fallback xmlns="">
+        <mc:Fallback>
           <p:sp>
             <p:nvSpPr>
               <p:cNvPr id="153" name="TextBox 152">
@@ -11541,14 +10891,14 @@
             </p:nvSpPr>
             <p:spPr>
               <a:xfrm>
-                <a:off x="6148858" y="4737909"/>
+                <a:off x="7918664" y="6131363"/>
                 <a:ext cx="619328" cy="276999"/>
               </a:xfrm>
               <a:prstGeom prst="rect">
                 <a:avLst/>
               </a:prstGeom>
               <a:blipFill>
-                <a:blip r:embed="rId28"/>
+                <a:blip r:embed="rId19"/>
                 <a:stretch>
                   <a:fillRect/>
                 </a:stretch>
@@ -11569,8 +10919,8 @@
           </p:sp>
         </mc:Fallback>
       </mc:AlternateContent>
-      <mc:AlternateContent xmlns:mc="http://schemas.openxmlformats.org/markup-compatibility/2006" xmlns:a14="http://schemas.microsoft.com/office/drawing/2010/main">
-        <mc:Choice Requires="a14">
+      <mc:AlternateContent xmlns:mc="http://schemas.openxmlformats.org/markup-compatibility/2006">
+        <mc:Choice xmlns:a14="http://schemas.microsoft.com/office/drawing/2010/main" Requires="a14">
           <p:sp>
             <p:nvSpPr>
               <p:cNvPr id="154" name="TextBox 153">
@@ -11585,7 +10935,7 @@
             </p:nvSpPr>
             <p:spPr>
               <a:xfrm>
-                <a:off x="8111495" y="4737909"/>
+                <a:off x="9881301" y="6131363"/>
                 <a:ext cx="471731" cy="276999"/>
               </a:xfrm>
               <a:prstGeom prst="rect">
@@ -11617,7 +10967,7 @@
             </p:txBody>
           </p:sp>
         </mc:Choice>
-        <mc:Fallback xmlns="">
+        <mc:Fallback>
           <p:sp>
             <p:nvSpPr>
               <p:cNvPr id="154" name="TextBox 153">
@@ -11634,16 +10984,16 @@
             </p:nvSpPr>
             <p:spPr>
               <a:xfrm>
-                <a:off x="8111495" y="4737909"/>
+                <a:off x="9881301" y="6131363"/>
                 <a:ext cx="471731" cy="276999"/>
               </a:xfrm>
               <a:prstGeom prst="rect">
                 <a:avLst/>
               </a:prstGeom>
               <a:blipFill>
-                <a:blip r:embed="rId29"/>
+                <a:blip r:embed="rId12"/>
                 <a:stretch>
-                  <a:fillRect b="-15217"/>
+                  <a:fillRect t="-2222" b="-17778"/>
                 </a:stretch>
               </a:blipFill>
             </p:spPr>
@@ -11676,7 +11026,7 @@
         </p:nvSpPr>
         <p:spPr>
           <a:xfrm>
-            <a:off x="6137888" y="2173406"/>
+            <a:off x="7907694" y="3566860"/>
             <a:ext cx="733050" cy="461665"/>
           </a:xfrm>
           <a:prstGeom prst="rect">
@@ -11690,7 +11040,6 @@
           </a:bodyPr>
           <a:lstStyle/>
           <a:p>
-            <a:pPr/>
             <a:r>
               <a:rPr lang="en-US" sz="1200" dirty="0"/>
               <a:t>Start of window</a:t>
@@ -11712,7 +11061,7 @@
         </p:nvSpPr>
         <p:spPr>
           <a:xfrm>
-            <a:off x="8026839" y="2173406"/>
+            <a:off x="9796645" y="3566860"/>
             <a:ext cx="731866" cy="461665"/>
           </a:xfrm>
           <a:prstGeom prst="rect">
@@ -11726,7 +11075,6 @@
           </a:bodyPr>
           <a:lstStyle/>
           <a:p>
-            <a:pPr/>
             <a:r>
               <a:rPr lang="en-US" sz="1200" dirty="0"/>
               <a:t>End of window</a:t>
@@ -11750,7 +11098,7 @@
         </p:nvCxnSpPr>
         <p:spPr>
           <a:xfrm>
-            <a:off x="6458522" y="2582709"/>
+            <a:off x="8228328" y="3976163"/>
             <a:ext cx="0" cy="261911"/>
           </a:xfrm>
           <a:prstGeom prst="straightConnector1">
@@ -11794,7 +11142,7 @@
         </p:nvCxnSpPr>
         <p:spPr>
           <a:xfrm>
-            <a:off x="8347360" y="2582709"/>
+            <a:off x="10117166" y="3976163"/>
             <a:ext cx="0" cy="261911"/>
           </a:xfrm>
           <a:prstGeom prst="straightConnector1">
@@ -11822,6 +11170,388 @@
           </a:fontRef>
         </p:style>
       </p:cxnSp>
+      <mc:AlternateContent xmlns:mc="http://schemas.openxmlformats.org/markup-compatibility/2006">
+        <mc:Choice xmlns:a14="http://schemas.microsoft.com/office/drawing/2010/main" Requires="a14">
+          <p:sp>
+            <p:nvSpPr>
+              <p:cNvPr id="17" name="TextBox 16">
+                <a:extLst>
+                  <a:ext uri="{FF2B5EF4-FFF2-40B4-BE49-F238E27FC236}">
+                    <a16:creationId xmlns:a16="http://schemas.microsoft.com/office/drawing/2014/main" id="{FB13701A-FBC6-928E-E66D-A2AF5A87AF19}"/>
+                  </a:ext>
+                </a:extLst>
+              </p:cNvPr>
+              <p:cNvSpPr txBox="1"/>
+              <p:nvPr/>
+            </p:nvSpPr>
+            <p:spPr>
+              <a:xfrm>
+                <a:off x="1960643" y="1699494"/>
+                <a:ext cx="619328" cy="307777"/>
+              </a:xfrm>
+              <a:prstGeom prst="rect">
+                <a:avLst/>
+              </a:prstGeom>
+              <a:noFill/>
+            </p:spPr>
+            <p:txBody>
+              <a:bodyPr wrap="square" rtlCol="0">
+                <a:spAutoFit/>
+              </a:bodyPr>
+              <a:lstStyle/>
+              <a:p>
+                <a:pPr/>
+                <a14:m>
+                  <m:oMathPara xmlns:m="http://schemas.openxmlformats.org/officeDocument/2006/math">
+                    <m:oMathParaPr>
+                      <m:jc m:val="centerGroup"/>
+                    </m:oMathParaPr>
+                    <m:oMath xmlns:m="http://schemas.openxmlformats.org/officeDocument/2006/math">
+                      <m:r>
+                        <a:rPr lang="en-US" sz="1400" b="0" i="1" smtClean="0">
+                          <a:latin typeface="Cambria Math" panose="02040503050406030204" pitchFamily="18" charset="0"/>
+                        </a:rPr>
+                        <m:t>0</m:t>
+                      </m:r>
+                    </m:oMath>
+                  </m:oMathPara>
+                </a14:m>
+                <a:endParaRPr lang="en-US" sz="1400" dirty="0"/>
+              </a:p>
+            </p:txBody>
+          </p:sp>
+        </mc:Choice>
+        <mc:Fallback>
+          <p:sp>
+            <p:nvSpPr>
+              <p:cNvPr id="17" name="TextBox 16">
+                <a:extLst>
+                  <a:ext uri="{FF2B5EF4-FFF2-40B4-BE49-F238E27FC236}">
+                    <a16:creationId xmlns:a16="http://schemas.microsoft.com/office/drawing/2014/main" id="{FB13701A-FBC6-928E-E66D-A2AF5A87AF19}"/>
+                  </a:ext>
+                </a:extLst>
+              </p:cNvPr>
+              <p:cNvSpPr txBox="1">
+                <a:spLocks noRot="1" noChangeAspect="1" noMove="1" noResize="1" noEditPoints="1" noAdjustHandles="1" noChangeArrowheads="1" noChangeShapeType="1" noTextEdit="1"/>
+              </p:cNvSpPr>
+              <p:nvPr/>
+            </p:nvSpPr>
+            <p:spPr>
+              <a:xfrm>
+                <a:off x="1960643" y="1699494"/>
+                <a:ext cx="619328" cy="307777"/>
+              </a:xfrm>
+              <a:prstGeom prst="rect">
+                <a:avLst/>
+              </a:prstGeom>
+              <a:blipFill>
+                <a:blip r:embed="rId20"/>
+                <a:stretch>
+                  <a:fillRect/>
+                </a:stretch>
+              </a:blipFill>
+            </p:spPr>
+            <p:txBody>
+              <a:bodyPr/>
+              <a:lstStyle/>
+              <a:p>
+                <a:r>
+                  <a:rPr lang="en-US">
+                    <a:noFill/>
+                  </a:rPr>
+                  <a:t> </a:t>
+                </a:r>
+              </a:p>
+            </p:txBody>
+          </p:sp>
+        </mc:Fallback>
+      </mc:AlternateContent>
+      <mc:AlternateContent xmlns:mc="http://schemas.openxmlformats.org/markup-compatibility/2006">
+        <mc:Choice xmlns:a14="http://schemas.microsoft.com/office/drawing/2010/main" Requires="a14">
+          <p:sp>
+            <p:nvSpPr>
+              <p:cNvPr id="18" name="TextBox 17">
+                <a:extLst>
+                  <a:ext uri="{FF2B5EF4-FFF2-40B4-BE49-F238E27FC236}">
+                    <a16:creationId xmlns:a16="http://schemas.microsoft.com/office/drawing/2014/main" id="{9A15B8F4-4884-FAC0-1A05-EAEEC9456B32}"/>
+                  </a:ext>
+                </a:extLst>
+              </p:cNvPr>
+              <p:cNvSpPr txBox="1"/>
+              <p:nvPr/>
+            </p:nvSpPr>
+            <p:spPr>
+              <a:xfrm>
+                <a:off x="4267986" y="1688771"/>
+                <a:ext cx="471731" cy="307777"/>
+              </a:xfrm>
+              <a:prstGeom prst="rect">
+                <a:avLst/>
+              </a:prstGeom>
+              <a:noFill/>
+            </p:spPr>
+            <p:txBody>
+              <a:bodyPr wrap="square" rtlCol="0">
+                <a:spAutoFit/>
+              </a:bodyPr>
+              <a:lstStyle/>
+              <a:p>
+                <a14:m>
+                  <m:oMath xmlns:m="http://schemas.openxmlformats.org/officeDocument/2006/math">
+                    <m:r>
+                      <a:rPr lang="en-US" sz="1400" b="0" i="1" smtClean="0">
+                        <a:latin typeface="Cambria Math" panose="02040503050406030204" pitchFamily="18" charset="0"/>
+                      </a:rPr>
+                      <m:t>𝑁</m:t>
+                    </m:r>
+                  </m:oMath>
+                </a14:m>
+                <a:r>
+                  <a:rPr lang="en-US" sz="1400" dirty="0"/>
+                  <a:t>-1</a:t>
+                </a:r>
+              </a:p>
+            </p:txBody>
+          </p:sp>
+        </mc:Choice>
+        <mc:Fallback>
+          <p:sp>
+            <p:nvSpPr>
+              <p:cNvPr id="18" name="TextBox 17">
+                <a:extLst>
+                  <a:ext uri="{FF2B5EF4-FFF2-40B4-BE49-F238E27FC236}">
+                    <a16:creationId xmlns:a16="http://schemas.microsoft.com/office/drawing/2014/main" id="{9A15B8F4-4884-FAC0-1A05-EAEEC9456B32}"/>
+                  </a:ext>
+                </a:extLst>
+              </p:cNvPr>
+              <p:cNvSpPr txBox="1">
+                <a:spLocks noRot="1" noChangeAspect="1" noMove="1" noResize="1" noEditPoints="1" noAdjustHandles="1" noChangeArrowheads="1" noChangeShapeType="1" noTextEdit="1"/>
+              </p:cNvSpPr>
+              <p:nvPr/>
+            </p:nvSpPr>
+            <p:spPr>
+              <a:xfrm>
+                <a:off x="4267986" y="1688771"/>
+                <a:ext cx="471731" cy="307777"/>
+              </a:xfrm>
+              <a:prstGeom prst="rect">
+                <a:avLst/>
+              </a:prstGeom>
+              <a:blipFill>
+                <a:blip r:embed="rId21"/>
+                <a:stretch>
+                  <a:fillRect t="-3922" r="-1282" b="-19608"/>
+                </a:stretch>
+              </a:blipFill>
+            </p:spPr>
+            <p:txBody>
+              <a:bodyPr/>
+              <a:lstStyle/>
+              <a:p>
+                <a:r>
+                  <a:rPr lang="en-US">
+                    <a:noFill/>
+                  </a:rPr>
+                  <a:t> </a:t>
+                </a:r>
+              </a:p>
+            </p:txBody>
+          </p:sp>
+        </mc:Fallback>
+      </mc:AlternateContent>
+      <p:sp>
+        <p:nvSpPr>
+          <p:cNvPr id="22" name="TextBox 21">
+            <a:extLst>
+              <a:ext uri="{FF2B5EF4-FFF2-40B4-BE49-F238E27FC236}">
+                <a16:creationId xmlns:a16="http://schemas.microsoft.com/office/drawing/2014/main" id="{78A6EE7C-28F8-ECF7-4D08-3754294BD228}"/>
+              </a:ext>
+            </a:extLst>
+          </p:cNvPr>
+          <p:cNvSpPr txBox="1"/>
+          <p:nvPr/>
+        </p:nvSpPr>
+        <p:spPr>
+          <a:xfrm>
+            <a:off x="1803186" y="1404329"/>
+            <a:ext cx="1456507" cy="307777"/>
+          </a:xfrm>
+          <a:prstGeom prst="rect">
+            <a:avLst/>
+          </a:prstGeom>
+          <a:noFill/>
+        </p:spPr>
+        <p:txBody>
+          <a:bodyPr wrap="square" rtlCol="0">
+            <a:spAutoFit/>
+          </a:bodyPr>
+          <a:lstStyle/>
+          <a:p>
+            <a:r>
+              <a:rPr lang="en-US" sz="1400" dirty="0"/>
+              <a:t>Start of window</a:t>
+            </a:r>
+          </a:p>
+        </p:txBody>
+      </p:sp>
+      <p:sp>
+        <p:nvSpPr>
+          <p:cNvPr id="24" name="TextBox 23">
+            <a:extLst>
+              <a:ext uri="{FF2B5EF4-FFF2-40B4-BE49-F238E27FC236}">
+                <a16:creationId xmlns:a16="http://schemas.microsoft.com/office/drawing/2014/main" id="{A5DDC647-82B8-5DF8-3CD1-05C568F50331}"/>
+              </a:ext>
+            </a:extLst>
+          </p:cNvPr>
+          <p:cNvSpPr txBox="1"/>
+          <p:nvPr/>
+        </p:nvSpPr>
+        <p:spPr>
+          <a:xfrm>
+            <a:off x="3765705" y="1402093"/>
+            <a:ext cx="1289752" cy="307777"/>
+          </a:xfrm>
+          <a:prstGeom prst="rect">
+            <a:avLst/>
+          </a:prstGeom>
+          <a:noFill/>
+        </p:spPr>
+        <p:txBody>
+          <a:bodyPr wrap="square" rtlCol="0">
+            <a:spAutoFit/>
+          </a:bodyPr>
+          <a:lstStyle/>
+          <a:p>
+            <a:r>
+              <a:rPr lang="en-US" sz="1400" dirty="0"/>
+              <a:t>End of window</a:t>
+            </a:r>
+          </a:p>
+        </p:txBody>
+      </p:sp>
+      <p:cxnSp>
+        <p:nvCxnSpPr>
+          <p:cNvPr id="29" name="Straight Arrow Connector 28">
+            <a:extLst>
+              <a:ext uri="{FF2B5EF4-FFF2-40B4-BE49-F238E27FC236}">
+                <a16:creationId xmlns:a16="http://schemas.microsoft.com/office/drawing/2014/main" id="{1CD714B0-F077-9AFC-0486-66915A7A6BEC}"/>
+              </a:ext>
+            </a:extLst>
+          </p:cNvPr>
+          <p:cNvCxnSpPr>
+            <a:cxnSpLocks/>
+          </p:cNvCxnSpPr>
+          <p:nvPr/>
+        </p:nvCxnSpPr>
+        <p:spPr>
+          <a:xfrm>
+            <a:off x="2404528" y="1684654"/>
+            <a:ext cx="0" cy="261911"/>
+          </a:xfrm>
+          <a:prstGeom prst="straightConnector1">
+            <a:avLst/>
+          </a:prstGeom>
+          <a:ln w="15875">
+            <a:solidFill>
+              <a:schemeClr val="tx1"/>
+            </a:solidFill>
+            <a:tailEnd type="triangle"/>
+          </a:ln>
+        </p:spPr>
+        <p:style>
+          <a:lnRef idx="1">
+            <a:schemeClr val="accent1"/>
+          </a:lnRef>
+          <a:fillRef idx="0">
+            <a:schemeClr val="accent1"/>
+          </a:fillRef>
+          <a:effectRef idx="0">
+            <a:schemeClr val="accent1"/>
+          </a:effectRef>
+          <a:fontRef idx="minor">
+            <a:schemeClr val="tx1"/>
+          </a:fontRef>
+        </p:style>
+      </p:cxnSp>
+      <p:cxnSp>
+        <p:nvCxnSpPr>
+          <p:cNvPr id="30" name="Straight Arrow Connector 29">
+            <a:extLst>
+              <a:ext uri="{FF2B5EF4-FFF2-40B4-BE49-F238E27FC236}">
+                <a16:creationId xmlns:a16="http://schemas.microsoft.com/office/drawing/2014/main" id="{4376F185-0579-19A4-A73E-F0FB36A6B5F7}"/>
+              </a:ext>
+            </a:extLst>
+          </p:cNvPr>
+          <p:cNvCxnSpPr>
+            <a:cxnSpLocks/>
+          </p:cNvCxnSpPr>
+          <p:nvPr/>
+        </p:nvCxnSpPr>
+        <p:spPr>
+          <a:xfrm>
+            <a:off x="4293366" y="1684654"/>
+            <a:ext cx="0" cy="261911"/>
+          </a:xfrm>
+          <a:prstGeom prst="straightConnector1">
+            <a:avLst/>
+          </a:prstGeom>
+          <a:ln w="15875">
+            <a:solidFill>
+              <a:schemeClr val="tx1"/>
+            </a:solidFill>
+            <a:tailEnd type="triangle"/>
+          </a:ln>
+        </p:spPr>
+        <p:style>
+          <a:lnRef idx="1">
+            <a:schemeClr val="accent1"/>
+          </a:lnRef>
+          <a:fillRef idx="0">
+            <a:schemeClr val="accent1"/>
+          </a:fillRef>
+          <a:effectRef idx="0">
+            <a:schemeClr val="accent1"/>
+          </a:effectRef>
+          <a:fontRef idx="minor">
+            <a:schemeClr val="tx1"/>
+          </a:fontRef>
+        </p:style>
+      </p:cxnSp>
+      <p:sp>
+        <p:nvSpPr>
+          <p:cNvPr id="49" name="TextBox 48">
+            <a:extLst>
+              <a:ext uri="{FF2B5EF4-FFF2-40B4-BE49-F238E27FC236}">
+                <a16:creationId xmlns:a16="http://schemas.microsoft.com/office/drawing/2014/main" id="{322DEF06-653C-D2A2-84B4-2E66E37CCC93}"/>
+              </a:ext>
+            </a:extLst>
+          </p:cNvPr>
+          <p:cNvSpPr txBox="1"/>
+          <p:nvPr/>
+        </p:nvSpPr>
+        <p:spPr>
+          <a:xfrm>
+            <a:off x="581653" y="2179337"/>
+            <a:ext cx="2378003" cy="307777"/>
+          </a:xfrm>
+          <a:prstGeom prst="rect">
+            <a:avLst/>
+          </a:prstGeom>
+          <a:noFill/>
+        </p:spPr>
+        <p:txBody>
+          <a:bodyPr wrap="square" rtlCol="0">
+            <a:spAutoFit/>
+          </a:bodyPr>
+          <a:lstStyle/>
+          <a:p>
+            <a:r>
+              <a:rPr lang="en-US" sz="1400" dirty="0"/>
+              <a:t>preamble (passed)</a:t>
+            </a:r>
+          </a:p>
+        </p:txBody>
+      </p:sp>
     </p:spTree>
     <p:extLst>
       <p:ext uri="{BB962C8B-B14F-4D97-AF65-F5344CB8AC3E}">
